--- a/ANALYZING THE OSCARS.pptx
+++ b/ANALYZING THE OSCARS.pptx
@@ -13213,7 +13213,7 @@
         <p:spPr>
           <a:xfrm>
             <a:off x="1812924" y="4917988"/>
-            <a:ext cx="5008005" cy="1477328"/>
+            <a:ext cx="5008005" cy="2031325"/>
           </a:xfrm>
           <a:prstGeom prst="rect">
             <a:avLst/>
@@ -13302,6 +13302,42 @@
               </a:rPr>
               <a:t>https://www.statista.com/statistics/1072778/highest-grossing-movie-annually-historical/</a:t>
             </a:r>
+            <a:endParaRPr lang="en-US" sz="1200" dirty="0">
+              <a:solidFill>
+                <a:schemeClr val="bg1"/>
+              </a:solidFill>
+            </a:endParaRPr>
+          </a:p>
+          <a:p>
+            <a:endParaRPr lang="en-US" sz="1200" dirty="0">
+              <a:solidFill>
+                <a:schemeClr val="bg1"/>
+              </a:solidFill>
+            </a:endParaRPr>
+          </a:p>
+          <a:p>
+            <a:r>
+              <a:rPr lang="en-US" sz="1200" dirty="0">
+                <a:solidFill>
+                  <a:schemeClr val="bg1"/>
+                </a:solidFill>
+                <a:hlinkClick r:id="rId5">
+                  <a:extLst>
+                    <a:ext uri="{A12FA001-AC4F-418D-AE19-62706E023703}">
+                      <ahyp:hlinkClr xmlns:ahyp="http://schemas.microsoft.com/office/drawing/2018/hyperlinkcolor" val="tx"/>
+                    </a:ext>
+                  </a:extLst>
+                </a:hlinkClick>
+              </a:rPr>
+              <a:t>https://www.openintro.org/data/index.php?data=oscars</a:t>
+            </a:r>
+            <a:endParaRPr lang="en-US" sz="1200" dirty="0">
+              <a:solidFill>
+                <a:schemeClr val="bg1"/>
+              </a:solidFill>
+            </a:endParaRPr>
+          </a:p>
+          <a:p>
             <a:endParaRPr lang="en-US" sz="1200" dirty="0">
               <a:solidFill>
                 <a:schemeClr val="bg1"/>
@@ -14335,18 +14371,18 @@
       </p:sp>
       <p:sp>
         <p:nvSpPr>
-          <p:cNvPr id="4" name="Content Placeholder 3">
-            <a:extLst>
-              <a:ext uri="{FF2B5EF4-FFF2-40B4-BE49-F238E27FC236}">
-                <a16:creationId xmlns:a16="http://schemas.microsoft.com/office/drawing/2014/main" id="{4771AECA-AED6-47FC-9D1D-3CECC44DBD54}"/>
-              </a:ext>
-            </a:extLst>
-          </p:cNvPr>
-          <p:cNvSpPr>
-            <a:spLocks noGrp="1"/>
-          </p:cNvSpPr>
-          <p:nvPr>
-            <p:ph sz="half" idx="2"/>
+          <p:cNvPr id="5" name="Text Placeholder 4">
+            <a:extLst>
+              <a:ext uri="{FF2B5EF4-FFF2-40B4-BE49-F238E27FC236}">
+                <a16:creationId xmlns:a16="http://schemas.microsoft.com/office/drawing/2014/main" id="{2F5DFFDF-BB1F-4DF7-BD03-7DDAEB3D83DC}"/>
+              </a:ext>
+            </a:extLst>
+          </p:cNvPr>
+          <p:cNvSpPr>
+            <a:spLocks noGrp="1"/>
+          </p:cNvSpPr>
+          <p:nvPr>
+            <p:ph type="body" sz="quarter" idx="3"/>
           </p:nvPr>
         </p:nvSpPr>
         <p:spPr/>
@@ -14354,24 +14390,24 @@
           <a:bodyPr/>
           <a:lstStyle/>
           <a:p>
-            <a:endParaRPr lang="en-US"/>
-          </a:p>
-        </p:txBody>
-      </p:sp>
-      <p:sp>
-        <p:nvSpPr>
-          <p:cNvPr id="5" name="Text Placeholder 4">
-            <a:extLst>
-              <a:ext uri="{FF2B5EF4-FFF2-40B4-BE49-F238E27FC236}">
-                <a16:creationId xmlns:a16="http://schemas.microsoft.com/office/drawing/2014/main" id="{2F5DFFDF-BB1F-4DF7-BD03-7DDAEB3D83DC}"/>
-              </a:ext>
-            </a:extLst>
-          </p:cNvPr>
-          <p:cNvSpPr>
-            <a:spLocks noGrp="1"/>
-          </p:cNvSpPr>
-          <p:nvPr>
-            <p:ph type="body" sz="quarter" idx="3"/>
+            <a:endParaRPr lang="en-US" dirty="0"/>
+          </a:p>
+        </p:txBody>
+      </p:sp>
+      <p:sp>
+        <p:nvSpPr>
+          <p:cNvPr id="6" name="Content Placeholder 5">
+            <a:extLst>
+              <a:ext uri="{FF2B5EF4-FFF2-40B4-BE49-F238E27FC236}">
+                <a16:creationId xmlns:a16="http://schemas.microsoft.com/office/drawing/2014/main" id="{9C076165-F543-42EC-8031-FA2EFD8A91CB}"/>
+              </a:ext>
+            </a:extLst>
+          </p:cNvPr>
+          <p:cNvSpPr>
+            <a:spLocks noGrp="1"/>
+          </p:cNvSpPr>
+          <p:nvPr>
+            <p:ph sz="quarter" idx="4"/>
           </p:nvPr>
         </p:nvSpPr>
         <p:spPr/>
@@ -14379,35 +14415,59 @@
           <a:bodyPr/>
           <a:lstStyle/>
           <a:p>
-            <a:endParaRPr lang="en-US" dirty="0"/>
-          </a:p>
-        </p:txBody>
-      </p:sp>
-      <p:sp>
-        <p:nvSpPr>
-          <p:cNvPr id="6" name="Content Placeholder 5">
-            <a:extLst>
-              <a:ext uri="{FF2B5EF4-FFF2-40B4-BE49-F238E27FC236}">
-                <a16:creationId xmlns:a16="http://schemas.microsoft.com/office/drawing/2014/main" id="{9C076165-F543-42EC-8031-FA2EFD8A91CB}"/>
-              </a:ext>
-            </a:extLst>
-          </p:cNvPr>
-          <p:cNvSpPr>
-            <a:spLocks noGrp="1"/>
-          </p:cNvSpPr>
-          <p:nvPr>
-            <p:ph sz="quarter" idx="4"/>
-          </p:nvPr>
-        </p:nvSpPr>
-        <p:spPr/>
-        <p:txBody>
-          <a:bodyPr/>
-          <a:lstStyle/>
-          <a:p>
             <a:endParaRPr lang="en-US"/>
           </a:p>
         </p:txBody>
       </p:sp>
+      <p:pic>
+        <p:nvPicPr>
+          <p:cNvPr id="1026" name="Picture 2">
+            <a:extLst>
+              <a:ext uri="{FF2B5EF4-FFF2-40B4-BE49-F238E27FC236}">
+                <a16:creationId xmlns:a16="http://schemas.microsoft.com/office/drawing/2014/main" id="{D3815303-5055-4161-9B4F-5434FFE6C34D}"/>
+              </a:ext>
+            </a:extLst>
+          </p:cNvPr>
+          <p:cNvPicPr>
+            <a:picLocks noGrp="1" noChangeAspect="1" noChangeArrowheads="1"/>
+          </p:cNvPicPr>
+          <p:nvPr>
+            <p:ph sz="half" idx="2"/>
+          </p:nvPr>
+        </p:nvPicPr>
+        <p:blipFill>
+          <a:blip r:embed="rId2">
+            <a:extLst>
+              <a:ext uri="{28A0092B-C50C-407E-A947-70E740481C1C}">
+                <a14:useLocalDpi xmlns:a14="http://schemas.microsoft.com/office/drawing/2010/main" val="0"/>
+              </a:ext>
+            </a:extLst>
+          </a:blip>
+          <a:srcRect/>
+          <a:stretch>
+            <a:fillRect/>
+          </a:stretch>
+        </p:blipFill>
+        <p:spPr bwMode="auto">
+          <a:xfrm>
+            <a:off x="517525" y="4176584"/>
+            <a:ext cx="3575179" cy="4846038"/>
+          </a:xfrm>
+          <a:prstGeom prst="rect">
+            <a:avLst/>
+          </a:prstGeom>
+          <a:noFill/>
+          <a:extLst>
+            <a:ext uri="{909E8E84-426E-40DD-AFC4-6F175D3DCCD1}">
+              <a14:hiddenFill xmlns:a14="http://schemas.microsoft.com/office/drawing/2010/main">
+                <a:solidFill>
+                  <a:srgbClr val="FFFFFF"/>
+                </a:solidFill>
+              </a14:hiddenFill>
+            </a:ext>
+          </a:extLst>
+        </p:spPr>
+      </p:pic>
     </p:spTree>
     <p:extLst>
       <p:ext uri="{BB962C8B-B14F-4D97-AF65-F5344CB8AC3E}">
@@ -15489,11 +15549,12 @@
 </file>
 
 <file path=customXml/item1.xml><?xml version="1.0" encoding="utf-8"?>
-<p:properties xmlns:p="http://schemas.microsoft.com/office/2006/metadata/properties" xmlns:xsi="http://www.w3.org/2001/XMLSchema-instance" xmlns:pc="http://schemas.microsoft.com/office/infopath/2007/PartnerControls">
-  <documentManagement>
-    <MediaServiceKeyPoints xmlns="ef88797d-310b-4d46-ad9c-0c23fa0c8d45" xsi:nil="true"/>
-  </documentManagement>
-</p:properties>
+<?mso-contentType ?>
+<FormTemplates xmlns="http://schemas.microsoft.com/sharepoint/v3/contenttype/forms">
+  <Display>DocumentLibraryForm</Display>
+  <Edit>DocumentLibraryForm</Edit>
+  <New>DocumentLibraryForm</New>
+</FormTemplates>
 </file>
 
 <file path=customXml/item2.xml><?xml version="1.0" encoding="utf-8"?>
@@ -15720,20 +15781,17 @@
 </file>
 
 <file path=customXml/item3.xml><?xml version="1.0" encoding="utf-8"?>
-<?mso-contentType ?>
-<FormTemplates xmlns="http://schemas.microsoft.com/sharepoint/v3/contenttype/forms">
-  <Display>DocumentLibraryForm</Display>
-  <Edit>DocumentLibraryForm</Edit>
-  <New>DocumentLibraryForm</New>
-</FormTemplates>
+<p:properties xmlns:p="http://schemas.microsoft.com/office/2006/metadata/properties" xmlns:xsi="http://www.w3.org/2001/XMLSchema-instance" xmlns:pc="http://schemas.microsoft.com/office/infopath/2007/PartnerControls">
+  <documentManagement>
+    <MediaServiceKeyPoints xmlns="ef88797d-310b-4d46-ad9c-0c23fa0c8d45" xsi:nil="true"/>
+  </documentManagement>
+</p:properties>
 </file>
 
 <file path=customXml/itemProps1.xml><?xml version="1.0" encoding="utf-8"?>
-<ds:datastoreItem xmlns:ds="http://schemas.openxmlformats.org/officeDocument/2006/customXml" ds:itemID="{52924D36-B4C1-4B06-A9EC-CDCE768B3FD3}">
+<ds:datastoreItem xmlns:ds="http://schemas.openxmlformats.org/officeDocument/2006/customXml" ds:itemID="{CFB929D3-A7CA-4AB1-8061-FCB8D56D3FEE}">
   <ds:schemaRefs>
-    <ds:schemaRef ds:uri="http://schemas.microsoft.com/office/2006/metadata/properties"/>
-    <ds:schemaRef ds:uri="http://schemas.microsoft.com/office/infopath/2007/PartnerControls"/>
-    <ds:schemaRef ds:uri="ef88797d-310b-4d46-ad9c-0c23fa0c8d45"/>
+    <ds:schemaRef ds:uri="http://schemas.microsoft.com/sharepoint/v3/contenttype/forms"/>
   </ds:schemaRefs>
 </ds:datastoreItem>
 </file>
@@ -15758,9 +15816,11 @@
 </file>
 
 <file path=customXml/itemProps3.xml><?xml version="1.0" encoding="utf-8"?>
-<ds:datastoreItem xmlns:ds="http://schemas.openxmlformats.org/officeDocument/2006/customXml" ds:itemID="{CFB929D3-A7CA-4AB1-8061-FCB8D56D3FEE}">
+<ds:datastoreItem xmlns:ds="http://schemas.openxmlformats.org/officeDocument/2006/customXml" ds:itemID="{52924D36-B4C1-4B06-A9EC-CDCE768B3FD3}">
   <ds:schemaRefs>
-    <ds:schemaRef ds:uri="http://schemas.microsoft.com/sharepoint/v3/contenttype/forms"/>
+    <ds:schemaRef ds:uri="http://schemas.microsoft.com/office/2006/metadata/properties"/>
+    <ds:schemaRef ds:uri="http://schemas.microsoft.com/office/infopath/2007/PartnerControls"/>
+    <ds:schemaRef ds:uri="ef88797d-310b-4d46-ad9c-0c23fa0c8d45"/>
   </ds:schemaRefs>
 </ds:datastoreItem>
 </file>
--- a/ANALYZING THE OSCARS.pptx
+++ b/ANALYZING THE OSCARS.pptx
@@ -7,11 +7,11 @@
   <p:sldIdLst>
     <p:sldId id="258" r:id="rId5"/>
     <p:sldId id="261" r:id="rId6"/>
-    <p:sldId id="267" r:id="rId7"/>
-    <p:sldId id="268" r:id="rId8"/>
-    <p:sldId id="269" r:id="rId9"/>
-    <p:sldId id="270" r:id="rId10"/>
-    <p:sldId id="262" r:id="rId11"/>
+    <p:sldId id="269" r:id="rId7"/>
+    <p:sldId id="270" r:id="rId8"/>
+    <p:sldId id="268" r:id="rId9"/>
+    <p:sldId id="262" r:id="rId10"/>
+    <p:sldId id="267" r:id="rId11"/>
     <p:sldId id="263" r:id="rId12"/>
     <p:sldId id="264" r:id="rId13"/>
     <p:sldId id="266" r:id="rId14"/>
@@ -926,7 +926,7 @@
           <a:p>
             <a:fld id="{5A00D5ED-7015-4264-9BFD-2CE1D41834D8}" type="datetimeFigureOut">
               <a:rPr lang="en-US" smtClean="0"/>
-              <a:t>5/4/2021</a:t>
+              <a:t>5/5/2021</a:t>
             </a:fld>
             <a:endParaRPr lang="en-US"/>
           </a:p>
@@ -1177,7 +1177,7 @@
           <a:p>
             <a:fld id="{5A00D5ED-7015-4264-9BFD-2CE1D41834D8}" type="datetimeFigureOut">
               <a:rPr lang="en-US" smtClean="0"/>
-              <a:t>5/4/2021</a:t>
+              <a:t>5/5/2021</a:t>
             </a:fld>
             <a:endParaRPr lang="en-US"/>
           </a:p>
@@ -1491,7 +1491,7 @@
           <a:p>
             <a:fld id="{5A00D5ED-7015-4264-9BFD-2CE1D41834D8}" type="datetimeFigureOut">
               <a:rPr lang="en-US" smtClean="0"/>
-              <a:t>5/4/2021</a:t>
+              <a:t>5/5/2021</a:t>
             </a:fld>
             <a:endParaRPr lang="en-US"/>
           </a:p>
@@ -1824,7 +1824,7 @@
           <a:p>
             <a:fld id="{5A00D5ED-7015-4264-9BFD-2CE1D41834D8}" type="datetimeFigureOut">
               <a:rPr lang="en-US" smtClean="0"/>
-              <a:t>5/4/2021</a:t>
+              <a:t>5/5/2021</a:t>
             </a:fld>
             <a:endParaRPr lang="en-US"/>
           </a:p>
@@ -2138,7 +2138,7 @@
           <a:p>
             <a:fld id="{5A00D5ED-7015-4264-9BFD-2CE1D41834D8}" type="datetimeFigureOut">
               <a:rPr lang="en-US" smtClean="0"/>
-              <a:t>5/4/2021</a:t>
+              <a:t>5/5/2021</a:t>
             </a:fld>
             <a:endParaRPr lang="en-US"/>
           </a:p>
@@ -2531,7 +2531,7 @@
           <a:p>
             <a:fld id="{5A00D5ED-7015-4264-9BFD-2CE1D41834D8}" type="datetimeFigureOut">
               <a:rPr lang="en-US" smtClean="0"/>
-              <a:t>5/4/2021</a:t>
+              <a:t>5/5/2021</a:t>
             </a:fld>
             <a:endParaRPr lang="en-US"/>
           </a:p>
@@ -2701,7 +2701,7 @@
           <a:p>
             <a:fld id="{5A00D5ED-7015-4264-9BFD-2CE1D41834D8}" type="datetimeFigureOut">
               <a:rPr lang="en-US" smtClean="0"/>
-              <a:t>5/4/2021</a:t>
+              <a:t>5/5/2021</a:t>
             </a:fld>
             <a:endParaRPr lang="en-US"/>
           </a:p>
@@ -2881,7 +2881,7 @@
           <a:p>
             <a:fld id="{5A00D5ED-7015-4264-9BFD-2CE1D41834D8}" type="datetimeFigureOut">
               <a:rPr lang="en-US" smtClean="0"/>
-              <a:t>5/4/2021</a:t>
+              <a:t>5/5/2021</a:t>
             </a:fld>
             <a:endParaRPr lang="en-US"/>
           </a:p>
@@ -5957,7 +5957,7 @@
           <a:p>
             <a:fld id="{5A00D5ED-7015-4264-9BFD-2CE1D41834D8}" type="datetimeFigureOut">
               <a:rPr lang="en-US" smtClean="0"/>
-              <a:t>5/4/2021</a:t>
+              <a:t>5/5/2021</a:t>
             </a:fld>
             <a:endParaRPr lang="en-US"/>
           </a:p>
@@ -9803,7 +9803,7 @@
           <a:p>
             <a:fld id="{5A00D5ED-7015-4264-9BFD-2CE1D41834D8}" type="datetimeFigureOut">
               <a:rPr lang="en-US" smtClean="0"/>
-              <a:t>5/4/2021</a:t>
+              <a:t>5/5/2021</a:t>
             </a:fld>
             <a:endParaRPr lang="en-US"/>
           </a:p>
@@ -10100,7 +10100,7 @@
           <a:p>
             <a:fld id="{5A00D5ED-7015-4264-9BFD-2CE1D41834D8}" type="datetimeFigureOut">
               <a:rPr lang="en-US" smtClean="0"/>
-              <a:t>5/4/2021</a:t>
+              <a:t>5/5/2021</a:t>
             </a:fld>
             <a:endParaRPr lang="en-US"/>
           </a:p>
@@ -10479,7 +10479,7 @@
           <a:p>
             <a:fld id="{5A00D5ED-7015-4264-9BFD-2CE1D41834D8}" type="datetimeFigureOut">
               <a:rPr lang="en-US" smtClean="0"/>
-              <a:t>5/4/2021</a:t>
+              <a:t>5/5/2021</a:t>
             </a:fld>
             <a:endParaRPr lang="en-US"/>
           </a:p>
@@ -10602,7 +10602,7 @@
           <a:p>
             <a:fld id="{5A00D5ED-7015-4264-9BFD-2CE1D41834D8}" type="datetimeFigureOut">
               <a:rPr lang="en-US" smtClean="0"/>
-              <a:t>5/4/2021</a:t>
+              <a:t>5/5/2021</a:t>
             </a:fld>
             <a:endParaRPr lang="en-US"/>
           </a:p>
@@ -10697,7 +10697,7 @@
           <a:p>
             <a:fld id="{5A00D5ED-7015-4264-9BFD-2CE1D41834D8}" type="datetimeFigureOut">
               <a:rPr lang="en-US" smtClean="0"/>
-              <a:t>5/4/2021</a:t>
+              <a:t>5/5/2021</a:t>
             </a:fld>
             <a:endParaRPr lang="en-US"/>
           </a:p>
@@ -10952,7 +10952,7 @@
           <a:p>
             <a:fld id="{5A00D5ED-7015-4264-9BFD-2CE1D41834D8}" type="datetimeFigureOut">
               <a:rPr lang="en-US" smtClean="0"/>
-              <a:t>5/4/2021</a:t>
+              <a:t>5/5/2021</a:t>
             </a:fld>
             <a:endParaRPr lang="en-US"/>
           </a:p>
@@ -11215,7 +11215,7 @@
           <a:p>
             <a:fld id="{5A00D5ED-7015-4264-9BFD-2CE1D41834D8}" type="datetimeFigureOut">
               <a:rPr lang="en-US" smtClean="0"/>
-              <a:t>5/4/2021</a:t>
+              <a:t>5/5/2021</a:t>
             </a:fld>
             <a:endParaRPr lang="en-US"/>
           </a:p>
@@ -12029,7 +12029,7 @@
           <a:p>
             <a:fld id="{5A00D5ED-7015-4264-9BFD-2CE1D41834D8}" type="datetimeFigureOut">
               <a:rPr lang="en-US" smtClean="0"/>
-              <a:t>5/4/2021</a:t>
+              <a:t>5/5/2021</a:t>
             </a:fld>
             <a:endParaRPr lang="en-US"/>
           </a:p>
@@ -13706,7 +13706,7 @@
                 </a:solidFill>
                 <a:ea typeface="Cambria" panose="02040503050406030204" pitchFamily="18" charset="0"/>
               </a:rPr>
-              <a:t>Does the month of the movies release have any correlation to the films winning an award?</a:t>
+              <a:t>Does the month of the movies release have any correlation to the films winning Best Picture?</a:t>
             </a:r>
           </a:p>
           <a:p>
@@ -14082,7 +14082,7 @@
           <p:cNvPr id="2" name="Title 1">
             <a:extLst>
               <a:ext uri="{FF2B5EF4-FFF2-40B4-BE49-F238E27FC236}">
-                <a16:creationId xmlns:a16="http://schemas.microsoft.com/office/drawing/2014/main" id="{492CB400-945B-4D3C-8483-95D05C19965D}"/>
+                <a16:creationId xmlns:a16="http://schemas.microsoft.com/office/drawing/2014/main" id="{DE308658-74A9-4F72-9CA1-1BDE3C28D11B}"/>
               </a:ext>
             </a:extLst>
           </p:cNvPr>
@@ -14093,44 +14093,206 @@
             <p:ph type="title"/>
           </p:nvPr>
         </p:nvSpPr>
-        <p:spPr/>
+        <p:spPr>
+          <a:xfrm>
+            <a:off x="518160" y="894081"/>
+            <a:ext cx="5203018" cy="1626698"/>
+          </a:xfrm>
+        </p:spPr>
+        <p:txBody>
+          <a:bodyPr>
+            <a:normAutofit fontScale="90000"/>
+          </a:bodyPr>
+          <a:lstStyle/>
+          <a:p>
+            <a:r>
+              <a:rPr lang="en-US" sz="2400" spc="100" dirty="0">
+                <a:ea typeface="Cambria" panose="02040503050406030204" pitchFamily="18" charset="0"/>
+              </a:rPr>
+              <a:t>Does the month and quarter of the movies release have any correlation to the films winning Best Picture?</a:t>
+            </a:r>
+            <a:br>
+              <a:rPr lang="en-US" sz="3200" spc="100" dirty="0">
+                <a:solidFill>
+                  <a:schemeClr val="bg1"/>
+                </a:solidFill>
+                <a:ea typeface="Cambria" panose="02040503050406030204" pitchFamily="18" charset="0"/>
+              </a:rPr>
+            </a:br>
+            <a:endParaRPr lang="en-US" dirty="0"/>
+          </a:p>
+        </p:txBody>
+      </p:sp>
+      <p:sp>
+        <p:nvSpPr>
+          <p:cNvPr id="3" name="Text Placeholder 2">
+            <a:extLst>
+              <a:ext uri="{FF2B5EF4-FFF2-40B4-BE49-F238E27FC236}">
+                <a16:creationId xmlns:a16="http://schemas.microsoft.com/office/drawing/2014/main" id="{021527B3-CA7E-461A-BE03-18263B735DE8}"/>
+              </a:ext>
+            </a:extLst>
+          </p:cNvPr>
+          <p:cNvSpPr>
+            <a:spLocks noGrp="1"/>
+          </p:cNvSpPr>
+          <p:nvPr>
+            <p:ph type="body" idx="1"/>
+          </p:nvPr>
+        </p:nvSpPr>
+        <p:spPr>
+          <a:xfrm>
+            <a:off x="518159" y="3169442"/>
+            <a:ext cx="5909145" cy="965236"/>
+          </a:xfrm>
+        </p:spPr>
         <p:txBody>
           <a:bodyPr/>
           <a:lstStyle/>
           <a:p>
-            <a:endParaRPr lang="en-US" dirty="0"/>
-          </a:p>
-        </p:txBody>
-      </p:sp>
-      <p:sp>
-        <p:nvSpPr>
-          <p:cNvPr id="3" name="Text Placeholder 2">
-            <a:extLst>
-              <a:ext uri="{FF2B5EF4-FFF2-40B4-BE49-F238E27FC236}">
-                <a16:creationId xmlns:a16="http://schemas.microsoft.com/office/drawing/2014/main" id="{66669DBA-CAD1-4991-BAD1-013EE98CF29B}"/>
-              </a:ext>
-            </a:extLst>
-          </p:cNvPr>
-          <p:cNvSpPr>
-            <a:spLocks noGrp="1"/>
-          </p:cNvSpPr>
-          <p:nvPr>
-            <p:ph type="body" idx="1"/>
-          </p:nvPr>
-        </p:nvSpPr>
-        <p:spPr/>
-        <p:txBody>
-          <a:bodyPr/>
+            <a:r>
+              <a:rPr lang="en-US" dirty="0"/>
+              <a:t>Winners by Quarter vs Nominees by Quarter</a:t>
+            </a:r>
+          </a:p>
+        </p:txBody>
+      </p:sp>
+      <p:pic>
+        <p:nvPicPr>
+          <p:cNvPr id="13" name="Picture 2">
+            <a:extLst>
+              <a:ext uri="{FF2B5EF4-FFF2-40B4-BE49-F238E27FC236}">
+                <a16:creationId xmlns:a16="http://schemas.microsoft.com/office/drawing/2014/main" id="{809AB58B-A219-4230-AD9A-3242B6CAE50F}"/>
+              </a:ext>
+            </a:extLst>
+          </p:cNvPr>
+          <p:cNvPicPr>
+            <a:picLocks noGrp="1" noChangeAspect="1" noChangeArrowheads="1"/>
+          </p:cNvPicPr>
+          <p:nvPr>
+            <p:ph sz="half" idx="2"/>
+          </p:nvPr>
+        </p:nvPicPr>
+        <p:blipFill>
+          <a:blip r:embed="rId2">
+            <a:extLst>
+              <a:ext uri="{28A0092B-C50C-407E-A947-70E740481C1C}">
+                <a14:useLocalDpi xmlns:a14="http://schemas.microsoft.com/office/drawing/2010/main" val="0"/>
+              </a:ext>
+            </a:extLst>
+          </a:blip>
+          <a:srcRect/>
+          <a:stretch>
+            <a:fillRect/>
+          </a:stretch>
+        </p:blipFill>
+        <p:spPr bwMode="auto">
+          <a:xfrm>
+            <a:off x="-831043" y="3909392"/>
+            <a:ext cx="5363286" cy="4452730"/>
+          </a:xfrm>
+          <a:prstGeom prst="rect">
+            <a:avLst/>
+          </a:prstGeom>
+          <a:noFill/>
+          <a:extLst>
+            <a:ext uri="{909E8E84-426E-40DD-AFC4-6F175D3DCCD1}">
+              <a14:hiddenFill xmlns:a14="http://schemas.microsoft.com/office/drawing/2010/main">
+                <a:solidFill>
+                  <a:srgbClr val="FFFFFF"/>
+                </a:solidFill>
+              </a14:hiddenFill>
+            </a:ext>
+          </a:extLst>
+        </p:spPr>
+      </p:pic>
+      <p:pic>
+        <p:nvPicPr>
+          <p:cNvPr id="1028" name="Picture 4">
+            <a:extLst>
+              <a:ext uri="{FF2B5EF4-FFF2-40B4-BE49-F238E27FC236}">
+                <a16:creationId xmlns:a16="http://schemas.microsoft.com/office/drawing/2014/main" id="{104260A0-9915-4D4D-B72F-49B8B5196DDD}"/>
+              </a:ext>
+            </a:extLst>
+          </p:cNvPr>
+          <p:cNvPicPr>
+            <a:picLocks noGrp="1" noChangeAspect="1" noChangeArrowheads="1"/>
+          </p:cNvPicPr>
+          <p:nvPr>
+            <p:ph sz="quarter" idx="4"/>
+          </p:nvPr>
+        </p:nvPicPr>
+        <p:blipFill>
+          <a:blip r:embed="rId3">
+            <a:extLst>
+              <a:ext uri="{28A0092B-C50C-407E-A947-70E740481C1C}">
+                <a14:useLocalDpi xmlns:a14="http://schemas.microsoft.com/office/drawing/2010/main" val="0"/>
+              </a:ext>
+            </a:extLst>
+          </a:blip>
+          <a:srcRect/>
+          <a:stretch>
+            <a:fillRect/>
+          </a:stretch>
+        </p:blipFill>
+        <p:spPr bwMode="auto">
+          <a:xfrm>
+            <a:off x="2610679" y="5179494"/>
+            <a:ext cx="5261112" cy="3922578"/>
+          </a:xfrm>
+          <a:prstGeom prst="rect">
+            <a:avLst/>
+          </a:prstGeom>
+          <a:noFill/>
+          <a:extLst>
+            <a:ext uri="{909E8E84-426E-40DD-AFC4-6F175D3DCCD1}">
+              <a14:hiddenFill xmlns:a14="http://schemas.microsoft.com/office/drawing/2010/main">
+                <a:solidFill>
+                  <a:srgbClr val="FFFFFF"/>
+                </a:solidFill>
+              </a14:hiddenFill>
+            </a:ext>
+          </a:extLst>
+        </p:spPr>
+      </p:pic>
+      <p:sp>
+        <p:nvSpPr>
+          <p:cNvPr id="14" name="TextBox 13">
+            <a:extLst>
+              <a:ext uri="{FF2B5EF4-FFF2-40B4-BE49-F238E27FC236}">
+                <a16:creationId xmlns:a16="http://schemas.microsoft.com/office/drawing/2014/main" id="{CE9A4AC8-3FE5-425E-B20A-318C572D901E}"/>
+              </a:ext>
+            </a:extLst>
+          </p:cNvPr>
+          <p:cNvSpPr txBox="1"/>
+          <p:nvPr/>
+        </p:nvSpPr>
+        <p:spPr>
+          <a:xfrm>
+            <a:off x="518160" y="2520779"/>
+            <a:ext cx="5909144" cy="1200329"/>
+          </a:xfrm>
+          <a:prstGeom prst="rect">
+            <a:avLst/>
+          </a:prstGeom>
+          <a:noFill/>
+        </p:spPr>
+        <p:txBody>
+          <a:bodyPr wrap="square" rtlCol="0">
+            <a:spAutoFit/>
+          </a:bodyPr>
           <a:lstStyle/>
           <a:p>
-            <a:endParaRPr lang="en-US"/>
+            <a:r>
+              <a:rPr lang="en-US" dirty="0"/>
+              <a:t>The answer is a resounding YES! 38.4% of nominees and 41.3% of the winners come from the fourth quarter. Summer movies only make up 20.5% of the nominees and have won only 13% of the award</a:t>
+            </a:r>
           </a:p>
         </p:txBody>
       </p:sp>
     </p:spTree>
     <p:extLst>
       <p:ext uri="{BB962C8B-B14F-4D97-AF65-F5344CB8AC3E}">
-        <p14:creationId xmlns:p14="http://schemas.microsoft.com/office/powerpoint/2010/main" val="399555404"/>
+        <p14:creationId xmlns:p14="http://schemas.microsoft.com/office/powerpoint/2010/main" val="1670630237"/>
       </p:ext>
     </p:extLst>
   </p:cSld>
@@ -14162,7 +14324,7 @@
           <p:cNvPr id="2" name="Title 1">
             <a:extLst>
               <a:ext uri="{FF2B5EF4-FFF2-40B4-BE49-F238E27FC236}">
-                <a16:creationId xmlns:a16="http://schemas.microsoft.com/office/drawing/2014/main" id="{EE7E50B7-1D74-4EEA-8992-6617230A4C4A}"/>
+                <a16:creationId xmlns:a16="http://schemas.microsoft.com/office/drawing/2014/main" id="{D200158D-7E32-46AB-BED6-EB1FF8651A56}"/>
               </a:ext>
             </a:extLst>
           </p:cNvPr>
@@ -14176,102 +14338,124 @@
         <p:spPr/>
         <p:txBody>
           <a:bodyPr>
-            <a:normAutofit fontScale="90000"/>
+            <a:normAutofit/>
           </a:bodyPr>
           <a:lstStyle/>
           <a:p>
             <a:r>
-              <a:rPr lang="en-US" sz="1800" spc="100" dirty="0">
-                <a:solidFill>
-                  <a:schemeClr val="bg1"/>
-                </a:solidFill>
-                <a:ea typeface="Cambria" panose="02040503050406030204" pitchFamily="18" charset="0"/>
+              <a:rPr lang="en-US" sz="1800" dirty="0">
+                <a:solidFill>
+                  <a:schemeClr val="tx1"/>
+                </a:solidFill>
+                <a:latin typeface="+mn-lt"/>
               </a:rPr>
-              <a:t>Does the month of the movies release have any correlation to the films winning an award?</a:t>
-            </a:r>
-            <a:br>
-              <a:rPr lang="en-US" sz="1800" spc="100" dirty="0">
-                <a:solidFill>
-                  <a:schemeClr val="bg1"/>
-                </a:solidFill>
-                <a:ea typeface="Cambria" panose="02040503050406030204" pitchFamily="18" charset="0"/>
-              </a:rPr>
-            </a:br>
-            <a:r>
-              <a:rPr lang="en-US" sz="1800" spc="100" dirty="0">
-                <a:solidFill>
-                  <a:schemeClr val="bg1"/>
-                </a:solidFill>
-                <a:ea typeface="Cambria" panose="02040503050406030204" pitchFamily="18" charset="0"/>
-              </a:rPr>
-              <a:t>Does the month of the movies release have any correlation to the films winning an award?</a:t>
-            </a:r>
-            <a:br>
-              <a:rPr lang="en-US" sz="1800" spc="100" dirty="0">
-                <a:solidFill>
-                  <a:schemeClr val="bg1"/>
-                </a:solidFill>
-                <a:ea typeface="Cambria" panose="02040503050406030204" pitchFamily="18" charset="0"/>
-              </a:rPr>
-            </a:br>
-            <a:endParaRPr lang="en-US" dirty="0"/>
-          </a:p>
-        </p:txBody>
-      </p:sp>
-      <p:sp>
-        <p:nvSpPr>
-          <p:cNvPr id="3" name="Content Placeholder 2">
-            <a:extLst>
-              <a:ext uri="{FF2B5EF4-FFF2-40B4-BE49-F238E27FC236}">
-                <a16:creationId xmlns:a16="http://schemas.microsoft.com/office/drawing/2014/main" id="{33F4B4FE-7E83-4CE5-9306-82ACE427C0BC}"/>
-              </a:ext>
-            </a:extLst>
-          </p:cNvPr>
-          <p:cNvSpPr>
-            <a:spLocks noGrp="1"/>
-          </p:cNvSpPr>
-          <p:nvPr>
-            <p:ph idx="1"/>
-          </p:nvPr>
-        </p:nvSpPr>
-        <p:spPr/>
-        <p:txBody>
-          <a:bodyPr/>
-          <a:lstStyle/>
-          <a:p>
-            <a:endParaRPr lang="en-US"/>
-          </a:p>
-        </p:txBody>
-      </p:sp>
-      <p:sp>
-        <p:nvSpPr>
-          <p:cNvPr id="4" name="Text Placeholder 3">
-            <a:extLst>
-              <a:ext uri="{FF2B5EF4-FFF2-40B4-BE49-F238E27FC236}">
-                <a16:creationId xmlns:a16="http://schemas.microsoft.com/office/drawing/2014/main" id="{5D905510-DBD6-446E-BD99-92EB490EF4FE}"/>
-              </a:ext>
-            </a:extLst>
-          </p:cNvPr>
-          <p:cNvSpPr>
-            <a:spLocks noGrp="1"/>
-          </p:cNvSpPr>
-          <p:nvPr>
-            <p:ph type="body" sz="half" idx="2"/>
-          </p:nvPr>
-        </p:nvSpPr>
-        <p:spPr/>
-        <p:txBody>
-          <a:bodyPr/>
-          <a:lstStyle/>
-          <a:p>
-            <a:endParaRPr lang="en-US"/>
-          </a:p>
-        </p:txBody>
-      </p:sp>
+              <a:t>When the months were reviewed, December is a clear leader, although in recent years movies released in November have had more Best Picture Oscars. 	</a:t>
+            </a:r>
+          </a:p>
+        </p:txBody>
+      </p:sp>
+      <p:pic>
+        <p:nvPicPr>
+          <p:cNvPr id="2050" name="Picture 2">
+            <a:extLst>
+              <a:ext uri="{FF2B5EF4-FFF2-40B4-BE49-F238E27FC236}">
+                <a16:creationId xmlns:a16="http://schemas.microsoft.com/office/drawing/2014/main" id="{9438DDEA-479B-49F8-AE3D-569C17C7BE80}"/>
+              </a:ext>
+            </a:extLst>
+          </p:cNvPr>
+          <p:cNvPicPr>
+            <a:picLocks noGrp="1" noChangeAspect="1" noChangeArrowheads="1"/>
+          </p:cNvPicPr>
+          <p:nvPr>
+            <p:ph sz="half" idx="2"/>
+          </p:nvPr>
+        </p:nvPicPr>
+        <p:blipFill>
+          <a:blip r:embed="rId2">
+            <a:extLst>
+              <a:ext uri="{28A0092B-C50C-407E-A947-70E740481C1C}">
+                <a14:useLocalDpi xmlns:a14="http://schemas.microsoft.com/office/drawing/2010/main" val="0"/>
+              </a:ext>
+            </a:extLst>
+          </a:blip>
+          <a:srcRect/>
+          <a:stretch>
+            <a:fillRect/>
+          </a:stretch>
+        </p:blipFill>
+        <p:spPr bwMode="auto">
+          <a:xfrm>
+            <a:off x="2098765" y="5869570"/>
+            <a:ext cx="5395557" cy="3597038"/>
+          </a:xfrm>
+          <a:prstGeom prst="rect">
+            <a:avLst/>
+          </a:prstGeom>
+          <a:noFill/>
+          <a:extLst>
+            <a:ext uri="{909E8E84-426E-40DD-AFC4-6F175D3DCCD1}">
+              <a14:hiddenFill xmlns:a14="http://schemas.microsoft.com/office/drawing/2010/main">
+                <a:solidFill>
+                  <a:srgbClr val="FFFFFF"/>
+                </a:solidFill>
+              </a14:hiddenFill>
+            </a:ext>
+          </a:extLst>
+        </p:spPr>
+      </p:pic>
+      <p:pic>
+        <p:nvPicPr>
+          <p:cNvPr id="2052" name="Picture 4">
+            <a:extLst>
+              <a:ext uri="{FF2B5EF4-FFF2-40B4-BE49-F238E27FC236}">
+                <a16:creationId xmlns:a16="http://schemas.microsoft.com/office/drawing/2014/main" id="{72A7C9B3-077F-48AE-9FEC-B2A337E0B661}"/>
+              </a:ext>
+            </a:extLst>
+          </p:cNvPr>
+          <p:cNvPicPr>
+            <a:picLocks noGrp="1" noChangeAspect="1" noChangeArrowheads="1"/>
+          </p:cNvPicPr>
+          <p:nvPr>
+            <p:ph sz="half" idx="1"/>
+          </p:nvPr>
+        </p:nvPicPr>
+        <p:blipFill>
+          <a:blip r:embed="rId3">
+            <a:extLst>
+              <a:ext uri="{28A0092B-C50C-407E-A947-70E740481C1C}">
+                <a14:useLocalDpi xmlns:a14="http://schemas.microsoft.com/office/drawing/2010/main" val="0"/>
+              </a:ext>
+            </a:extLst>
+          </a:blip>
+          <a:srcRect/>
+          <a:stretch>
+            <a:fillRect/>
+          </a:stretch>
+        </p:blipFill>
+        <p:spPr bwMode="auto">
+          <a:xfrm>
+            <a:off x="-198093" y="2703445"/>
+            <a:ext cx="5167072" cy="3444714"/>
+          </a:xfrm>
+          <a:prstGeom prst="rect">
+            <a:avLst/>
+          </a:prstGeom>
+          <a:noFill/>
+          <a:extLst>
+            <a:ext uri="{909E8E84-426E-40DD-AFC4-6F175D3DCCD1}">
+              <a14:hiddenFill xmlns:a14="http://schemas.microsoft.com/office/drawing/2010/main">
+                <a:solidFill>
+                  <a:srgbClr val="FFFFFF"/>
+                </a:solidFill>
+              </a14:hiddenFill>
+            </a:ext>
+          </a:extLst>
+        </p:spPr>
+      </p:pic>
     </p:spTree>
     <p:extLst>
       <p:ext uri="{BB962C8B-B14F-4D97-AF65-F5344CB8AC3E}">
-        <p14:creationId xmlns:p14="http://schemas.microsoft.com/office/powerpoint/2010/main" val="1396243263"/>
+        <p14:creationId xmlns:p14="http://schemas.microsoft.com/office/powerpoint/2010/main" val="2839593528"/>
       </p:ext>
     </p:extLst>
   </p:cSld>
@@ -14303,7 +14487,7 @@
           <p:cNvPr id="2" name="Title 1">
             <a:extLst>
               <a:ext uri="{FF2B5EF4-FFF2-40B4-BE49-F238E27FC236}">
-                <a16:creationId xmlns:a16="http://schemas.microsoft.com/office/drawing/2014/main" id="{DE308658-74A9-4F72-9CA1-1BDE3C28D11B}"/>
+                <a16:creationId xmlns:a16="http://schemas.microsoft.com/office/drawing/2014/main" id="{EE7E50B7-1D74-4EEA-8992-6617230A4C4A}"/>
               </a:ext>
             </a:extLst>
           </p:cNvPr>
@@ -14314,12 +14498,7 @@
             <p:ph type="title"/>
           </p:nvPr>
         </p:nvSpPr>
-        <p:spPr>
-          <a:xfrm>
-            <a:off x="518160" y="894081"/>
-            <a:ext cx="5203018" cy="1626698"/>
-          </a:xfrm>
-        </p:spPr>
+        <p:spPr/>
         <p:txBody>
           <a:bodyPr>
             <a:normAutofit fontScale="90000"/>
@@ -14327,13 +14506,33 @@
           <a:lstStyle/>
           <a:p>
             <a:r>
-              <a:rPr lang="en-US" sz="2400" spc="100" dirty="0">
+              <a:rPr lang="en-US" sz="1800" spc="100" dirty="0">
+                <a:solidFill>
+                  <a:schemeClr val="bg1"/>
+                </a:solidFill>
                 <a:ea typeface="Cambria" panose="02040503050406030204" pitchFamily="18" charset="0"/>
               </a:rPr>
               <a:t>Does the month of the movies release have any correlation to the films winning an award?</a:t>
             </a:r>
             <a:br>
-              <a:rPr lang="en-US" sz="3200" spc="100" dirty="0">
+              <a:rPr lang="en-US" sz="1800" spc="100" dirty="0">
+                <a:solidFill>
+                  <a:schemeClr val="bg1"/>
+                </a:solidFill>
+                <a:ea typeface="Cambria" panose="02040503050406030204" pitchFamily="18" charset="0"/>
+              </a:rPr>
+            </a:br>
+            <a:r>
+              <a:rPr lang="en-US" sz="1800" spc="100" dirty="0">
+                <a:solidFill>
+                  <a:schemeClr val="bg1"/>
+                </a:solidFill>
+                <a:ea typeface="Cambria" panose="02040503050406030204" pitchFamily="18" charset="0"/>
+              </a:rPr>
+              <a:t>Does the month of the movies release have any correlation to the films winning an award?</a:t>
+            </a:r>
+            <a:br>
+              <a:rPr lang="en-US" sz="1800" spc="100" dirty="0">
                 <a:solidFill>
                   <a:schemeClr val="bg1"/>
                 </a:solidFill>
@@ -14346,18 +14545,18 @@
       </p:sp>
       <p:sp>
         <p:nvSpPr>
-          <p:cNvPr id="3" name="Text Placeholder 2">
-            <a:extLst>
-              <a:ext uri="{FF2B5EF4-FFF2-40B4-BE49-F238E27FC236}">
-                <a16:creationId xmlns:a16="http://schemas.microsoft.com/office/drawing/2014/main" id="{021527B3-CA7E-461A-BE03-18263B735DE8}"/>
-              </a:ext>
-            </a:extLst>
-          </p:cNvPr>
-          <p:cNvSpPr>
-            <a:spLocks noGrp="1"/>
-          </p:cNvSpPr>
-          <p:nvPr>
-            <p:ph type="body" idx="1"/>
+          <p:cNvPr id="3" name="Content Placeholder 2">
+            <a:extLst>
+              <a:ext uri="{FF2B5EF4-FFF2-40B4-BE49-F238E27FC236}">
+                <a16:creationId xmlns:a16="http://schemas.microsoft.com/office/drawing/2014/main" id="{33F4B4FE-7E83-4CE5-9306-82ACE427C0BC}"/>
+              </a:ext>
+            </a:extLst>
+          </p:cNvPr>
+          <p:cNvSpPr>
+            <a:spLocks noGrp="1"/>
+          </p:cNvSpPr>
+          <p:nvPr>
+            <p:ph idx="1"/>
           </p:nvPr>
         </p:nvSpPr>
         <p:spPr/>
@@ -14365,24 +14564,24 @@
           <a:bodyPr/>
           <a:lstStyle/>
           <a:p>
-            <a:endParaRPr lang="en-US" dirty="0"/>
-          </a:p>
-        </p:txBody>
-      </p:sp>
-      <p:sp>
-        <p:nvSpPr>
-          <p:cNvPr id="5" name="Text Placeholder 4">
-            <a:extLst>
-              <a:ext uri="{FF2B5EF4-FFF2-40B4-BE49-F238E27FC236}">
-                <a16:creationId xmlns:a16="http://schemas.microsoft.com/office/drawing/2014/main" id="{2F5DFFDF-BB1F-4DF7-BD03-7DDAEB3D83DC}"/>
-              </a:ext>
-            </a:extLst>
-          </p:cNvPr>
-          <p:cNvSpPr>
-            <a:spLocks noGrp="1"/>
-          </p:cNvSpPr>
-          <p:nvPr>
-            <p:ph type="body" sz="quarter" idx="3"/>
+            <a:endParaRPr lang="en-US"/>
+          </a:p>
+        </p:txBody>
+      </p:sp>
+      <p:sp>
+        <p:nvSpPr>
+          <p:cNvPr id="4" name="Text Placeholder 3">
+            <a:extLst>
+              <a:ext uri="{FF2B5EF4-FFF2-40B4-BE49-F238E27FC236}">
+                <a16:creationId xmlns:a16="http://schemas.microsoft.com/office/drawing/2014/main" id="{5D905510-DBD6-446E-BD99-92EB490EF4FE}"/>
+              </a:ext>
+            </a:extLst>
+          </p:cNvPr>
+          <p:cNvSpPr>
+            <a:spLocks noGrp="1"/>
+          </p:cNvSpPr>
+          <p:nvPr>
+            <p:ph type="body" sz="half" idx="2"/>
           </p:nvPr>
         </p:nvSpPr>
         <p:spPr/>
@@ -14390,88 +14589,14 @@
           <a:bodyPr/>
           <a:lstStyle/>
           <a:p>
-            <a:endParaRPr lang="en-US" dirty="0"/>
-          </a:p>
-        </p:txBody>
-      </p:sp>
-      <p:sp>
-        <p:nvSpPr>
-          <p:cNvPr id="6" name="Content Placeholder 5">
-            <a:extLst>
-              <a:ext uri="{FF2B5EF4-FFF2-40B4-BE49-F238E27FC236}">
-                <a16:creationId xmlns:a16="http://schemas.microsoft.com/office/drawing/2014/main" id="{9C076165-F543-42EC-8031-FA2EFD8A91CB}"/>
-              </a:ext>
-            </a:extLst>
-          </p:cNvPr>
-          <p:cNvSpPr>
-            <a:spLocks noGrp="1"/>
-          </p:cNvSpPr>
-          <p:nvPr>
-            <p:ph sz="quarter" idx="4"/>
-          </p:nvPr>
-        </p:nvSpPr>
-        <p:spPr/>
-        <p:txBody>
-          <a:bodyPr/>
-          <a:lstStyle/>
-          <a:p>
             <a:endParaRPr lang="en-US"/>
           </a:p>
         </p:txBody>
       </p:sp>
-      <p:pic>
-        <p:nvPicPr>
-          <p:cNvPr id="1026" name="Picture 2">
-            <a:extLst>
-              <a:ext uri="{FF2B5EF4-FFF2-40B4-BE49-F238E27FC236}">
-                <a16:creationId xmlns:a16="http://schemas.microsoft.com/office/drawing/2014/main" id="{D3815303-5055-4161-9B4F-5434FFE6C34D}"/>
-              </a:ext>
-            </a:extLst>
-          </p:cNvPr>
-          <p:cNvPicPr>
-            <a:picLocks noGrp="1" noChangeAspect="1" noChangeArrowheads="1"/>
-          </p:cNvPicPr>
-          <p:nvPr>
-            <p:ph sz="half" idx="2"/>
-          </p:nvPr>
-        </p:nvPicPr>
-        <p:blipFill>
-          <a:blip r:embed="rId2">
-            <a:extLst>
-              <a:ext uri="{28A0092B-C50C-407E-A947-70E740481C1C}">
-                <a14:useLocalDpi xmlns:a14="http://schemas.microsoft.com/office/drawing/2010/main" val="0"/>
-              </a:ext>
-            </a:extLst>
-          </a:blip>
-          <a:srcRect/>
-          <a:stretch>
-            <a:fillRect/>
-          </a:stretch>
-        </p:blipFill>
-        <p:spPr bwMode="auto">
-          <a:xfrm>
-            <a:off x="517525" y="4176584"/>
-            <a:ext cx="3575179" cy="4846038"/>
-          </a:xfrm>
-          <a:prstGeom prst="rect">
-            <a:avLst/>
-          </a:prstGeom>
-          <a:noFill/>
-          <a:extLst>
-            <a:ext uri="{909E8E84-426E-40DD-AFC4-6F175D3DCCD1}">
-              <a14:hiddenFill xmlns:a14="http://schemas.microsoft.com/office/drawing/2010/main">
-                <a:solidFill>
-                  <a:srgbClr val="FFFFFF"/>
-                </a:solidFill>
-              </a14:hiddenFill>
-            </a:ext>
-          </a:extLst>
-        </p:spPr>
-      </p:pic>
     </p:spTree>
     <p:extLst>
       <p:ext uri="{BB962C8B-B14F-4D97-AF65-F5344CB8AC3E}">
-        <p14:creationId xmlns:p14="http://schemas.microsoft.com/office/powerpoint/2010/main" val="1670630237"/>
+        <p14:creationId xmlns:p14="http://schemas.microsoft.com/office/powerpoint/2010/main" val="1396243263"/>
       </p:ext>
     </p:extLst>
   </p:cSld>
@@ -14500,18 +14625,18 @@
       </p:grpSpPr>
       <p:sp>
         <p:nvSpPr>
-          <p:cNvPr id="2" name="Title 1">
-            <a:extLst>
-              <a:ext uri="{FF2B5EF4-FFF2-40B4-BE49-F238E27FC236}">
-                <a16:creationId xmlns:a16="http://schemas.microsoft.com/office/drawing/2014/main" id="{D200158D-7E32-46AB-BED6-EB1FF8651A56}"/>
-              </a:ext>
-            </a:extLst>
-          </p:cNvPr>
-          <p:cNvSpPr>
-            <a:spLocks noGrp="1"/>
-          </p:cNvSpPr>
-          <p:nvPr>
-            <p:ph type="title"/>
+          <p:cNvPr id="2" name="Text Placeholder 1">
+            <a:extLst>
+              <a:ext uri="{FF2B5EF4-FFF2-40B4-BE49-F238E27FC236}">
+                <a16:creationId xmlns:a16="http://schemas.microsoft.com/office/drawing/2014/main" id="{5365EAF3-759C-A949-B970-F44C78652977}"/>
+              </a:ext>
+            </a:extLst>
+          </p:cNvPr>
+          <p:cNvSpPr>
+            <a:spLocks noGrp="1"/>
+          </p:cNvSpPr>
+          <p:nvPr>
+            <p:ph type="body" sz="quarter" idx="10"/>
           </p:nvPr>
         </p:nvSpPr>
         <p:spPr/>
@@ -14519,24 +14644,30 @@
           <a:bodyPr/>
           <a:lstStyle/>
           <a:p>
-            <a:endParaRPr lang="en-US"/>
-          </a:p>
-        </p:txBody>
-      </p:sp>
-      <p:sp>
-        <p:nvSpPr>
-          <p:cNvPr id="3" name="Content Placeholder 2">
-            <a:extLst>
-              <a:ext uri="{FF2B5EF4-FFF2-40B4-BE49-F238E27FC236}">
-                <a16:creationId xmlns:a16="http://schemas.microsoft.com/office/drawing/2014/main" id="{D54E85F9-2A7C-4970-AA8B-55FC23DDD18F}"/>
-              </a:ext>
-            </a:extLst>
-          </p:cNvPr>
-          <p:cNvSpPr>
-            <a:spLocks noGrp="1"/>
-          </p:cNvSpPr>
-          <p:nvPr>
-            <p:ph sz="half" idx="1"/>
+            <a:r>
+              <a:rPr lang="en-US" dirty="0"/>
+              <a:t>Lorem ipsum dolor sit amet, consectetur adipiscing elit, sed do eiusmod Lorem ipsum dolor sit amet, consectetur adipiscing elit.</a:t>
+            </a:r>
+          </a:p>
+          <a:p>
+            <a:endParaRPr lang="en-US" dirty="0"/>
+          </a:p>
+        </p:txBody>
+      </p:sp>
+      <p:sp>
+        <p:nvSpPr>
+          <p:cNvPr id="3" name="Text Placeholder 2">
+            <a:extLst>
+              <a:ext uri="{FF2B5EF4-FFF2-40B4-BE49-F238E27FC236}">
+                <a16:creationId xmlns:a16="http://schemas.microsoft.com/office/drawing/2014/main" id="{F7CC7CEE-321C-9C4C-AE98-D5C0B9FC38F4}"/>
+              </a:ext>
+            </a:extLst>
+          </p:cNvPr>
+          <p:cNvSpPr>
+            <a:spLocks noGrp="1"/>
+          </p:cNvSpPr>
+          <p:nvPr>
+            <p:ph type="body" sz="quarter" idx="11"/>
           </p:nvPr>
         </p:nvSpPr>
         <p:spPr/>
@@ -14544,24 +14675,30 @@
           <a:bodyPr/>
           <a:lstStyle/>
           <a:p>
-            <a:endParaRPr lang="en-US"/>
-          </a:p>
-        </p:txBody>
-      </p:sp>
-      <p:sp>
-        <p:nvSpPr>
-          <p:cNvPr id="4" name="Content Placeholder 3">
-            <a:extLst>
-              <a:ext uri="{FF2B5EF4-FFF2-40B4-BE49-F238E27FC236}">
-                <a16:creationId xmlns:a16="http://schemas.microsoft.com/office/drawing/2014/main" id="{7781D3C6-673E-4F03-A28D-21AEF6185070}"/>
-              </a:ext>
-            </a:extLst>
-          </p:cNvPr>
-          <p:cNvSpPr>
-            <a:spLocks noGrp="1"/>
-          </p:cNvSpPr>
-          <p:nvPr>
-            <p:ph sz="half" idx="2"/>
+            <a:r>
+              <a:rPr lang="en-US" dirty="0"/>
+              <a:t>Lorem ipsum dolor sit amet, consectetur adipiscing elit, sed do eiusmod Lorem ipsum dolor sit amet, consectetur adipiscing elit.</a:t>
+            </a:r>
+          </a:p>
+          <a:p>
+            <a:endParaRPr lang="en-US" dirty="0"/>
+          </a:p>
+        </p:txBody>
+      </p:sp>
+      <p:sp>
+        <p:nvSpPr>
+          <p:cNvPr id="4" name="Text Placeholder 3">
+            <a:extLst>
+              <a:ext uri="{FF2B5EF4-FFF2-40B4-BE49-F238E27FC236}">
+                <a16:creationId xmlns:a16="http://schemas.microsoft.com/office/drawing/2014/main" id="{FEE898AC-C413-C543-A3CE-512397571748}"/>
+              </a:ext>
+            </a:extLst>
+          </p:cNvPr>
+          <p:cNvSpPr>
+            <a:spLocks noGrp="1"/>
+          </p:cNvSpPr>
+          <p:nvPr>
+            <p:ph type="body" sz="quarter" idx="12"/>
           </p:nvPr>
         </p:nvSpPr>
         <p:spPr/>
@@ -14569,14 +14706,133 @@
           <a:bodyPr/>
           <a:lstStyle/>
           <a:p>
-            <a:endParaRPr lang="en-US"/>
+            <a:r>
+              <a:rPr lang="en-US" dirty="0"/>
+              <a:t>FEATURE</a:t>
+            </a:r>
+          </a:p>
+        </p:txBody>
+      </p:sp>
+      <p:sp>
+        <p:nvSpPr>
+          <p:cNvPr id="5" name="Text Placeholder 4">
+            <a:extLst>
+              <a:ext uri="{FF2B5EF4-FFF2-40B4-BE49-F238E27FC236}">
+                <a16:creationId xmlns:a16="http://schemas.microsoft.com/office/drawing/2014/main" id="{F098B7FF-D526-434D-900A-C245936A8F5A}"/>
+              </a:ext>
+            </a:extLst>
+          </p:cNvPr>
+          <p:cNvSpPr>
+            <a:spLocks noGrp="1"/>
+          </p:cNvSpPr>
+          <p:nvPr>
+            <p:ph type="body" sz="quarter" idx="13"/>
+          </p:nvPr>
+        </p:nvSpPr>
+        <p:spPr/>
+        <p:txBody>
+          <a:bodyPr/>
+          <a:lstStyle/>
+          <a:p>
+            <a:r>
+              <a:rPr lang="en-US" dirty="0"/>
+              <a:t>FEATURE</a:t>
+            </a:r>
+          </a:p>
+        </p:txBody>
+      </p:sp>
+      <p:sp>
+        <p:nvSpPr>
+          <p:cNvPr id="6" name="Text Placeholder 5">
+            <a:extLst>
+              <a:ext uri="{FF2B5EF4-FFF2-40B4-BE49-F238E27FC236}">
+                <a16:creationId xmlns:a16="http://schemas.microsoft.com/office/drawing/2014/main" id="{76FE1C0B-FF2B-8042-BCAA-611E0347C6CE}"/>
+              </a:ext>
+            </a:extLst>
+          </p:cNvPr>
+          <p:cNvSpPr>
+            <a:spLocks noGrp="1"/>
+          </p:cNvSpPr>
+          <p:nvPr>
+            <p:ph type="body" sz="quarter" idx="15"/>
+          </p:nvPr>
+        </p:nvSpPr>
+        <p:spPr/>
+        <p:txBody>
+          <a:bodyPr/>
+          <a:lstStyle/>
+          <a:p>
+            <a:r>
+              <a:rPr lang="en-US" dirty="0"/>
+              <a:t>MOVIES</a:t>
+            </a:r>
+          </a:p>
+        </p:txBody>
+      </p:sp>
+      <p:sp>
+        <p:nvSpPr>
+          <p:cNvPr id="7" name="Text Placeholder 6">
+            <a:extLst>
+              <a:ext uri="{FF2B5EF4-FFF2-40B4-BE49-F238E27FC236}">
+                <a16:creationId xmlns:a16="http://schemas.microsoft.com/office/drawing/2014/main" id="{99B590BE-67D2-FF45-AB93-AC49F40EF4B6}"/>
+              </a:ext>
+            </a:extLst>
+          </p:cNvPr>
+          <p:cNvSpPr>
+            <a:spLocks noGrp="1"/>
+          </p:cNvSpPr>
+          <p:nvPr>
+            <p:ph type="body" sz="quarter" idx="16"/>
+          </p:nvPr>
+        </p:nvSpPr>
+        <p:spPr/>
+        <p:txBody>
+          <a:bodyPr>
+            <a:normAutofit lnSpcReduction="10000"/>
+          </a:bodyPr>
+          <a:lstStyle/>
+          <a:p>
+            <a:r>
+              <a:rPr lang="en-US" dirty="0"/>
+              <a:t>JANUARY [YEAR]</a:t>
+            </a:r>
+          </a:p>
+        </p:txBody>
+      </p:sp>
+      <p:sp>
+        <p:nvSpPr>
+          <p:cNvPr id="8" name="Title 7">
+            <a:extLst>
+              <a:ext uri="{FF2B5EF4-FFF2-40B4-BE49-F238E27FC236}">
+                <a16:creationId xmlns:a16="http://schemas.microsoft.com/office/drawing/2014/main" id="{B1C174B4-9A56-1846-8882-BEE04D940C8E}"/>
+              </a:ext>
+            </a:extLst>
+          </p:cNvPr>
+          <p:cNvSpPr>
+            <a:spLocks noGrp="1"/>
+          </p:cNvSpPr>
+          <p:nvPr>
+            <p:ph type="title"/>
+          </p:nvPr>
+        </p:nvSpPr>
+        <p:spPr/>
+        <p:txBody>
+          <a:bodyPr>
+            <a:normAutofit fontScale="90000"/>
+          </a:bodyPr>
+          <a:lstStyle/>
+          <a:p>
+            <a:r>
+              <a:rPr lang="en-US" dirty="0"/>
+              <a:t>MOVIE-goer</a:t>
+            </a:r>
           </a:p>
         </p:txBody>
       </p:sp>
     </p:spTree>
     <p:extLst>
       <p:ext uri="{BB962C8B-B14F-4D97-AF65-F5344CB8AC3E}">
-        <p14:creationId xmlns:p14="http://schemas.microsoft.com/office/powerpoint/2010/main" val="2839593528"/>
+        <p14:creationId xmlns:p14="http://schemas.microsoft.com/office/powerpoint/2010/main" val="1601016127"/>
       </p:ext>
     </p:extLst>
   </p:cSld>
@@ -14605,18 +14861,18 @@
       </p:grpSpPr>
       <p:sp>
         <p:nvSpPr>
-          <p:cNvPr id="2" name="Text Placeholder 1">
-            <a:extLst>
-              <a:ext uri="{FF2B5EF4-FFF2-40B4-BE49-F238E27FC236}">
-                <a16:creationId xmlns:a16="http://schemas.microsoft.com/office/drawing/2014/main" id="{5365EAF3-759C-A949-B970-F44C78652977}"/>
-              </a:ext>
-            </a:extLst>
-          </p:cNvPr>
-          <p:cNvSpPr>
-            <a:spLocks noGrp="1"/>
-          </p:cNvSpPr>
-          <p:nvPr>
-            <p:ph type="body" sz="quarter" idx="10"/>
+          <p:cNvPr id="2" name="Title 1">
+            <a:extLst>
+              <a:ext uri="{FF2B5EF4-FFF2-40B4-BE49-F238E27FC236}">
+                <a16:creationId xmlns:a16="http://schemas.microsoft.com/office/drawing/2014/main" id="{492CB400-945B-4D3C-8483-95D05C19965D}"/>
+              </a:ext>
+            </a:extLst>
+          </p:cNvPr>
+          <p:cNvSpPr>
+            <a:spLocks noGrp="1"/>
+          </p:cNvSpPr>
+          <p:nvPr>
+            <p:ph type="title"/>
           </p:nvPr>
         </p:nvSpPr>
         <p:spPr/>
@@ -14624,12 +14880,6 @@
           <a:bodyPr/>
           <a:lstStyle/>
           <a:p>
-            <a:r>
-              <a:rPr lang="en-US" dirty="0"/>
-              <a:t>Lorem ipsum dolor sit amet, consectetur adipiscing elit, sed do eiusmod Lorem ipsum dolor sit amet, consectetur adipiscing elit.</a:t>
-            </a:r>
-          </a:p>
-          <a:p>
             <a:endParaRPr lang="en-US" dirty="0"/>
           </a:p>
         </p:txBody>
@@ -14639,15 +14889,15 @@
           <p:cNvPr id="3" name="Text Placeholder 2">
             <a:extLst>
               <a:ext uri="{FF2B5EF4-FFF2-40B4-BE49-F238E27FC236}">
-                <a16:creationId xmlns:a16="http://schemas.microsoft.com/office/drawing/2014/main" id="{F7CC7CEE-321C-9C4C-AE98-D5C0B9FC38F4}"/>
-              </a:ext>
-            </a:extLst>
-          </p:cNvPr>
-          <p:cNvSpPr>
-            <a:spLocks noGrp="1"/>
-          </p:cNvSpPr>
-          <p:nvPr>
-            <p:ph type="body" sz="quarter" idx="11"/>
+                <a16:creationId xmlns:a16="http://schemas.microsoft.com/office/drawing/2014/main" id="{66669DBA-CAD1-4991-BAD1-013EE98CF29B}"/>
+              </a:ext>
+            </a:extLst>
+          </p:cNvPr>
+          <p:cNvSpPr>
+            <a:spLocks noGrp="1"/>
+          </p:cNvSpPr>
+          <p:nvPr>
+            <p:ph type="body" idx="1"/>
           </p:nvPr>
         </p:nvSpPr>
         <p:spPr/>
@@ -14655,164 +14905,14 @@
           <a:bodyPr/>
           <a:lstStyle/>
           <a:p>
-            <a:r>
-              <a:rPr lang="en-US" dirty="0"/>
-              <a:t>Lorem ipsum dolor sit amet, consectetur adipiscing elit, sed do eiusmod Lorem ipsum dolor sit amet, consectetur adipiscing elit.</a:t>
-            </a:r>
-          </a:p>
-          <a:p>
-            <a:endParaRPr lang="en-US" dirty="0"/>
-          </a:p>
-        </p:txBody>
-      </p:sp>
-      <p:sp>
-        <p:nvSpPr>
-          <p:cNvPr id="4" name="Text Placeholder 3">
-            <a:extLst>
-              <a:ext uri="{FF2B5EF4-FFF2-40B4-BE49-F238E27FC236}">
-                <a16:creationId xmlns:a16="http://schemas.microsoft.com/office/drawing/2014/main" id="{FEE898AC-C413-C543-A3CE-512397571748}"/>
-              </a:ext>
-            </a:extLst>
-          </p:cNvPr>
-          <p:cNvSpPr>
-            <a:spLocks noGrp="1"/>
-          </p:cNvSpPr>
-          <p:nvPr>
-            <p:ph type="body" sz="quarter" idx="12"/>
-          </p:nvPr>
-        </p:nvSpPr>
-        <p:spPr/>
-        <p:txBody>
-          <a:bodyPr/>
-          <a:lstStyle/>
-          <a:p>
-            <a:r>
-              <a:rPr lang="en-US" dirty="0"/>
-              <a:t>FEATURE</a:t>
-            </a:r>
-          </a:p>
-        </p:txBody>
-      </p:sp>
-      <p:sp>
-        <p:nvSpPr>
-          <p:cNvPr id="5" name="Text Placeholder 4">
-            <a:extLst>
-              <a:ext uri="{FF2B5EF4-FFF2-40B4-BE49-F238E27FC236}">
-                <a16:creationId xmlns:a16="http://schemas.microsoft.com/office/drawing/2014/main" id="{F098B7FF-D526-434D-900A-C245936A8F5A}"/>
-              </a:ext>
-            </a:extLst>
-          </p:cNvPr>
-          <p:cNvSpPr>
-            <a:spLocks noGrp="1"/>
-          </p:cNvSpPr>
-          <p:nvPr>
-            <p:ph type="body" sz="quarter" idx="13"/>
-          </p:nvPr>
-        </p:nvSpPr>
-        <p:spPr/>
-        <p:txBody>
-          <a:bodyPr/>
-          <a:lstStyle/>
-          <a:p>
-            <a:r>
-              <a:rPr lang="en-US" dirty="0"/>
-              <a:t>FEATURE</a:t>
-            </a:r>
-          </a:p>
-        </p:txBody>
-      </p:sp>
-      <p:sp>
-        <p:nvSpPr>
-          <p:cNvPr id="6" name="Text Placeholder 5">
-            <a:extLst>
-              <a:ext uri="{FF2B5EF4-FFF2-40B4-BE49-F238E27FC236}">
-                <a16:creationId xmlns:a16="http://schemas.microsoft.com/office/drawing/2014/main" id="{76FE1C0B-FF2B-8042-BCAA-611E0347C6CE}"/>
-              </a:ext>
-            </a:extLst>
-          </p:cNvPr>
-          <p:cNvSpPr>
-            <a:spLocks noGrp="1"/>
-          </p:cNvSpPr>
-          <p:nvPr>
-            <p:ph type="body" sz="quarter" idx="15"/>
-          </p:nvPr>
-        </p:nvSpPr>
-        <p:spPr/>
-        <p:txBody>
-          <a:bodyPr/>
-          <a:lstStyle/>
-          <a:p>
-            <a:r>
-              <a:rPr lang="en-US" dirty="0"/>
-              <a:t>MOVIES</a:t>
-            </a:r>
-          </a:p>
-        </p:txBody>
-      </p:sp>
-      <p:sp>
-        <p:nvSpPr>
-          <p:cNvPr id="7" name="Text Placeholder 6">
-            <a:extLst>
-              <a:ext uri="{FF2B5EF4-FFF2-40B4-BE49-F238E27FC236}">
-                <a16:creationId xmlns:a16="http://schemas.microsoft.com/office/drawing/2014/main" id="{99B590BE-67D2-FF45-AB93-AC49F40EF4B6}"/>
-              </a:ext>
-            </a:extLst>
-          </p:cNvPr>
-          <p:cNvSpPr>
-            <a:spLocks noGrp="1"/>
-          </p:cNvSpPr>
-          <p:nvPr>
-            <p:ph type="body" sz="quarter" idx="16"/>
-          </p:nvPr>
-        </p:nvSpPr>
-        <p:spPr/>
-        <p:txBody>
-          <a:bodyPr>
-            <a:normAutofit lnSpcReduction="10000"/>
-          </a:bodyPr>
-          <a:lstStyle/>
-          <a:p>
-            <a:r>
-              <a:rPr lang="en-US" dirty="0"/>
-              <a:t>JANUARY [YEAR]</a:t>
-            </a:r>
-          </a:p>
-        </p:txBody>
-      </p:sp>
-      <p:sp>
-        <p:nvSpPr>
-          <p:cNvPr id="8" name="Title 7">
-            <a:extLst>
-              <a:ext uri="{FF2B5EF4-FFF2-40B4-BE49-F238E27FC236}">
-                <a16:creationId xmlns:a16="http://schemas.microsoft.com/office/drawing/2014/main" id="{B1C174B4-9A56-1846-8882-BEE04D940C8E}"/>
-              </a:ext>
-            </a:extLst>
-          </p:cNvPr>
-          <p:cNvSpPr>
-            <a:spLocks noGrp="1"/>
-          </p:cNvSpPr>
-          <p:nvPr>
-            <p:ph type="title"/>
-          </p:nvPr>
-        </p:nvSpPr>
-        <p:spPr/>
-        <p:txBody>
-          <a:bodyPr>
-            <a:normAutofit fontScale="90000"/>
-          </a:bodyPr>
-          <a:lstStyle/>
-          <a:p>
-            <a:r>
-              <a:rPr lang="en-US" dirty="0"/>
-              <a:t>MOVIE-goer</a:t>
-            </a:r>
+            <a:endParaRPr lang="en-US"/>
           </a:p>
         </p:txBody>
       </p:sp>
     </p:spTree>
     <p:extLst>
       <p:ext uri="{BB962C8B-B14F-4D97-AF65-F5344CB8AC3E}">
-        <p14:creationId xmlns:p14="http://schemas.microsoft.com/office/powerpoint/2010/main" val="1601016127"/>
+        <p14:creationId xmlns:p14="http://schemas.microsoft.com/office/powerpoint/2010/main" val="399555404"/>
       </p:ext>
     </p:extLst>
   </p:cSld>
@@ -15549,12 +15649,11 @@
 </file>
 
 <file path=customXml/item1.xml><?xml version="1.0" encoding="utf-8"?>
-<?mso-contentType ?>
-<FormTemplates xmlns="http://schemas.microsoft.com/sharepoint/v3/contenttype/forms">
-  <Display>DocumentLibraryForm</Display>
-  <Edit>DocumentLibraryForm</Edit>
-  <New>DocumentLibraryForm</New>
-</FormTemplates>
+<p:properties xmlns:p="http://schemas.microsoft.com/office/2006/metadata/properties" xmlns:xsi="http://www.w3.org/2001/XMLSchema-instance" xmlns:pc="http://schemas.microsoft.com/office/infopath/2007/PartnerControls">
+  <documentManagement>
+    <MediaServiceKeyPoints xmlns="ef88797d-310b-4d46-ad9c-0c23fa0c8d45" xsi:nil="true"/>
+  </documentManagement>
+</p:properties>
 </file>
 
 <file path=customXml/item2.xml><?xml version="1.0" encoding="utf-8"?>
@@ -15781,17 +15880,20 @@
 </file>
 
 <file path=customXml/item3.xml><?xml version="1.0" encoding="utf-8"?>
-<p:properties xmlns:p="http://schemas.microsoft.com/office/2006/metadata/properties" xmlns:xsi="http://www.w3.org/2001/XMLSchema-instance" xmlns:pc="http://schemas.microsoft.com/office/infopath/2007/PartnerControls">
-  <documentManagement>
-    <MediaServiceKeyPoints xmlns="ef88797d-310b-4d46-ad9c-0c23fa0c8d45" xsi:nil="true"/>
-  </documentManagement>
-</p:properties>
+<?mso-contentType ?>
+<FormTemplates xmlns="http://schemas.microsoft.com/sharepoint/v3/contenttype/forms">
+  <Display>DocumentLibraryForm</Display>
+  <Edit>DocumentLibraryForm</Edit>
+  <New>DocumentLibraryForm</New>
+</FormTemplates>
 </file>
 
 <file path=customXml/itemProps1.xml><?xml version="1.0" encoding="utf-8"?>
-<ds:datastoreItem xmlns:ds="http://schemas.openxmlformats.org/officeDocument/2006/customXml" ds:itemID="{CFB929D3-A7CA-4AB1-8061-FCB8D56D3FEE}">
+<ds:datastoreItem xmlns:ds="http://schemas.openxmlformats.org/officeDocument/2006/customXml" ds:itemID="{52924D36-B4C1-4B06-A9EC-CDCE768B3FD3}">
   <ds:schemaRefs>
-    <ds:schemaRef ds:uri="http://schemas.microsoft.com/sharepoint/v3/contenttype/forms"/>
+    <ds:schemaRef ds:uri="http://schemas.microsoft.com/office/2006/metadata/properties"/>
+    <ds:schemaRef ds:uri="http://schemas.microsoft.com/office/infopath/2007/PartnerControls"/>
+    <ds:schemaRef ds:uri="ef88797d-310b-4d46-ad9c-0c23fa0c8d45"/>
   </ds:schemaRefs>
 </ds:datastoreItem>
 </file>
@@ -15816,11 +15918,9 @@
 </file>
 
 <file path=customXml/itemProps3.xml><?xml version="1.0" encoding="utf-8"?>
-<ds:datastoreItem xmlns:ds="http://schemas.openxmlformats.org/officeDocument/2006/customXml" ds:itemID="{52924D36-B4C1-4B06-A9EC-CDCE768B3FD3}">
+<ds:datastoreItem xmlns:ds="http://schemas.openxmlformats.org/officeDocument/2006/customXml" ds:itemID="{CFB929D3-A7CA-4AB1-8061-FCB8D56D3FEE}">
   <ds:schemaRefs>
-    <ds:schemaRef ds:uri="http://schemas.microsoft.com/office/2006/metadata/properties"/>
-    <ds:schemaRef ds:uri="http://schemas.microsoft.com/office/infopath/2007/PartnerControls"/>
-    <ds:schemaRef ds:uri="ef88797d-310b-4d46-ad9c-0c23fa0c8d45"/>
+    <ds:schemaRef ds:uri="http://schemas.microsoft.com/sharepoint/v3/contenttype/forms"/>
   </ds:schemaRefs>
 </ds:datastoreItem>
 </file>
--- a/ANALYZING THE OSCARS.pptx
+++ b/ANALYZING THE OSCARS.pptx
@@ -926,7 +926,7 @@
           <a:p>
             <a:fld id="{5A00D5ED-7015-4264-9BFD-2CE1D41834D8}" type="datetimeFigureOut">
               <a:rPr lang="en-US" smtClean="0"/>
-              <a:t>5/5/2021</a:t>
+              <a:t>5/6/2021</a:t>
             </a:fld>
             <a:endParaRPr lang="en-US"/>
           </a:p>
@@ -1177,7 +1177,7 @@
           <a:p>
             <a:fld id="{5A00D5ED-7015-4264-9BFD-2CE1D41834D8}" type="datetimeFigureOut">
               <a:rPr lang="en-US" smtClean="0"/>
-              <a:t>5/5/2021</a:t>
+              <a:t>5/6/2021</a:t>
             </a:fld>
             <a:endParaRPr lang="en-US"/>
           </a:p>
@@ -1491,7 +1491,7 @@
           <a:p>
             <a:fld id="{5A00D5ED-7015-4264-9BFD-2CE1D41834D8}" type="datetimeFigureOut">
               <a:rPr lang="en-US" smtClean="0"/>
-              <a:t>5/5/2021</a:t>
+              <a:t>5/6/2021</a:t>
             </a:fld>
             <a:endParaRPr lang="en-US"/>
           </a:p>
@@ -1824,7 +1824,7 @@
           <a:p>
             <a:fld id="{5A00D5ED-7015-4264-9BFD-2CE1D41834D8}" type="datetimeFigureOut">
               <a:rPr lang="en-US" smtClean="0"/>
-              <a:t>5/5/2021</a:t>
+              <a:t>5/6/2021</a:t>
             </a:fld>
             <a:endParaRPr lang="en-US"/>
           </a:p>
@@ -2138,7 +2138,7 @@
           <a:p>
             <a:fld id="{5A00D5ED-7015-4264-9BFD-2CE1D41834D8}" type="datetimeFigureOut">
               <a:rPr lang="en-US" smtClean="0"/>
-              <a:t>5/5/2021</a:t>
+              <a:t>5/6/2021</a:t>
             </a:fld>
             <a:endParaRPr lang="en-US"/>
           </a:p>
@@ -2531,7 +2531,7 @@
           <a:p>
             <a:fld id="{5A00D5ED-7015-4264-9BFD-2CE1D41834D8}" type="datetimeFigureOut">
               <a:rPr lang="en-US" smtClean="0"/>
-              <a:t>5/5/2021</a:t>
+              <a:t>5/6/2021</a:t>
             </a:fld>
             <a:endParaRPr lang="en-US"/>
           </a:p>
@@ -2701,7 +2701,7 @@
           <a:p>
             <a:fld id="{5A00D5ED-7015-4264-9BFD-2CE1D41834D8}" type="datetimeFigureOut">
               <a:rPr lang="en-US" smtClean="0"/>
-              <a:t>5/5/2021</a:t>
+              <a:t>5/6/2021</a:t>
             </a:fld>
             <a:endParaRPr lang="en-US"/>
           </a:p>
@@ -2881,7 +2881,7 @@
           <a:p>
             <a:fld id="{5A00D5ED-7015-4264-9BFD-2CE1D41834D8}" type="datetimeFigureOut">
               <a:rPr lang="en-US" smtClean="0"/>
-              <a:t>5/5/2021</a:t>
+              <a:t>5/6/2021</a:t>
             </a:fld>
             <a:endParaRPr lang="en-US"/>
           </a:p>
@@ -5957,7 +5957,7 @@
           <a:p>
             <a:fld id="{5A00D5ED-7015-4264-9BFD-2CE1D41834D8}" type="datetimeFigureOut">
               <a:rPr lang="en-US" smtClean="0"/>
-              <a:t>5/5/2021</a:t>
+              <a:t>5/6/2021</a:t>
             </a:fld>
             <a:endParaRPr lang="en-US"/>
           </a:p>
@@ -9803,7 +9803,7 @@
           <a:p>
             <a:fld id="{5A00D5ED-7015-4264-9BFD-2CE1D41834D8}" type="datetimeFigureOut">
               <a:rPr lang="en-US" smtClean="0"/>
-              <a:t>5/5/2021</a:t>
+              <a:t>5/6/2021</a:t>
             </a:fld>
             <a:endParaRPr lang="en-US"/>
           </a:p>
@@ -10100,7 +10100,7 @@
           <a:p>
             <a:fld id="{5A00D5ED-7015-4264-9BFD-2CE1D41834D8}" type="datetimeFigureOut">
               <a:rPr lang="en-US" smtClean="0"/>
-              <a:t>5/5/2021</a:t>
+              <a:t>5/6/2021</a:t>
             </a:fld>
             <a:endParaRPr lang="en-US"/>
           </a:p>
@@ -10479,7 +10479,7 @@
           <a:p>
             <a:fld id="{5A00D5ED-7015-4264-9BFD-2CE1D41834D8}" type="datetimeFigureOut">
               <a:rPr lang="en-US" smtClean="0"/>
-              <a:t>5/5/2021</a:t>
+              <a:t>5/6/2021</a:t>
             </a:fld>
             <a:endParaRPr lang="en-US"/>
           </a:p>
@@ -10602,7 +10602,7 @@
           <a:p>
             <a:fld id="{5A00D5ED-7015-4264-9BFD-2CE1D41834D8}" type="datetimeFigureOut">
               <a:rPr lang="en-US" smtClean="0"/>
-              <a:t>5/5/2021</a:t>
+              <a:t>5/6/2021</a:t>
             </a:fld>
             <a:endParaRPr lang="en-US"/>
           </a:p>
@@ -10697,7 +10697,7 @@
           <a:p>
             <a:fld id="{5A00D5ED-7015-4264-9BFD-2CE1D41834D8}" type="datetimeFigureOut">
               <a:rPr lang="en-US" smtClean="0"/>
-              <a:t>5/5/2021</a:t>
+              <a:t>5/6/2021</a:t>
             </a:fld>
             <a:endParaRPr lang="en-US"/>
           </a:p>
@@ -10952,7 +10952,7 @@
           <a:p>
             <a:fld id="{5A00D5ED-7015-4264-9BFD-2CE1D41834D8}" type="datetimeFigureOut">
               <a:rPr lang="en-US" smtClean="0"/>
-              <a:t>5/5/2021</a:t>
+              <a:t>5/6/2021</a:t>
             </a:fld>
             <a:endParaRPr lang="en-US"/>
           </a:p>
@@ -11215,7 +11215,7 @@
           <a:p>
             <a:fld id="{5A00D5ED-7015-4264-9BFD-2CE1D41834D8}" type="datetimeFigureOut">
               <a:rPr lang="en-US" smtClean="0"/>
-              <a:t>5/5/2021</a:t>
+              <a:t>5/6/2021</a:t>
             </a:fld>
             <a:endParaRPr lang="en-US"/>
           </a:p>
@@ -12029,7 +12029,7 @@
           <a:p>
             <a:fld id="{5A00D5ED-7015-4264-9BFD-2CE1D41834D8}" type="datetimeFigureOut">
               <a:rPr lang="en-US" smtClean="0"/>
-              <a:t>5/5/2021</a:t>
+              <a:t>5/6/2021</a:t>
             </a:fld>
             <a:endParaRPr lang="en-US"/>
           </a:p>
@@ -14875,11 +14875,25 @@
             <p:ph type="title"/>
           </p:nvPr>
         </p:nvSpPr>
-        <p:spPr/>
+        <p:spPr>
+          <a:xfrm>
+            <a:off x="518160" y="255090"/>
+            <a:ext cx="5395557" cy="2304078"/>
+          </a:xfrm>
+        </p:spPr>
         <p:txBody>
           <a:bodyPr/>
           <a:lstStyle/>
           <a:p>
+            <a:r>
+              <a:rPr lang="en-US" sz="1800" dirty="0">
+                <a:effectLst/>
+                <a:latin typeface="Calibri" panose="020F0502020204030204" pitchFamily="34" charset="0"/>
+                <a:ea typeface="Calibri" panose="020F0502020204030204" pitchFamily="34" charset="0"/>
+                <a:cs typeface="Times New Roman" panose="02020603050405020304" pitchFamily="18" charset="0"/>
+              </a:rPr>
+              <a:t>Question 1: Is there any correlation between the ages of the nominees and the winners throughout the years of the Oscars?</a:t>
+            </a:r>
             <a:endParaRPr lang="en-US" dirty="0"/>
           </a:p>
         </p:txBody>
@@ -14900,15 +14914,89 @@
             <p:ph type="body" idx="1"/>
           </p:nvPr>
         </p:nvSpPr>
-        <p:spPr/>
+        <p:spPr>
+          <a:xfrm>
+            <a:off x="518159" y="4786152"/>
+            <a:ext cx="5395557" cy="2304078"/>
+          </a:xfrm>
+        </p:spPr>
         <p:txBody>
           <a:bodyPr/>
           <a:lstStyle/>
           <a:p>
-            <a:endParaRPr lang="en-US"/>
-          </a:p>
-        </p:txBody>
-      </p:sp>
+            <a:r>
+              <a:rPr lang="en-US" sz="1800" dirty="0">
+                <a:effectLst/>
+                <a:latin typeface="Calibri" panose="020F0502020204030204" pitchFamily="34" charset="0"/>
+                <a:ea typeface="Calibri" panose="020F0502020204030204" pitchFamily="34" charset="0"/>
+                <a:cs typeface="Times New Roman" panose="02020603050405020304" pitchFamily="18" charset="0"/>
+              </a:rPr>
+              <a:t>Question 2: Of the best director Oscars nominees, what are the differences in age and gender of the candidates?</a:t>
+            </a:r>
+            <a:endParaRPr lang="en-US" dirty="0"/>
+          </a:p>
+        </p:txBody>
+      </p:sp>
+      <p:pic>
+        <p:nvPicPr>
+          <p:cNvPr id="9" name="Picture 8" descr="Chart, scatter chart&#10;&#10;Description automatically generated">
+            <a:extLst>
+              <a:ext uri="{FF2B5EF4-FFF2-40B4-BE49-F238E27FC236}">
+                <a16:creationId xmlns:a16="http://schemas.microsoft.com/office/drawing/2014/main" id="{D0A72A57-C712-45E2-99C7-69E3FB384CA7}"/>
+              </a:ext>
+            </a:extLst>
+          </p:cNvPr>
+          <p:cNvPicPr>
+            <a:picLocks noChangeAspect="1"/>
+          </p:cNvPicPr>
+          <p:nvPr/>
+        </p:nvPicPr>
+        <p:blipFill>
+          <a:blip r:embed="rId2"/>
+          <a:stretch>
+            <a:fillRect/>
+          </a:stretch>
+        </p:blipFill>
+        <p:spPr>
+          <a:xfrm>
+            <a:off x="259080" y="2322777"/>
+            <a:ext cx="7254240" cy="2602491"/>
+          </a:xfrm>
+          <a:prstGeom prst="rect">
+            <a:avLst/>
+          </a:prstGeom>
+        </p:spPr>
+      </p:pic>
+      <p:pic>
+        <p:nvPicPr>
+          <p:cNvPr id="11" name="Picture 10" descr="Chart, scatter chart&#10;&#10;Description automatically generated">
+            <a:extLst>
+              <a:ext uri="{FF2B5EF4-FFF2-40B4-BE49-F238E27FC236}">
+                <a16:creationId xmlns:a16="http://schemas.microsoft.com/office/drawing/2014/main" id="{FBD862C3-CC45-4BBD-8601-723DBF0075F2}"/>
+              </a:ext>
+            </a:extLst>
+          </p:cNvPr>
+          <p:cNvPicPr>
+            <a:picLocks noChangeAspect="1"/>
+          </p:cNvPicPr>
+          <p:nvPr/>
+        </p:nvPicPr>
+        <p:blipFill>
+          <a:blip r:embed="rId3"/>
+          <a:stretch>
+            <a:fillRect/>
+          </a:stretch>
+        </p:blipFill>
+        <p:spPr>
+          <a:xfrm>
+            <a:off x="0" y="6737249"/>
+            <a:ext cx="7772400" cy="2602491"/>
+          </a:xfrm>
+          <a:prstGeom prst="rect">
+            <a:avLst/>
+          </a:prstGeom>
+        </p:spPr>
+      </p:pic>
     </p:spTree>
     <p:extLst>
       <p:ext uri="{BB962C8B-B14F-4D97-AF65-F5344CB8AC3E}">
@@ -15649,14 +15737,6 @@
 </file>
 
 <file path=customXml/item1.xml><?xml version="1.0" encoding="utf-8"?>
-<p:properties xmlns:p="http://schemas.microsoft.com/office/2006/metadata/properties" xmlns:xsi="http://www.w3.org/2001/XMLSchema-instance" xmlns:pc="http://schemas.microsoft.com/office/infopath/2007/PartnerControls">
-  <documentManagement>
-    <MediaServiceKeyPoints xmlns="ef88797d-310b-4d46-ad9c-0c23fa0c8d45" xsi:nil="true"/>
-  </documentManagement>
-</p:properties>
-</file>
-
-<file path=customXml/item2.xml><?xml version="1.0" encoding="utf-8"?>
 <ct:contentTypeSchema xmlns:ct="http://schemas.microsoft.com/office/2006/metadata/contentType" xmlns:ma="http://schemas.microsoft.com/office/2006/metadata/properties/metaAttributes" ct:_="" ma:_="" ma:contentTypeName="Document" ma:contentTypeID="0x0101005F02E0EF7D44C04B9FA644DBFF45FF6A" ma:contentTypeVersion="13" ma:contentTypeDescription="Create a new document." ma:contentTypeScope="" ma:versionID="206b9469efed5238e3299da57cdc015e">
   <xsd:schema xmlns:xsd="http://www.w3.org/2001/XMLSchema" xmlns:xs="http://www.w3.org/2001/XMLSchema" xmlns:p="http://schemas.microsoft.com/office/2006/metadata/properties" xmlns:ns2="876de33e-aaa5-4507-9b92-b84e676ded0d" xmlns:ns3="ef88797d-310b-4d46-ad9c-0c23fa0c8d45" targetNamespace="http://schemas.microsoft.com/office/2006/metadata/properties" ma:root="true" ma:fieldsID="281ed500249cd3fe925a7af84a8b56c4" ns2:_="" ns3:_="">
     <xsd:import namespace="876de33e-aaa5-4507-9b92-b84e676ded0d"/>
@@ -15879,6 +15959,14 @@
 </ct:contentTypeSchema>
 </file>
 
+<file path=customXml/item2.xml><?xml version="1.0" encoding="utf-8"?>
+<p:properties xmlns:p="http://schemas.microsoft.com/office/2006/metadata/properties" xmlns:xsi="http://www.w3.org/2001/XMLSchema-instance" xmlns:pc="http://schemas.microsoft.com/office/infopath/2007/PartnerControls">
+  <documentManagement>
+    <MediaServiceKeyPoints xmlns="ef88797d-310b-4d46-ad9c-0c23fa0c8d45" xsi:nil="true"/>
+  </documentManagement>
+</p:properties>
+</file>
+
 <file path=customXml/item3.xml><?xml version="1.0" encoding="utf-8"?>
 <?mso-contentType ?>
 <FormTemplates xmlns="http://schemas.microsoft.com/sharepoint/v3/contenttype/forms">
@@ -15889,16 +15977,6 @@
 </file>
 
 <file path=customXml/itemProps1.xml><?xml version="1.0" encoding="utf-8"?>
-<ds:datastoreItem xmlns:ds="http://schemas.openxmlformats.org/officeDocument/2006/customXml" ds:itemID="{52924D36-B4C1-4B06-A9EC-CDCE768B3FD3}">
-  <ds:schemaRefs>
-    <ds:schemaRef ds:uri="http://schemas.microsoft.com/office/2006/metadata/properties"/>
-    <ds:schemaRef ds:uri="http://schemas.microsoft.com/office/infopath/2007/PartnerControls"/>
-    <ds:schemaRef ds:uri="ef88797d-310b-4d46-ad9c-0c23fa0c8d45"/>
-  </ds:schemaRefs>
-</ds:datastoreItem>
-</file>
-
-<file path=customXml/itemProps2.xml><?xml version="1.0" encoding="utf-8"?>
 <ds:datastoreItem xmlns:ds="http://schemas.openxmlformats.org/officeDocument/2006/customXml" ds:itemID="{D4DD53C0-11D2-4509-936F-323E14647893}">
   <ds:schemaRefs>
     <ds:schemaRef ds:uri="http://schemas.microsoft.com/office/2006/metadata/contentType"/>
@@ -15917,6 +15995,16 @@
 </ds:datastoreItem>
 </file>
 
+<file path=customXml/itemProps2.xml><?xml version="1.0" encoding="utf-8"?>
+<ds:datastoreItem xmlns:ds="http://schemas.openxmlformats.org/officeDocument/2006/customXml" ds:itemID="{52924D36-B4C1-4B06-A9EC-CDCE768B3FD3}">
+  <ds:schemaRefs>
+    <ds:schemaRef ds:uri="http://schemas.microsoft.com/office/2006/metadata/properties"/>
+    <ds:schemaRef ds:uri="http://schemas.microsoft.com/office/infopath/2007/PartnerControls"/>
+    <ds:schemaRef ds:uri="ef88797d-310b-4d46-ad9c-0c23fa0c8d45"/>
+  </ds:schemaRefs>
+</ds:datastoreItem>
+</file>
+
 <file path=customXml/itemProps3.xml><?xml version="1.0" encoding="utf-8"?>
 <ds:datastoreItem xmlns:ds="http://schemas.openxmlformats.org/officeDocument/2006/customXml" ds:itemID="{CFB929D3-A7CA-4AB1-8061-FCB8D56D3FEE}">
   <ds:schemaRefs>

--- a/ANALYZING THE OSCARS.pptx
+++ b/ANALYZING THE OSCARS.pptx
@@ -9,12 +9,16 @@
     <p:sldId id="261" r:id="rId6"/>
     <p:sldId id="269" r:id="rId7"/>
     <p:sldId id="270" r:id="rId8"/>
-    <p:sldId id="268" r:id="rId9"/>
-    <p:sldId id="262" r:id="rId10"/>
-    <p:sldId id="267" r:id="rId11"/>
-    <p:sldId id="263" r:id="rId12"/>
-    <p:sldId id="264" r:id="rId13"/>
-    <p:sldId id="266" r:id="rId14"/>
+    <p:sldId id="271" r:id="rId9"/>
+    <p:sldId id="273" r:id="rId10"/>
+    <p:sldId id="272" r:id="rId11"/>
+    <p:sldId id="274" r:id="rId12"/>
+    <p:sldId id="268" r:id="rId13"/>
+    <p:sldId id="262" r:id="rId14"/>
+    <p:sldId id="267" r:id="rId15"/>
+    <p:sldId id="263" r:id="rId16"/>
+    <p:sldId id="264" r:id="rId17"/>
+    <p:sldId id="266" r:id="rId18"/>
   </p:sldIdLst>
   <p:sldSz cx="7772400" cy="10058400"/>
   <p:notesSz cx="6858000" cy="9144000"/>
@@ -926,7 +930,7 @@
           <a:p>
             <a:fld id="{5A00D5ED-7015-4264-9BFD-2CE1D41834D8}" type="datetimeFigureOut">
               <a:rPr lang="en-US" smtClean="0"/>
-              <a:t>5/5/2021</a:t>
+              <a:t>5/6/21</a:t>
             </a:fld>
             <a:endParaRPr lang="en-US"/>
           </a:p>
@@ -1177,7 +1181,7 @@
           <a:p>
             <a:fld id="{5A00D5ED-7015-4264-9BFD-2CE1D41834D8}" type="datetimeFigureOut">
               <a:rPr lang="en-US" smtClean="0"/>
-              <a:t>5/5/2021</a:t>
+              <a:t>5/6/21</a:t>
             </a:fld>
             <a:endParaRPr lang="en-US"/>
           </a:p>
@@ -1491,7 +1495,7 @@
           <a:p>
             <a:fld id="{5A00D5ED-7015-4264-9BFD-2CE1D41834D8}" type="datetimeFigureOut">
               <a:rPr lang="en-US" smtClean="0"/>
-              <a:t>5/5/2021</a:t>
+              <a:t>5/6/21</a:t>
             </a:fld>
             <a:endParaRPr lang="en-US"/>
           </a:p>
@@ -1824,7 +1828,7 @@
           <a:p>
             <a:fld id="{5A00D5ED-7015-4264-9BFD-2CE1D41834D8}" type="datetimeFigureOut">
               <a:rPr lang="en-US" smtClean="0"/>
-              <a:t>5/5/2021</a:t>
+              <a:t>5/6/21</a:t>
             </a:fld>
             <a:endParaRPr lang="en-US"/>
           </a:p>
@@ -2138,7 +2142,7 @@
           <a:p>
             <a:fld id="{5A00D5ED-7015-4264-9BFD-2CE1D41834D8}" type="datetimeFigureOut">
               <a:rPr lang="en-US" smtClean="0"/>
-              <a:t>5/5/2021</a:t>
+              <a:t>5/6/21</a:t>
             </a:fld>
             <a:endParaRPr lang="en-US"/>
           </a:p>
@@ -2531,7 +2535,7 @@
           <a:p>
             <a:fld id="{5A00D5ED-7015-4264-9BFD-2CE1D41834D8}" type="datetimeFigureOut">
               <a:rPr lang="en-US" smtClean="0"/>
-              <a:t>5/5/2021</a:t>
+              <a:t>5/6/21</a:t>
             </a:fld>
             <a:endParaRPr lang="en-US"/>
           </a:p>
@@ -2701,7 +2705,7 @@
           <a:p>
             <a:fld id="{5A00D5ED-7015-4264-9BFD-2CE1D41834D8}" type="datetimeFigureOut">
               <a:rPr lang="en-US" smtClean="0"/>
-              <a:t>5/5/2021</a:t>
+              <a:t>5/6/21</a:t>
             </a:fld>
             <a:endParaRPr lang="en-US"/>
           </a:p>
@@ -2881,7 +2885,7 @@
           <a:p>
             <a:fld id="{5A00D5ED-7015-4264-9BFD-2CE1D41834D8}" type="datetimeFigureOut">
               <a:rPr lang="en-US" smtClean="0"/>
-              <a:t>5/5/2021</a:t>
+              <a:t>5/6/21</a:t>
             </a:fld>
             <a:endParaRPr lang="en-US"/>
           </a:p>
@@ -5957,7 +5961,7 @@
           <a:p>
             <a:fld id="{5A00D5ED-7015-4264-9BFD-2CE1D41834D8}" type="datetimeFigureOut">
               <a:rPr lang="en-US" smtClean="0"/>
-              <a:t>5/5/2021</a:t>
+              <a:t>5/6/21</a:t>
             </a:fld>
             <a:endParaRPr lang="en-US"/>
           </a:p>
@@ -9803,7 +9807,7 @@
           <a:p>
             <a:fld id="{5A00D5ED-7015-4264-9BFD-2CE1D41834D8}" type="datetimeFigureOut">
               <a:rPr lang="en-US" smtClean="0"/>
-              <a:t>5/5/2021</a:t>
+              <a:t>5/6/21</a:t>
             </a:fld>
             <a:endParaRPr lang="en-US"/>
           </a:p>
@@ -10100,7 +10104,7 @@
           <a:p>
             <a:fld id="{5A00D5ED-7015-4264-9BFD-2CE1D41834D8}" type="datetimeFigureOut">
               <a:rPr lang="en-US" smtClean="0"/>
-              <a:t>5/5/2021</a:t>
+              <a:t>5/6/21</a:t>
             </a:fld>
             <a:endParaRPr lang="en-US"/>
           </a:p>
@@ -10479,7 +10483,7 @@
           <a:p>
             <a:fld id="{5A00D5ED-7015-4264-9BFD-2CE1D41834D8}" type="datetimeFigureOut">
               <a:rPr lang="en-US" smtClean="0"/>
-              <a:t>5/5/2021</a:t>
+              <a:t>5/6/21</a:t>
             </a:fld>
             <a:endParaRPr lang="en-US"/>
           </a:p>
@@ -10602,7 +10606,7 @@
           <a:p>
             <a:fld id="{5A00D5ED-7015-4264-9BFD-2CE1D41834D8}" type="datetimeFigureOut">
               <a:rPr lang="en-US" smtClean="0"/>
-              <a:t>5/5/2021</a:t>
+              <a:t>5/6/21</a:t>
             </a:fld>
             <a:endParaRPr lang="en-US"/>
           </a:p>
@@ -10697,7 +10701,7 @@
           <a:p>
             <a:fld id="{5A00D5ED-7015-4264-9BFD-2CE1D41834D8}" type="datetimeFigureOut">
               <a:rPr lang="en-US" smtClean="0"/>
-              <a:t>5/5/2021</a:t>
+              <a:t>5/6/21</a:t>
             </a:fld>
             <a:endParaRPr lang="en-US"/>
           </a:p>
@@ -10952,7 +10956,7 @@
           <a:p>
             <a:fld id="{5A00D5ED-7015-4264-9BFD-2CE1D41834D8}" type="datetimeFigureOut">
               <a:rPr lang="en-US" smtClean="0"/>
-              <a:t>5/5/2021</a:t>
+              <a:t>5/6/21</a:t>
             </a:fld>
             <a:endParaRPr lang="en-US"/>
           </a:p>
@@ -11215,7 +11219,7 @@
           <a:p>
             <a:fld id="{5A00D5ED-7015-4264-9BFD-2CE1D41834D8}" type="datetimeFigureOut">
               <a:rPr lang="en-US" smtClean="0"/>
-              <a:t>5/5/2021</a:t>
+              <a:t>5/6/21</a:t>
             </a:fld>
             <a:endParaRPr lang="en-US"/>
           </a:p>
@@ -12029,7 +12033,7 @@
           <a:p>
             <a:fld id="{5A00D5ED-7015-4264-9BFD-2CE1D41834D8}" type="datetimeFigureOut">
               <a:rPr lang="en-US" smtClean="0"/>
-              <a:t>5/5/2021</a:t>
+              <a:t>5/6/21</a:t>
             </a:fld>
             <a:endParaRPr lang="en-US"/>
           </a:p>
@@ -13388,6 +13392,791 @@
           <p:cNvPr id="2" name="Text Placeholder 1">
             <a:extLst>
               <a:ext uri="{FF2B5EF4-FFF2-40B4-BE49-F238E27FC236}">
+                <a16:creationId xmlns:a16="http://schemas.microsoft.com/office/drawing/2014/main" id="{5365EAF3-759C-A949-B970-F44C78652977}"/>
+              </a:ext>
+            </a:extLst>
+          </p:cNvPr>
+          <p:cNvSpPr>
+            <a:spLocks noGrp="1"/>
+          </p:cNvSpPr>
+          <p:nvPr>
+            <p:ph type="body" sz="quarter" idx="10"/>
+          </p:nvPr>
+        </p:nvSpPr>
+        <p:spPr/>
+        <p:txBody>
+          <a:bodyPr/>
+          <a:lstStyle/>
+          <a:p>
+            <a:r>
+              <a:rPr lang="en-US" dirty="0"/>
+              <a:t>Lorem ipsum dolor sit amet, consectetur adipiscing elit, sed do eiusmod Lorem ipsum dolor sit amet, consectetur adipiscing elit.</a:t>
+            </a:r>
+          </a:p>
+          <a:p>
+            <a:endParaRPr lang="en-US" dirty="0"/>
+          </a:p>
+        </p:txBody>
+      </p:sp>
+      <p:sp>
+        <p:nvSpPr>
+          <p:cNvPr id="3" name="Text Placeholder 2">
+            <a:extLst>
+              <a:ext uri="{FF2B5EF4-FFF2-40B4-BE49-F238E27FC236}">
+                <a16:creationId xmlns:a16="http://schemas.microsoft.com/office/drawing/2014/main" id="{F7CC7CEE-321C-9C4C-AE98-D5C0B9FC38F4}"/>
+              </a:ext>
+            </a:extLst>
+          </p:cNvPr>
+          <p:cNvSpPr>
+            <a:spLocks noGrp="1"/>
+          </p:cNvSpPr>
+          <p:nvPr>
+            <p:ph type="body" sz="quarter" idx="11"/>
+          </p:nvPr>
+        </p:nvSpPr>
+        <p:spPr/>
+        <p:txBody>
+          <a:bodyPr/>
+          <a:lstStyle/>
+          <a:p>
+            <a:r>
+              <a:rPr lang="en-US" dirty="0"/>
+              <a:t>Lorem ipsum dolor sit amet, consectetur adipiscing elit, sed do eiusmod Lorem ipsum dolor sit amet, consectetur adipiscing elit.</a:t>
+            </a:r>
+          </a:p>
+          <a:p>
+            <a:endParaRPr lang="en-US" dirty="0"/>
+          </a:p>
+        </p:txBody>
+      </p:sp>
+      <p:sp>
+        <p:nvSpPr>
+          <p:cNvPr id="4" name="Text Placeholder 3">
+            <a:extLst>
+              <a:ext uri="{FF2B5EF4-FFF2-40B4-BE49-F238E27FC236}">
+                <a16:creationId xmlns:a16="http://schemas.microsoft.com/office/drawing/2014/main" id="{FEE898AC-C413-C543-A3CE-512397571748}"/>
+              </a:ext>
+            </a:extLst>
+          </p:cNvPr>
+          <p:cNvSpPr>
+            <a:spLocks noGrp="1"/>
+          </p:cNvSpPr>
+          <p:nvPr>
+            <p:ph type="body" sz="quarter" idx="12"/>
+          </p:nvPr>
+        </p:nvSpPr>
+        <p:spPr/>
+        <p:txBody>
+          <a:bodyPr/>
+          <a:lstStyle/>
+          <a:p>
+            <a:r>
+              <a:rPr lang="en-US" dirty="0"/>
+              <a:t>FEATURE</a:t>
+            </a:r>
+          </a:p>
+        </p:txBody>
+      </p:sp>
+      <p:sp>
+        <p:nvSpPr>
+          <p:cNvPr id="5" name="Text Placeholder 4">
+            <a:extLst>
+              <a:ext uri="{FF2B5EF4-FFF2-40B4-BE49-F238E27FC236}">
+                <a16:creationId xmlns:a16="http://schemas.microsoft.com/office/drawing/2014/main" id="{F098B7FF-D526-434D-900A-C245936A8F5A}"/>
+              </a:ext>
+            </a:extLst>
+          </p:cNvPr>
+          <p:cNvSpPr>
+            <a:spLocks noGrp="1"/>
+          </p:cNvSpPr>
+          <p:nvPr>
+            <p:ph type="body" sz="quarter" idx="13"/>
+          </p:nvPr>
+        </p:nvSpPr>
+        <p:spPr/>
+        <p:txBody>
+          <a:bodyPr/>
+          <a:lstStyle/>
+          <a:p>
+            <a:r>
+              <a:rPr lang="en-US" dirty="0"/>
+              <a:t>FEATURE</a:t>
+            </a:r>
+          </a:p>
+        </p:txBody>
+      </p:sp>
+      <p:sp>
+        <p:nvSpPr>
+          <p:cNvPr id="6" name="Text Placeholder 5">
+            <a:extLst>
+              <a:ext uri="{FF2B5EF4-FFF2-40B4-BE49-F238E27FC236}">
+                <a16:creationId xmlns:a16="http://schemas.microsoft.com/office/drawing/2014/main" id="{76FE1C0B-FF2B-8042-BCAA-611E0347C6CE}"/>
+              </a:ext>
+            </a:extLst>
+          </p:cNvPr>
+          <p:cNvSpPr>
+            <a:spLocks noGrp="1"/>
+          </p:cNvSpPr>
+          <p:nvPr>
+            <p:ph type="body" sz="quarter" idx="15"/>
+          </p:nvPr>
+        </p:nvSpPr>
+        <p:spPr/>
+        <p:txBody>
+          <a:bodyPr/>
+          <a:lstStyle/>
+          <a:p>
+            <a:r>
+              <a:rPr lang="en-US" dirty="0"/>
+              <a:t>MOVIES</a:t>
+            </a:r>
+          </a:p>
+        </p:txBody>
+      </p:sp>
+      <p:sp>
+        <p:nvSpPr>
+          <p:cNvPr id="7" name="Text Placeholder 6">
+            <a:extLst>
+              <a:ext uri="{FF2B5EF4-FFF2-40B4-BE49-F238E27FC236}">
+                <a16:creationId xmlns:a16="http://schemas.microsoft.com/office/drawing/2014/main" id="{99B590BE-67D2-FF45-AB93-AC49F40EF4B6}"/>
+              </a:ext>
+            </a:extLst>
+          </p:cNvPr>
+          <p:cNvSpPr>
+            <a:spLocks noGrp="1"/>
+          </p:cNvSpPr>
+          <p:nvPr>
+            <p:ph type="body" sz="quarter" idx="16"/>
+          </p:nvPr>
+        </p:nvSpPr>
+        <p:spPr/>
+        <p:txBody>
+          <a:bodyPr>
+            <a:normAutofit lnSpcReduction="10000"/>
+          </a:bodyPr>
+          <a:lstStyle/>
+          <a:p>
+            <a:r>
+              <a:rPr lang="en-US" dirty="0"/>
+              <a:t>JANUARY [YEAR]</a:t>
+            </a:r>
+          </a:p>
+        </p:txBody>
+      </p:sp>
+      <p:sp>
+        <p:nvSpPr>
+          <p:cNvPr id="8" name="Title 7">
+            <a:extLst>
+              <a:ext uri="{FF2B5EF4-FFF2-40B4-BE49-F238E27FC236}">
+                <a16:creationId xmlns:a16="http://schemas.microsoft.com/office/drawing/2014/main" id="{B1C174B4-9A56-1846-8882-BEE04D940C8E}"/>
+              </a:ext>
+            </a:extLst>
+          </p:cNvPr>
+          <p:cNvSpPr>
+            <a:spLocks noGrp="1"/>
+          </p:cNvSpPr>
+          <p:nvPr>
+            <p:ph type="title"/>
+          </p:nvPr>
+        </p:nvSpPr>
+        <p:spPr/>
+        <p:txBody>
+          <a:bodyPr>
+            <a:normAutofit fontScale="90000"/>
+          </a:bodyPr>
+          <a:lstStyle/>
+          <a:p>
+            <a:r>
+              <a:rPr lang="en-US" dirty="0"/>
+              <a:t>MOVIE-goer</a:t>
+            </a:r>
+          </a:p>
+        </p:txBody>
+      </p:sp>
+    </p:spTree>
+    <p:extLst>
+      <p:ext uri="{BB962C8B-B14F-4D97-AF65-F5344CB8AC3E}">
+        <p14:creationId xmlns:p14="http://schemas.microsoft.com/office/powerpoint/2010/main" val="1601016127"/>
+      </p:ext>
+    </p:extLst>
+  </p:cSld>
+  <p:clrMapOvr>
+    <a:masterClrMapping/>
+  </p:clrMapOvr>
+</p:sld>
+</file>
+
+<file path=ppt/slides/slide11.xml><?xml version="1.0" encoding="utf-8"?>
+<p:sld xmlns:a="http://schemas.openxmlformats.org/drawingml/2006/main" xmlns:r="http://schemas.openxmlformats.org/officeDocument/2006/relationships" xmlns:p="http://schemas.openxmlformats.org/presentationml/2006/main">
+  <p:cSld>
+    <p:spTree>
+      <p:nvGrpSpPr>
+        <p:cNvPr id="1" name=""/>
+        <p:cNvGrpSpPr/>
+        <p:nvPr/>
+      </p:nvGrpSpPr>
+      <p:grpSpPr>
+        <a:xfrm>
+          <a:off x="0" y="0"/>
+          <a:ext cx="0" cy="0"/>
+          <a:chOff x="0" y="0"/>
+          <a:chExt cx="0" cy="0"/>
+        </a:xfrm>
+      </p:grpSpPr>
+      <p:sp>
+        <p:nvSpPr>
+          <p:cNvPr id="2" name="Title 1">
+            <a:extLst>
+              <a:ext uri="{FF2B5EF4-FFF2-40B4-BE49-F238E27FC236}">
+                <a16:creationId xmlns:a16="http://schemas.microsoft.com/office/drawing/2014/main" id="{492CB400-945B-4D3C-8483-95D05C19965D}"/>
+              </a:ext>
+            </a:extLst>
+          </p:cNvPr>
+          <p:cNvSpPr>
+            <a:spLocks noGrp="1"/>
+          </p:cNvSpPr>
+          <p:nvPr>
+            <p:ph type="title"/>
+          </p:nvPr>
+        </p:nvSpPr>
+        <p:spPr/>
+        <p:txBody>
+          <a:bodyPr/>
+          <a:lstStyle/>
+          <a:p>
+            <a:endParaRPr lang="en-US" dirty="0"/>
+          </a:p>
+        </p:txBody>
+      </p:sp>
+      <p:sp>
+        <p:nvSpPr>
+          <p:cNvPr id="3" name="Text Placeholder 2">
+            <a:extLst>
+              <a:ext uri="{FF2B5EF4-FFF2-40B4-BE49-F238E27FC236}">
+                <a16:creationId xmlns:a16="http://schemas.microsoft.com/office/drawing/2014/main" id="{66669DBA-CAD1-4991-BAD1-013EE98CF29B}"/>
+              </a:ext>
+            </a:extLst>
+          </p:cNvPr>
+          <p:cNvSpPr>
+            <a:spLocks noGrp="1"/>
+          </p:cNvSpPr>
+          <p:nvPr>
+            <p:ph type="body" idx="1"/>
+          </p:nvPr>
+        </p:nvSpPr>
+        <p:spPr/>
+        <p:txBody>
+          <a:bodyPr/>
+          <a:lstStyle/>
+          <a:p>
+            <a:endParaRPr lang="en-US"/>
+          </a:p>
+        </p:txBody>
+      </p:sp>
+    </p:spTree>
+    <p:extLst>
+      <p:ext uri="{BB962C8B-B14F-4D97-AF65-F5344CB8AC3E}">
+        <p14:creationId xmlns:p14="http://schemas.microsoft.com/office/powerpoint/2010/main" val="399555404"/>
+      </p:ext>
+    </p:extLst>
+  </p:cSld>
+  <p:clrMapOvr>
+    <a:masterClrMapping/>
+  </p:clrMapOvr>
+</p:sld>
+</file>
+
+<file path=ppt/slides/slide12.xml><?xml version="1.0" encoding="utf-8"?>
+<p:sld xmlns:a="http://schemas.openxmlformats.org/drawingml/2006/main" xmlns:r="http://schemas.openxmlformats.org/officeDocument/2006/relationships" xmlns:p="http://schemas.openxmlformats.org/presentationml/2006/main">
+  <p:cSld>
+    <p:spTree>
+      <p:nvGrpSpPr>
+        <p:cNvPr id="1" name=""/>
+        <p:cNvGrpSpPr/>
+        <p:nvPr/>
+      </p:nvGrpSpPr>
+      <p:grpSpPr>
+        <a:xfrm>
+          <a:off x="0" y="0"/>
+          <a:ext cx="0" cy="0"/>
+          <a:chOff x="0" y="0"/>
+          <a:chExt cx="0" cy="0"/>
+        </a:xfrm>
+      </p:grpSpPr>
+      <p:sp>
+        <p:nvSpPr>
+          <p:cNvPr id="2" name="Text Placeholder 1">
+            <a:extLst>
+              <a:ext uri="{FF2B5EF4-FFF2-40B4-BE49-F238E27FC236}">
+                <a16:creationId xmlns:a16="http://schemas.microsoft.com/office/drawing/2014/main" id="{5E80B8A2-89A7-4B47-B1B6-6AE513CBD0BD}"/>
+              </a:ext>
+            </a:extLst>
+          </p:cNvPr>
+          <p:cNvSpPr>
+            <a:spLocks noGrp="1"/>
+          </p:cNvSpPr>
+          <p:nvPr>
+            <p:ph type="body" sz="quarter" idx="10"/>
+          </p:nvPr>
+        </p:nvSpPr>
+        <p:spPr/>
+        <p:txBody>
+          <a:bodyPr/>
+          <a:lstStyle/>
+          <a:p>
+            <a:r>
+              <a:rPr lang="en-US" dirty="0"/>
+              <a:t>Lorem ipsum dolor sit amet, consectetur adipiscing elit, sed do eiusmod Lorem ipsum dolor sit amet, consectetur adipiscing elit.</a:t>
+            </a:r>
+          </a:p>
+          <a:p>
+            <a:endParaRPr lang="en-US" dirty="0"/>
+          </a:p>
+        </p:txBody>
+      </p:sp>
+      <p:sp>
+        <p:nvSpPr>
+          <p:cNvPr id="3" name="Text Placeholder 2">
+            <a:extLst>
+              <a:ext uri="{FF2B5EF4-FFF2-40B4-BE49-F238E27FC236}">
+                <a16:creationId xmlns:a16="http://schemas.microsoft.com/office/drawing/2014/main" id="{CA92EE40-0AE5-5144-8ABC-CA64A1E04E33}"/>
+              </a:ext>
+            </a:extLst>
+          </p:cNvPr>
+          <p:cNvSpPr>
+            <a:spLocks noGrp="1"/>
+          </p:cNvSpPr>
+          <p:nvPr>
+            <p:ph type="body" sz="quarter" idx="11"/>
+          </p:nvPr>
+        </p:nvSpPr>
+        <p:spPr/>
+        <p:txBody>
+          <a:bodyPr/>
+          <a:lstStyle/>
+          <a:p>
+            <a:r>
+              <a:rPr lang="en-US" dirty="0"/>
+              <a:t>Lorem ipsum dolor sit amet, consectetur adipiscing elit, sed do eiusmod Lorem ipsum dolor sit amet, consectetur adipiscing elit.</a:t>
+            </a:r>
+          </a:p>
+          <a:p>
+            <a:endParaRPr lang="en-US" dirty="0"/>
+          </a:p>
+        </p:txBody>
+      </p:sp>
+      <p:sp>
+        <p:nvSpPr>
+          <p:cNvPr id="4" name="Text Placeholder 3">
+            <a:extLst>
+              <a:ext uri="{FF2B5EF4-FFF2-40B4-BE49-F238E27FC236}">
+                <a16:creationId xmlns:a16="http://schemas.microsoft.com/office/drawing/2014/main" id="{E153B7F6-A072-F440-9744-CF36C6F3AAB9}"/>
+              </a:ext>
+            </a:extLst>
+          </p:cNvPr>
+          <p:cNvSpPr>
+            <a:spLocks noGrp="1"/>
+          </p:cNvSpPr>
+          <p:nvPr>
+            <p:ph type="body" sz="quarter" idx="12"/>
+          </p:nvPr>
+        </p:nvSpPr>
+        <p:spPr/>
+        <p:txBody>
+          <a:bodyPr/>
+          <a:lstStyle/>
+          <a:p>
+            <a:r>
+              <a:rPr lang="en-US" dirty="0"/>
+              <a:t>FEATURE</a:t>
+            </a:r>
+          </a:p>
+        </p:txBody>
+      </p:sp>
+      <p:sp>
+        <p:nvSpPr>
+          <p:cNvPr id="5" name="Text Placeholder 4">
+            <a:extLst>
+              <a:ext uri="{FF2B5EF4-FFF2-40B4-BE49-F238E27FC236}">
+                <a16:creationId xmlns:a16="http://schemas.microsoft.com/office/drawing/2014/main" id="{2D3E033B-7726-4E4E-B48E-79728B115E33}"/>
+              </a:ext>
+            </a:extLst>
+          </p:cNvPr>
+          <p:cNvSpPr>
+            <a:spLocks noGrp="1"/>
+          </p:cNvSpPr>
+          <p:nvPr>
+            <p:ph type="body" sz="quarter" idx="13"/>
+          </p:nvPr>
+        </p:nvSpPr>
+        <p:spPr/>
+        <p:txBody>
+          <a:bodyPr/>
+          <a:lstStyle/>
+          <a:p>
+            <a:r>
+              <a:rPr lang="en-US" dirty="0"/>
+              <a:t>FEATURE</a:t>
+            </a:r>
+          </a:p>
+        </p:txBody>
+      </p:sp>
+      <p:sp>
+        <p:nvSpPr>
+          <p:cNvPr id="6" name="Text Placeholder 5">
+            <a:extLst>
+              <a:ext uri="{FF2B5EF4-FFF2-40B4-BE49-F238E27FC236}">
+                <a16:creationId xmlns:a16="http://schemas.microsoft.com/office/drawing/2014/main" id="{FC50AA9E-8736-7046-B34C-EE91E892ABE6}"/>
+              </a:ext>
+            </a:extLst>
+          </p:cNvPr>
+          <p:cNvSpPr>
+            <a:spLocks noGrp="1"/>
+          </p:cNvSpPr>
+          <p:nvPr>
+            <p:ph type="body" sz="quarter" idx="15"/>
+          </p:nvPr>
+        </p:nvSpPr>
+        <p:spPr/>
+        <p:txBody>
+          <a:bodyPr/>
+          <a:lstStyle/>
+          <a:p>
+            <a:r>
+              <a:rPr lang="en-US" dirty="0"/>
+              <a:t>MOVIES</a:t>
+            </a:r>
+          </a:p>
+        </p:txBody>
+      </p:sp>
+      <p:sp>
+        <p:nvSpPr>
+          <p:cNvPr id="7" name="Text Placeholder 6">
+            <a:extLst>
+              <a:ext uri="{FF2B5EF4-FFF2-40B4-BE49-F238E27FC236}">
+                <a16:creationId xmlns:a16="http://schemas.microsoft.com/office/drawing/2014/main" id="{53DB799C-D020-A24F-84A8-14D813FD91BB}"/>
+              </a:ext>
+            </a:extLst>
+          </p:cNvPr>
+          <p:cNvSpPr>
+            <a:spLocks noGrp="1"/>
+          </p:cNvSpPr>
+          <p:nvPr>
+            <p:ph type="body" sz="quarter" idx="16"/>
+          </p:nvPr>
+        </p:nvSpPr>
+        <p:spPr/>
+        <p:txBody>
+          <a:bodyPr>
+            <a:normAutofit lnSpcReduction="10000"/>
+          </a:bodyPr>
+          <a:lstStyle/>
+          <a:p>
+            <a:r>
+              <a:rPr lang="en-US" dirty="0"/>
+              <a:t>JANUARY [YEAR]</a:t>
+            </a:r>
+          </a:p>
+        </p:txBody>
+      </p:sp>
+      <p:sp>
+        <p:nvSpPr>
+          <p:cNvPr id="8" name="Title 7">
+            <a:extLst>
+              <a:ext uri="{FF2B5EF4-FFF2-40B4-BE49-F238E27FC236}">
+                <a16:creationId xmlns:a16="http://schemas.microsoft.com/office/drawing/2014/main" id="{B7361972-9B59-0343-BF16-C27A91621E25}"/>
+              </a:ext>
+            </a:extLst>
+          </p:cNvPr>
+          <p:cNvSpPr>
+            <a:spLocks noGrp="1"/>
+          </p:cNvSpPr>
+          <p:nvPr>
+            <p:ph type="title"/>
+          </p:nvPr>
+        </p:nvSpPr>
+        <p:spPr/>
+        <p:txBody>
+          <a:bodyPr>
+            <a:normAutofit fontScale="90000"/>
+          </a:bodyPr>
+          <a:lstStyle/>
+          <a:p>
+            <a:r>
+              <a:rPr lang="en-US" dirty="0"/>
+              <a:t>Tinseltown</a:t>
+            </a:r>
+          </a:p>
+        </p:txBody>
+      </p:sp>
+    </p:spTree>
+    <p:extLst>
+      <p:ext uri="{BB962C8B-B14F-4D97-AF65-F5344CB8AC3E}">
+        <p14:creationId xmlns:p14="http://schemas.microsoft.com/office/powerpoint/2010/main" val="1629572527"/>
+      </p:ext>
+    </p:extLst>
+  </p:cSld>
+  <p:clrMapOvr>
+    <a:masterClrMapping/>
+  </p:clrMapOvr>
+</p:sld>
+</file>
+
+<file path=ppt/slides/slide13.xml><?xml version="1.0" encoding="utf-8"?>
+<p:sld xmlns:a="http://schemas.openxmlformats.org/drawingml/2006/main" xmlns:r="http://schemas.openxmlformats.org/officeDocument/2006/relationships" xmlns:p="http://schemas.openxmlformats.org/presentationml/2006/main">
+  <p:cSld>
+    <p:spTree>
+      <p:nvGrpSpPr>
+        <p:cNvPr id="1" name=""/>
+        <p:cNvGrpSpPr/>
+        <p:nvPr/>
+      </p:nvGrpSpPr>
+      <p:grpSpPr>
+        <a:xfrm>
+          <a:off x="0" y="0"/>
+          <a:ext cx="0" cy="0"/>
+          <a:chOff x="0" y="0"/>
+          <a:chExt cx="0" cy="0"/>
+        </a:xfrm>
+      </p:grpSpPr>
+      <p:sp>
+        <p:nvSpPr>
+          <p:cNvPr id="2" name="Text Placeholder 1">
+            <a:extLst>
+              <a:ext uri="{FF2B5EF4-FFF2-40B4-BE49-F238E27FC236}">
+                <a16:creationId xmlns:a16="http://schemas.microsoft.com/office/drawing/2014/main" id="{91F66F5D-C043-3647-9565-4AA5F19AE050}"/>
+              </a:ext>
+            </a:extLst>
+          </p:cNvPr>
+          <p:cNvSpPr>
+            <a:spLocks noGrp="1"/>
+          </p:cNvSpPr>
+          <p:nvPr>
+            <p:ph type="body" sz="quarter" idx="10"/>
+          </p:nvPr>
+        </p:nvSpPr>
+        <p:spPr/>
+        <p:txBody>
+          <a:bodyPr/>
+          <a:lstStyle/>
+          <a:p>
+            <a:r>
+              <a:rPr lang="en-US" dirty="0"/>
+              <a:t>Lorem ipsum dolor sit amet, consectetur adipiscing elit, sed do eiusmod Lorem ipsum dolor sit amet, consectetur adipiscing elit.</a:t>
+            </a:r>
+          </a:p>
+          <a:p>
+            <a:endParaRPr lang="en-US" dirty="0"/>
+          </a:p>
+        </p:txBody>
+      </p:sp>
+      <p:sp>
+        <p:nvSpPr>
+          <p:cNvPr id="3" name="Text Placeholder 2">
+            <a:extLst>
+              <a:ext uri="{FF2B5EF4-FFF2-40B4-BE49-F238E27FC236}">
+                <a16:creationId xmlns:a16="http://schemas.microsoft.com/office/drawing/2014/main" id="{66ED0322-6048-4E48-B93F-AD452622DF4A}"/>
+              </a:ext>
+            </a:extLst>
+          </p:cNvPr>
+          <p:cNvSpPr>
+            <a:spLocks noGrp="1"/>
+          </p:cNvSpPr>
+          <p:nvPr>
+            <p:ph type="body" sz="quarter" idx="11"/>
+          </p:nvPr>
+        </p:nvSpPr>
+        <p:spPr/>
+        <p:txBody>
+          <a:bodyPr/>
+          <a:lstStyle/>
+          <a:p>
+            <a:r>
+              <a:rPr lang="en-US" dirty="0"/>
+              <a:t>Lorem ipsum dolor sit amet, consectetur adipiscing elit, sed do eiusmod Lorem ipsum dolor sit amet, consectetur adipiscing elit.</a:t>
+            </a:r>
+          </a:p>
+          <a:p>
+            <a:endParaRPr lang="en-US" dirty="0"/>
+          </a:p>
+        </p:txBody>
+      </p:sp>
+      <p:sp>
+        <p:nvSpPr>
+          <p:cNvPr id="4" name="Text Placeholder 3">
+            <a:extLst>
+              <a:ext uri="{FF2B5EF4-FFF2-40B4-BE49-F238E27FC236}">
+                <a16:creationId xmlns:a16="http://schemas.microsoft.com/office/drawing/2014/main" id="{917B2698-71B5-EA4F-8291-9E422C5E6746}"/>
+              </a:ext>
+            </a:extLst>
+          </p:cNvPr>
+          <p:cNvSpPr>
+            <a:spLocks noGrp="1"/>
+          </p:cNvSpPr>
+          <p:nvPr>
+            <p:ph type="body" sz="quarter" idx="12"/>
+          </p:nvPr>
+        </p:nvSpPr>
+        <p:spPr/>
+        <p:txBody>
+          <a:bodyPr/>
+          <a:lstStyle/>
+          <a:p>
+            <a:r>
+              <a:rPr lang="en-US" dirty="0"/>
+              <a:t>FEATURE TITLE</a:t>
+            </a:r>
+          </a:p>
+        </p:txBody>
+      </p:sp>
+      <p:sp>
+        <p:nvSpPr>
+          <p:cNvPr id="5" name="Text Placeholder 4">
+            <a:extLst>
+              <a:ext uri="{FF2B5EF4-FFF2-40B4-BE49-F238E27FC236}">
+                <a16:creationId xmlns:a16="http://schemas.microsoft.com/office/drawing/2014/main" id="{A4E67D4A-6448-0E48-BC92-ABE4BA250B69}"/>
+              </a:ext>
+            </a:extLst>
+          </p:cNvPr>
+          <p:cNvSpPr>
+            <a:spLocks noGrp="1"/>
+          </p:cNvSpPr>
+          <p:nvPr>
+            <p:ph type="body" sz="quarter" idx="13"/>
+          </p:nvPr>
+        </p:nvSpPr>
+        <p:spPr/>
+        <p:txBody>
+          <a:bodyPr/>
+          <a:lstStyle/>
+          <a:p>
+            <a:r>
+              <a:rPr lang="en-US" dirty="0"/>
+              <a:t>FEATURE TITLE</a:t>
+            </a:r>
+          </a:p>
+        </p:txBody>
+      </p:sp>
+      <p:sp>
+        <p:nvSpPr>
+          <p:cNvPr id="6" name="Text Placeholder 5">
+            <a:extLst>
+              <a:ext uri="{FF2B5EF4-FFF2-40B4-BE49-F238E27FC236}">
+                <a16:creationId xmlns:a16="http://schemas.microsoft.com/office/drawing/2014/main" id="{2E195014-15EA-FA44-A689-47F0DDB88820}"/>
+              </a:ext>
+            </a:extLst>
+          </p:cNvPr>
+          <p:cNvSpPr>
+            <a:spLocks noGrp="1"/>
+          </p:cNvSpPr>
+          <p:nvPr>
+            <p:ph type="body" sz="quarter" idx="15"/>
+          </p:nvPr>
+        </p:nvSpPr>
+        <p:spPr/>
+        <p:txBody>
+          <a:bodyPr/>
+          <a:lstStyle/>
+          <a:p>
+            <a:endParaRPr lang="en-US" dirty="0"/>
+          </a:p>
+        </p:txBody>
+      </p:sp>
+      <p:sp>
+        <p:nvSpPr>
+          <p:cNvPr id="7" name="Text Placeholder 6">
+            <a:extLst>
+              <a:ext uri="{FF2B5EF4-FFF2-40B4-BE49-F238E27FC236}">
+                <a16:creationId xmlns:a16="http://schemas.microsoft.com/office/drawing/2014/main" id="{849FDC09-6F3E-0A44-8BAD-E6FC08CC013F}"/>
+              </a:ext>
+            </a:extLst>
+          </p:cNvPr>
+          <p:cNvSpPr>
+            <a:spLocks noGrp="1"/>
+          </p:cNvSpPr>
+          <p:nvPr>
+            <p:ph type="body" sz="quarter" idx="16"/>
+          </p:nvPr>
+        </p:nvSpPr>
+        <p:spPr/>
+        <p:txBody>
+          <a:bodyPr>
+            <a:normAutofit lnSpcReduction="10000"/>
+          </a:bodyPr>
+          <a:lstStyle/>
+          <a:p>
+            <a:r>
+              <a:rPr lang="en-US" dirty="0"/>
+              <a:t>JANUARY [YEAR]</a:t>
+            </a:r>
+          </a:p>
+        </p:txBody>
+      </p:sp>
+      <p:sp>
+        <p:nvSpPr>
+          <p:cNvPr id="8" name="Title 7">
+            <a:extLst>
+              <a:ext uri="{FF2B5EF4-FFF2-40B4-BE49-F238E27FC236}">
+                <a16:creationId xmlns:a16="http://schemas.microsoft.com/office/drawing/2014/main" id="{CC2E676A-0E5D-B946-92F0-D7C96AEB7529}"/>
+              </a:ext>
+            </a:extLst>
+          </p:cNvPr>
+          <p:cNvSpPr>
+            <a:spLocks noGrp="1"/>
+          </p:cNvSpPr>
+          <p:nvPr>
+            <p:ph type="title"/>
+          </p:nvPr>
+        </p:nvSpPr>
+        <p:spPr/>
+        <p:txBody>
+          <a:bodyPr>
+            <a:normAutofit fontScale="90000"/>
+          </a:bodyPr>
+          <a:lstStyle/>
+          <a:p>
+            <a:r>
+              <a:rPr lang="en-US" dirty="0"/>
+              <a:t>CINEMA</a:t>
+            </a:r>
+          </a:p>
+        </p:txBody>
+      </p:sp>
+    </p:spTree>
+    <p:extLst>
+      <p:ext uri="{BB962C8B-B14F-4D97-AF65-F5344CB8AC3E}">
+        <p14:creationId xmlns:p14="http://schemas.microsoft.com/office/powerpoint/2010/main" val="2512527782"/>
+      </p:ext>
+    </p:extLst>
+  </p:cSld>
+  <p:clrMapOvr>
+    <a:masterClrMapping/>
+  </p:clrMapOvr>
+</p:sld>
+</file>
+
+<file path=ppt/slides/slide14.xml><?xml version="1.0" encoding="utf-8"?>
+<p:sld xmlns:a="http://schemas.openxmlformats.org/drawingml/2006/main" xmlns:r="http://schemas.openxmlformats.org/officeDocument/2006/relationships" xmlns:p="http://schemas.openxmlformats.org/presentationml/2006/main">
+  <p:cSld>
+    <p:spTree>
+      <p:nvGrpSpPr>
+        <p:cNvPr id="1" name=""/>
+        <p:cNvGrpSpPr/>
+        <p:nvPr/>
+      </p:nvGrpSpPr>
+      <p:grpSpPr>
+        <a:xfrm>
+          <a:off x="0" y="0"/>
+          <a:ext cx="0" cy="0"/>
+          <a:chOff x="0" y="0"/>
+          <a:chExt cx="0" cy="0"/>
+        </a:xfrm>
+      </p:grpSpPr>
+      <p:sp>
+        <p:nvSpPr>
+          <p:cNvPr id="2" name="Text Placeholder 1">
+            <a:extLst>
+              <a:ext uri="{FF2B5EF4-FFF2-40B4-BE49-F238E27FC236}">
                 <a16:creationId xmlns:a16="http://schemas.microsoft.com/office/drawing/2014/main" id="{6AEA8D19-A16F-164D-AD78-93A2AB87E114}"/>
               </a:ext>
             </a:extLst>
@@ -14482,12 +15271,48 @@
           <a:chExt cx="0" cy="0"/>
         </a:xfrm>
       </p:grpSpPr>
+      <p:pic>
+        <p:nvPicPr>
+          <p:cNvPr id="13" name="Graphic 12" descr="Theatre with solid fill">
+            <a:extLst>
+              <a:ext uri="{FF2B5EF4-FFF2-40B4-BE49-F238E27FC236}">
+                <a16:creationId xmlns:a16="http://schemas.microsoft.com/office/drawing/2014/main" id="{A78C5E99-DC33-2543-AC9C-5E578B4EAD55}"/>
+              </a:ext>
+            </a:extLst>
+          </p:cNvPr>
+          <p:cNvPicPr>
+            <a:picLocks noChangeAspect="1"/>
+          </p:cNvPicPr>
+          <p:nvPr/>
+        </p:nvPicPr>
+        <p:blipFill>
+          <a:blip r:embed="rId2">
+            <a:extLst>
+              <a:ext uri="{96DAC541-7B7A-43D3-8B79-37D633B846F1}">
+                <asvg:svgBlip xmlns:asvg="http://schemas.microsoft.com/office/drawing/2016/SVG/main" r:embed="rId3"/>
+              </a:ext>
+            </a:extLst>
+          </a:blip>
+          <a:stretch>
+            <a:fillRect/>
+          </a:stretch>
+        </p:blipFill>
+        <p:spPr>
+          <a:xfrm>
+            <a:off x="0" y="943897"/>
+            <a:ext cx="7647717" cy="7647717"/>
+          </a:xfrm>
+          <a:prstGeom prst="rect">
+            <a:avLst/>
+          </a:prstGeom>
+        </p:spPr>
+      </p:pic>
       <p:sp>
         <p:nvSpPr>
           <p:cNvPr id="2" name="Title 1">
             <a:extLst>
               <a:ext uri="{FF2B5EF4-FFF2-40B4-BE49-F238E27FC236}">
-                <a16:creationId xmlns:a16="http://schemas.microsoft.com/office/drawing/2014/main" id="{EE7E50B7-1D74-4EEA-8992-6617230A4C4A}"/>
+                <a16:creationId xmlns:a16="http://schemas.microsoft.com/office/drawing/2014/main" id="{492CB400-945B-4D3C-8483-95D05C19965D}"/>
               </a:ext>
             </a:extLst>
           </p:cNvPr>
@@ -14498,111 +15323,211 @@
             <p:ph type="title"/>
           </p:nvPr>
         </p:nvSpPr>
-        <p:spPr/>
-        <p:txBody>
-          <a:bodyPr>
-            <a:normAutofit fontScale="90000"/>
-          </a:bodyPr>
-          <a:lstStyle/>
-          <a:p>
-            <a:r>
-              <a:rPr lang="en-US" sz="1800" spc="100" dirty="0">
-                <a:solidFill>
-                  <a:schemeClr val="bg1"/>
-                </a:solidFill>
-                <a:ea typeface="Cambria" panose="02040503050406030204" pitchFamily="18" charset="0"/>
-              </a:rPr>
-              <a:t>Does the month of the movies release have any correlation to the films winning an award?</a:t>
-            </a:r>
-            <a:br>
-              <a:rPr lang="en-US" sz="1800" spc="100" dirty="0">
-                <a:solidFill>
-                  <a:schemeClr val="bg1"/>
-                </a:solidFill>
-                <a:ea typeface="Cambria" panose="02040503050406030204" pitchFamily="18" charset="0"/>
-              </a:rPr>
-            </a:br>
-            <a:r>
-              <a:rPr lang="en-US" sz="1800" spc="100" dirty="0">
-                <a:solidFill>
-                  <a:schemeClr val="bg1"/>
-                </a:solidFill>
-                <a:ea typeface="Cambria" panose="02040503050406030204" pitchFamily="18" charset="0"/>
-              </a:rPr>
-              <a:t>Does the month of the movies release have any correlation to the films winning an award?</a:t>
-            </a:r>
-            <a:br>
-              <a:rPr lang="en-US" sz="1800" spc="100" dirty="0">
-                <a:solidFill>
-                  <a:schemeClr val="bg1"/>
-                </a:solidFill>
-                <a:ea typeface="Cambria" panose="02040503050406030204" pitchFamily="18" charset="0"/>
-              </a:rPr>
-            </a:br>
-            <a:endParaRPr lang="en-US" dirty="0"/>
-          </a:p>
-        </p:txBody>
-      </p:sp>
-      <p:sp>
-        <p:nvSpPr>
-          <p:cNvPr id="3" name="Content Placeholder 2">
-            <a:extLst>
-              <a:ext uri="{FF2B5EF4-FFF2-40B4-BE49-F238E27FC236}">
-                <a16:creationId xmlns:a16="http://schemas.microsoft.com/office/drawing/2014/main" id="{33F4B4FE-7E83-4CE5-9306-82ACE427C0BC}"/>
-              </a:ext>
-            </a:extLst>
-          </p:cNvPr>
-          <p:cNvSpPr>
-            <a:spLocks noGrp="1"/>
-          </p:cNvSpPr>
-          <p:nvPr>
-            <p:ph idx="1"/>
-          </p:nvPr>
-        </p:nvSpPr>
-        <p:spPr/>
+        <p:spPr>
+          <a:xfrm>
+            <a:off x="694157" y="2267537"/>
+            <a:ext cx="6384085" cy="3110164"/>
+          </a:xfrm>
+        </p:spPr>
         <p:txBody>
           <a:bodyPr/>
           <a:lstStyle/>
           <a:p>
-            <a:endParaRPr lang="en-US"/>
-          </a:p>
-        </p:txBody>
-      </p:sp>
-      <p:sp>
-        <p:nvSpPr>
-          <p:cNvPr id="4" name="Text Placeholder 3">
+            <a:r>
+              <a:rPr lang="en-US" dirty="0">
+                <a:solidFill>
+                  <a:srgbClr val="FFFF00"/>
+                </a:solidFill>
+              </a:rPr>
+              <a:t>How well do movies that win the </a:t>
+            </a:r>
+            <a:r>
+              <a:rPr lang="en-US" dirty="0">
+                <a:solidFill>
+                  <a:srgbClr val="00B050"/>
+                </a:solidFill>
+              </a:rPr>
+              <a:t>Best Picture Oscar </a:t>
+            </a:r>
+            <a:r>
+              <a:rPr lang="en-US" dirty="0">
+                <a:solidFill>
+                  <a:srgbClr val="FFFF00"/>
+                </a:solidFill>
+              </a:rPr>
+              <a:t>do at the box office compared to other movies?</a:t>
+            </a:r>
+          </a:p>
+        </p:txBody>
+      </p:sp>
+      <p:pic>
+        <p:nvPicPr>
+          <p:cNvPr id="5" name="Graphic 4" descr="Coins with solid fill">
             <a:extLst>
               <a:ext uri="{FF2B5EF4-FFF2-40B4-BE49-F238E27FC236}">
-                <a16:creationId xmlns:a16="http://schemas.microsoft.com/office/drawing/2014/main" id="{5D905510-DBD6-446E-BD99-92EB490EF4FE}"/>
+                <a16:creationId xmlns:a16="http://schemas.microsoft.com/office/drawing/2014/main" id="{5415866A-2B2A-4240-96D2-E75C25B8FC7D}"/>
               </a:ext>
             </a:extLst>
           </p:cNvPr>
-          <p:cNvSpPr>
-            <a:spLocks noGrp="1"/>
-          </p:cNvSpPr>
-          <p:nvPr>
-            <p:ph type="body" sz="half" idx="2"/>
-          </p:nvPr>
-        </p:nvSpPr>
-        <p:spPr/>
-        <p:txBody>
-          <a:bodyPr/>
-          <a:lstStyle/>
-          <a:p>
-            <a:endParaRPr lang="en-US"/>
-          </a:p>
-        </p:txBody>
-      </p:sp>
+          <p:cNvPicPr>
+            <a:picLocks noChangeAspect="1"/>
+          </p:cNvPicPr>
+          <p:nvPr/>
+        </p:nvPicPr>
+        <p:blipFill>
+          <a:blip r:embed="rId4">
+            <a:extLst>
+              <a:ext uri="{96DAC541-7B7A-43D3-8B79-37D633B846F1}">
+                <asvg:svgBlip xmlns:asvg="http://schemas.microsoft.com/office/drawing/2016/SVG/main" r:embed="rId5"/>
+              </a:ext>
+            </a:extLst>
+          </a:blip>
+          <a:stretch>
+            <a:fillRect/>
+          </a:stretch>
+        </p:blipFill>
+        <p:spPr>
+          <a:xfrm rot="431172">
+            <a:off x="4167154" y="8357006"/>
+            <a:ext cx="914400" cy="914400"/>
+          </a:xfrm>
+          <a:prstGeom prst="rect">
+            <a:avLst/>
+          </a:prstGeom>
+        </p:spPr>
+      </p:pic>
+      <p:pic>
+        <p:nvPicPr>
+          <p:cNvPr id="7" name="Graphic 6" descr="Money outline">
+            <a:extLst>
+              <a:ext uri="{FF2B5EF4-FFF2-40B4-BE49-F238E27FC236}">
+                <a16:creationId xmlns:a16="http://schemas.microsoft.com/office/drawing/2014/main" id="{BC7F0AF1-CF34-694B-80F6-61D45516A432}"/>
+              </a:ext>
+            </a:extLst>
+          </p:cNvPr>
+          <p:cNvPicPr>
+            <a:picLocks noChangeAspect="1"/>
+          </p:cNvPicPr>
+          <p:nvPr/>
+        </p:nvPicPr>
+        <p:blipFill>
+          <a:blip r:embed="rId6">
+            <a:extLst>
+              <a:ext uri="{96DAC541-7B7A-43D3-8B79-37D633B846F1}">
+                <asvg:svgBlip xmlns:asvg="http://schemas.microsoft.com/office/drawing/2016/SVG/main" r:embed="rId7"/>
+              </a:ext>
+            </a:extLst>
+          </a:blip>
+          <a:stretch>
+            <a:fillRect/>
+          </a:stretch>
+        </p:blipFill>
+        <p:spPr>
+          <a:xfrm rot="20244722">
+            <a:off x="740401" y="7650755"/>
+            <a:ext cx="2086897" cy="2086897"/>
+          </a:xfrm>
+          <a:prstGeom prst="rect">
+            <a:avLst/>
+          </a:prstGeom>
+        </p:spPr>
+      </p:pic>
     </p:spTree>
     <p:extLst>
       <p:ext uri="{BB962C8B-B14F-4D97-AF65-F5344CB8AC3E}">
-        <p14:creationId xmlns:p14="http://schemas.microsoft.com/office/powerpoint/2010/main" val="1396243263"/>
+        <p14:creationId xmlns:p14="http://schemas.microsoft.com/office/powerpoint/2010/main" val="4085538171"/>
       </p:ext>
     </p:extLst>
   </p:cSld>
   <p:clrMapOvr>
     <a:masterClrMapping/>
   </p:clrMapOvr>
+  <p:timing>
+    <p:tnLst>
+      <p:par>
+        <p:cTn id="1" dur="indefinite" restart="never" nodeType="tmRoot">
+          <p:childTnLst>
+            <p:seq concurrent="1" nextAc="seek">
+              <p:cTn id="2" dur="indefinite" nodeType="mainSeq">
+                <p:childTnLst>
+                  <p:par>
+                    <p:cTn id="3" fill="hold">
+                      <p:stCondLst>
+                        <p:cond delay="indefinite"/>
+                      </p:stCondLst>
+                      <p:childTnLst>
+                        <p:par>
+                          <p:cTn id="4" fill="hold">
+                            <p:stCondLst>
+                              <p:cond delay="0"/>
+                            </p:stCondLst>
+                            <p:childTnLst>
+                              <p:par>
+                                <p:cTn id="5" presetID="14" presetClass="entr" presetSubtype="10" fill="hold" grpId="0" nodeType="clickEffect">
+                                  <p:stCondLst>
+                                    <p:cond delay="0"/>
+                                  </p:stCondLst>
+                                  <p:childTnLst>
+                                    <p:set>
+                                      <p:cBhvr>
+                                        <p:cTn id="6" dur="1" fill="hold">
+                                          <p:stCondLst>
+                                            <p:cond delay="0"/>
+                                          </p:stCondLst>
+                                        </p:cTn>
+                                        <p:tgtEl>
+                                          <p:spTgt spid="2"/>
+                                        </p:tgtEl>
+                                        <p:attrNameLst>
+                                          <p:attrName>style.visibility</p:attrName>
+                                        </p:attrNameLst>
+                                      </p:cBhvr>
+                                      <p:to>
+                                        <p:strVal val="visible"/>
+                                      </p:to>
+                                    </p:set>
+                                    <p:animEffect transition="in" filter="randombar(horizontal)">
+                                      <p:cBhvr>
+                                        <p:cTn id="7" dur="1000"/>
+                                        <p:tgtEl>
+                                          <p:spTgt spid="2"/>
+                                        </p:tgtEl>
+                                      </p:cBhvr>
+                                    </p:animEffect>
+                                  </p:childTnLst>
+                                </p:cTn>
+                              </p:par>
+                            </p:childTnLst>
+                          </p:cTn>
+                        </p:par>
+                      </p:childTnLst>
+                    </p:cTn>
+                  </p:par>
+                </p:childTnLst>
+              </p:cTn>
+              <p:prevCondLst>
+                <p:cond evt="onPrev" delay="0">
+                  <p:tgtEl>
+                    <p:sldTgt/>
+                  </p:tgtEl>
+                </p:cond>
+              </p:prevCondLst>
+              <p:nextCondLst>
+                <p:cond evt="onNext" delay="0">
+                  <p:tgtEl>
+                    <p:sldTgt/>
+                  </p:tgtEl>
+                </p:cond>
+              </p:nextCondLst>
+            </p:seq>
+          </p:childTnLst>
+        </p:cTn>
+      </p:par>
+    </p:tnLst>
+    <p:bldLst>
+      <p:bldP spid="2" grpId="0"/>
+    </p:bldLst>
+  </p:timing>
 </p:sld>
 </file>
 
@@ -14625,10 +15550,10 @@
       </p:grpSpPr>
       <p:sp>
         <p:nvSpPr>
-          <p:cNvPr id="2" name="Text Placeholder 1">
+          <p:cNvPr id="2" name="Title 1">
             <a:extLst>
               <a:ext uri="{FF2B5EF4-FFF2-40B4-BE49-F238E27FC236}">
-                <a16:creationId xmlns:a16="http://schemas.microsoft.com/office/drawing/2014/main" id="{5365EAF3-759C-A949-B970-F44C78652977}"/>
+                <a16:creationId xmlns:a16="http://schemas.microsoft.com/office/drawing/2014/main" id="{49F5A6EE-8EE6-7E4F-8499-C03E6BD4270D}"/>
               </a:ext>
             </a:extLst>
           </p:cNvPr>
@@ -14636,7 +15561,7 @@
             <a:spLocks noGrp="1"/>
           </p:cNvSpPr>
           <p:nvPr>
-            <p:ph type="body" sz="quarter" idx="10"/>
+            <p:ph type="title"/>
           </p:nvPr>
         </p:nvSpPr>
         <p:spPr/>
@@ -14646,199 +15571,1804 @@
           <a:p>
             <a:r>
               <a:rPr lang="en-US" dirty="0"/>
-              <a:t>Lorem ipsum dolor sit amet, consectetur adipiscing elit, sed do eiusmod Lorem ipsum dolor sit amet, consectetur adipiscing elit.</a:t>
-            </a:r>
-          </a:p>
-          <a:p>
-            <a:endParaRPr lang="en-US" dirty="0"/>
-          </a:p>
-        </p:txBody>
-      </p:sp>
-      <p:sp>
-        <p:nvSpPr>
-          <p:cNvPr id="3" name="Text Placeholder 2">
+              <a:t>Top 15 Highest Grossing Movies of all Time</a:t>
+            </a:r>
+          </a:p>
+        </p:txBody>
+      </p:sp>
+      <p:graphicFrame>
+        <p:nvGraphicFramePr>
+          <p:cNvPr id="7" name="Table 6">
             <a:extLst>
               <a:ext uri="{FF2B5EF4-FFF2-40B4-BE49-F238E27FC236}">
-                <a16:creationId xmlns:a16="http://schemas.microsoft.com/office/drawing/2014/main" id="{F7CC7CEE-321C-9C4C-AE98-D5C0B9FC38F4}"/>
+                <a16:creationId xmlns:a16="http://schemas.microsoft.com/office/drawing/2014/main" id="{5515BC6C-9B96-9C49-BE0E-444F6588B69A}"/>
               </a:ext>
             </a:extLst>
           </p:cNvPr>
-          <p:cNvSpPr>
-            <a:spLocks noGrp="1"/>
-          </p:cNvSpPr>
-          <p:nvPr>
-            <p:ph type="body" sz="quarter" idx="11"/>
-          </p:nvPr>
-        </p:nvSpPr>
-        <p:spPr/>
-        <p:txBody>
-          <a:bodyPr/>
-          <a:lstStyle/>
-          <a:p>
-            <a:r>
-              <a:rPr lang="en-US" dirty="0"/>
-              <a:t>Lorem ipsum dolor sit amet, consectetur adipiscing elit, sed do eiusmod Lorem ipsum dolor sit amet, consectetur adipiscing elit.</a:t>
-            </a:r>
-          </a:p>
-          <a:p>
-            <a:endParaRPr lang="en-US" dirty="0"/>
-          </a:p>
-        </p:txBody>
-      </p:sp>
-      <p:sp>
-        <p:nvSpPr>
-          <p:cNvPr id="4" name="Text Placeholder 3">
+          <p:cNvGraphicFramePr>
+            <a:graphicFrameLocks noGrp="1"/>
+          </p:cNvGraphicFramePr>
+          <p:nvPr/>
+        </p:nvGraphicFramePr>
+        <p:xfrm>
+          <a:off x="237745" y="2359742"/>
+          <a:ext cx="5956383" cy="4178254"/>
+        </p:xfrm>
+        <a:graphic>
+          <a:graphicData uri="http://schemas.openxmlformats.org/drawingml/2006/table">
+            <a:tbl>
+              <a:tblPr>
+                <a:tableStyleId>{5C22544A-7EE6-4342-B048-85BDC9FD1C3A}</a:tableStyleId>
+              </a:tblPr>
+              <a:tblGrid>
+                <a:gridCol w="820811">
+                  <a:extLst>
+                    <a:ext uri="{9D8B030D-6E8A-4147-A177-3AD203B41FA5}">
+                      <a16:colId xmlns:a16="http://schemas.microsoft.com/office/drawing/2014/main" val="1805226429"/>
+                    </a:ext>
+                  </a:extLst>
+                </a:gridCol>
+                <a:gridCol w="3107131">
+                  <a:extLst>
+                    <a:ext uri="{9D8B030D-6E8A-4147-A177-3AD203B41FA5}">
+                      <a16:colId xmlns:a16="http://schemas.microsoft.com/office/drawing/2014/main" val="1105365999"/>
+                    </a:ext>
+                  </a:extLst>
+                </a:gridCol>
+                <a:gridCol w="1207630">
+                  <a:extLst>
+                    <a:ext uri="{9D8B030D-6E8A-4147-A177-3AD203B41FA5}">
+                      <a16:colId xmlns:a16="http://schemas.microsoft.com/office/drawing/2014/main" val="210596309"/>
+                    </a:ext>
+                  </a:extLst>
+                </a:gridCol>
+                <a:gridCol w="820811">
+                  <a:extLst>
+                    <a:ext uri="{9D8B030D-6E8A-4147-A177-3AD203B41FA5}">
+                      <a16:colId xmlns:a16="http://schemas.microsoft.com/office/drawing/2014/main" val="1014933359"/>
+                    </a:ext>
+                  </a:extLst>
+                </a:gridCol>
+              </a:tblGrid>
+              <a:tr h="204387">
+                <a:tc>
+                  <a:txBody>
+                    <a:bodyPr/>
+                    <a:lstStyle/>
+                    <a:p>
+                      <a:pPr algn="l" fontAlgn="b"/>
+                      <a:r>
+                        <a:rPr lang="en-US" sz="1200" b="1" u="none" strike="noStrike">
+                          <a:effectLst/>
+                        </a:rPr>
+                        <a:t>rank</a:t>
+                      </a:r>
+                      <a:endParaRPr lang="en-US" sz="1200" b="1" i="0" u="none" strike="noStrike">
+                        <a:solidFill>
+                          <a:srgbClr val="000000"/>
+                        </a:solidFill>
+                        <a:effectLst/>
+                        <a:latin typeface="Helvetica Neue" panose="02000503000000020004" pitchFamily="2" charset="0"/>
+                      </a:endParaRPr>
+                    </a:p>
+                  </a:txBody>
+                  <a:tcPr marL="8556" marR="8556" marT="8556" marB="0" anchor="b"/>
+                </a:tc>
+                <a:tc>
+                  <a:txBody>
+                    <a:bodyPr/>
+                    <a:lstStyle/>
+                    <a:p>
+                      <a:pPr algn="l" fontAlgn="b"/>
+                      <a:r>
+                        <a:rPr lang="en-US" sz="1200" b="1" u="none" strike="noStrike" dirty="0">
+                          <a:effectLst/>
+                        </a:rPr>
+                        <a:t>Title</a:t>
+                      </a:r>
+                      <a:endParaRPr lang="en-US" sz="1200" b="1" i="0" u="none" strike="noStrike" dirty="0">
+                        <a:solidFill>
+                          <a:srgbClr val="000000"/>
+                        </a:solidFill>
+                        <a:effectLst/>
+                        <a:latin typeface="Helvetica Neue" panose="02000503000000020004" pitchFamily="2" charset="0"/>
+                      </a:endParaRPr>
+                    </a:p>
+                  </a:txBody>
+                  <a:tcPr marL="8556" marR="8556" marT="8556" marB="0" anchor="b"/>
+                </a:tc>
+                <a:tc>
+                  <a:txBody>
+                    <a:bodyPr/>
+                    <a:lstStyle/>
+                    <a:p>
+                      <a:pPr algn="l" fontAlgn="b"/>
+                      <a:r>
+                        <a:rPr lang="en-US" sz="1200" b="1" u="none" strike="noStrike">
+                          <a:effectLst/>
+                        </a:rPr>
+                        <a:t>Total Boxoffice</a:t>
+                      </a:r>
+                      <a:endParaRPr lang="en-US" sz="1200" b="1" i="0" u="none" strike="noStrike">
+                        <a:solidFill>
+                          <a:srgbClr val="000000"/>
+                        </a:solidFill>
+                        <a:effectLst/>
+                        <a:latin typeface="Helvetica Neue" panose="02000503000000020004" pitchFamily="2" charset="0"/>
+                      </a:endParaRPr>
+                    </a:p>
+                  </a:txBody>
+                  <a:tcPr marL="8556" marR="8556" marT="8556" marB="0" anchor="b"/>
+                </a:tc>
+                <a:tc>
+                  <a:txBody>
+                    <a:bodyPr/>
+                    <a:lstStyle/>
+                    <a:p>
+                      <a:pPr algn="l" fontAlgn="b"/>
+                      <a:r>
+                        <a:rPr lang="en-US" sz="1200" b="1" u="none" strike="noStrike" dirty="0">
+                          <a:effectLst/>
+                        </a:rPr>
+                        <a:t>year</a:t>
+                      </a:r>
+                      <a:endParaRPr lang="en-US" sz="1200" b="1" i="0" u="none" strike="noStrike" dirty="0">
+                        <a:solidFill>
+                          <a:srgbClr val="000000"/>
+                        </a:solidFill>
+                        <a:effectLst/>
+                        <a:latin typeface="Helvetica Neue" panose="02000503000000020004" pitchFamily="2" charset="0"/>
+                      </a:endParaRPr>
+                    </a:p>
+                  </a:txBody>
+                  <a:tcPr marL="8556" marR="8556" marT="8556" marB="0" anchor="b"/>
+                </a:tc>
+                <a:extLst>
+                  <a:ext uri="{0D108BD9-81ED-4DB2-BD59-A6C34878D82A}">
+                    <a16:rowId xmlns:a16="http://schemas.microsoft.com/office/drawing/2014/main" val="1155242716"/>
+                  </a:ext>
+                </a:extLst>
+              </a:tr>
+              <a:tr h="267701">
+                <a:tc>
+                  <a:txBody>
+                    <a:bodyPr/>
+                    <a:lstStyle/>
+                    <a:p>
+                      <a:pPr algn="ctr" fontAlgn="b"/>
+                      <a:r>
+                        <a:rPr lang="en-US" sz="1200" u="none" strike="noStrike" dirty="0">
+                          <a:effectLst/>
+                        </a:rPr>
+                        <a:t>1</a:t>
+                      </a:r>
+                      <a:endParaRPr lang="en-US" sz="1200" b="0" i="0" u="none" strike="noStrike" dirty="0">
+                        <a:solidFill>
+                          <a:srgbClr val="000000"/>
+                        </a:solidFill>
+                        <a:effectLst/>
+                        <a:latin typeface="Helvetica Neue" panose="02000503000000020004" pitchFamily="2" charset="0"/>
+                      </a:endParaRPr>
+                    </a:p>
+                  </a:txBody>
+                  <a:tcPr marL="8556" marR="8556" marT="8556" marB="0" anchor="b"/>
+                </a:tc>
+                <a:tc>
+                  <a:txBody>
+                    <a:bodyPr/>
+                    <a:lstStyle/>
+                    <a:p>
+                      <a:pPr algn="l" fontAlgn="b"/>
+                      <a:r>
+                        <a:rPr lang="en-US" sz="1200" u="none" strike="noStrike">
+                          <a:effectLst/>
+                        </a:rPr>
+                        <a:t>Avatar</a:t>
+                      </a:r>
+                      <a:endParaRPr lang="en-US" sz="1200" b="0" i="0" u="none" strike="noStrike">
+                        <a:solidFill>
+                          <a:srgbClr val="000000"/>
+                        </a:solidFill>
+                        <a:effectLst/>
+                        <a:latin typeface="Helvetica Neue" panose="02000503000000020004" pitchFamily="2" charset="0"/>
+                      </a:endParaRPr>
+                    </a:p>
+                  </a:txBody>
+                  <a:tcPr marL="8556" marR="8556" marT="8556" marB="0" anchor="b"/>
+                </a:tc>
+                <a:tc>
+                  <a:txBody>
+                    <a:bodyPr/>
+                    <a:lstStyle/>
+                    <a:p>
+                      <a:pPr algn="r" fontAlgn="b"/>
+                      <a:r>
+                        <a:rPr lang="en-US" sz="1200" u="none" strike="noStrike" dirty="0">
+                          <a:effectLst/>
+                        </a:rPr>
+                        <a:t>$2,847,246,203 </a:t>
+                      </a:r>
+                      <a:endParaRPr lang="en-US" sz="1200" b="0" i="0" u="none" strike="noStrike" dirty="0">
+                        <a:solidFill>
+                          <a:srgbClr val="000000"/>
+                        </a:solidFill>
+                        <a:effectLst/>
+                        <a:latin typeface="Helvetica Neue" panose="02000503000000020004" pitchFamily="2" charset="0"/>
+                      </a:endParaRPr>
+                    </a:p>
+                  </a:txBody>
+                  <a:tcPr marL="8556" marR="8556" marT="8556" marB="0" anchor="b"/>
+                </a:tc>
+                <a:tc>
+                  <a:txBody>
+                    <a:bodyPr/>
+                    <a:lstStyle/>
+                    <a:p>
+                      <a:pPr algn="ctr" fontAlgn="b"/>
+                      <a:r>
+                        <a:rPr lang="en-US" sz="1200" u="none" strike="noStrike">
+                          <a:effectLst/>
+                        </a:rPr>
+                        <a:t>2009</a:t>
+                      </a:r>
+                      <a:endParaRPr lang="en-US" sz="1200" b="0" i="0" u="none" strike="noStrike">
+                        <a:solidFill>
+                          <a:srgbClr val="000000"/>
+                        </a:solidFill>
+                        <a:effectLst/>
+                        <a:latin typeface="Helvetica Neue" panose="02000503000000020004" pitchFamily="2" charset="0"/>
+                      </a:endParaRPr>
+                    </a:p>
+                  </a:txBody>
+                  <a:tcPr marL="8556" marR="8556" marT="8556" marB="0" anchor="b"/>
+                </a:tc>
+                <a:extLst>
+                  <a:ext uri="{0D108BD9-81ED-4DB2-BD59-A6C34878D82A}">
+                    <a16:rowId xmlns:a16="http://schemas.microsoft.com/office/drawing/2014/main" val="2820239321"/>
+                  </a:ext>
+                </a:extLst>
+              </a:tr>
+              <a:tr h="267701">
+                <a:tc>
+                  <a:txBody>
+                    <a:bodyPr/>
+                    <a:lstStyle/>
+                    <a:p>
+                      <a:pPr algn="ctr" fontAlgn="b"/>
+                      <a:r>
+                        <a:rPr lang="en-US" sz="1200" u="none" strike="noStrike" dirty="0">
+                          <a:effectLst/>
+                        </a:rPr>
+                        <a:t>2</a:t>
+                      </a:r>
+                      <a:endParaRPr lang="en-US" sz="1200" b="0" i="0" u="none" strike="noStrike" dirty="0">
+                        <a:solidFill>
+                          <a:srgbClr val="000000"/>
+                        </a:solidFill>
+                        <a:effectLst/>
+                        <a:latin typeface="Helvetica Neue" panose="02000503000000020004" pitchFamily="2" charset="0"/>
+                      </a:endParaRPr>
+                    </a:p>
+                  </a:txBody>
+                  <a:tcPr marL="8556" marR="8556" marT="8556" marB="0" anchor="b"/>
+                </a:tc>
+                <a:tc>
+                  <a:txBody>
+                    <a:bodyPr/>
+                    <a:lstStyle/>
+                    <a:p>
+                      <a:pPr algn="l" fontAlgn="b"/>
+                      <a:r>
+                        <a:rPr lang="en-US" sz="1200" u="none" strike="noStrike">
+                          <a:effectLst/>
+                        </a:rPr>
+                        <a:t>Avengers: Endgame</a:t>
+                      </a:r>
+                      <a:endParaRPr lang="en-US" sz="1200" b="0" i="0" u="none" strike="noStrike">
+                        <a:solidFill>
+                          <a:srgbClr val="000000"/>
+                        </a:solidFill>
+                        <a:effectLst/>
+                        <a:latin typeface="Helvetica Neue" panose="02000503000000020004" pitchFamily="2" charset="0"/>
+                      </a:endParaRPr>
+                    </a:p>
+                  </a:txBody>
+                  <a:tcPr marL="8556" marR="8556" marT="8556" marB="0" anchor="b"/>
+                </a:tc>
+                <a:tc>
+                  <a:txBody>
+                    <a:bodyPr/>
+                    <a:lstStyle/>
+                    <a:p>
+                      <a:pPr algn="r" fontAlgn="b"/>
+                      <a:r>
+                        <a:rPr lang="en-US" sz="1200" u="none" strike="noStrike">
+                          <a:effectLst/>
+                        </a:rPr>
+                        <a:t>$2,797,501,328 </a:t>
+                      </a:r>
+                      <a:endParaRPr lang="en-US" sz="1200" b="0" i="0" u="none" strike="noStrike">
+                        <a:solidFill>
+                          <a:srgbClr val="000000"/>
+                        </a:solidFill>
+                        <a:effectLst/>
+                        <a:latin typeface="Helvetica Neue" panose="02000503000000020004" pitchFamily="2" charset="0"/>
+                      </a:endParaRPr>
+                    </a:p>
+                  </a:txBody>
+                  <a:tcPr marL="8556" marR="8556" marT="8556" marB="0" anchor="b"/>
+                </a:tc>
+                <a:tc>
+                  <a:txBody>
+                    <a:bodyPr/>
+                    <a:lstStyle/>
+                    <a:p>
+                      <a:pPr algn="ctr" fontAlgn="b"/>
+                      <a:r>
+                        <a:rPr lang="en-US" sz="1200" u="none" strike="noStrike">
+                          <a:effectLst/>
+                        </a:rPr>
+                        <a:t>2019</a:t>
+                      </a:r>
+                      <a:endParaRPr lang="en-US" sz="1200" b="0" i="0" u="none" strike="noStrike">
+                        <a:solidFill>
+                          <a:srgbClr val="000000"/>
+                        </a:solidFill>
+                        <a:effectLst/>
+                        <a:latin typeface="Helvetica Neue" panose="02000503000000020004" pitchFamily="2" charset="0"/>
+                      </a:endParaRPr>
+                    </a:p>
+                  </a:txBody>
+                  <a:tcPr marL="8556" marR="8556" marT="8556" marB="0" anchor="b"/>
+                </a:tc>
+                <a:extLst>
+                  <a:ext uri="{0D108BD9-81ED-4DB2-BD59-A6C34878D82A}">
+                    <a16:rowId xmlns:a16="http://schemas.microsoft.com/office/drawing/2014/main" val="2458184669"/>
+                  </a:ext>
+                </a:extLst>
+              </a:tr>
+              <a:tr h="267701">
+                <a:tc>
+                  <a:txBody>
+                    <a:bodyPr/>
+                    <a:lstStyle/>
+                    <a:p>
+                      <a:pPr algn="ctr" fontAlgn="b"/>
+                      <a:r>
+                        <a:rPr lang="en-US" sz="1200" u="none" strike="noStrike" dirty="0">
+                          <a:solidFill>
+                            <a:schemeClr val="accent4">
+                              <a:lumMod val="75000"/>
+                            </a:schemeClr>
+                          </a:solidFill>
+                          <a:effectLst/>
+                        </a:rPr>
+                        <a:t>3</a:t>
+                      </a:r>
+                      <a:endParaRPr lang="en-US" sz="1200" b="0" i="0" u="none" strike="noStrike" dirty="0">
+                        <a:solidFill>
+                          <a:schemeClr val="accent4">
+                            <a:lumMod val="75000"/>
+                          </a:schemeClr>
+                        </a:solidFill>
+                        <a:effectLst/>
+                        <a:latin typeface="Helvetica Neue" panose="02000503000000020004" pitchFamily="2" charset="0"/>
+                      </a:endParaRPr>
+                    </a:p>
+                  </a:txBody>
+                  <a:tcPr marL="8556" marR="8556" marT="8556" marB="0" anchor="b"/>
+                </a:tc>
+                <a:tc>
+                  <a:txBody>
+                    <a:bodyPr/>
+                    <a:lstStyle/>
+                    <a:p>
+                      <a:pPr algn="l" fontAlgn="b"/>
+                      <a:r>
+                        <a:rPr lang="en-US" sz="1200" u="none" strike="noStrike">
+                          <a:solidFill>
+                            <a:schemeClr val="accent4">
+                              <a:lumMod val="75000"/>
+                            </a:schemeClr>
+                          </a:solidFill>
+                          <a:effectLst/>
+                        </a:rPr>
+                        <a:t>Titanic</a:t>
+                      </a:r>
+                      <a:endParaRPr lang="en-US" sz="1200" b="0" i="0" u="none" strike="noStrike">
+                        <a:solidFill>
+                          <a:schemeClr val="accent4">
+                            <a:lumMod val="75000"/>
+                          </a:schemeClr>
+                        </a:solidFill>
+                        <a:effectLst/>
+                        <a:latin typeface="Helvetica Neue" panose="02000503000000020004" pitchFamily="2" charset="0"/>
+                      </a:endParaRPr>
+                    </a:p>
+                  </a:txBody>
+                  <a:tcPr marL="8556" marR="8556" marT="8556" marB="0" anchor="b"/>
+                </a:tc>
+                <a:tc>
+                  <a:txBody>
+                    <a:bodyPr/>
+                    <a:lstStyle/>
+                    <a:p>
+                      <a:pPr algn="r" fontAlgn="b"/>
+                      <a:r>
+                        <a:rPr lang="en-US" sz="1200" u="none" strike="noStrike">
+                          <a:solidFill>
+                            <a:schemeClr val="accent4">
+                              <a:lumMod val="75000"/>
+                            </a:schemeClr>
+                          </a:solidFill>
+                          <a:effectLst/>
+                        </a:rPr>
+                        <a:t>$2,201,647,264 </a:t>
+                      </a:r>
+                      <a:endParaRPr lang="en-US" sz="1200" b="0" i="0" u="none" strike="noStrike">
+                        <a:solidFill>
+                          <a:schemeClr val="accent4">
+                            <a:lumMod val="75000"/>
+                          </a:schemeClr>
+                        </a:solidFill>
+                        <a:effectLst/>
+                        <a:latin typeface="Helvetica Neue" panose="02000503000000020004" pitchFamily="2" charset="0"/>
+                      </a:endParaRPr>
+                    </a:p>
+                  </a:txBody>
+                  <a:tcPr marL="8556" marR="8556" marT="8556" marB="0" anchor="b"/>
+                </a:tc>
+                <a:tc>
+                  <a:txBody>
+                    <a:bodyPr/>
+                    <a:lstStyle/>
+                    <a:p>
+                      <a:pPr algn="ctr" fontAlgn="b"/>
+                      <a:r>
+                        <a:rPr lang="en-US" sz="1200" u="none" strike="noStrike" dirty="0">
+                          <a:solidFill>
+                            <a:schemeClr val="accent4">
+                              <a:lumMod val="75000"/>
+                            </a:schemeClr>
+                          </a:solidFill>
+                          <a:effectLst/>
+                        </a:rPr>
+                        <a:t>1997</a:t>
+                      </a:r>
+                      <a:endParaRPr lang="en-US" sz="1200" b="0" i="0" u="none" strike="noStrike" dirty="0">
+                        <a:solidFill>
+                          <a:schemeClr val="accent4">
+                            <a:lumMod val="75000"/>
+                          </a:schemeClr>
+                        </a:solidFill>
+                        <a:effectLst/>
+                        <a:latin typeface="Helvetica Neue" panose="02000503000000020004" pitchFamily="2" charset="0"/>
+                      </a:endParaRPr>
+                    </a:p>
+                  </a:txBody>
+                  <a:tcPr marL="8556" marR="8556" marT="8556" marB="0" anchor="b"/>
+                </a:tc>
+                <a:extLst>
+                  <a:ext uri="{0D108BD9-81ED-4DB2-BD59-A6C34878D82A}">
+                    <a16:rowId xmlns:a16="http://schemas.microsoft.com/office/drawing/2014/main" val="2244855595"/>
+                  </a:ext>
+                </a:extLst>
+              </a:tr>
+              <a:tr h="260871">
+                <a:tc>
+                  <a:txBody>
+                    <a:bodyPr/>
+                    <a:lstStyle/>
+                    <a:p>
+                      <a:pPr algn="ctr" fontAlgn="b"/>
+                      <a:r>
+                        <a:rPr lang="en-US" sz="1200" u="none" strike="noStrike" dirty="0">
+                          <a:effectLst/>
+                        </a:rPr>
+                        <a:t>4</a:t>
+                      </a:r>
+                      <a:endParaRPr lang="en-US" sz="1200" b="0" i="0" u="none" strike="noStrike" dirty="0">
+                        <a:solidFill>
+                          <a:srgbClr val="000000"/>
+                        </a:solidFill>
+                        <a:effectLst/>
+                        <a:latin typeface="Helvetica Neue" panose="02000503000000020004" pitchFamily="2" charset="0"/>
+                      </a:endParaRPr>
+                    </a:p>
+                  </a:txBody>
+                  <a:tcPr marL="8556" marR="8556" marT="8556" marB="0" anchor="b"/>
+                </a:tc>
+                <a:tc>
+                  <a:txBody>
+                    <a:bodyPr/>
+                    <a:lstStyle/>
+                    <a:p>
+                      <a:pPr algn="l" fontAlgn="b"/>
+                      <a:r>
+                        <a:rPr lang="en-US" sz="1200" u="none" strike="noStrike" dirty="0">
+                          <a:effectLst/>
+                        </a:rPr>
+                        <a:t>Star Wars: Episode VII - The Force Awakens</a:t>
+                      </a:r>
+                      <a:endParaRPr lang="en-US" sz="1200" b="0" i="0" u="none" strike="noStrike" dirty="0">
+                        <a:solidFill>
+                          <a:srgbClr val="000000"/>
+                        </a:solidFill>
+                        <a:effectLst/>
+                        <a:latin typeface="Helvetica Neue" panose="02000503000000020004" pitchFamily="2" charset="0"/>
+                      </a:endParaRPr>
+                    </a:p>
+                  </a:txBody>
+                  <a:tcPr marL="8556" marR="8556" marT="8556" marB="0" anchor="b"/>
+                </a:tc>
+                <a:tc>
+                  <a:txBody>
+                    <a:bodyPr/>
+                    <a:lstStyle/>
+                    <a:p>
+                      <a:pPr algn="r" fontAlgn="b"/>
+                      <a:r>
+                        <a:rPr lang="en-US" sz="1200" u="none" strike="noStrike">
+                          <a:effectLst/>
+                        </a:rPr>
+                        <a:t>$2,068,455,677 </a:t>
+                      </a:r>
+                      <a:endParaRPr lang="en-US" sz="1200" b="0" i="0" u="none" strike="noStrike">
+                        <a:solidFill>
+                          <a:srgbClr val="000000"/>
+                        </a:solidFill>
+                        <a:effectLst/>
+                        <a:latin typeface="Helvetica Neue" panose="02000503000000020004" pitchFamily="2" charset="0"/>
+                      </a:endParaRPr>
+                    </a:p>
+                  </a:txBody>
+                  <a:tcPr marL="8556" marR="8556" marT="8556" marB="0" anchor="b"/>
+                </a:tc>
+                <a:tc>
+                  <a:txBody>
+                    <a:bodyPr/>
+                    <a:lstStyle/>
+                    <a:p>
+                      <a:pPr algn="ctr" fontAlgn="b"/>
+                      <a:r>
+                        <a:rPr lang="en-US" sz="1200" u="none" strike="noStrike">
+                          <a:effectLst/>
+                        </a:rPr>
+                        <a:t>2015</a:t>
+                      </a:r>
+                      <a:endParaRPr lang="en-US" sz="1200" b="0" i="0" u="none" strike="noStrike">
+                        <a:solidFill>
+                          <a:srgbClr val="000000"/>
+                        </a:solidFill>
+                        <a:effectLst/>
+                        <a:latin typeface="Helvetica Neue" panose="02000503000000020004" pitchFamily="2" charset="0"/>
+                      </a:endParaRPr>
+                    </a:p>
+                  </a:txBody>
+                  <a:tcPr marL="8556" marR="8556" marT="8556" marB="0" anchor="b"/>
+                </a:tc>
+                <a:extLst>
+                  <a:ext uri="{0D108BD9-81ED-4DB2-BD59-A6C34878D82A}">
+                    <a16:rowId xmlns:a16="http://schemas.microsoft.com/office/drawing/2014/main" val="289709725"/>
+                  </a:ext>
+                </a:extLst>
+              </a:tr>
+              <a:tr h="267701">
+                <a:tc>
+                  <a:txBody>
+                    <a:bodyPr/>
+                    <a:lstStyle/>
+                    <a:p>
+                      <a:pPr algn="ctr" fontAlgn="b"/>
+                      <a:r>
+                        <a:rPr lang="en-US" sz="1200" u="none" strike="noStrike" dirty="0">
+                          <a:effectLst/>
+                        </a:rPr>
+                        <a:t>5</a:t>
+                      </a:r>
+                      <a:endParaRPr lang="en-US" sz="1200" b="0" i="0" u="none" strike="noStrike" dirty="0">
+                        <a:solidFill>
+                          <a:srgbClr val="000000"/>
+                        </a:solidFill>
+                        <a:effectLst/>
+                        <a:latin typeface="Helvetica Neue" panose="02000503000000020004" pitchFamily="2" charset="0"/>
+                      </a:endParaRPr>
+                    </a:p>
+                  </a:txBody>
+                  <a:tcPr marL="8556" marR="8556" marT="8556" marB="0" anchor="b"/>
+                </a:tc>
+                <a:tc>
+                  <a:txBody>
+                    <a:bodyPr/>
+                    <a:lstStyle/>
+                    <a:p>
+                      <a:pPr algn="l" fontAlgn="b"/>
+                      <a:r>
+                        <a:rPr lang="en-US" sz="1200" u="none" strike="noStrike">
+                          <a:effectLst/>
+                        </a:rPr>
+                        <a:t>Avengers: Infinity War</a:t>
+                      </a:r>
+                      <a:endParaRPr lang="en-US" sz="1200" b="0" i="0" u="none" strike="noStrike">
+                        <a:solidFill>
+                          <a:srgbClr val="000000"/>
+                        </a:solidFill>
+                        <a:effectLst/>
+                        <a:latin typeface="Helvetica Neue" panose="02000503000000020004" pitchFamily="2" charset="0"/>
+                      </a:endParaRPr>
+                    </a:p>
+                  </a:txBody>
+                  <a:tcPr marL="8556" marR="8556" marT="8556" marB="0" anchor="b"/>
+                </a:tc>
+                <a:tc>
+                  <a:txBody>
+                    <a:bodyPr/>
+                    <a:lstStyle/>
+                    <a:p>
+                      <a:pPr algn="r" fontAlgn="b"/>
+                      <a:r>
+                        <a:rPr lang="en-US" sz="1200" u="none" strike="noStrike" dirty="0">
+                          <a:effectLst/>
+                        </a:rPr>
+                        <a:t>$2,048,359,754 </a:t>
+                      </a:r>
+                      <a:endParaRPr lang="en-US" sz="1200" b="0" i="0" u="none" strike="noStrike" dirty="0">
+                        <a:solidFill>
+                          <a:srgbClr val="000000"/>
+                        </a:solidFill>
+                        <a:effectLst/>
+                        <a:latin typeface="Helvetica Neue" panose="02000503000000020004" pitchFamily="2" charset="0"/>
+                      </a:endParaRPr>
+                    </a:p>
+                  </a:txBody>
+                  <a:tcPr marL="8556" marR="8556" marT="8556" marB="0" anchor="b"/>
+                </a:tc>
+                <a:tc>
+                  <a:txBody>
+                    <a:bodyPr/>
+                    <a:lstStyle/>
+                    <a:p>
+                      <a:pPr algn="ctr" fontAlgn="b"/>
+                      <a:r>
+                        <a:rPr lang="en-US" sz="1200" u="none" strike="noStrike">
+                          <a:effectLst/>
+                        </a:rPr>
+                        <a:t>2018</a:t>
+                      </a:r>
+                      <a:endParaRPr lang="en-US" sz="1200" b="0" i="0" u="none" strike="noStrike">
+                        <a:solidFill>
+                          <a:srgbClr val="000000"/>
+                        </a:solidFill>
+                        <a:effectLst/>
+                        <a:latin typeface="Helvetica Neue" panose="02000503000000020004" pitchFamily="2" charset="0"/>
+                      </a:endParaRPr>
+                    </a:p>
+                  </a:txBody>
+                  <a:tcPr marL="8556" marR="8556" marT="8556" marB="0" anchor="b"/>
+                </a:tc>
+                <a:extLst>
+                  <a:ext uri="{0D108BD9-81ED-4DB2-BD59-A6C34878D82A}">
+                    <a16:rowId xmlns:a16="http://schemas.microsoft.com/office/drawing/2014/main" val="3226156816"/>
+                  </a:ext>
+                </a:extLst>
+              </a:tr>
+              <a:tr h="267701">
+                <a:tc>
+                  <a:txBody>
+                    <a:bodyPr/>
+                    <a:lstStyle/>
+                    <a:p>
+                      <a:pPr algn="ctr" fontAlgn="b"/>
+                      <a:r>
+                        <a:rPr lang="en-US" sz="1200" u="none" strike="noStrike" dirty="0">
+                          <a:effectLst/>
+                        </a:rPr>
+                        <a:t>6</a:t>
+                      </a:r>
+                      <a:endParaRPr lang="en-US" sz="1200" b="0" i="0" u="none" strike="noStrike" dirty="0">
+                        <a:solidFill>
+                          <a:srgbClr val="000000"/>
+                        </a:solidFill>
+                        <a:effectLst/>
+                        <a:latin typeface="Helvetica Neue" panose="02000503000000020004" pitchFamily="2" charset="0"/>
+                      </a:endParaRPr>
+                    </a:p>
+                  </a:txBody>
+                  <a:tcPr marL="8556" marR="8556" marT="8556" marB="0" anchor="b"/>
+                </a:tc>
+                <a:tc>
+                  <a:txBody>
+                    <a:bodyPr/>
+                    <a:lstStyle/>
+                    <a:p>
+                      <a:pPr algn="l" fontAlgn="b"/>
+                      <a:r>
+                        <a:rPr lang="en-US" sz="1200" u="none" strike="noStrike" dirty="0">
+                          <a:effectLst/>
+                        </a:rPr>
+                        <a:t>Jurassic World</a:t>
+                      </a:r>
+                      <a:endParaRPr lang="en-US" sz="1200" b="0" i="0" u="none" strike="noStrike" dirty="0">
+                        <a:solidFill>
+                          <a:srgbClr val="000000"/>
+                        </a:solidFill>
+                        <a:effectLst/>
+                        <a:latin typeface="Helvetica Neue" panose="02000503000000020004" pitchFamily="2" charset="0"/>
+                      </a:endParaRPr>
+                    </a:p>
+                  </a:txBody>
+                  <a:tcPr marL="8556" marR="8556" marT="8556" marB="0" anchor="b"/>
+                </a:tc>
+                <a:tc>
+                  <a:txBody>
+                    <a:bodyPr/>
+                    <a:lstStyle/>
+                    <a:p>
+                      <a:pPr algn="r" fontAlgn="b"/>
+                      <a:r>
+                        <a:rPr lang="en-US" sz="1200" u="none" strike="noStrike">
+                          <a:effectLst/>
+                        </a:rPr>
+                        <a:t>$1,670,516,444 </a:t>
+                      </a:r>
+                      <a:endParaRPr lang="en-US" sz="1200" b="0" i="0" u="none" strike="noStrike">
+                        <a:solidFill>
+                          <a:srgbClr val="000000"/>
+                        </a:solidFill>
+                        <a:effectLst/>
+                        <a:latin typeface="Helvetica Neue" panose="02000503000000020004" pitchFamily="2" charset="0"/>
+                      </a:endParaRPr>
+                    </a:p>
+                  </a:txBody>
+                  <a:tcPr marL="8556" marR="8556" marT="8556" marB="0" anchor="b"/>
+                </a:tc>
+                <a:tc>
+                  <a:txBody>
+                    <a:bodyPr/>
+                    <a:lstStyle/>
+                    <a:p>
+                      <a:pPr algn="ctr" fontAlgn="b"/>
+                      <a:r>
+                        <a:rPr lang="en-US" sz="1200" u="none" strike="noStrike">
+                          <a:effectLst/>
+                        </a:rPr>
+                        <a:t>2015</a:t>
+                      </a:r>
+                      <a:endParaRPr lang="en-US" sz="1200" b="0" i="0" u="none" strike="noStrike">
+                        <a:solidFill>
+                          <a:srgbClr val="000000"/>
+                        </a:solidFill>
+                        <a:effectLst/>
+                        <a:latin typeface="Helvetica Neue" panose="02000503000000020004" pitchFamily="2" charset="0"/>
+                      </a:endParaRPr>
+                    </a:p>
+                  </a:txBody>
+                  <a:tcPr marL="8556" marR="8556" marT="8556" marB="0" anchor="b"/>
+                </a:tc>
+                <a:extLst>
+                  <a:ext uri="{0D108BD9-81ED-4DB2-BD59-A6C34878D82A}">
+                    <a16:rowId xmlns:a16="http://schemas.microsoft.com/office/drawing/2014/main" val="1099288487"/>
+                  </a:ext>
+                </a:extLst>
+              </a:tr>
+              <a:tr h="267701">
+                <a:tc>
+                  <a:txBody>
+                    <a:bodyPr/>
+                    <a:lstStyle/>
+                    <a:p>
+                      <a:pPr algn="ctr" fontAlgn="b"/>
+                      <a:r>
+                        <a:rPr lang="en-US" sz="1200" u="none" strike="noStrike">
+                          <a:effectLst/>
+                        </a:rPr>
+                        <a:t>7</a:t>
+                      </a:r>
+                      <a:endParaRPr lang="en-US" sz="1200" b="0" i="0" u="none" strike="noStrike">
+                        <a:solidFill>
+                          <a:srgbClr val="000000"/>
+                        </a:solidFill>
+                        <a:effectLst/>
+                        <a:latin typeface="Helvetica Neue" panose="02000503000000020004" pitchFamily="2" charset="0"/>
+                      </a:endParaRPr>
+                    </a:p>
+                  </a:txBody>
+                  <a:tcPr marL="8556" marR="8556" marT="8556" marB="0" anchor="b"/>
+                </a:tc>
+                <a:tc>
+                  <a:txBody>
+                    <a:bodyPr/>
+                    <a:lstStyle/>
+                    <a:p>
+                      <a:pPr algn="l" fontAlgn="b"/>
+                      <a:r>
+                        <a:rPr lang="en-US" sz="1200" u="none" strike="noStrike">
+                          <a:effectLst/>
+                        </a:rPr>
+                        <a:t>The Lion King</a:t>
+                      </a:r>
+                      <a:endParaRPr lang="en-US" sz="1200" b="0" i="0" u="none" strike="noStrike">
+                        <a:solidFill>
+                          <a:srgbClr val="000000"/>
+                        </a:solidFill>
+                        <a:effectLst/>
+                        <a:latin typeface="Helvetica Neue" panose="02000503000000020004" pitchFamily="2" charset="0"/>
+                      </a:endParaRPr>
+                    </a:p>
+                  </a:txBody>
+                  <a:tcPr marL="8556" marR="8556" marT="8556" marB="0" anchor="b"/>
+                </a:tc>
+                <a:tc>
+                  <a:txBody>
+                    <a:bodyPr/>
+                    <a:lstStyle/>
+                    <a:p>
+                      <a:pPr algn="r" fontAlgn="b"/>
+                      <a:r>
+                        <a:rPr lang="en-US" sz="1200" u="none" strike="noStrike">
+                          <a:effectLst/>
+                        </a:rPr>
+                        <a:t>$1,657,870,986 </a:t>
+                      </a:r>
+                      <a:endParaRPr lang="en-US" sz="1200" b="0" i="0" u="none" strike="noStrike">
+                        <a:solidFill>
+                          <a:srgbClr val="000000"/>
+                        </a:solidFill>
+                        <a:effectLst/>
+                        <a:latin typeface="Helvetica Neue" panose="02000503000000020004" pitchFamily="2" charset="0"/>
+                      </a:endParaRPr>
+                    </a:p>
+                  </a:txBody>
+                  <a:tcPr marL="8556" marR="8556" marT="8556" marB="0" anchor="b"/>
+                </a:tc>
+                <a:tc>
+                  <a:txBody>
+                    <a:bodyPr/>
+                    <a:lstStyle/>
+                    <a:p>
+                      <a:pPr algn="ctr" fontAlgn="b"/>
+                      <a:r>
+                        <a:rPr lang="en-US" sz="1200" u="none" strike="noStrike">
+                          <a:effectLst/>
+                        </a:rPr>
+                        <a:t>2019</a:t>
+                      </a:r>
+                      <a:endParaRPr lang="en-US" sz="1200" b="0" i="0" u="none" strike="noStrike">
+                        <a:solidFill>
+                          <a:srgbClr val="000000"/>
+                        </a:solidFill>
+                        <a:effectLst/>
+                        <a:latin typeface="Helvetica Neue" panose="02000503000000020004" pitchFamily="2" charset="0"/>
+                      </a:endParaRPr>
+                    </a:p>
+                  </a:txBody>
+                  <a:tcPr marL="8556" marR="8556" marT="8556" marB="0" anchor="b"/>
+                </a:tc>
+                <a:extLst>
+                  <a:ext uri="{0D108BD9-81ED-4DB2-BD59-A6C34878D82A}">
+                    <a16:rowId xmlns:a16="http://schemas.microsoft.com/office/drawing/2014/main" val="1846612844"/>
+                  </a:ext>
+                </a:extLst>
+              </a:tr>
+              <a:tr h="267701">
+                <a:tc>
+                  <a:txBody>
+                    <a:bodyPr/>
+                    <a:lstStyle/>
+                    <a:p>
+                      <a:pPr algn="ctr" fontAlgn="b"/>
+                      <a:r>
+                        <a:rPr lang="en-US" sz="1200" u="none" strike="noStrike" dirty="0">
+                          <a:effectLst/>
+                        </a:rPr>
+                        <a:t>8</a:t>
+                      </a:r>
+                      <a:endParaRPr lang="en-US" sz="1200" b="0" i="0" u="none" strike="noStrike" dirty="0">
+                        <a:solidFill>
+                          <a:srgbClr val="000000"/>
+                        </a:solidFill>
+                        <a:effectLst/>
+                        <a:latin typeface="Helvetica Neue" panose="02000503000000020004" pitchFamily="2" charset="0"/>
+                      </a:endParaRPr>
+                    </a:p>
+                  </a:txBody>
+                  <a:tcPr marL="8556" marR="8556" marT="8556" marB="0" anchor="b"/>
+                </a:tc>
+                <a:tc>
+                  <a:txBody>
+                    <a:bodyPr/>
+                    <a:lstStyle/>
+                    <a:p>
+                      <a:pPr algn="l" fontAlgn="b"/>
+                      <a:r>
+                        <a:rPr lang="en-US" sz="1200" u="none" strike="noStrike">
+                          <a:effectLst/>
+                        </a:rPr>
+                        <a:t>The Avengers</a:t>
+                      </a:r>
+                      <a:endParaRPr lang="en-US" sz="1200" b="0" i="0" u="none" strike="noStrike">
+                        <a:solidFill>
+                          <a:srgbClr val="000000"/>
+                        </a:solidFill>
+                        <a:effectLst/>
+                        <a:latin typeface="Helvetica Neue" panose="02000503000000020004" pitchFamily="2" charset="0"/>
+                      </a:endParaRPr>
+                    </a:p>
+                  </a:txBody>
+                  <a:tcPr marL="8556" marR="8556" marT="8556" marB="0" anchor="b"/>
+                </a:tc>
+                <a:tc>
+                  <a:txBody>
+                    <a:bodyPr/>
+                    <a:lstStyle/>
+                    <a:p>
+                      <a:pPr algn="r" fontAlgn="b"/>
+                      <a:r>
+                        <a:rPr lang="en-US" sz="1200" u="none" strike="noStrike">
+                          <a:effectLst/>
+                        </a:rPr>
+                        <a:t>$1,518,815,515 </a:t>
+                      </a:r>
+                      <a:endParaRPr lang="en-US" sz="1200" b="0" i="0" u="none" strike="noStrike">
+                        <a:solidFill>
+                          <a:srgbClr val="000000"/>
+                        </a:solidFill>
+                        <a:effectLst/>
+                        <a:latin typeface="Helvetica Neue" panose="02000503000000020004" pitchFamily="2" charset="0"/>
+                      </a:endParaRPr>
+                    </a:p>
+                  </a:txBody>
+                  <a:tcPr marL="8556" marR="8556" marT="8556" marB="0" anchor="b"/>
+                </a:tc>
+                <a:tc>
+                  <a:txBody>
+                    <a:bodyPr/>
+                    <a:lstStyle/>
+                    <a:p>
+                      <a:pPr algn="ctr" fontAlgn="b"/>
+                      <a:r>
+                        <a:rPr lang="en-US" sz="1200" u="none" strike="noStrike">
+                          <a:effectLst/>
+                        </a:rPr>
+                        <a:t>2012</a:t>
+                      </a:r>
+                      <a:endParaRPr lang="en-US" sz="1200" b="0" i="0" u="none" strike="noStrike">
+                        <a:solidFill>
+                          <a:srgbClr val="000000"/>
+                        </a:solidFill>
+                        <a:effectLst/>
+                        <a:latin typeface="Helvetica Neue" panose="02000503000000020004" pitchFamily="2" charset="0"/>
+                      </a:endParaRPr>
+                    </a:p>
+                  </a:txBody>
+                  <a:tcPr marL="8556" marR="8556" marT="8556" marB="0" anchor="b"/>
+                </a:tc>
+                <a:extLst>
+                  <a:ext uri="{0D108BD9-81ED-4DB2-BD59-A6C34878D82A}">
+                    <a16:rowId xmlns:a16="http://schemas.microsoft.com/office/drawing/2014/main" val="1457279705"/>
+                  </a:ext>
+                </a:extLst>
+              </a:tr>
+              <a:tr h="267701">
+                <a:tc>
+                  <a:txBody>
+                    <a:bodyPr/>
+                    <a:lstStyle/>
+                    <a:p>
+                      <a:pPr algn="ctr" fontAlgn="b"/>
+                      <a:r>
+                        <a:rPr lang="en-US" sz="1200" u="none" strike="noStrike">
+                          <a:effectLst/>
+                        </a:rPr>
+                        <a:t>9</a:t>
+                      </a:r>
+                      <a:endParaRPr lang="en-US" sz="1200" b="0" i="0" u="none" strike="noStrike">
+                        <a:solidFill>
+                          <a:srgbClr val="000000"/>
+                        </a:solidFill>
+                        <a:effectLst/>
+                        <a:latin typeface="Helvetica Neue" panose="02000503000000020004" pitchFamily="2" charset="0"/>
+                      </a:endParaRPr>
+                    </a:p>
+                  </a:txBody>
+                  <a:tcPr marL="8556" marR="8556" marT="8556" marB="0" anchor="b"/>
+                </a:tc>
+                <a:tc>
+                  <a:txBody>
+                    <a:bodyPr/>
+                    <a:lstStyle/>
+                    <a:p>
+                      <a:pPr algn="l" fontAlgn="b"/>
+                      <a:r>
+                        <a:rPr lang="en-US" sz="1200" u="none" strike="noStrike">
+                          <a:effectLst/>
+                        </a:rPr>
+                        <a:t>Furious 7</a:t>
+                      </a:r>
+                      <a:endParaRPr lang="en-US" sz="1200" b="0" i="0" u="none" strike="noStrike">
+                        <a:solidFill>
+                          <a:srgbClr val="000000"/>
+                        </a:solidFill>
+                        <a:effectLst/>
+                        <a:latin typeface="Helvetica Neue" panose="02000503000000020004" pitchFamily="2" charset="0"/>
+                      </a:endParaRPr>
+                    </a:p>
+                  </a:txBody>
+                  <a:tcPr marL="8556" marR="8556" marT="8556" marB="0" anchor="b"/>
+                </a:tc>
+                <a:tc>
+                  <a:txBody>
+                    <a:bodyPr/>
+                    <a:lstStyle/>
+                    <a:p>
+                      <a:pPr algn="r" fontAlgn="b"/>
+                      <a:r>
+                        <a:rPr lang="en-US" sz="1200" u="none" strike="noStrike">
+                          <a:effectLst/>
+                        </a:rPr>
+                        <a:t>$1,515,255,622 </a:t>
+                      </a:r>
+                      <a:endParaRPr lang="en-US" sz="1200" b="0" i="0" u="none" strike="noStrike">
+                        <a:solidFill>
+                          <a:srgbClr val="000000"/>
+                        </a:solidFill>
+                        <a:effectLst/>
+                        <a:latin typeface="Helvetica Neue" panose="02000503000000020004" pitchFamily="2" charset="0"/>
+                      </a:endParaRPr>
+                    </a:p>
+                  </a:txBody>
+                  <a:tcPr marL="8556" marR="8556" marT="8556" marB="0" anchor="b"/>
+                </a:tc>
+                <a:tc>
+                  <a:txBody>
+                    <a:bodyPr/>
+                    <a:lstStyle/>
+                    <a:p>
+                      <a:pPr algn="ctr" fontAlgn="b"/>
+                      <a:r>
+                        <a:rPr lang="en-US" sz="1200" u="none" strike="noStrike">
+                          <a:effectLst/>
+                        </a:rPr>
+                        <a:t>2015</a:t>
+                      </a:r>
+                      <a:endParaRPr lang="en-US" sz="1200" b="0" i="0" u="none" strike="noStrike">
+                        <a:solidFill>
+                          <a:srgbClr val="000000"/>
+                        </a:solidFill>
+                        <a:effectLst/>
+                        <a:latin typeface="Helvetica Neue" panose="02000503000000020004" pitchFamily="2" charset="0"/>
+                      </a:endParaRPr>
+                    </a:p>
+                  </a:txBody>
+                  <a:tcPr marL="8556" marR="8556" marT="8556" marB="0" anchor="b"/>
+                </a:tc>
+                <a:extLst>
+                  <a:ext uri="{0D108BD9-81ED-4DB2-BD59-A6C34878D82A}">
+                    <a16:rowId xmlns:a16="http://schemas.microsoft.com/office/drawing/2014/main" val="1118955633"/>
+                  </a:ext>
+                </a:extLst>
+              </a:tr>
+              <a:tr h="267701">
+                <a:tc>
+                  <a:txBody>
+                    <a:bodyPr/>
+                    <a:lstStyle/>
+                    <a:p>
+                      <a:pPr algn="ctr" fontAlgn="b"/>
+                      <a:r>
+                        <a:rPr lang="en-US" sz="1200" u="none" strike="noStrike" dirty="0">
+                          <a:effectLst/>
+                        </a:rPr>
+                        <a:t>10</a:t>
+                      </a:r>
+                      <a:endParaRPr lang="en-US" sz="1200" b="0" i="0" u="none" strike="noStrike" dirty="0">
+                        <a:solidFill>
+                          <a:srgbClr val="000000"/>
+                        </a:solidFill>
+                        <a:effectLst/>
+                        <a:latin typeface="Helvetica Neue" panose="02000503000000020004" pitchFamily="2" charset="0"/>
+                      </a:endParaRPr>
+                    </a:p>
+                  </a:txBody>
+                  <a:tcPr marL="8556" marR="8556" marT="8556" marB="0" anchor="b"/>
+                </a:tc>
+                <a:tc>
+                  <a:txBody>
+                    <a:bodyPr/>
+                    <a:lstStyle/>
+                    <a:p>
+                      <a:pPr algn="l" fontAlgn="b"/>
+                      <a:r>
+                        <a:rPr lang="en-US" sz="1200" u="none" strike="noStrike">
+                          <a:effectLst/>
+                        </a:rPr>
+                        <a:t>Frozen II</a:t>
+                      </a:r>
+                      <a:endParaRPr lang="en-US" sz="1200" b="0" i="0" u="none" strike="noStrike">
+                        <a:solidFill>
+                          <a:srgbClr val="000000"/>
+                        </a:solidFill>
+                        <a:effectLst/>
+                        <a:latin typeface="Helvetica Neue" panose="02000503000000020004" pitchFamily="2" charset="0"/>
+                      </a:endParaRPr>
+                    </a:p>
+                  </a:txBody>
+                  <a:tcPr marL="8556" marR="8556" marT="8556" marB="0" anchor="b"/>
+                </a:tc>
+                <a:tc>
+                  <a:txBody>
+                    <a:bodyPr/>
+                    <a:lstStyle/>
+                    <a:p>
+                      <a:pPr algn="r" fontAlgn="b"/>
+                      <a:r>
+                        <a:rPr lang="en-US" sz="1200" u="none" strike="noStrike">
+                          <a:effectLst/>
+                        </a:rPr>
+                        <a:t>$1,450,026,933 </a:t>
+                      </a:r>
+                      <a:endParaRPr lang="en-US" sz="1200" b="0" i="0" u="none" strike="noStrike">
+                        <a:solidFill>
+                          <a:srgbClr val="000000"/>
+                        </a:solidFill>
+                        <a:effectLst/>
+                        <a:latin typeface="Helvetica Neue" panose="02000503000000020004" pitchFamily="2" charset="0"/>
+                      </a:endParaRPr>
+                    </a:p>
+                  </a:txBody>
+                  <a:tcPr marL="8556" marR="8556" marT="8556" marB="0" anchor="b"/>
+                </a:tc>
+                <a:tc>
+                  <a:txBody>
+                    <a:bodyPr/>
+                    <a:lstStyle/>
+                    <a:p>
+                      <a:pPr algn="ctr" fontAlgn="b"/>
+                      <a:r>
+                        <a:rPr lang="en-US" sz="1200" u="none" strike="noStrike">
+                          <a:effectLst/>
+                        </a:rPr>
+                        <a:t>2019</a:t>
+                      </a:r>
+                      <a:endParaRPr lang="en-US" sz="1200" b="0" i="0" u="none" strike="noStrike">
+                        <a:solidFill>
+                          <a:srgbClr val="000000"/>
+                        </a:solidFill>
+                        <a:effectLst/>
+                        <a:latin typeface="Helvetica Neue" panose="02000503000000020004" pitchFamily="2" charset="0"/>
+                      </a:endParaRPr>
+                    </a:p>
+                  </a:txBody>
+                  <a:tcPr marL="8556" marR="8556" marT="8556" marB="0" anchor="b"/>
+                </a:tc>
+                <a:extLst>
+                  <a:ext uri="{0D108BD9-81ED-4DB2-BD59-A6C34878D82A}">
+                    <a16:rowId xmlns:a16="http://schemas.microsoft.com/office/drawing/2014/main" val="171256488"/>
+                  </a:ext>
+                </a:extLst>
+              </a:tr>
+              <a:tr h="267701">
+                <a:tc>
+                  <a:txBody>
+                    <a:bodyPr/>
+                    <a:lstStyle/>
+                    <a:p>
+                      <a:pPr algn="ctr" fontAlgn="b"/>
+                      <a:r>
+                        <a:rPr lang="en-US" sz="1200" u="none" strike="noStrike">
+                          <a:effectLst/>
+                        </a:rPr>
+                        <a:t>11</a:t>
+                      </a:r>
+                      <a:endParaRPr lang="en-US" sz="1200" b="0" i="0" u="none" strike="noStrike">
+                        <a:solidFill>
+                          <a:srgbClr val="000000"/>
+                        </a:solidFill>
+                        <a:effectLst/>
+                        <a:latin typeface="Helvetica Neue" panose="02000503000000020004" pitchFamily="2" charset="0"/>
+                      </a:endParaRPr>
+                    </a:p>
+                  </a:txBody>
+                  <a:tcPr marL="8556" marR="8556" marT="8556" marB="0" anchor="b"/>
+                </a:tc>
+                <a:tc>
+                  <a:txBody>
+                    <a:bodyPr/>
+                    <a:lstStyle/>
+                    <a:p>
+                      <a:pPr algn="l" fontAlgn="b"/>
+                      <a:r>
+                        <a:rPr lang="en-US" sz="1200" u="none" strike="noStrike">
+                          <a:effectLst/>
+                        </a:rPr>
+                        <a:t>Avengers: Age of Ultron</a:t>
+                      </a:r>
+                      <a:endParaRPr lang="en-US" sz="1200" b="0" i="0" u="none" strike="noStrike">
+                        <a:solidFill>
+                          <a:srgbClr val="000000"/>
+                        </a:solidFill>
+                        <a:effectLst/>
+                        <a:latin typeface="Helvetica Neue" panose="02000503000000020004" pitchFamily="2" charset="0"/>
+                      </a:endParaRPr>
+                    </a:p>
+                  </a:txBody>
+                  <a:tcPr marL="8556" marR="8556" marT="8556" marB="0" anchor="b"/>
+                </a:tc>
+                <a:tc>
+                  <a:txBody>
+                    <a:bodyPr/>
+                    <a:lstStyle/>
+                    <a:p>
+                      <a:pPr algn="r" fontAlgn="b"/>
+                      <a:r>
+                        <a:rPr lang="en-US" sz="1200" u="none" strike="noStrike">
+                          <a:effectLst/>
+                        </a:rPr>
+                        <a:t>$1,402,809,540 </a:t>
+                      </a:r>
+                      <a:endParaRPr lang="en-US" sz="1200" b="0" i="0" u="none" strike="noStrike">
+                        <a:solidFill>
+                          <a:srgbClr val="000000"/>
+                        </a:solidFill>
+                        <a:effectLst/>
+                        <a:latin typeface="Helvetica Neue" panose="02000503000000020004" pitchFamily="2" charset="0"/>
+                      </a:endParaRPr>
+                    </a:p>
+                  </a:txBody>
+                  <a:tcPr marL="8556" marR="8556" marT="8556" marB="0" anchor="b"/>
+                </a:tc>
+                <a:tc>
+                  <a:txBody>
+                    <a:bodyPr/>
+                    <a:lstStyle/>
+                    <a:p>
+                      <a:pPr algn="ctr" fontAlgn="b"/>
+                      <a:r>
+                        <a:rPr lang="en-US" sz="1200" u="none" strike="noStrike">
+                          <a:effectLst/>
+                        </a:rPr>
+                        <a:t>2015</a:t>
+                      </a:r>
+                      <a:endParaRPr lang="en-US" sz="1200" b="0" i="0" u="none" strike="noStrike">
+                        <a:solidFill>
+                          <a:srgbClr val="000000"/>
+                        </a:solidFill>
+                        <a:effectLst/>
+                        <a:latin typeface="Helvetica Neue" panose="02000503000000020004" pitchFamily="2" charset="0"/>
+                      </a:endParaRPr>
+                    </a:p>
+                  </a:txBody>
+                  <a:tcPr marL="8556" marR="8556" marT="8556" marB="0" anchor="b"/>
+                </a:tc>
+                <a:extLst>
+                  <a:ext uri="{0D108BD9-81ED-4DB2-BD59-A6C34878D82A}">
+                    <a16:rowId xmlns:a16="http://schemas.microsoft.com/office/drawing/2014/main" val="4030241643"/>
+                  </a:ext>
+                </a:extLst>
+              </a:tr>
+              <a:tr h="267701">
+                <a:tc>
+                  <a:txBody>
+                    <a:bodyPr/>
+                    <a:lstStyle/>
+                    <a:p>
+                      <a:pPr algn="ctr" fontAlgn="b"/>
+                      <a:r>
+                        <a:rPr lang="en-US" sz="1200" u="none" strike="noStrike" dirty="0">
+                          <a:effectLst/>
+                        </a:rPr>
+                        <a:t>12</a:t>
+                      </a:r>
+                      <a:endParaRPr lang="en-US" sz="1200" b="0" i="0" u="none" strike="noStrike" dirty="0">
+                        <a:solidFill>
+                          <a:srgbClr val="000000"/>
+                        </a:solidFill>
+                        <a:effectLst/>
+                        <a:latin typeface="Helvetica Neue" panose="02000503000000020004" pitchFamily="2" charset="0"/>
+                      </a:endParaRPr>
+                    </a:p>
+                  </a:txBody>
+                  <a:tcPr marL="8556" marR="8556" marT="8556" marB="0" anchor="b"/>
+                </a:tc>
+                <a:tc>
+                  <a:txBody>
+                    <a:bodyPr/>
+                    <a:lstStyle/>
+                    <a:p>
+                      <a:pPr algn="l" fontAlgn="b"/>
+                      <a:r>
+                        <a:rPr lang="en-US" sz="1200" u="none" strike="noStrike">
+                          <a:effectLst/>
+                        </a:rPr>
+                        <a:t>Black Panther</a:t>
+                      </a:r>
+                      <a:endParaRPr lang="en-US" sz="1200" b="0" i="0" u="none" strike="noStrike">
+                        <a:solidFill>
+                          <a:srgbClr val="000000"/>
+                        </a:solidFill>
+                        <a:effectLst/>
+                        <a:latin typeface="Helvetica Neue" panose="02000503000000020004" pitchFamily="2" charset="0"/>
+                      </a:endParaRPr>
+                    </a:p>
+                  </a:txBody>
+                  <a:tcPr marL="8556" marR="8556" marT="8556" marB="0" anchor="b"/>
+                </a:tc>
+                <a:tc>
+                  <a:txBody>
+                    <a:bodyPr/>
+                    <a:lstStyle/>
+                    <a:p>
+                      <a:pPr algn="r" fontAlgn="b"/>
+                      <a:r>
+                        <a:rPr lang="en-US" sz="1200" u="none" strike="noStrike">
+                          <a:effectLst/>
+                        </a:rPr>
+                        <a:t>$1,347,597,973 </a:t>
+                      </a:r>
+                      <a:endParaRPr lang="en-US" sz="1200" b="0" i="0" u="none" strike="noStrike">
+                        <a:solidFill>
+                          <a:srgbClr val="000000"/>
+                        </a:solidFill>
+                        <a:effectLst/>
+                        <a:latin typeface="Helvetica Neue" panose="02000503000000020004" pitchFamily="2" charset="0"/>
+                      </a:endParaRPr>
+                    </a:p>
+                  </a:txBody>
+                  <a:tcPr marL="8556" marR="8556" marT="8556" marB="0" anchor="b"/>
+                </a:tc>
+                <a:tc>
+                  <a:txBody>
+                    <a:bodyPr/>
+                    <a:lstStyle/>
+                    <a:p>
+                      <a:pPr algn="ctr" fontAlgn="b"/>
+                      <a:r>
+                        <a:rPr lang="en-US" sz="1200" u="none" strike="noStrike">
+                          <a:effectLst/>
+                        </a:rPr>
+                        <a:t>2018</a:t>
+                      </a:r>
+                      <a:endParaRPr lang="en-US" sz="1200" b="0" i="0" u="none" strike="noStrike">
+                        <a:solidFill>
+                          <a:srgbClr val="000000"/>
+                        </a:solidFill>
+                        <a:effectLst/>
+                        <a:latin typeface="Helvetica Neue" panose="02000503000000020004" pitchFamily="2" charset="0"/>
+                      </a:endParaRPr>
+                    </a:p>
+                  </a:txBody>
+                  <a:tcPr marL="8556" marR="8556" marT="8556" marB="0" anchor="b"/>
+                </a:tc>
+                <a:extLst>
+                  <a:ext uri="{0D108BD9-81ED-4DB2-BD59-A6C34878D82A}">
+                    <a16:rowId xmlns:a16="http://schemas.microsoft.com/office/drawing/2014/main" val="385836888"/>
+                  </a:ext>
+                </a:extLst>
+              </a:tr>
+              <a:tr h="232883">
+                <a:tc>
+                  <a:txBody>
+                    <a:bodyPr/>
+                    <a:lstStyle/>
+                    <a:p>
+                      <a:pPr algn="ctr" fontAlgn="b"/>
+                      <a:r>
+                        <a:rPr lang="en-US" sz="1200" u="none" strike="noStrike" dirty="0">
+                          <a:effectLst/>
+                        </a:rPr>
+                        <a:t>13</a:t>
+                      </a:r>
+                      <a:endParaRPr lang="en-US" sz="1200" b="0" i="0" u="none" strike="noStrike" dirty="0">
+                        <a:solidFill>
+                          <a:srgbClr val="000000"/>
+                        </a:solidFill>
+                        <a:effectLst/>
+                        <a:latin typeface="Helvetica Neue" panose="02000503000000020004" pitchFamily="2" charset="0"/>
+                      </a:endParaRPr>
+                    </a:p>
+                  </a:txBody>
+                  <a:tcPr marL="8556" marR="8556" marT="8556" marB="0" anchor="b"/>
+                </a:tc>
+                <a:tc>
+                  <a:txBody>
+                    <a:bodyPr/>
+                    <a:lstStyle/>
+                    <a:p>
+                      <a:pPr algn="l" fontAlgn="b"/>
+                      <a:r>
+                        <a:rPr lang="en-US" sz="1200" u="none" strike="noStrike">
+                          <a:effectLst/>
+                        </a:rPr>
+                        <a:t>Harry Potter and the Deathly Hallows: Part 2</a:t>
+                      </a:r>
+                      <a:endParaRPr lang="en-US" sz="1200" b="0" i="0" u="none" strike="noStrike">
+                        <a:solidFill>
+                          <a:srgbClr val="000000"/>
+                        </a:solidFill>
+                        <a:effectLst/>
+                        <a:latin typeface="Helvetica Neue" panose="02000503000000020004" pitchFamily="2" charset="0"/>
+                      </a:endParaRPr>
+                    </a:p>
+                  </a:txBody>
+                  <a:tcPr marL="8556" marR="8556" marT="8556" marB="0" anchor="b"/>
+                </a:tc>
+                <a:tc>
+                  <a:txBody>
+                    <a:bodyPr/>
+                    <a:lstStyle/>
+                    <a:p>
+                      <a:pPr algn="r" fontAlgn="b"/>
+                      <a:r>
+                        <a:rPr lang="en-US" sz="1200" u="none" strike="noStrike">
+                          <a:effectLst/>
+                        </a:rPr>
+                        <a:t>$1,342,321,665 </a:t>
+                      </a:r>
+                      <a:endParaRPr lang="en-US" sz="1200" b="0" i="0" u="none" strike="noStrike">
+                        <a:solidFill>
+                          <a:srgbClr val="000000"/>
+                        </a:solidFill>
+                        <a:effectLst/>
+                        <a:latin typeface="Helvetica Neue" panose="02000503000000020004" pitchFamily="2" charset="0"/>
+                      </a:endParaRPr>
+                    </a:p>
+                  </a:txBody>
+                  <a:tcPr marL="8556" marR="8556" marT="8556" marB="0" anchor="b"/>
+                </a:tc>
+                <a:tc>
+                  <a:txBody>
+                    <a:bodyPr/>
+                    <a:lstStyle/>
+                    <a:p>
+                      <a:pPr algn="ctr" fontAlgn="b"/>
+                      <a:r>
+                        <a:rPr lang="en-US" sz="1200" u="none" strike="noStrike">
+                          <a:effectLst/>
+                        </a:rPr>
+                        <a:t>2011</a:t>
+                      </a:r>
+                      <a:endParaRPr lang="en-US" sz="1200" b="0" i="0" u="none" strike="noStrike">
+                        <a:solidFill>
+                          <a:srgbClr val="000000"/>
+                        </a:solidFill>
+                        <a:effectLst/>
+                        <a:latin typeface="Helvetica Neue" panose="02000503000000020004" pitchFamily="2" charset="0"/>
+                      </a:endParaRPr>
+                    </a:p>
+                  </a:txBody>
+                  <a:tcPr marL="8556" marR="8556" marT="8556" marB="0" anchor="b"/>
+                </a:tc>
+                <a:extLst>
+                  <a:ext uri="{0D108BD9-81ED-4DB2-BD59-A6C34878D82A}">
+                    <a16:rowId xmlns:a16="http://schemas.microsoft.com/office/drawing/2014/main" val="1537789573"/>
+                  </a:ext>
+                </a:extLst>
+              </a:tr>
+              <a:tr h="267701">
+                <a:tc>
+                  <a:txBody>
+                    <a:bodyPr/>
+                    <a:lstStyle/>
+                    <a:p>
+                      <a:pPr algn="ctr" fontAlgn="b"/>
+                      <a:r>
+                        <a:rPr lang="en-US" sz="1200" u="none" strike="noStrike" dirty="0">
+                          <a:effectLst/>
+                        </a:rPr>
+                        <a:t>14</a:t>
+                      </a:r>
+                      <a:endParaRPr lang="en-US" sz="1200" b="0" i="0" u="none" strike="noStrike" dirty="0">
+                        <a:solidFill>
+                          <a:srgbClr val="000000"/>
+                        </a:solidFill>
+                        <a:effectLst/>
+                        <a:latin typeface="Helvetica Neue" panose="02000503000000020004" pitchFamily="2" charset="0"/>
+                      </a:endParaRPr>
+                    </a:p>
+                  </a:txBody>
+                  <a:tcPr marL="8556" marR="8556" marT="8556" marB="0" anchor="b"/>
+                </a:tc>
+                <a:tc>
+                  <a:txBody>
+                    <a:bodyPr/>
+                    <a:lstStyle/>
+                    <a:p>
+                      <a:pPr algn="l" fontAlgn="b"/>
+                      <a:r>
+                        <a:rPr lang="en-US" sz="1200" u="none" strike="noStrike">
+                          <a:effectLst/>
+                        </a:rPr>
+                        <a:t>Star Wars: Episode VIII - The Last Jedi</a:t>
+                      </a:r>
+                      <a:endParaRPr lang="en-US" sz="1200" b="0" i="0" u="none" strike="noStrike">
+                        <a:solidFill>
+                          <a:srgbClr val="000000"/>
+                        </a:solidFill>
+                        <a:effectLst/>
+                        <a:latin typeface="Helvetica Neue" panose="02000503000000020004" pitchFamily="2" charset="0"/>
+                      </a:endParaRPr>
+                    </a:p>
+                  </a:txBody>
+                  <a:tcPr marL="8556" marR="8556" marT="8556" marB="0" anchor="b"/>
+                </a:tc>
+                <a:tc>
+                  <a:txBody>
+                    <a:bodyPr/>
+                    <a:lstStyle/>
+                    <a:p>
+                      <a:pPr algn="r" fontAlgn="b"/>
+                      <a:r>
+                        <a:rPr lang="en-US" sz="1200" u="none" strike="noStrike">
+                          <a:effectLst/>
+                        </a:rPr>
+                        <a:t>$1,332,698,830 </a:t>
+                      </a:r>
+                      <a:endParaRPr lang="en-US" sz="1200" b="0" i="0" u="none" strike="noStrike">
+                        <a:solidFill>
+                          <a:srgbClr val="000000"/>
+                        </a:solidFill>
+                        <a:effectLst/>
+                        <a:latin typeface="Helvetica Neue" panose="02000503000000020004" pitchFamily="2" charset="0"/>
+                      </a:endParaRPr>
+                    </a:p>
+                  </a:txBody>
+                  <a:tcPr marL="8556" marR="8556" marT="8556" marB="0" anchor="b"/>
+                </a:tc>
+                <a:tc>
+                  <a:txBody>
+                    <a:bodyPr/>
+                    <a:lstStyle/>
+                    <a:p>
+                      <a:pPr algn="ctr" fontAlgn="b"/>
+                      <a:r>
+                        <a:rPr lang="en-US" sz="1200" u="none" strike="noStrike">
+                          <a:effectLst/>
+                        </a:rPr>
+                        <a:t>2017</a:t>
+                      </a:r>
+                      <a:endParaRPr lang="en-US" sz="1200" b="0" i="0" u="none" strike="noStrike">
+                        <a:solidFill>
+                          <a:srgbClr val="000000"/>
+                        </a:solidFill>
+                        <a:effectLst/>
+                        <a:latin typeface="Helvetica Neue" panose="02000503000000020004" pitchFamily="2" charset="0"/>
+                      </a:endParaRPr>
+                    </a:p>
+                  </a:txBody>
+                  <a:tcPr marL="8556" marR="8556" marT="8556" marB="0" anchor="b"/>
+                </a:tc>
+                <a:extLst>
+                  <a:ext uri="{0D108BD9-81ED-4DB2-BD59-A6C34878D82A}">
+                    <a16:rowId xmlns:a16="http://schemas.microsoft.com/office/drawing/2014/main" val="1869198305"/>
+                  </a:ext>
+                </a:extLst>
+              </a:tr>
+              <a:tr h="267701">
+                <a:tc>
+                  <a:txBody>
+                    <a:bodyPr/>
+                    <a:lstStyle/>
+                    <a:p>
+                      <a:pPr algn="ctr" fontAlgn="b"/>
+                      <a:r>
+                        <a:rPr lang="en-US" sz="1200" u="none" strike="noStrike" dirty="0">
+                          <a:effectLst/>
+                        </a:rPr>
+                        <a:t>15</a:t>
+                      </a:r>
+                      <a:endParaRPr lang="en-US" sz="1200" b="0" i="0" u="none" strike="noStrike" dirty="0">
+                        <a:solidFill>
+                          <a:srgbClr val="000000"/>
+                        </a:solidFill>
+                        <a:effectLst/>
+                        <a:latin typeface="Helvetica Neue" panose="02000503000000020004" pitchFamily="2" charset="0"/>
+                      </a:endParaRPr>
+                    </a:p>
+                  </a:txBody>
+                  <a:tcPr marL="8556" marR="8556" marT="8556" marB="0" anchor="b"/>
+                </a:tc>
+                <a:tc>
+                  <a:txBody>
+                    <a:bodyPr/>
+                    <a:lstStyle/>
+                    <a:p>
+                      <a:pPr algn="l" fontAlgn="b"/>
+                      <a:r>
+                        <a:rPr lang="en-US" sz="1200" u="none" strike="noStrike">
+                          <a:effectLst/>
+                        </a:rPr>
+                        <a:t>Jurassic World: Fallen Kingdom</a:t>
+                      </a:r>
+                      <a:endParaRPr lang="en-US" sz="1200" b="0" i="0" u="none" strike="noStrike">
+                        <a:solidFill>
+                          <a:srgbClr val="000000"/>
+                        </a:solidFill>
+                        <a:effectLst/>
+                        <a:latin typeface="Helvetica Neue" panose="02000503000000020004" pitchFamily="2" charset="0"/>
+                      </a:endParaRPr>
+                    </a:p>
+                  </a:txBody>
+                  <a:tcPr marL="8556" marR="8556" marT="8556" marB="0" anchor="b"/>
+                </a:tc>
+                <a:tc>
+                  <a:txBody>
+                    <a:bodyPr/>
+                    <a:lstStyle/>
+                    <a:p>
+                      <a:pPr algn="r" fontAlgn="b"/>
+                      <a:r>
+                        <a:rPr lang="en-US" sz="1200" u="none" strike="noStrike">
+                          <a:effectLst/>
+                        </a:rPr>
+                        <a:t>$1,310,464,680 </a:t>
+                      </a:r>
+                      <a:endParaRPr lang="en-US" sz="1200" b="0" i="0" u="none" strike="noStrike">
+                        <a:solidFill>
+                          <a:srgbClr val="000000"/>
+                        </a:solidFill>
+                        <a:effectLst/>
+                        <a:latin typeface="Helvetica Neue" panose="02000503000000020004" pitchFamily="2" charset="0"/>
+                      </a:endParaRPr>
+                    </a:p>
+                  </a:txBody>
+                  <a:tcPr marL="8556" marR="8556" marT="8556" marB="0" anchor="b"/>
+                </a:tc>
+                <a:tc>
+                  <a:txBody>
+                    <a:bodyPr/>
+                    <a:lstStyle/>
+                    <a:p>
+                      <a:pPr algn="ctr" fontAlgn="b"/>
+                      <a:r>
+                        <a:rPr lang="en-US" sz="1200" u="none" strike="noStrike" dirty="0">
+                          <a:effectLst/>
+                        </a:rPr>
+                        <a:t>2018</a:t>
+                      </a:r>
+                      <a:endParaRPr lang="en-US" sz="1200" b="0" i="0" u="none" strike="noStrike" dirty="0">
+                        <a:solidFill>
+                          <a:srgbClr val="000000"/>
+                        </a:solidFill>
+                        <a:effectLst/>
+                        <a:latin typeface="Helvetica Neue" panose="02000503000000020004" pitchFamily="2" charset="0"/>
+                      </a:endParaRPr>
+                    </a:p>
+                  </a:txBody>
+                  <a:tcPr marL="8556" marR="8556" marT="8556" marB="0" anchor="b"/>
+                </a:tc>
+                <a:extLst>
+                  <a:ext uri="{0D108BD9-81ED-4DB2-BD59-A6C34878D82A}">
+                    <a16:rowId xmlns:a16="http://schemas.microsoft.com/office/drawing/2014/main" val="2390980568"/>
+                  </a:ext>
+                </a:extLst>
+              </a:tr>
+            </a:tbl>
+          </a:graphicData>
+        </a:graphic>
+      </p:graphicFrame>
+      <p:pic>
+        <p:nvPicPr>
+          <p:cNvPr id="6" name="Picture 5" descr="Movie Time Chicken">
             <a:extLst>
               <a:ext uri="{FF2B5EF4-FFF2-40B4-BE49-F238E27FC236}">
-                <a16:creationId xmlns:a16="http://schemas.microsoft.com/office/drawing/2014/main" id="{FEE898AC-C413-C543-A3CE-512397571748}"/>
+                <a16:creationId xmlns:a16="http://schemas.microsoft.com/office/drawing/2014/main" id="{F1BBC535-9620-854B-B999-3F71DCB2F0F5}"/>
               </a:ext>
             </a:extLst>
           </p:cNvPr>
-          <p:cNvSpPr>
-            <a:spLocks noGrp="1"/>
-          </p:cNvSpPr>
-          <p:nvPr>
-            <p:ph type="body" sz="quarter" idx="12"/>
-          </p:nvPr>
-        </p:nvSpPr>
-        <p:spPr/>
-        <p:txBody>
-          <a:bodyPr/>
-          <a:lstStyle/>
-          <a:p>
-            <a:r>
-              <a:rPr lang="en-US" dirty="0"/>
-              <a:t>FEATURE</a:t>
-            </a:r>
-          </a:p>
-        </p:txBody>
-      </p:sp>
-      <p:sp>
-        <p:nvSpPr>
-          <p:cNvPr id="5" name="Text Placeholder 4">
-            <a:extLst>
-              <a:ext uri="{FF2B5EF4-FFF2-40B4-BE49-F238E27FC236}">
-                <a16:creationId xmlns:a16="http://schemas.microsoft.com/office/drawing/2014/main" id="{F098B7FF-D526-434D-900A-C245936A8F5A}"/>
-              </a:ext>
-            </a:extLst>
-          </p:cNvPr>
-          <p:cNvSpPr>
-            <a:spLocks noGrp="1"/>
-          </p:cNvSpPr>
-          <p:nvPr>
-            <p:ph type="body" sz="quarter" idx="13"/>
-          </p:nvPr>
-        </p:nvSpPr>
-        <p:spPr/>
-        <p:txBody>
-          <a:bodyPr/>
-          <a:lstStyle/>
-          <a:p>
-            <a:r>
-              <a:rPr lang="en-US" dirty="0"/>
-              <a:t>FEATURE</a:t>
-            </a:r>
-          </a:p>
-        </p:txBody>
-      </p:sp>
-      <p:sp>
-        <p:nvSpPr>
-          <p:cNvPr id="6" name="Text Placeholder 5">
-            <a:extLst>
-              <a:ext uri="{FF2B5EF4-FFF2-40B4-BE49-F238E27FC236}">
-                <a16:creationId xmlns:a16="http://schemas.microsoft.com/office/drawing/2014/main" id="{76FE1C0B-FF2B-8042-BCAA-611E0347C6CE}"/>
-              </a:ext>
-            </a:extLst>
-          </p:cNvPr>
-          <p:cNvSpPr>
-            <a:spLocks noGrp="1"/>
-          </p:cNvSpPr>
-          <p:nvPr>
-            <p:ph type="body" sz="quarter" idx="15"/>
-          </p:nvPr>
-        </p:nvSpPr>
-        <p:spPr/>
-        <p:txBody>
-          <a:bodyPr/>
-          <a:lstStyle/>
-          <a:p>
-            <a:r>
-              <a:rPr lang="en-US" dirty="0"/>
-              <a:t>MOVIES</a:t>
-            </a:r>
-          </a:p>
-        </p:txBody>
-      </p:sp>
-      <p:sp>
-        <p:nvSpPr>
-          <p:cNvPr id="7" name="Text Placeholder 6">
-            <a:extLst>
-              <a:ext uri="{FF2B5EF4-FFF2-40B4-BE49-F238E27FC236}">
-                <a16:creationId xmlns:a16="http://schemas.microsoft.com/office/drawing/2014/main" id="{99B590BE-67D2-FF45-AB93-AC49F40EF4B6}"/>
-              </a:ext>
-            </a:extLst>
-          </p:cNvPr>
-          <p:cNvSpPr>
-            <a:spLocks noGrp="1"/>
-          </p:cNvSpPr>
-          <p:nvPr>
-            <p:ph type="body" sz="quarter" idx="16"/>
-          </p:nvPr>
-        </p:nvSpPr>
-        <p:spPr/>
-        <p:txBody>
-          <a:bodyPr>
-            <a:normAutofit lnSpcReduction="10000"/>
-          </a:bodyPr>
-          <a:lstStyle/>
-          <a:p>
-            <a:r>
-              <a:rPr lang="en-US" dirty="0"/>
-              <a:t>JANUARY [YEAR]</a:t>
-            </a:r>
-          </a:p>
-        </p:txBody>
-      </p:sp>
-      <p:sp>
-        <p:nvSpPr>
-          <p:cNvPr id="8" name="Title 7">
-            <a:extLst>
-              <a:ext uri="{FF2B5EF4-FFF2-40B4-BE49-F238E27FC236}">
-                <a16:creationId xmlns:a16="http://schemas.microsoft.com/office/drawing/2014/main" id="{B1C174B4-9A56-1846-8882-BEE04D940C8E}"/>
-              </a:ext>
-            </a:extLst>
-          </p:cNvPr>
-          <p:cNvSpPr>
-            <a:spLocks noGrp="1"/>
-          </p:cNvSpPr>
-          <p:nvPr>
-            <p:ph type="title"/>
-          </p:nvPr>
-        </p:nvSpPr>
-        <p:spPr/>
-        <p:txBody>
-          <a:bodyPr>
-            <a:normAutofit fontScale="90000"/>
-          </a:bodyPr>
-          <a:lstStyle/>
-          <a:p>
-            <a:r>
-              <a:rPr lang="en-US" dirty="0"/>
-              <a:t>MOVIE-goer</a:t>
-            </a:r>
-          </a:p>
-        </p:txBody>
-      </p:sp>
+          <p:cNvPicPr>
+            <a:picLocks noChangeAspect="1"/>
+          </p:cNvPicPr>
+          <p:nvPr/>
+        </p:nvPicPr>
+        <p:blipFill>
+          <a:blip r:embed="rId2"/>
+          <a:stretch>
+            <a:fillRect/>
+          </a:stretch>
+        </p:blipFill>
+        <p:spPr>
+          <a:xfrm>
+            <a:off x="0" y="5942926"/>
+            <a:ext cx="4437826" cy="4437826"/>
+          </a:xfrm>
+          <a:prstGeom prst="rect">
+            <a:avLst/>
+          </a:prstGeom>
+        </p:spPr>
+      </p:pic>
     </p:spTree>
     <p:extLst>
       <p:ext uri="{BB962C8B-B14F-4D97-AF65-F5344CB8AC3E}">
-        <p14:creationId xmlns:p14="http://schemas.microsoft.com/office/powerpoint/2010/main" val="1601016127"/>
+        <p14:creationId xmlns:p14="http://schemas.microsoft.com/office/powerpoint/2010/main" val="216472359"/>
       </p:ext>
     </p:extLst>
   </p:cSld>
   <p:clrMapOvr>
     <a:masterClrMapping/>
   </p:clrMapOvr>
+  <p:timing>
+    <p:tnLst>
+      <p:par>
+        <p:cTn id="1" dur="indefinite" restart="never" nodeType="tmRoot">
+          <p:childTnLst>
+            <p:seq concurrent="1" nextAc="seek">
+              <p:cTn id="2" dur="indefinite" nodeType="mainSeq">
+                <p:childTnLst>
+                  <p:par>
+                    <p:cTn id="3" fill="hold">
+                      <p:stCondLst>
+                        <p:cond delay="indefinite"/>
+                      </p:stCondLst>
+                      <p:childTnLst>
+                        <p:par>
+                          <p:cTn id="4" fill="hold">
+                            <p:stCondLst>
+                              <p:cond delay="0"/>
+                            </p:stCondLst>
+                            <p:childTnLst>
+                              <p:par>
+                                <p:cTn id="5" presetID="3" presetClass="entr" presetSubtype="10" fill="hold" nodeType="clickEffect">
+                                  <p:stCondLst>
+                                    <p:cond delay="0"/>
+                                  </p:stCondLst>
+                                  <p:childTnLst>
+                                    <p:set>
+                                      <p:cBhvr>
+                                        <p:cTn id="6" dur="1" fill="hold">
+                                          <p:stCondLst>
+                                            <p:cond delay="0"/>
+                                          </p:stCondLst>
+                                        </p:cTn>
+                                        <p:tgtEl>
+                                          <p:spTgt spid="7"/>
+                                        </p:tgtEl>
+                                        <p:attrNameLst>
+                                          <p:attrName>style.visibility</p:attrName>
+                                        </p:attrNameLst>
+                                      </p:cBhvr>
+                                      <p:to>
+                                        <p:strVal val="visible"/>
+                                      </p:to>
+                                    </p:set>
+                                    <p:animEffect transition="in" filter="blinds(horizontal)">
+                                      <p:cBhvr>
+                                        <p:cTn id="7" dur="1000"/>
+                                        <p:tgtEl>
+                                          <p:spTgt spid="7"/>
+                                        </p:tgtEl>
+                                      </p:cBhvr>
+                                    </p:animEffect>
+                                  </p:childTnLst>
+                                </p:cTn>
+                              </p:par>
+                            </p:childTnLst>
+                          </p:cTn>
+                        </p:par>
+                      </p:childTnLst>
+                    </p:cTn>
+                  </p:par>
+                </p:childTnLst>
+              </p:cTn>
+              <p:prevCondLst>
+                <p:cond evt="onPrev" delay="0">
+                  <p:tgtEl>
+                    <p:sldTgt/>
+                  </p:tgtEl>
+                </p:cond>
+              </p:prevCondLst>
+              <p:nextCondLst>
+                <p:cond evt="onNext" delay="0">
+                  <p:tgtEl>
+                    <p:sldTgt/>
+                  </p:tgtEl>
+                </p:cond>
+              </p:nextCondLst>
+            </p:seq>
+          </p:childTnLst>
+        </p:cTn>
+      </p:par>
+    </p:tnLst>
+  </p:timing>
 </p:sld>
 </file>
 
@@ -14859,66 +17389,411 @@
           <a:chExt cx="0" cy="0"/>
         </a:xfrm>
       </p:grpSpPr>
-      <p:sp>
-        <p:nvSpPr>
-          <p:cNvPr id="2" name="Title 1">
+      <p:pic>
+        <p:nvPicPr>
+          <p:cNvPr id="1030" name="Picture 6">
             <a:extLst>
               <a:ext uri="{FF2B5EF4-FFF2-40B4-BE49-F238E27FC236}">
-                <a16:creationId xmlns:a16="http://schemas.microsoft.com/office/drawing/2014/main" id="{492CB400-945B-4D3C-8483-95D05C19965D}"/>
+                <a16:creationId xmlns:a16="http://schemas.microsoft.com/office/drawing/2014/main" id="{E54C3BF4-D4C6-0C4D-8A9A-942CE58B46C2}"/>
               </a:ext>
             </a:extLst>
           </p:cNvPr>
-          <p:cNvSpPr>
-            <a:spLocks noGrp="1"/>
-          </p:cNvSpPr>
-          <p:nvPr>
-            <p:ph type="title"/>
-          </p:nvPr>
-        </p:nvSpPr>
-        <p:spPr/>
-        <p:txBody>
-          <a:bodyPr/>
-          <a:lstStyle/>
-          <a:p>
-            <a:endParaRPr lang="en-US" dirty="0"/>
-          </a:p>
-        </p:txBody>
-      </p:sp>
-      <p:sp>
-        <p:nvSpPr>
-          <p:cNvPr id="3" name="Text Placeholder 2">
+          <p:cNvPicPr>
+            <a:picLocks noChangeAspect="1" noChangeArrowheads="1"/>
+          </p:cNvPicPr>
+          <p:nvPr/>
+        </p:nvPicPr>
+        <p:blipFill>
+          <a:blip r:embed="rId2">
+            <a:extLst>
+              <a:ext uri="{28A0092B-C50C-407E-A947-70E740481C1C}">
+                <a14:useLocalDpi xmlns:a14="http://schemas.microsoft.com/office/drawing/2010/main" val="0"/>
+              </a:ext>
+            </a:extLst>
+          </a:blip>
+          <a:srcRect/>
+          <a:stretch>
+            <a:fillRect/>
+          </a:stretch>
+        </p:blipFill>
+        <p:spPr bwMode="auto">
+          <a:xfrm>
+            <a:off x="214693" y="2078243"/>
+            <a:ext cx="5699023" cy="3673628"/>
+          </a:xfrm>
+          <a:prstGeom prst="rect">
+            <a:avLst/>
+          </a:prstGeom>
+          <a:noFill/>
+          <a:extLst>
+            <a:ext uri="{909E8E84-426E-40DD-AFC4-6F175D3DCCD1}">
+              <a14:hiddenFill xmlns:a14="http://schemas.microsoft.com/office/drawing/2010/main">
+                <a:solidFill>
+                  <a:srgbClr val="FFFFFF"/>
+                </a:solidFill>
+              </a14:hiddenFill>
+            </a:ext>
+          </a:extLst>
+        </p:spPr>
+      </p:pic>
+      <p:sp>
+        <p:nvSpPr>
+          <p:cNvPr id="7" name="Title 1">
             <a:extLst>
               <a:ext uri="{FF2B5EF4-FFF2-40B4-BE49-F238E27FC236}">
-                <a16:creationId xmlns:a16="http://schemas.microsoft.com/office/drawing/2014/main" id="{66669DBA-CAD1-4991-BAD1-013EE98CF29B}"/>
+                <a16:creationId xmlns:a16="http://schemas.microsoft.com/office/drawing/2014/main" id="{C48EC513-0BAE-9D45-9C8C-FEC83A13B6B5}"/>
               </a:ext>
             </a:extLst>
           </p:cNvPr>
-          <p:cNvSpPr>
-            <a:spLocks noGrp="1"/>
-          </p:cNvSpPr>
-          <p:nvPr>
-            <p:ph type="body" idx="1"/>
-          </p:nvPr>
-        </p:nvSpPr>
-        <p:spPr/>
-        <p:txBody>
-          <a:bodyPr/>
-          <a:lstStyle/>
-          <a:p>
-            <a:endParaRPr lang="en-US"/>
-          </a:p>
-        </p:txBody>
-      </p:sp>
+          <p:cNvSpPr txBox="1">
+            <a:spLocks/>
+          </p:cNvSpPr>
+          <p:nvPr/>
+        </p:nvSpPr>
+        <p:spPr>
+          <a:xfrm>
+            <a:off x="709888" y="825910"/>
+            <a:ext cx="5395557" cy="988569"/>
+          </a:xfrm>
+          <a:prstGeom prst="rect">
+            <a:avLst/>
+          </a:prstGeom>
+        </p:spPr>
+        <p:txBody>
+          <a:bodyPr vert="horz" lIns="91440" tIns="45720" rIns="91440" bIns="45720" rtlCol="0" anchor="b">
+            <a:normAutofit/>
+          </a:bodyPr>
+          <a:lstStyle>
+            <a:lvl1pPr algn="l" defTabSz="388620" rtl="0" eaLnBrk="1" latinLnBrk="0" hangingPunct="1">
+              <a:spcBef>
+                <a:spcPct val="0"/>
+              </a:spcBef>
+              <a:buNone/>
+              <a:defRPr sz="2040" b="0" kern="1200">
+                <a:solidFill>
+                  <a:schemeClr val="accent1"/>
+                </a:solidFill>
+                <a:latin typeface="+mj-lt"/>
+                <a:ea typeface="+mj-ea"/>
+                <a:cs typeface="+mj-cs"/>
+              </a:defRPr>
+            </a:lvl1pPr>
+            <a:lvl2pPr eaLnBrk="1" hangingPunct="1">
+              <a:defRPr>
+                <a:solidFill>
+                  <a:schemeClr val="tx2"/>
+                </a:solidFill>
+              </a:defRPr>
+            </a:lvl2pPr>
+            <a:lvl3pPr eaLnBrk="1" hangingPunct="1">
+              <a:defRPr>
+                <a:solidFill>
+                  <a:schemeClr val="tx2"/>
+                </a:solidFill>
+              </a:defRPr>
+            </a:lvl3pPr>
+            <a:lvl4pPr eaLnBrk="1" hangingPunct="1">
+              <a:defRPr>
+                <a:solidFill>
+                  <a:schemeClr val="tx2"/>
+                </a:solidFill>
+              </a:defRPr>
+            </a:lvl4pPr>
+            <a:lvl5pPr eaLnBrk="1" hangingPunct="1">
+              <a:defRPr>
+                <a:solidFill>
+                  <a:schemeClr val="tx2"/>
+                </a:solidFill>
+              </a:defRPr>
+            </a:lvl5pPr>
+            <a:lvl6pPr eaLnBrk="1" hangingPunct="1">
+              <a:defRPr>
+                <a:solidFill>
+                  <a:schemeClr val="tx2"/>
+                </a:solidFill>
+              </a:defRPr>
+            </a:lvl6pPr>
+            <a:lvl7pPr eaLnBrk="1" hangingPunct="1">
+              <a:defRPr>
+                <a:solidFill>
+                  <a:schemeClr val="tx2"/>
+                </a:solidFill>
+              </a:defRPr>
+            </a:lvl7pPr>
+            <a:lvl8pPr eaLnBrk="1" hangingPunct="1">
+              <a:defRPr>
+                <a:solidFill>
+                  <a:schemeClr val="tx2"/>
+                </a:solidFill>
+              </a:defRPr>
+            </a:lvl8pPr>
+            <a:lvl9pPr eaLnBrk="1" hangingPunct="1">
+              <a:defRPr>
+                <a:solidFill>
+                  <a:schemeClr val="tx2"/>
+                </a:solidFill>
+              </a:defRPr>
+            </a:lvl9pPr>
+          </a:lstStyle>
+          <a:p>
+            <a:r>
+              <a:rPr lang="en-US" dirty="0"/>
+              <a:t>Box Office Revenue for the winner of Best Picture each year</a:t>
+            </a:r>
+          </a:p>
+        </p:txBody>
+      </p:sp>
+      <p:pic>
+        <p:nvPicPr>
+          <p:cNvPr id="2054" name="Picture 6">
+            <a:extLst>
+              <a:ext uri="{FF2B5EF4-FFF2-40B4-BE49-F238E27FC236}">
+                <a16:creationId xmlns:a16="http://schemas.microsoft.com/office/drawing/2014/main" id="{FB6B6C57-3644-B047-B909-3DB74F2ED619}"/>
+              </a:ext>
+            </a:extLst>
+          </p:cNvPr>
+          <p:cNvPicPr>
+            <a:picLocks noChangeAspect="1" noChangeArrowheads="1"/>
+          </p:cNvPicPr>
+          <p:nvPr/>
+        </p:nvPicPr>
+        <p:blipFill>
+          <a:blip r:embed="rId3">
+            <a:extLst>
+              <a:ext uri="{28A0092B-C50C-407E-A947-70E740481C1C}">
+                <a14:useLocalDpi xmlns:a14="http://schemas.microsoft.com/office/drawing/2010/main" val="0"/>
+              </a:ext>
+            </a:extLst>
+          </a:blip>
+          <a:srcRect/>
+          <a:stretch>
+            <a:fillRect/>
+          </a:stretch>
+        </p:blipFill>
+        <p:spPr bwMode="auto">
+          <a:xfrm>
+            <a:off x="214692" y="5868155"/>
+            <a:ext cx="5890753" cy="3999314"/>
+          </a:xfrm>
+          <a:prstGeom prst="rect">
+            <a:avLst/>
+          </a:prstGeom>
+          <a:noFill/>
+          <a:extLst>
+            <a:ext uri="{909E8E84-426E-40DD-AFC4-6F175D3DCCD1}">
+              <a14:hiddenFill xmlns:a14="http://schemas.microsoft.com/office/drawing/2010/main">
+                <a:solidFill>
+                  <a:srgbClr val="FFFFFF"/>
+                </a:solidFill>
+              </a14:hiddenFill>
+            </a:ext>
+          </a:extLst>
+        </p:spPr>
+      </p:pic>
     </p:spTree>
     <p:extLst>
       <p:ext uri="{BB962C8B-B14F-4D97-AF65-F5344CB8AC3E}">
-        <p14:creationId xmlns:p14="http://schemas.microsoft.com/office/powerpoint/2010/main" val="399555404"/>
+        <p14:creationId xmlns:p14="http://schemas.microsoft.com/office/powerpoint/2010/main" val="3191447650"/>
       </p:ext>
     </p:extLst>
   </p:cSld>
   <p:clrMapOvr>
     <a:masterClrMapping/>
   </p:clrMapOvr>
+  <p:timing>
+    <p:tnLst>
+      <p:par>
+        <p:cTn id="1" dur="indefinite" restart="never" nodeType="tmRoot">
+          <p:childTnLst>
+            <p:seq concurrent="1" nextAc="seek">
+              <p:cTn id="2" dur="indefinite" nodeType="mainSeq">
+                <p:childTnLst>
+                  <p:par>
+                    <p:cTn id="3" fill="hold">
+                      <p:stCondLst>
+                        <p:cond delay="indefinite"/>
+                      </p:stCondLst>
+                      <p:childTnLst>
+                        <p:par>
+                          <p:cTn id="4" fill="hold">
+                            <p:stCondLst>
+                              <p:cond delay="0"/>
+                            </p:stCondLst>
+                            <p:childTnLst>
+                              <p:par>
+                                <p:cTn id="5" presetID="2" presetClass="entr" presetSubtype="2" decel="50000" fill="hold" nodeType="clickEffect">
+                                  <p:stCondLst>
+                                    <p:cond delay="0"/>
+                                  </p:stCondLst>
+                                  <p:childTnLst>
+                                    <p:set>
+                                      <p:cBhvr>
+                                        <p:cTn id="6" dur="1" fill="hold">
+                                          <p:stCondLst>
+                                            <p:cond delay="0"/>
+                                          </p:stCondLst>
+                                        </p:cTn>
+                                        <p:tgtEl>
+                                          <p:spTgt spid="1030"/>
+                                        </p:tgtEl>
+                                        <p:attrNameLst>
+                                          <p:attrName>style.visibility</p:attrName>
+                                        </p:attrNameLst>
+                                      </p:cBhvr>
+                                      <p:to>
+                                        <p:strVal val="visible"/>
+                                      </p:to>
+                                    </p:set>
+                                    <p:anim calcmode="lin" valueType="num">
+                                      <p:cBhvr additive="base">
+                                        <p:cTn id="7" dur="2000" fill="hold"/>
+                                        <p:tgtEl>
+                                          <p:spTgt spid="1030"/>
+                                        </p:tgtEl>
+                                        <p:attrNameLst>
+                                          <p:attrName>ppt_x</p:attrName>
+                                        </p:attrNameLst>
+                                      </p:cBhvr>
+                                      <p:tavLst>
+                                        <p:tav tm="0">
+                                          <p:val>
+                                            <p:strVal val="1+#ppt_w/2"/>
+                                          </p:val>
+                                        </p:tav>
+                                        <p:tav tm="100000">
+                                          <p:val>
+                                            <p:strVal val="#ppt_x"/>
+                                          </p:val>
+                                        </p:tav>
+                                      </p:tavLst>
+                                    </p:anim>
+                                    <p:anim calcmode="lin" valueType="num">
+                                      <p:cBhvr additive="base">
+                                        <p:cTn id="8" dur="2000" fill="hold"/>
+                                        <p:tgtEl>
+                                          <p:spTgt spid="1030"/>
+                                        </p:tgtEl>
+                                        <p:attrNameLst>
+                                          <p:attrName>ppt_y</p:attrName>
+                                        </p:attrNameLst>
+                                      </p:cBhvr>
+                                      <p:tavLst>
+                                        <p:tav tm="0">
+                                          <p:val>
+                                            <p:strVal val="#ppt_y"/>
+                                          </p:val>
+                                        </p:tav>
+                                        <p:tav tm="100000">
+                                          <p:val>
+                                            <p:strVal val="#ppt_y"/>
+                                          </p:val>
+                                        </p:tav>
+                                      </p:tavLst>
+                                    </p:anim>
+                                  </p:childTnLst>
+                                </p:cTn>
+                              </p:par>
+                              <p:par>
+                                <p:cTn id="9" presetID="2" presetClass="entr" presetSubtype="8" decel="50000" fill="hold" nodeType="withEffect">
+                                  <p:stCondLst>
+                                    <p:cond delay="500"/>
+                                  </p:stCondLst>
+                                  <p:childTnLst>
+                                    <p:set>
+                                      <p:cBhvr>
+                                        <p:cTn id="10" dur="1" fill="hold">
+                                          <p:stCondLst>
+                                            <p:cond delay="0"/>
+                                          </p:stCondLst>
+                                        </p:cTn>
+                                        <p:tgtEl>
+                                          <p:spTgt spid="2054"/>
+                                        </p:tgtEl>
+                                        <p:attrNameLst>
+                                          <p:attrName>style.visibility</p:attrName>
+                                        </p:attrNameLst>
+                                      </p:cBhvr>
+                                      <p:to>
+                                        <p:strVal val="visible"/>
+                                      </p:to>
+                                    </p:set>
+                                    <p:anim calcmode="lin" valueType="num">
+                                      <p:cBhvr additive="base">
+                                        <p:cTn id="11" dur="1000" fill="hold"/>
+                                        <p:tgtEl>
+                                          <p:spTgt spid="2054"/>
+                                        </p:tgtEl>
+                                        <p:attrNameLst>
+                                          <p:attrName>ppt_x</p:attrName>
+                                        </p:attrNameLst>
+                                      </p:cBhvr>
+                                      <p:tavLst>
+                                        <p:tav tm="0">
+                                          <p:val>
+                                            <p:strVal val="0-#ppt_w/2"/>
+                                          </p:val>
+                                        </p:tav>
+                                        <p:tav tm="100000">
+                                          <p:val>
+                                            <p:strVal val="#ppt_x"/>
+                                          </p:val>
+                                        </p:tav>
+                                      </p:tavLst>
+                                    </p:anim>
+                                    <p:anim calcmode="lin" valueType="num">
+                                      <p:cBhvr additive="base">
+                                        <p:cTn id="12" dur="1000" fill="hold"/>
+                                        <p:tgtEl>
+                                          <p:spTgt spid="2054"/>
+                                        </p:tgtEl>
+                                        <p:attrNameLst>
+                                          <p:attrName>ppt_y</p:attrName>
+                                        </p:attrNameLst>
+                                      </p:cBhvr>
+                                      <p:tavLst>
+                                        <p:tav tm="0">
+                                          <p:val>
+                                            <p:strVal val="#ppt_y"/>
+                                          </p:val>
+                                        </p:tav>
+                                        <p:tav tm="100000">
+                                          <p:val>
+                                            <p:strVal val="#ppt_y"/>
+                                          </p:val>
+                                        </p:tav>
+                                      </p:tavLst>
+                                    </p:anim>
+                                  </p:childTnLst>
+                                </p:cTn>
+                              </p:par>
+                            </p:childTnLst>
+                          </p:cTn>
+                        </p:par>
+                      </p:childTnLst>
+                    </p:cTn>
+                  </p:par>
+                </p:childTnLst>
+              </p:cTn>
+              <p:prevCondLst>
+                <p:cond evt="onPrev" delay="0">
+                  <p:tgtEl>
+                    <p:sldTgt/>
+                  </p:tgtEl>
+                </p:cond>
+              </p:prevCondLst>
+              <p:nextCondLst>
+                <p:cond evt="onNext" delay="0">
+                  <p:tgtEl>
+                    <p:sldTgt/>
+                  </p:tgtEl>
+                </p:cond>
+              </p:nextCondLst>
+            </p:seq>
+          </p:childTnLst>
+        </p:cTn>
+      </p:par>
+    </p:tnLst>
+  </p:timing>
 </p:sld>
 </file>
 
@@ -14939,208 +17814,104 @@
           <a:chExt cx="0" cy="0"/>
         </a:xfrm>
       </p:grpSpPr>
-      <p:sp>
-        <p:nvSpPr>
-          <p:cNvPr id="2" name="Text Placeholder 1">
+      <p:pic>
+        <p:nvPicPr>
+          <p:cNvPr id="1026" name="Picture 2">
             <a:extLst>
               <a:ext uri="{FF2B5EF4-FFF2-40B4-BE49-F238E27FC236}">
-                <a16:creationId xmlns:a16="http://schemas.microsoft.com/office/drawing/2014/main" id="{5E80B8A2-89A7-4B47-B1B6-6AE513CBD0BD}"/>
+                <a16:creationId xmlns:a16="http://schemas.microsoft.com/office/drawing/2014/main" id="{99307C59-9B85-5C47-BB99-6AD71F69DAFA}"/>
               </a:ext>
             </a:extLst>
           </p:cNvPr>
-          <p:cNvSpPr>
-            <a:spLocks noGrp="1"/>
-          </p:cNvSpPr>
-          <p:nvPr>
-            <p:ph type="body" sz="quarter" idx="10"/>
-          </p:nvPr>
-        </p:nvSpPr>
-        <p:spPr/>
-        <p:txBody>
-          <a:bodyPr/>
-          <a:lstStyle/>
-          <a:p>
-            <a:r>
-              <a:rPr lang="en-US" dirty="0"/>
-              <a:t>Lorem ipsum dolor sit amet, consectetur adipiscing elit, sed do eiusmod Lorem ipsum dolor sit amet, consectetur adipiscing elit.</a:t>
-            </a:r>
-          </a:p>
-          <a:p>
-            <a:endParaRPr lang="en-US" dirty="0"/>
-          </a:p>
-        </p:txBody>
-      </p:sp>
-      <p:sp>
-        <p:nvSpPr>
-          <p:cNvPr id="3" name="Text Placeholder 2">
+          <p:cNvPicPr>
+            <a:picLocks noChangeAspect="1" noChangeArrowheads="1"/>
+          </p:cNvPicPr>
+          <p:nvPr/>
+        </p:nvPicPr>
+        <p:blipFill>
+          <a:blip r:embed="rId2">
+            <a:extLst>
+              <a:ext uri="{28A0092B-C50C-407E-A947-70E740481C1C}">
+                <a14:useLocalDpi xmlns:a14="http://schemas.microsoft.com/office/drawing/2010/main" val="0"/>
+              </a:ext>
+            </a:extLst>
+          </a:blip>
+          <a:srcRect/>
+          <a:stretch>
+            <a:fillRect/>
+          </a:stretch>
+        </p:blipFill>
+        <p:spPr bwMode="auto">
+          <a:xfrm>
+            <a:off x="398206" y="2332037"/>
+            <a:ext cx="5776427" cy="3799166"/>
+          </a:xfrm>
+          <a:prstGeom prst="rect">
+            <a:avLst/>
+          </a:prstGeom>
+          <a:noFill/>
+          <a:extLst>
+            <a:ext uri="{909E8E84-426E-40DD-AFC4-6F175D3DCCD1}">
+              <a14:hiddenFill xmlns:a14="http://schemas.microsoft.com/office/drawing/2010/main">
+                <a:solidFill>
+                  <a:srgbClr val="FFFFFF"/>
+                </a:solidFill>
+              </a14:hiddenFill>
+            </a:ext>
+          </a:extLst>
+        </p:spPr>
+      </p:pic>
+      <p:sp>
+        <p:nvSpPr>
+          <p:cNvPr id="5" name="TextBox 4">
             <a:extLst>
               <a:ext uri="{FF2B5EF4-FFF2-40B4-BE49-F238E27FC236}">
-                <a16:creationId xmlns:a16="http://schemas.microsoft.com/office/drawing/2014/main" id="{CA92EE40-0AE5-5144-8ABC-CA64A1E04E33}"/>
+                <a16:creationId xmlns:a16="http://schemas.microsoft.com/office/drawing/2014/main" id="{39A6E9A5-94AC-1344-A369-5E14B60C00E2}"/>
               </a:ext>
             </a:extLst>
           </p:cNvPr>
-          <p:cNvSpPr>
-            <a:spLocks noGrp="1"/>
-          </p:cNvSpPr>
-          <p:nvPr>
-            <p:ph type="body" sz="quarter" idx="11"/>
-          </p:nvPr>
-        </p:nvSpPr>
-        <p:spPr/>
-        <p:txBody>
-          <a:bodyPr/>
-          <a:lstStyle/>
-          <a:p>
-            <a:r>
-              <a:rPr lang="en-US" dirty="0"/>
-              <a:t>Lorem ipsum dolor sit amet, consectetur adipiscing elit, sed do eiusmod Lorem ipsum dolor sit amet, consectetur adipiscing elit.</a:t>
-            </a:r>
-          </a:p>
-          <a:p>
-            <a:endParaRPr lang="en-US" dirty="0"/>
-          </a:p>
-        </p:txBody>
-      </p:sp>
-      <p:sp>
-        <p:nvSpPr>
-          <p:cNvPr id="4" name="Text Placeholder 3">
-            <a:extLst>
-              <a:ext uri="{FF2B5EF4-FFF2-40B4-BE49-F238E27FC236}">
-                <a16:creationId xmlns:a16="http://schemas.microsoft.com/office/drawing/2014/main" id="{E153B7F6-A072-F440-9744-CF36C6F3AAB9}"/>
-              </a:ext>
-            </a:extLst>
-          </p:cNvPr>
-          <p:cNvSpPr>
-            <a:spLocks noGrp="1"/>
-          </p:cNvSpPr>
-          <p:nvPr>
-            <p:ph type="body" sz="quarter" idx="12"/>
-          </p:nvPr>
-        </p:nvSpPr>
-        <p:spPr/>
-        <p:txBody>
-          <a:bodyPr/>
-          <a:lstStyle/>
-          <a:p>
-            <a:r>
-              <a:rPr lang="en-US" dirty="0"/>
-              <a:t>FEATURE</a:t>
-            </a:r>
-          </a:p>
-        </p:txBody>
-      </p:sp>
-      <p:sp>
-        <p:nvSpPr>
-          <p:cNvPr id="5" name="Text Placeholder 4">
-            <a:extLst>
-              <a:ext uri="{FF2B5EF4-FFF2-40B4-BE49-F238E27FC236}">
-                <a16:creationId xmlns:a16="http://schemas.microsoft.com/office/drawing/2014/main" id="{2D3E033B-7726-4E4E-B48E-79728B115E33}"/>
-              </a:ext>
-            </a:extLst>
-          </p:cNvPr>
-          <p:cNvSpPr>
-            <a:spLocks noGrp="1"/>
-          </p:cNvSpPr>
-          <p:nvPr>
-            <p:ph type="body" sz="quarter" idx="13"/>
-          </p:nvPr>
-        </p:nvSpPr>
-        <p:spPr/>
-        <p:txBody>
-          <a:bodyPr/>
-          <a:lstStyle/>
-          <a:p>
-            <a:r>
-              <a:rPr lang="en-US" dirty="0"/>
-              <a:t>FEATURE</a:t>
-            </a:r>
-          </a:p>
-        </p:txBody>
-      </p:sp>
-      <p:sp>
-        <p:nvSpPr>
-          <p:cNvPr id="6" name="Text Placeholder 5">
-            <a:extLst>
-              <a:ext uri="{FF2B5EF4-FFF2-40B4-BE49-F238E27FC236}">
-                <a16:creationId xmlns:a16="http://schemas.microsoft.com/office/drawing/2014/main" id="{FC50AA9E-8736-7046-B34C-EE91E892ABE6}"/>
-              </a:ext>
-            </a:extLst>
-          </p:cNvPr>
-          <p:cNvSpPr>
-            <a:spLocks noGrp="1"/>
-          </p:cNvSpPr>
-          <p:nvPr>
-            <p:ph type="body" sz="quarter" idx="15"/>
-          </p:nvPr>
-        </p:nvSpPr>
-        <p:spPr/>
-        <p:txBody>
-          <a:bodyPr/>
-          <a:lstStyle/>
-          <a:p>
-            <a:r>
-              <a:rPr lang="en-US" dirty="0"/>
-              <a:t>MOVIES</a:t>
-            </a:r>
-          </a:p>
-        </p:txBody>
-      </p:sp>
-      <p:sp>
-        <p:nvSpPr>
-          <p:cNvPr id="7" name="Text Placeholder 6">
-            <a:extLst>
-              <a:ext uri="{FF2B5EF4-FFF2-40B4-BE49-F238E27FC236}">
-                <a16:creationId xmlns:a16="http://schemas.microsoft.com/office/drawing/2014/main" id="{53DB799C-D020-A24F-84A8-14D813FD91BB}"/>
-              </a:ext>
-            </a:extLst>
-          </p:cNvPr>
-          <p:cNvSpPr>
-            <a:spLocks noGrp="1"/>
-          </p:cNvSpPr>
-          <p:nvPr>
-            <p:ph type="body" sz="quarter" idx="16"/>
-          </p:nvPr>
-        </p:nvSpPr>
-        <p:spPr/>
-        <p:txBody>
-          <a:bodyPr>
-            <a:normAutofit lnSpcReduction="10000"/>
+          <p:cNvSpPr txBox="1"/>
+          <p:nvPr/>
+        </p:nvSpPr>
+        <p:spPr>
+          <a:xfrm>
+            <a:off x="518159" y="782236"/>
+            <a:ext cx="4925574" cy="830997"/>
+          </a:xfrm>
+          <a:prstGeom prst="rect">
+            <a:avLst/>
+          </a:prstGeom>
+          <a:ln>
+            <a:noFill/>
+          </a:ln>
+        </p:spPr>
+        <p:style>
+          <a:lnRef idx="2">
+            <a:schemeClr val="accent1"/>
+          </a:lnRef>
+          <a:fillRef idx="1">
+            <a:schemeClr val="lt1"/>
+          </a:fillRef>
+          <a:effectRef idx="0">
+            <a:schemeClr val="accent1"/>
+          </a:effectRef>
+          <a:fontRef idx="minor">
+            <a:schemeClr val="dk1"/>
+          </a:fontRef>
+        </p:style>
+        <p:txBody>
+          <a:bodyPr wrap="square" rtlCol="0">
+            <a:spAutoFit/>
           </a:bodyPr>
           <a:lstStyle/>
           <a:p>
             <a:r>
-              <a:rPr lang="en-US" dirty="0"/>
-              <a:t>JANUARY [YEAR]</a:t>
-            </a:r>
-          </a:p>
-        </p:txBody>
-      </p:sp>
-      <p:sp>
-        <p:nvSpPr>
-          <p:cNvPr id="8" name="Title 7">
-            <a:extLst>
-              <a:ext uri="{FF2B5EF4-FFF2-40B4-BE49-F238E27FC236}">
-                <a16:creationId xmlns:a16="http://schemas.microsoft.com/office/drawing/2014/main" id="{B7361972-9B59-0343-BF16-C27A91621E25}"/>
-              </a:ext>
-            </a:extLst>
-          </p:cNvPr>
-          <p:cNvSpPr>
-            <a:spLocks noGrp="1"/>
-          </p:cNvSpPr>
-          <p:nvPr>
-            <p:ph type="title"/>
-          </p:nvPr>
-        </p:nvSpPr>
-        <p:spPr/>
-        <p:txBody>
-          <a:bodyPr>
-            <a:normAutofit fontScale="90000"/>
-          </a:bodyPr>
-          <a:lstStyle/>
-          <a:p>
-            <a:r>
-              <a:rPr lang="en-US" dirty="0"/>
-              <a:t>Tinseltown</a:t>
+              <a:rPr lang="en-US" sz="2400" dirty="0">
+                <a:solidFill>
+                  <a:schemeClr val="accent2"/>
+                </a:solidFill>
+              </a:rPr>
+              <a:t>How did the Best Picture compare to the other movies that year.</a:t>
             </a:r>
           </a:p>
         </p:txBody>
@@ -15148,7 +17919,7 @@
     </p:spTree>
     <p:extLst>
       <p:ext uri="{BB962C8B-B14F-4D97-AF65-F5344CB8AC3E}">
-        <p14:creationId xmlns:p14="http://schemas.microsoft.com/office/powerpoint/2010/main" val="1629572527"/>
+        <p14:creationId xmlns:p14="http://schemas.microsoft.com/office/powerpoint/2010/main" val="2275238661"/>
       </p:ext>
     </p:extLst>
   </p:cSld>
@@ -15177,183 +17948,10 @@
       </p:grpSpPr>
       <p:sp>
         <p:nvSpPr>
-          <p:cNvPr id="2" name="Text Placeholder 1">
+          <p:cNvPr id="2" name="Title 1">
             <a:extLst>
               <a:ext uri="{FF2B5EF4-FFF2-40B4-BE49-F238E27FC236}">
-                <a16:creationId xmlns:a16="http://schemas.microsoft.com/office/drawing/2014/main" id="{91F66F5D-C043-3647-9565-4AA5F19AE050}"/>
-              </a:ext>
-            </a:extLst>
-          </p:cNvPr>
-          <p:cNvSpPr>
-            <a:spLocks noGrp="1"/>
-          </p:cNvSpPr>
-          <p:nvPr>
-            <p:ph type="body" sz="quarter" idx="10"/>
-          </p:nvPr>
-        </p:nvSpPr>
-        <p:spPr/>
-        <p:txBody>
-          <a:bodyPr/>
-          <a:lstStyle/>
-          <a:p>
-            <a:r>
-              <a:rPr lang="en-US" dirty="0"/>
-              <a:t>Lorem ipsum dolor sit amet, consectetur adipiscing elit, sed do eiusmod Lorem ipsum dolor sit amet, consectetur adipiscing elit.</a:t>
-            </a:r>
-          </a:p>
-          <a:p>
-            <a:endParaRPr lang="en-US" dirty="0"/>
-          </a:p>
-        </p:txBody>
-      </p:sp>
-      <p:sp>
-        <p:nvSpPr>
-          <p:cNvPr id="3" name="Text Placeholder 2">
-            <a:extLst>
-              <a:ext uri="{FF2B5EF4-FFF2-40B4-BE49-F238E27FC236}">
-                <a16:creationId xmlns:a16="http://schemas.microsoft.com/office/drawing/2014/main" id="{66ED0322-6048-4E48-B93F-AD452622DF4A}"/>
-              </a:ext>
-            </a:extLst>
-          </p:cNvPr>
-          <p:cNvSpPr>
-            <a:spLocks noGrp="1"/>
-          </p:cNvSpPr>
-          <p:nvPr>
-            <p:ph type="body" sz="quarter" idx="11"/>
-          </p:nvPr>
-        </p:nvSpPr>
-        <p:spPr/>
-        <p:txBody>
-          <a:bodyPr/>
-          <a:lstStyle/>
-          <a:p>
-            <a:r>
-              <a:rPr lang="en-US" dirty="0"/>
-              <a:t>Lorem ipsum dolor sit amet, consectetur adipiscing elit, sed do eiusmod Lorem ipsum dolor sit amet, consectetur adipiscing elit.</a:t>
-            </a:r>
-          </a:p>
-          <a:p>
-            <a:endParaRPr lang="en-US" dirty="0"/>
-          </a:p>
-        </p:txBody>
-      </p:sp>
-      <p:sp>
-        <p:nvSpPr>
-          <p:cNvPr id="4" name="Text Placeholder 3">
-            <a:extLst>
-              <a:ext uri="{FF2B5EF4-FFF2-40B4-BE49-F238E27FC236}">
-                <a16:creationId xmlns:a16="http://schemas.microsoft.com/office/drawing/2014/main" id="{917B2698-71B5-EA4F-8291-9E422C5E6746}"/>
-              </a:ext>
-            </a:extLst>
-          </p:cNvPr>
-          <p:cNvSpPr>
-            <a:spLocks noGrp="1"/>
-          </p:cNvSpPr>
-          <p:nvPr>
-            <p:ph type="body" sz="quarter" idx="12"/>
-          </p:nvPr>
-        </p:nvSpPr>
-        <p:spPr/>
-        <p:txBody>
-          <a:bodyPr/>
-          <a:lstStyle/>
-          <a:p>
-            <a:r>
-              <a:rPr lang="en-US" dirty="0"/>
-              <a:t>FEATURE TITLE</a:t>
-            </a:r>
-          </a:p>
-        </p:txBody>
-      </p:sp>
-      <p:sp>
-        <p:nvSpPr>
-          <p:cNvPr id="5" name="Text Placeholder 4">
-            <a:extLst>
-              <a:ext uri="{FF2B5EF4-FFF2-40B4-BE49-F238E27FC236}">
-                <a16:creationId xmlns:a16="http://schemas.microsoft.com/office/drawing/2014/main" id="{A4E67D4A-6448-0E48-BC92-ABE4BA250B69}"/>
-              </a:ext>
-            </a:extLst>
-          </p:cNvPr>
-          <p:cNvSpPr>
-            <a:spLocks noGrp="1"/>
-          </p:cNvSpPr>
-          <p:nvPr>
-            <p:ph type="body" sz="quarter" idx="13"/>
-          </p:nvPr>
-        </p:nvSpPr>
-        <p:spPr/>
-        <p:txBody>
-          <a:bodyPr/>
-          <a:lstStyle/>
-          <a:p>
-            <a:r>
-              <a:rPr lang="en-US" dirty="0"/>
-              <a:t>FEATURE TITLE</a:t>
-            </a:r>
-          </a:p>
-        </p:txBody>
-      </p:sp>
-      <p:sp>
-        <p:nvSpPr>
-          <p:cNvPr id="6" name="Text Placeholder 5">
-            <a:extLst>
-              <a:ext uri="{FF2B5EF4-FFF2-40B4-BE49-F238E27FC236}">
-                <a16:creationId xmlns:a16="http://schemas.microsoft.com/office/drawing/2014/main" id="{2E195014-15EA-FA44-A689-47F0DDB88820}"/>
-              </a:ext>
-            </a:extLst>
-          </p:cNvPr>
-          <p:cNvSpPr>
-            <a:spLocks noGrp="1"/>
-          </p:cNvSpPr>
-          <p:nvPr>
-            <p:ph type="body" sz="quarter" idx="15"/>
-          </p:nvPr>
-        </p:nvSpPr>
-        <p:spPr/>
-        <p:txBody>
-          <a:bodyPr/>
-          <a:lstStyle/>
-          <a:p>
-            <a:endParaRPr lang="en-US" dirty="0"/>
-          </a:p>
-        </p:txBody>
-      </p:sp>
-      <p:sp>
-        <p:nvSpPr>
-          <p:cNvPr id="7" name="Text Placeholder 6">
-            <a:extLst>
-              <a:ext uri="{FF2B5EF4-FFF2-40B4-BE49-F238E27FC236}">
-                <a16:creationId xmlns:a16="http://schemas.microsoft.com/office/drawing/2014/main" id="{849FDC09-6F3E-0A44-8BAD-E6FC08CC013F}"/>
-              </a:ext>
-            </a:extLst>
-          </p:cNvPr>
-          <p:cNvSpPr>
-            <a:spLocks noGrp="1"/>
-          </p:cNvSpPr>
-          <p:nvPr>
-            <p:ph type="body" sz="quarter" idx="16"/>
-          </p:nvPr>
-        </p:nvSpPr>
-        <p:spPr/>
-        <p:txBody>
-          <a:bodyPr>
-            <a:normAutofit lnSpcReduction="10000"/>
-          </a:bodyPr>
-          <a:lstStyle/>
-          <a:p>
-            <a:r>
-              <a:rPr lang="en-US" dirty="0"/>
-              <a:t>JANUARY [YEAR]</a:t>
-            </a:r>
-          </a:p>
-        </p:txBody>
-      </p:sp>
-      <p:sp>
-        <p:nvSpPr>
-          <p:cNvPr id="8" name="Title 7">
-            <a:extLst>
-              <a:ext uri="{FF2B5EF4-FFF2-40B4-BE49-F238E27FC236}">
-                <a16:creationId xmlns:a16="http://schemas.microsoft.com/office/drawing/2014/main" id="{CC2E676A-0E5D-B946-92F0-D7C96AEB7529}"/>
+                <a16:creationId xmlns:a16="http://schemas.microsoft.com/office/drawing/2014/main" id="{EE7E50B7-1D74-4EEA-8992-6617230A4C4A}"/>
               </a:ext>
             </a:extLst>
           </p:cNvPr>
@@ -15372,16 +17970,97 @@
           <a:lstStyle/>
           <a:p>
             <a:r>
-              <a:rPr lang="en-US" dirty="0"/>
-              <a:t>CINEMA</a:t>
-            </a:r>
+              <a:rPr lang="en-US" sz="1800" spc="100" dirty="0">
+                <a:solidFill>
+                  <a:schemeClr val="bg1"/>
+                </a:solidFill>
+                <a:ea typeface="Cambria" panose="02040503050406030204" pitchFamily="18" charset="0"/>
+              </a:rPr>
+              <a:t>Does the month of the movies release have any correlation to the films winning an award?</a:t>
+            </a:r>
+            <a:br>
+              <a:rPr lang="en-US" sz="1800" spc="100" dirty="0">
+                <a:solidFill>
+                  <a:schemeClr val="bg1"/>
+                </a:solidFill>
+                <a:ea typeface="Cambria" panose="02040503050406030204" pitchFamily="18" charset="0"/>
+              </a:rPr>
+            </a:br>
+            <a:r>
+              <a:rPr lang="en-US" sz="1800" spc="100" dirty="0">
+                <a:solidFill>
+                  <a:schemeClr val="bg1"/>
+                </a:solidFill>
+                <a:ea typeface="Cambria" panose="02040503050406030204" pitchFamily="18" charset="0"/>
+              </a:rPr>
+              <a:t>Does the month of the movies release have any correlation to the films winning an award?</a:t>
+            </a:r>
+            <a:br>
+              <a:rPr lang="en-US" sz="1800" spc="100" dirty="0">
+                <a:solidFill>
+                  <a:schemeClr val="bg1"/>
+                </a:solidFill>
+                <a:ea typeface="Cambria" panose="02040503050406030204" pitchFamily="18" charset="0"/>
+              </a:rPr>
+            </a:br>
+            <a:endParaRPr lang="en-US" dirty="0"/>
+          </a:p>
+        </p:txBody>
+      </p:sp>
+      <p:sp>
+        <p:nvSpPr>
+          <p:cNvPr id="3" name="Content Placeholder 2">
+            <a:extLst>
+              <a:ext uri="{FF2B5EF4-FFF2-40B4-BE49-F238E27FC236}">
+                <a16:creationId xmlns:a16="http://schemas.microsoft.com/office/drawing/2014/main" id="{33F4B4FE-7E83-4CE5-9306-82ACE427C0BC}"/>
+              </a:ext>
+            </a:extLst>
+          </p:cNvPr>
+          <p:cNvSpPr>
+            <a:spLocks noGrp="1"/>
+          </p:cNvSpPr>
+          <p:nvPr>
+            <p:ph idx="1"/>
+          </p:nvPr>
+        </p:nvSpPr>
+        <p:spPr/>
+        <p:txBody>
+          <a:bodyPr/>
+          <a:lstStyle/>
+          <a:p>
+            <a:endParaRPr lang="en-US"/>
+          </a:p>
+        </p:txBody>
+      </p:sp>
+      <p:sp>
+        <p:nvSpPr>
+          <p:cNvPr id="4" name="Text Placeholder 3">
+            <a:extLst>
+              <a:ext uri="{FF2B5EF4-FFF2-40B4-BE49-F238E27FC236}">
+                <a16:creationId xmlns:a16="http://schemas.microsoft.com/office/drawing/2014/main" id="{5D905510-DBD6-446E-BD99-92EB490EF4FE}"/>
+              </a:ext>
+            </a:extLst>
+          </p:cNvPr>
+          <p:cNvSpPr>
+            <a:spLocks noGrp="1"/>
+          </p:cNvSpPr>
+          <p:nvPr>
+            <p:ph type="body" sz="half" idx="2"/>
+          </p:nvPr>
+        </p:nvSpPr>
+        <p:spPr/>
+        <p:txBody>
+          <a:bodyPr/>
+          <a:lstStyle/>
+          <a:p>
+            <a:endParaRPr lang="en-US"/>
           </a:p>
         </p:txBody>
       </p:sp>
     </p:spTree>
     <p:extLst>
       <p:ext uri="{BB962C8B-B14F-4D97-AF65-F5344CB8AC3E}">
-        <p14:creationId xmlns:p14="http://schemas.microsoft.com/office/powerpoint/2010/main" val="2512527782"/>
+        <p14:creationId xmlns:p14="http://schemas.microsoft.com/office/powerpoint/2010/main" val="1396243263"/>
       </p:ext>
     </p:extLst>
   </p:cSld>
@@ -15649,14 +18328,6 @@
 </file>
 
 <file path=customXml/item1.xml><?xml version="1.0" encoding="utf-8"?>
-<p:properties xmlns:p="http://schemas.microsoft.com/office/2006/metadata/properties" xmlns:xsi="http://www.w3.org/2001/XMLSchema-instance" xmlns:pc="http://schemas.microsoft.com/office/infopath/2007/PartnerControls">
-  <documentManagement>
-    <MediaServiceKeyPoints xmlns="ef88797d-310b-4d46-ad9c-0c23fa0c8d45" xsi:nil="true"/>
-  </documentManagement>
-</p:properties>
-</file>
-
-<file path=customXml/item2.xml><?xml version="1.0" encoding="utf-8"?>
 <ct:contentTypeSchema xmlns:ct="http://schemas.microsoft.com/office/2006/metadata/contentType" xmlns:ma="http://schemas.microsoft.com/office/2006/metadata/properties/metaAttributes" ct:_="" ma:_="" ma:contentTypeName="Document" ma:contentTypeID="0x0101005F02E0EF7D44C04B9FA644DBFF45FF6A" ma:contentTypeVersion="13" ma:contentTypeDescription="Create a new document." ma:contentTypeScope="" ma:versionID="206b9469efed5238e3299da57cdc015e">
   <xsd:schema xmlns:xsd="http://www.w3.org/2001/XMLSchema" xmlns:xs="http://www.w3.org/2001/XMLSchema" xmlns:p="http://schemas.microsoft.com/office/2006/metadata/properties" xmlns:ns2="876de33e-aaa5-4507-9b92-b84e676ded0d" xmlns:ns3="ef88797d-310b-4d46-ad9c-0c23fa0c8d45" targetNamespace="http://schemas.microsoft.com/office/2006/metadata/properties" ma:root="true" ma:fieldsID="281ed500249cd3fe925a7af84a8b56c4" ns2:_="" ns3:_="">
     <xsd:import namespace="876de33e-aaa5-4507-9b92-b84e676ded0d"/>
@@ -15879,6 +18550,14 @@
 </ct:contentTypeSchema>
 </file>
 
+<file path=customXml/item2.xml><?xml version="1.0" encoding="utf-8"?>
+<p:properties xmlns:p="http://schemas.microsoft.com/office/2006/metadata/properties" xmlns:xsi="http://www.w3.org/2001/XMLSchema-instance" xmlns:pc="http://schemas.microsoft.com/office/infopath/2007/PartnerControls">
+  <documentManagement>
+    <MediaServiceKeyPoints xmlns="ef88797d-310b-4d46-ad9c-0c23fa0c8d45" xsi:nil="true"/>
+  </documentManagement>
+</p:properties>
+</file>
+
 <file path=customXml/item3.xml><?xml version="1.0" encoding="utf-8"?>
 <?mso-contentType ?>
 <FormTemplates xmlns="http://schemas.microsoft.com/sharepoint/v3/contenttype/forms">
@@ -15889,16 +18568,6 @@
 </file>
 
 <file path=customXml/itemProps1.xml><?xml version="1.0" encoding="utf-8"?>
-<ds:datastoreItem xmlns:ds="http://schemas.openxmlformats.org/officeDocument/2006/customXml" ds:itemID="{52924D36-B4C1-4B06-A9EC-CDCE768B3FD3}">
-  <ds:schemaRefs>
-    <ds:schemaRef ds:uri="http://schemas.microsoft.com/office/2006/metadata/properties"/>
-    <ds:schemaRef ds:uri="http://schemas.microsoft.com/office/infopath/2007/PartnerControls"/>
-    <ds:schemaRef ds:uri="ef88797d-310b-4d46-ad9c-0c23fa0c8d45"/>
-  </ds:schemaRefs>
-</ds:datastoreItem>
-</file>
-
-<file path=customXml/itemProps2.xml><?xml version="1.0" encoding="utf-8"?>
 <ds:datastoreItem xmlns:ds="http://schemas.openxmlformats.org/officeDocument/2006/customXml" ds:itemID="{D4DD53C0-11D2-4509-936F-323E14647893}">
   <ds:schemaRefs>
     <ds:schemaRef ds:uri="http://schemas.microsoft.com/office/2006/metadata/contentType"/>
@@ -15917,6 +18586,16 @@
 </ds:datastoreItem>
 </file>
 
+<file path=customXml/itemProps2.xml><?xml version="1.0" encoding="utf-8"?>
+<ds:datastoreItem xmlns:ds="http://schemas.openxmlformats.org/officeDocument/2006/customXml" ds:itemID="{52924D36-B4C1-4B06-A9EC-CDCE768B3FD3}">
+  <ds:schemaRefs>
+    <ds:schemaRef ds:uri="http://schemas.microsoft.com/office/2006/metadata/properties"/>
+    <ds:schemaRef ds:uri="http://schemas.microsoft.com/office/infopath/2007/PartnerControls"/>
+    <ds:schemaRef ds:uri="ef88797d-310b-4d46-ad9c-0c23fa0c8d45"/>
+  </ds:schemaRefs>
+</ds:datastoreItem>
+</file>
+
 <file path=customXml/itemProps3.xml><?xml version="1.0" encoding="utf-8"?>
 <ds:datastoreItem xmlns:ds="http://schemas.openxmlformats.org/officeDocument/2006/customXml" ds:itemID="{CFB929D3-A7CA-4AB1-8061-FCB8D56D3FEE}">
   <ds:schemaRefs>

--- a/ANALYZING THE OSCARS.pptx
+++ b/ANALYZING THE OSCARS.pptx
@@ -12,9 +12,13 @@
     <p:sldId id="268" r:id="rId9"/>
     <p:sldId id="262" r:id="rId10"/>
     <p:sldId id="267" r:id="rId11"/>
-    <p:sldId id="263" r:id="rId12"/>
-    <p:sldId id="264" r:id="rId13"/>
-    <p:sldId id="266" r:id="rId14"/>
+    <p:sldId id="271" r:id="rId12"/>
+    <p:sldId id="272" r:id="rId13"/>
+    <p:sldId id="273" r:id="rId14"/>
+    <p:sldId id="274" r:id="rId15"/>
+    <p:sldId id="263" r:id="rId16"/>
+    <p:sldId id="264" r:id="rId17"/>
+    <p:sldId id="266" r:id="rId18"/>
   </p:sldIdLst>
   <p:sldSz cx="7772400" cy="10058400"/>
   <p:notesSz cx="6858000" cy="9144000"/>
@@ -125,6 +129,10 @@
             <p14:sldId id="268"/>
             <p14:sldId id="262"/>
             <p14:sldId id="267"/>
+            <p14:sldId id="271"/>
+            <p14:sldId id="272"/>
+            <p14:sldId id="273"/>
+            <p14:sldId id="274"/>
             <p14:sldId id="263"/>
             <p14:sldId id="264"/>
             <p14:sldId id="266"/>
@@ -289,7 +297,7 @@
           <a:p>
             <a:fld id="{5A00D5ED-7015-4264-9BFD-2CE1D41834D8}" type="datetimeFigureOut">
               <a:rPr lang="en-US" smtClean="0"/>
-              <a:t>5/6/2021</a:t>
+              <a:t>5/6/21</a:t>
             </a:fld>
             <a:endParaRPr lang="en-US"/>
           </a:p>
@@ -531,7 +539,7 @@
           <a:p>
             <a:fld id="{5A00D5ED-7015-4264-9BFD-2CE1D41834D8}" type="datetimeFigureOut">
               <a:rPr lang="en-US" smtClean="0"/>
-              <a:t>5/6/2021</a:t>
+              <a:t>5/6/21</a:t>
             </a:fld>
             <a:endParaRPr lang="en-US"/>
           </a:p>
@@ -715,7 +723,7 @@
           <a:p>
             <a:fld id="{5A00D5ED-7015-4264-9BFD-2CE1D41834D8}" type="datetimeFigureOut">
               <a:rPr lang="en-US" smtClean="0"/>
-              <a:t>5/6/2021</a:t>
+              <a:t>5/6/21</a:t>
             </a:fld>
             <a:endParaRPr lang="en-US"/>
           </a:p>
@@ -7312,6 +7320,257 @@
 </p:sldLayout>
 </file>
 
+<file path=ppt/slideLayouts/slideLayout19.xml><?xml version="1.0" encoding="utf-8"?>
+<p:sldLayout xmlns:a="http://schemas.openxmlformats.org/drawingml/2006/main" xmlns:r="http://schemas.openxmlformats.org/officeDocument/2006/relationships" xmlns:p="http://schemas.openxmlformats.org/presentationml/2006/main">
+  <p:cSld name="Title and Caption">
+    <p:spTree>
+      <p:nvGrpSpPr>
+        <p:cNvPr id="1" name=""/>
+        <p:cNvGrpSpPr/>
+        <p:nvPr/>
+      </p:nvGrpSpPr>
+      <p:grpSpPr>
+        <a:xfrm>
+          <a:off x="0" y="0"/>
+          <a:ext cx="0" cy="0"/>
+          <a:chOff x="0" y="0"/>
+          <a:chExt cx="0" cy="0"/>
+        </a:xfrm>
+      </p:grpSpPr>
+      <p:sp>
+        <p:nvSpPr>
+          <p:cNvPr id="2" name="Title 1"/>
+          <p:cNvSpPr>
+            <a:spLocks noGrp="1"/>
+          </p:cNvSpPr>
+          <p:nvPr>
+            <p:ph type="title"/>
+          </p:nvPr>
+        </p:nvSpPr>
+        <p:spPr>
+          <a:xfrm>
+            <a:off x="518160" y="894080"/>
+            <a:ext cx="5395557" cy="4991947"/>
+          </a:xfrm>
+        </p:spPr>
+        <p:txBody>
+          <a:bodyPr anchor="ctr">
+            <a:normAutofit/>
+          </a:bodyPr>
+          <a:lstStyle>
+            <a:lvl1pPr algn="l">
+              <a:defRPr sz="3740" b="0" cap="none"/>
+            </a:lvl1pPr>
+          </a:lstStyle>
+          <a:p>
+            <a:r>
+              <a:rPr lang="en-US"/>
+              <a:t>Click to edit Master title style</a:t>
+            </a:r>
+            <a:endParaRPr lang="en-US" dirty="0"/>
+          </a:p>
+        </p:txBody>
+      </p:sp>
+      <p:sp>
+        <p:nvSpPr>
+          <p:cNvPr id="3" name="Text Placeholder 2"/>
+          <p:cNvSpPr>
+            <a:spLocks noGrp="1"/>
+          </p:cNvSpPr>
+          <p:nvPr>
+            <p:ph type="body" idx="1"/>
+          </p:nvPr>
+        </p:nvSpPr>
+        <p:spPr>
+          <a:xfrm>
+            <a:off x="518160" y="6556586"/>
+            <a:ext cx="5395557" cy="2304078"/>
+          </a:xfrm>
+        </p:spPr>
+        <p:txBody>
+          <a:bodyPr anchor="ctr">
+            <a:normAutofit/>
+          </a:bodyPr>
+          <a:lstStyle>
+            <a:lvl1pPr marL="0" indent="0" algn="l">
+              <a:buNone/>
+              <a:defRPr sz="1530">
+                <a:solidFill>
+                  <a:schemeClr val="tx1">
+                    <a:lumMod val="75000"/>
+                    <a:lumOff val="25000"/>
+                  </a:schemeClr>
+                </a:solidFill>
+              </a:defRPr>
+            </a:lvl1pPr>
+            <a:lvl2pPr marL="388620" indent="0">
+              <a:buNone/>
+              <a:defRPr sz="1530">
+                <a:solidFill>
+                  <a:schemeClr val="tx1">
+                    <a:tint val="75000"/>
+                  </a:schemeClr>
+                </a:solidFill>
+              </a:defRPr>
+            </a:lvl2pPr>
+            <a:lvl3pPr marL="777240" indent="0">
+              <a:buNone/>
+              <a:defRPr sz="1360">
+                <a:solidFill>
+                  <a:schemeClr val="tx1">
+                    <a:tint val="75000"/>
+                  </a:schemeClr>
+                </a:solidFill>
+              </a:defRPr>
+            </a:lvl3pPr>
+            <a:lvl4pPr marL="1165860" indent="0">
+              <a:buNone/>
+              <a:defRPr sz="1190">
+                <a:solidFill>
+                  <a:schemeClr val="tx1">
+                    <a:tint val="75000"/>
+                  </a:schemeClr>
+                </a:solidFill>
+              </a:defRPr>
+            </a:lvl4pPr>
+            <a:lvl5pPr marL="1554480" indent="0">
+              <a:buNone/>
+              <a:defRPr sz="1190">
+                <a:solidFill>
+                  <a:schemeClr val="tx1">
+                    <a:tint val="75000"/>
+                  </a:schemeClr>
+                </a:solidFill>
+              </a:defRPr>
+            </a:lvl5pPr>
+            <a:lvl6pPr marL="1943100" indent="0">
+              <a:buNone/>
+              <a:defRPr sz="1190">
+                <a:solidFill>
+                  <a:schemeClr val="tx1">
+                    <a:tint val="75000"/>
+                  </a:schemeClr>
+                </a:solidFill>
+              </a:defRPr>
+            </a:lvl6pPr>
+            <a:lvl7pPr marL="2331720" indent="0">
+              <a:buNone/>
+              <a:defRPr sz="1190">
+                <a:solidFill>
+                  <a:schemeClr val="tx1">
+                    <a:tint val="75000"/>
+                  </a:schemeClr>
+                </a:solidFill>
+              </a:defRPr>
+            </a:lvl7pPr>
+            <a:lvl8pPr marL="2720340" indent="0">
+              <a:buNone/>
+              <a:defRPr sz="1190">
+                <a:solidFill>
+                  <a:schemeClr val="tx1">
+                    <a:tint val="75000"/>
+                  </a:schemeClr>
+                </a:solidFill>
+              </a:defRPr>
+            </a:lvl8pPr>
+            <a:lvl9pPr marL="3108960" indent="0">
+              <a:buNone/>
+              <a:defRPr sz="1190">
+                <a:solidFill>
+                  <a:schemeClr val="tx1">
+                    <a:tint val="75000"/>
+                  </a:schemeClr>
+                </a:solidFill>
+              </a:defRPr>
+            </a:lvl9pPr>
+          </a:lstStyle>
+          <a:p>
+            <a:pPr lvl="0"/>
+            <a:r>
+              <a:rPr lang="en-US"/>
+              <a:t>Click to edit Master text styles</a:t>
+            </a:r>
+          </a:p>
+        </p:txBody>
+      </p:sp>
+      <p:sp>
+        <p:nvSpPr>
+          <p:cNvPr id="4" name="Date Placeholder 3"/>
+          <p:cNvSpPr>
+            <a:spLocks noGrp="1"/>
+          </p:cNvSpPr>
+          <p:nvPr>
+            <p:ph type="dt" sz="half" idx="10"/>
+          </p:nvPr>
+        </p:nvSpPr>
+        <p:spPr/>
+        <p:txBody>
+          <a:bodyPr/>
+          <a:lstStyle/>
+          <a:p>
+            <a:fld id="{5A00D5ED-7015-4264-9BFD-2CE1D41834D8}" type="datetimeFigureOut">
+              <a:rPr lang="en-US" smtClean="0"/>
+              <a:t>5/6/21</a:t>
+            </a:fld>
+            <a:endParaRPr lang="en-US"/>
+          </a:p>
+        </p:txBody>
+      </p:sp>
+      <p:sp>
+        <p:nvSpPr>
+          <p:cNvPr id="5" name="Footer Placeholder 4"/>
+          <p:cNvSpPr>
+            <a:spLocks noGrp="1"/>
+          </p:cNvSpPr>
+          <p:nvPr>
+            <p:ph type="ftr" sz="quarter" idx="11"/>
+          </p:nvPr>
+        </p:nvSpPr>
+        <p:spPr/>
+        <p:txBody>
+          <a:bodyPr/>
+          <a:lstStyle/>
+          <a:p>
+            <a:endParaRPr lang="en-US"/>
+          </a:p>
+        </p:txBody>
+      </p:sp>
+      <p:sp>
+        <p:nvSpPr>
+          <p:cNvPr id="6" name="Slide Number Placeholder 5"/>
+          <p:cNvSpPr>
+            <a:spLocks noGrp="1"/>
+          </p:cNvSpPr>
+          <p:nvPr>
+            <p:ph type="sldNum" sz="quarter" idx="12"/>
+          </p:nvPr>
+        </p:nvSpPr>
+        <p:spPr/>
+        <p:txBody>
+          <a:bodyPr/>
+          <a:lstStyle/>
+          <a:p>
+            <a:fld id="{6581EBAD-68CF-47D0-8C08-F97D15D41CC7}" type="slidenum">
+              <a:rPr lang="en-US" smtClean="0"/>
+              <a:t>‹#›</a:t>
+            </a:fld>
+            <a:endParaRPr lang="en-US"/>
+          </a:p>
+        </p:txBody>
+      </p:sp>
+    </p:spTree>
+    <p:extLst>
+      <p:ext uri="{BB962C8B-B14F-4D97-AF65-F5344CB8AC3E}">
+        <p14:creationId xmlns:p14="http://schemas.microsoft.com/office/powerpoint/2010/main" val="56810858"/>
+      </p:ext>
+    </p:extLst>
+  </p:cSld>
+  <p:clrMapOvr>
+    <a:masterClrMapping/>
+  </p:clrMapOvr>
+</p:sldLayout>
+</file>
+
 <file path=ppt/slideLayouts/slideLayout2.xml><?xml version="1.0" encoding="utf-8"?>
 <p:sldLayout xmlns:a="http://schemas.openxmlformats.org/drawingml/2006/main" xmlns:r="http://schemas.openxmlformats.org/officeDocument/2006/relationships" xmlns:p="http://schemas.openxmlformats.org/presentationml/2006/main" type="obj" preserve="1">
   <p:cSld name="Title and Content">
@@ -7421,7 +7680,7 @@
           <a:p>
             <a:fld id="{5A00D5ED-7015-4264-9BFD-2CE1D41834D8}" type="datetimeFigureOut">
               <a:rPr lang="en-US" smtClean="0"/>
-              <a:t>5/6/2021</a:t>
+              <a:t>5/6/21</a:t>
             </a:fld>
             <a:endParaRPr lang="en-US"/>
           </a:p>
@@ -7700,7 +7959,7 @@
           <a:p>
             <a:fld id="{5A00D5ED-7015-4264-9BFD-2CE1D41834D8}" type="datetimeFigureOut">
               <a:rPr lang="en-US" smtClean="0"/>
-              <a:t>5/6/2021</a:t>
+              <a:t>5/6/21</a:t>
             </a:fld>
             <a:endParaRPr lang="en-US"/>
           </a:p>
@@ -7968,7 +8227,7 @@
           <a:p>
             <a:fld id="{5A00D5ED-7015-4264-9BFD-2CE1D41834D8}" type="datetimeFigureOut">
               <a:rPr lang="en-US" smtClean="0"/>
-              <a:t>5/6/2021</a:t>
+              <a:t>5/6/21</a:t>
             </a:fld>
             <a:endParaRPr lang="en-US"/>
           </a:p>
@@ -8415,7 +8674,7 @@
           <a:p>
             <a:fld id="{5A00D5ED-7015-4264-9BFD-2CE1D41834D8}" type="datetimeFigureOut">
               <a:rPr lang="en-US" smtClean="0"/>
-              <a:t>5/6/2021</a:t>
+              <a:t>5/6/21</a:t>
             </a:fld>
             <a:endParaRPr lang="en-US"/>
           </a:p>
@@ -8564,7 +8823,7 @@
           <a:p>
             <a:fld id="{5A00D5ED-7015-4264-9BFD-2CE1D41834D8}" type="datetimeFigureOut">
               <a:rPr lang="en-US" smtClean="0"/>
-              <a:t>5/6/2021</a:t>
+              <a:t>5/6/21</a:t>
             </a:fld>
             <a:endParaRPr lang="en-US"/>
           </a:p>
@@ -8659,7 +8918,7 @@
           <a:p>
             <a:fld id="{5A00D5ED-7015-4264-9BFD-2CE1D41834D8}" type="datetimeFigureOut">
               <a:rPr lang="en-US" smtClean="0"/>
-              <a:t>5/6/2021</a:t>
+              <a:t>5/6/21</a:t>
             </a:fld>
             <a:endParaRPr lang="en-US"/>
           </a:p>
@@ -8912,7 +9171,7 @@
           <a:p>
             <a:fld id="{5A00D5ED-7015-4264-9BFD-2CE1D41834D8}" type="datetimeFigureOut">
               <a:rPr lang="en-US" smtClean="0"/>
-              <a:t>5/6/2021</a:t>
+              <a:t>5/6/21</a:t>
             </a:fld>
             <a:endParaRPr lang="en-US"/>
           </a:p>
@@ -9357,7 +9616,7 @@
           <a:p>
             <a:fld id="{5A00D5ED-7015-4264-9BFD-2CE1D41834D8}" type="datetimeFigureOut">
               <a:rPr lang="en-US" smtClean="0"/>
-              <a:t>5/6/2021</a:t>
+              <a:t>5/6/21</a:t>
             </a:fld>
             <a:endParaRPr lang="en-US"/>
           </a:p>
@@ -9534,7 +9793,7 @@
           <p:nvPr/>
         </p:nvPicPr>
         <p:blipFill rotWithShape="1">
-          <a:blip r:embed="rId20">
+          <a:blip r:embed="rId21">
             <a:extLst>
               <a:ext uri="{28A0092B-C50C-407E-A947-70E740481C1C}">
                 <a14:useLocalDpi xmlns:a14="http://schemas.microsoft.com/office/drawing/2010/main" val="0"/>
@@ -9721,7 +9980,7 @@
           <a:p>
             <a:fld id="{5A00D5ED-7015-4264-9BFD-2CE1D41834D8}" type="datetimeFigureOut">
               <a:rPr lang="en-US" smtClean="0"/>
-              <a:t>5/6/2021</a:t>
+              <a:t>5/6/21</a:t>
             </a:fld>
             <a:endParaRPr lang="en-US"/>
           </a:p>
@@ -10134,6 +10393,7 @@
     <p:sldLayoutId id="2147483662" r:id="rId16"/>
     <p:sldLayoutId id="2147483663" r:id="rId17"/>
     <p:sldLayoutId id="2147483664" r:id="rId18"/>
+    <p:sldLayoutId id="2147483890" r:id="rId19"/>
   </p:sldLayoutIdLst>
   <p:txStyles>
     <p:titleStyle>
@@ -11008,6 +11268,2456 @@
       </p:grpSpPr>
       <p:sp>
         <p:nvSpPr>
+          <p:cNvPr id="2" name="Title 1">
+            <a:extLst>
+              <a:ext uri="{FF2B5EF4-FFF2-40B4-BE49-F238E27FC236}">
+                <a16:creationId xmlns:a16="http://schemas.microsoft.com/office/drawing/2014/main" id="{49F5A6EE-8EE6-7E4F-8499-C03E6BD4270D}"/>
+              </a:ext>
+            </a:extLst>
+          </p:cNvPr>
+          <p:cNvSpPr>
+            <a:spLocks noGrp="1"/>
+          </p:cNvSpPr>
+          <p:nvPr>
+            <p:ph type="title"/>
+          </p:nvPr>
+        </p:nvSpPr>
+        <p:spPr/>
+        <p:txBody>
+          <a:bodyPr/>
+          <a:lstStyle/>
+          <a:p>
+            <a:r>
+              <a:rPr lang="en-US" dirty="0"/>
+              <a:t>Top 15 Highest Grossing Movies of all Time</a:t>
+            </a:r>
+          </a:p>
+        </p:txBody>
+      </p:sp>
+      <p:graphicFrame>
+        <p:nvGraphicFramePr>
+          <p:cNvPr id="7" name="Table 6">
+            <a:extLst>
+              <a:ext uri="{FF2B5EF4-FFF2-40B4-BE49-F238E27FC236}">
+                <a16:creationId xmlns:a16="http://schemas.microsoft.com/office/drawing/2014/main" id="{5515BC6C-9B96-9C49-BE0E-444F6588B69A}"/>
+              </a:ext>
+            </a:extLst>
+          </p:cNvPr>
+          <p:cNvGraphicFramePr>
+            <a:graphicFrameLocks noGrp="1"/>
+          </p:cNvGraphicFramePr>
+          <p:nvPr/>
+        </p:nvGraphicFramePr>
+        <p:xfrm>
+          <a:off x="237745" y="2359742"/>
+          <a:ext cx="5956383" cy="4178254"/>
+        </p:xfrm>
+        <a:graphic>
+          <a:graphicData uri="http://schemas.openxmlformats.org/drawingml/2006/table">
+            <a:tbl>
+              <a:tblPr>
+                <a:tableStyleId>{5C22544A-7EE6-4342-B048-85BDC9FD1C3A}</a:tableStyleId>
+              </a:tblPr>
+              <a:tblGrid>
+                <a:gridCol w="820811">
+                  <a:extLst>
+                    <a:ext uri="{9D8B030D-6E8A-4147-A177-3AD203B41FA5}">
+                      <a16:colId xmlns:a16="http://schemas.microsoft.com/office/drawing/2014/main" val="1805226429"/>
+                    </a:ext>
+                  </a:extLst>
+                </a:gridCol>
+                <a:gridCol w="3107131">
+                  <a:extLst>
+                    <a:ext uri="{9D8B030D-6E8A-4147-A177-3AD203B41FA5}">
+                      <a16:colId xmlns:a16="http://schemas.microsoft.com/office/drawing/2014/main" val="1105365999"/>
+                    </a:ext>
+                  </a:extLst>
+                </a:gridCol>
+                <a:gridCol w="1207630">
+                  <a:extLst>
+                    <a:ext uri="{9D8B030D-6E8A-4147-A177-3AD203B41FA5}">
+                      <a16:colId xmlns:a16="http://schemas.microsoft.com/office/drawing/2014/main" val="210596309"/>
+                    </a:ext>
+                  </a:extLst>
+                </a:gridCol>
+                <a:gridCol w="820811">
+                  <a:extLst>
+                    <a:ext uri="{9D8B030D-6E8A-4147-A177-3AD203B41FA5}">
+                      <a16:colId xmlns:a16="http://schemas.microsoft.com/office/drawing/2014/main" val="1014933359"/>
+                    </a:ext>
+                  </a:extLst>
+                </a:gridCol>
+              </a:tblGrid>
+              <a:tr h="204387">
+                <a:tc>
+                  <a:txBody>
+                    <a:bodyPr/>
+                    <a:lstStyle/>
+                    <a:p>
+                      <a:pPr algn="l" fontAlgn="b"/>
+                      <a:r>
+                        <a:rPr lang="en-US" sz="1200" b="1" u="none" strike="noStrike">
+                          <a:effectLst/>
+                        </a:rPr>
+                        <a:t>rank</a:t>
+                      </a:r>
+                      <a:endParaRPr lang="en-US" sz="1200" b="1" i="0" u="none" strike="noStrike">
+                        <a:solidFill>
+                          <a:srgbClr val="000000"/>
+                        </a:solidFill>
+                        <a:effectLst/>
+                        <a:latin typeface="Helvetica Neue" panose="02000503000000020004" pitchFamily="2" charset="0"/>
+                      </a:endParaRPr>
+                    </a:p>
+                  </a:txBody>
+                  <a:tcPr marL="8556" marR="8556" marT="8556" marB="0" anchor="b"/>
+                </a:tc>
+                <a:tc>
+                  <a:txBody>
+                    <a:bodyPr/>
+                    <a:lstStyle/>
+                    <a:p>
+                      <a:pPr algn="l" fontAlgn="b"/>
+                      <a:r>
+                        <a:rPr lang="en-US" sz="1200" b="1" u="none" strike="noStrike" dirty="0">
+                          <a:effectLst/>
+                        </a:rPr>
+                        <a:t>Title</a:t>
+                      </a:r>
+                      <a:endParaRPr lang="en-US" sz="1200" b="1" i="0" u="none" strike="noStrike" dirty="0">
+                        <a:solidFill>
+                          <a:srgbClr val="000000"/>
+                        </a:solidFill>
+                        <a:effectLst/>
+                        <a:latin typeface="Helvetica Neue" panose="02000503000000020004" pitchFamily="2" charset="0"/>
+                      </a:endParaRPr>
+                    </a:p>
+                  </a:txBody>
+                  <a:tcPr marL="8556" marR="8556" marT="8556" marB="0" anchor="b"/>
+                </a:tc>
+                <a:tc>
+                  <a:txBody>
+                    <a:bodyPr/>
+                    <a:lstStyle/>
+                    <a:p>
+                      <a:pPr algn="l" fontAlgn="b"/>
+                      <a:r>
+                        <a:rPr lang="en-US" sz="1200" b="1" u="none" strike="noStrike">
+                          <a:effectLst/>
+                        </a:rPr>
+                        <a:t>Total Boxoffice</a:t>
+                      </a:r>
+                      <a:endParaRPr lang="en-US" sz="1200" b="1" i="0" u="none" strike="noStrike">
+                        <a:solidFill>
+                          <a:srgbClr val="000000"/>
+                        </a:solidFill>
+                        <a:effectLst/>
+                        <a:latin typeface="Helvetica Neue" panose="02000503000000020004" pitchFamily="2" charset="0"/>
+                      </a:endParaRPr>
+                    </a:p>
+                  </a:txBody>
+                  <a:tcPr marL="8556" marR="8556" marT="8556" marB="0" anchor="b"/>
+                </a:tc>
+                <a:tc>
+                  <a:txBody>
+                    <a:bodyPr/>
+                    <a:lstStyle/>
+                    <a:p>
+                      <a:pPr algn="l" fontAlgn="b"/>
+                      <a:r>
+                        <a:rPr lang="en-US" sz="1200" b="1" u="none" strike="noStrike" dirty="0">
+                          <a:effectLst/>
+                        </a:rPr>
+                        <a:t>year</a:t>
+                      </a:r>
+                      <a:endParaRPr lang="en-US" sz="1200" b="1" i="0" u="none" strike="noStrike" dirty="0">
+                        <a:solidFill>
+                          <a:srgbClr val="000000"/>
+                        </a:solidFill>
+                        <a:effectLst/>
+                        <a:latin typeface="Helvetica Neue" panose="02000503000000020004" pitchFamily="2" charset="0"/>
+                      </a:endParaRPr>
+                    </a:p>
+                  </a:txBody>
+                  <a:tcPr marL="8556" marR="8556" marT="8556" marB="0" anchor="b"/>
+                </a:tc>
+                <a:extLst>
+                  <a:ext uri="{0D108BD9-81ED-4DB2-BD59-A6C34878D82A}">
+                    <a16:rowId xmlns:a16="http://schemas.microsoft.com/office/drawing/2014/main" val="1155242716"/>
+                  </a:ext>
+                </a:extLst>
+              </a:tr>
+              <a:tr h="267701">
+                <a:tc>
+                  <a:txBody>
+                    <a:bodyPr/>
+                    <a:lstStyle/>
+                    <a:p>
+                      <a:pPr algn="ctr" fontAlgn="b"/>
+                      <a:r>
+                        <a:rPr lang="en-US" sz="1200" u="none" strike="noStrike" dirty="0">
+                          <a:effectLst/>
+                        </a:rPr>
+                        <a:t>1</a:t>
+                      </a:r>
+                      <a:endParaRPr lang="en-US" sz="1200" b="0" i="0" u="none" strike="noStrike" dirty="0">
+                        <a:solidFill>
+                          <a:srgbClr val="000000"/>
+                        </a:solidFill>
+                        <a:effectLst/>
+                        <a:latin typeface="Helvetica Neue" panose="02000503000000020004" pitchFamily="2" charset="0"/>
+                      </a:endParaRPr>
+                    </a:p>
+                  </a:txBody>
+                  <a:tcPr marL="8556" marR="8556" marT="8556" marB="0" anchor="b"/>
+                </a:tc>
+                <a:tc>
+                  <a:txBody>
+                    <a:bodyPr/>
+                    <a:lstStyle/>
+                    <a:p>
+                      <a:pPr algn="l" fontAlgn="b"/>
+                      <a:r>
+                        <a:rPr lang="en-US" sz="1200" u="none" strike="noStrike">
+                          <a:effectLst/>
+                        </a:rPr>
+                        <a:t>Avatar</a:t>
+                      </a:r>
+                      <a:endParaRPr lang="en-US" sz="1200" b="0" i="0" u="none" strike="noStrike">
+                        <a:solidFill>
+                          <a:srgbClr val="000000"/>
+                        </a:solidFill>
+                        <a:effectLst/>
+                        <a:latin typeface="Helvetica Neue" panose="02000503000000020004" pitchFamily="2" charset="0"/>
+                      </a:endParaRPr>
+                    </a:p>
+                  </a:txBody>
+                  <a:tcPr marL="8556" marR="8556" marT="8556" marB="0" anchor="b"/>
+                </a:tc>
+                <a:tc>
+                  <a:txBody>
+                    <a:bodyPr/>
+                    <a:lstStyle/>
+                    <a:p>
+                      <a:pPr algn="r" fontAlgn="b"/>
+                      <a:r>
+                        <a:rPr lang="en-US" sz="1200" u="none" strike="noStrike" dirty="0">
+                          <a:effectLst/>
+                        </a:rPr>
+                        <a:t>$2,847,246,203 </a:t>
+                      </a:r>
+                      <a:endParaRPr lang="en-US" sz="1200" b="0" i="0" u="none" strike="noStrike" dirty="0">
+                        <a:solidFill>
+                          <a:srgbClr val="000000"/>
+                        </a:solidFill>
+                        <a:effectLst/>
+                        <a:latin typeface="Helvetica Neue" panose="02000503000000020004" pitchFamily="2" charset="0"/>
+                      </a:endParaRPr>
+                    </a:p>
+                  </a:txBody>
+                  <a:tcPr marL="8556" marR="8556" marT="8556" marB="0" anchor="b"/>
+                </a:tc>
+                <a:tc>
+                  <a:txBody>
+                    <a:bodyPr/>
+                    <a:lstStyle/>
+                    <a:p>
+                      <a:pPr algn="ctr" fontAlgn="b"/>
+                      <a:r>
+                        <a:rPr lang="en-US" sz="1200" u="none" strike="noStrike">
+                          <a:effectLst/>
+                        </a:rPr>
+                        <a:t>2009</a:t>
+                      </a:r>
+                      <a:endParaRPr lang="en-US" sz="1200" b="0" i="0" u="none" strike="noStrike">
+                        <a:solidFill>
+                          <a:srgbClr val="000000"/>
+                        </a:solidFill>
+                        <a:effectLst/>
+                        <a:latin typeface="Helvetica Neue" panose="02000503000000020004" pitchFamily="2" charset="0"/>
+                      </a:endParaRPr>
+                    </a:p>
+                  </a:txBody>
+                  <a:tcPr marL="8556" marR="8556" marT="8556" marB="0" anchor="b"/>
+                </a:tc>
+                <a:extLst>
+                  <a:ext uri="{0D108BD9-81ED-4DB2-BD59-A6C34878D82A}">
+                    <a16:rowId xmlns:a16="http://schemas.microsoft.com/office/drawing/2014/main" val="2820239321"/>
+                  </a:ext>
+                </a:extLst>
+              </a:tr>
+              <a:tr h="267701">
+                <a:tc>
+                  <a:txBody>
+                    <a:bodyPr/>
+                    <a:lstStyle/>
+                    <a:p>
+                      <a:pPr algn="ctr" fontAlgn="b"/>
+                      <a:r>
+                        <a:rPr lang="en-US" sz="1200" u="none" strike="noStrike" dirty="0">
+                          <a:effectLst/>
+                        </a:rPr>
+                        <a:t>2</a:t>
+                      </a:r>
+                      <a:endParaRPr lang="en-US" sz="1200" b="0" i="0" u="none" strike="noStrike" dirty="0">
+                        <a:solidFill>
+                          <a:srgbClr val="000000"/>
+                        </a:solidFill>
+                        <a:effectLst/>
+                        <a:latin typeface="Helvetica Neue" panose="02000503000000020004" pitchFamily="2" charset="0"/>
+                      </a:endParaRPr>
+                    </a:p>
+                  </a:txBody>
+                  <a:tcPr marL="8556" marR="8556" marT="8556" marB="0" anchor="b"/>
+                </a:tc>
+                <a:tc>
+                  <a:txBody>
+                    <a:bodyPr/>
+                    <a:lstStyle/>
+                    <a:p>
+                      <a:pPr algn="l" fontAlgn="b"/>
+                      <a:r>
+                        <a:rPr lang="en-US" sz="1200" u="none" strike="noStrike">
+                          <a:effectLst/>
+                        </a:rPr>
+                        <a:t>Avengers: Endgame</a:t>
+                      </a:r>
+                      <a:endParaRPr lang="en-US" sz="1200" b="0" i="0" u="none" strike="noStrike">
+                        <a:solidFill>
+                          <a:srgbClr val="000000"/>
+                        </a:solidFill>
+                        <a:effectLst/>
+                        <a:latin typeface="Helvetica Neue" panose="02000503000000020004" pitchFamily="2" charset="0"/>
+                      </a:endParaRPr>
+                    </a:p>
+                  </a:txBody>
+                  <a:tcPr marL="8556" marR="8556" marT="8556" marB="0" anchor="b"/>
+                </a:tc>
+                <a:tc>
+                  <a:txBody>
+                    <a:bodyPr/>
+                    <a:lstStyle/>
+                    <a:p>
+                      <a:pPr algn="r" fontAlgn="b"/>
+                      <a:r>
+                        <a:rPr lang="en-US" sz="1200" u="none" strike="noStrike">
+                          <a:effectLst/>
+                        </a:rPr>
+                        <a:t>$2,797,501,328 </a:t>
+                      </a:r>
+                      <a:endParaRPr lang="en-US" sz="1200" b="0" i="0" u="none" strike="noStrike">
+                        <a:solidFill>
+                          <a:srgbClr val="000000"/>
+                        </a:solidFill>
+                        <a:effectLst/>
+                        <a:latin typeface="Helvetica Neue" panose="02000503000000020004" pitchFamily="2" charset="0"/>
+                      </a:endParaRPr>
+                    </a:p>
+                  </a:txBody>
+                  <a:tcPr marL="8556" marR="8556" marT="8556" marB="0" anchor="b"/>
+                </a:tc>
+                <a:tc>
+                  <a:txBody>
+                    <a:bodyPr/>
+                    <a:lstStyle/>
+                    <a:p>
+                      <a:pPr algn="ctr" fontAlgn="b"/>
+                      <a:r>
+                        <a:rPr lang="en-US" sz="1200" u="none" strike="noStrike">
+                          <a:effectLst/>
+                        </a:rPr>
+                        <a:t>2019</a:t>
+                      </a:r>
+                      <a:endParaRPr lang="en-US" sz="1200" b="0" i="0" u="none" strike="noStrike">
+                        <a:solidFill>
+                          <a:srgbClr val="000000"/>
+                        </a:solidFill>
+                        <a:effectLst/>
+                        <a:latin typeface="Helvetica Neue" panose="02000503000000020004" pitchFamily="2" charset="0"/>
+                      </a:endParaRPr>
+                    </a:p>
+                  </a:txBody>
+                  <a:tcPr marL="8556" marR="8556" marT="8556" marB="0" anchor="b"/>
+                </a:tc>
+                <a:extLst>
+                  <a:ext uri="{0D108BD9-81ED-4DB2-BD59-A6C34878D82A}">
+                    <a16:rowId xmlns:a16="http://schemas.microsoft.com/office/drawing/2014/main" val="2458184669"/>
+                  </a:ext>
+                </a:extLst>
+              </a:tr>
+              <a:tr h="267701">
+                <a:tc>
+                  <a:txBody>
+                    <a:bodyPr/>
+                    <a:lstStyle/>
+                    <a:p>
+                      <a:pPr algn="ctr" fontAlgn="b"/>
+                      <a:r>
+                        <a:rPr lang="en-US" sz="1200" u="none" strike="noStrike" dirty="0">
+                          <a:solidFill>
+                            <a:schemeClr val="accent4">
+                              <a:lumMod val="75000"/>
+                            </a:schemeClr>
+                          </a:solidFill>
+                          <a:effectLst/>
+                        </a:rPr>
+                        <a:t>3</a:t>
+                      </a:r>
+                      <a:endParaRPr lang="en-US" sz="1200" b="0" i="0" u="none" strike="noStrike" dirty="0">
+                        <a:solidFill>
+                          <a:schemeClr val="accent4">
+                            <a:lumMod val="75000"/>
+                          </a:schemeClr>
+                        </a:solidFill>
+                        <a:effectLst/>
+                        <a:latin typeface="Helvetica Neue" panose="02000503000000020004" pitchFamily="2" charset="0"/>
+                      </a:endParaRPr>
+                    </a:p>
+                  </a:txBody>
+                  <a:tcPr marL="8556" marR="8556" marT="8556" marB="0" anchor="b"/>
+                </a:tc>
+                <a:tc>
+                  <a:txBody>
+                    <a:bodyPr/>
+                    <a:lstStyle/>
+                    <a:p>
+                      <a:pPr algn="l" fontAlgn="b"/>
+                      <a:r>
+                        <a:rPr lang="en-US" sz="1200" u="none" strike="noStrike">
+                          <a:solidFill>
+                            <a:schemeClr val="accent4">
+                              <a:lumMod val="75000"/>
+                            </a:schemeClr>
+                          </a:solidFill>
+                          <a:effectLst/>
+                        </a:rPr>
+                        <a:t>Titanic</a:t>
+                      </a:r>
+                      <a:endParaRPr lang="en-US" sz="1200" b="0" i="0" u="none" strike="noStrike">
+                        <a:solidFill>
+                          <a:schemeClr val="accent4">
+                            <a:lumMod val="75000"/>
+                          </a:schemeClr>
+                        </a:solidFill>
+                        <a:effectLst/>
+                        <a:latin typeface="Helvetica Neue" panose="02000503000000020004" pitchFamily="2" charset="0"/>
+                      </a:endParaRPr>
+                    </a:p>
+                  </a:txBody>
+                  <a:tcPr marL="8556" marR="8556" marT="8556" marB="0" anchor="b"/>
+                </a:tc>
+                <a:tc>
+                  <a:txBody>
+                    <a:bodyPr/>
+                    <a:lstStyle/>
+                    <a:p>
+                      <a:pPr algn="r" fontAlgn="b"/>
+                      <a:r>
+                        <a:rPr lang="en-US" sz="1200" u="none" strike="noStrike">
+                          <a:solidFill>
+                            <a:schemeClr val="accent4">
+                              <a:lumMod val="75000"/>
+                            </a:schemeClr>
+                          </a:solidFill>
+                          <a:effectLst/>
+                        </a:rPr>
+                        <a:t>$2,201,647,264 </a:t>
+                      </a:r>
+                      <a:endParaRPr lang="en-US" sz="1200" b="0" i="0" u="none" strike="noStrike">
+                        <a:solidFill>
+                          <a:schemeClr val="accent4">
+                            <a:lumMod val="75000"/>
+                          </a:schemeClr>
+                        </a:solidFill>
+                        <a:effectLst/>
+                        <a:latin typeface="Helvetica Neue" panose="02000503000000020004" pitchFamily="2" charset="0"/>
+                      </a:endParaRPr>
+                    </a:p>
+                  </a:txBody>
+                  <a:tcPr marL="8556" marR="8556" marT="8556" marB="0" anchor="b"/>
+                </a:tc>
+                <a:tc>
+                  <a:txBody>
+                    <a:bodyPr/>
+                    <a:lstStyle/>
+                    <a:p>
+                      <a:pPr algn="ctr" fontAlgn="b"/>
+                      <a:r>
+                        <a:rPr lang="en-US" sz="1200" u="none" strike="noStrike" dirty="0">
+                          <a:solidFill>
+                            <a:schemeClr val="accent4">
+                              <a:lumMod val="75000"/>
+                            </a:schemeClr>
+                          </a:solidFill>
+                          <a:effectLst/>
+                        </a:rPr>
+                        <a:t>1997</a:t>
+                      </a:r>
+                      <a:endParaRPr lang="en-US" sz="1200" b="0" i="0" u="none" strike="noStrike" dirty="0">
+                        <a:solidFill>
+                          <a:schemeClr val="accent4">
+                            <a:lumMod val="75000"/>
+                          </a:schemeClr>
+                        </a:solidFill>
+                        <a:effectLst/>
+                        <a:latin typeface="Helvetica Neue" panose="02000503000000020004" pitchFamily="2" charset="0"/>
+                      </a:endParaRPr>
+                    </a:p>
+                  </a:txBody>
+                  <a:tcPr marL="8556" marR="8556" marT="8556" marB="0" anchor="b"/>
+                </a:tc>
+                <a:extLst>
+                  <a:ext uri="{0D108BD9-81ED-4DB2-BD59-A6C34878D82A}">
+                    <a16:rowId xmlns:a16="http://schemas.microsoft.com/office/drawing/2014/main" val="2244855595"/>
+                  </a:ext>
+                </a:extLst>
+              </a:tr>
+              <a:tr h="260871">
+                <a:tc>
+                  <a:txBody>
+                    <a:bodyPr/>
+                    <a:lstStyle/>
+                    <a:p>
+                      <a:pPr algn="ctr" fontAlgn="b"/>
+                      <a:r>
+                        <a:rPr lang="en-US" sz="1200" u="none" strike="noStrike" dirty="0">
+                          <a:effectLst/>
+                        </a:rPr>
+                        <a:t>4</a:t>
+                      </a:r>
+                      <a:endParaRPr lang="en-US" sz="1200" b="0" i="0" u="none" strike="noStrike" dirty="0">
+                        <a:solidFill>
+                          <a:srgbClr val="000000"/>
+                        </a:solidFill>
+                        <a:effectLst/>
+                        <a:latin typeface="Helvetica Neue" panose="02000503000000020004" pitchFamily="2" charset="0"/>
+                      </a:endParaRPr>
+                    </a:p>
+                  </a:txBody>
+                  <a:tcPr marL="8556" marR="8556" marT="8556" marB="0" anchor="b"/>
+                </a:tc>
+                <a:tc>
+                  <a:txBody>
+                    <a:bodyPr/>
+                    <a:lstStyle/>
+                    <a:p>
+                      <a:pPr algn="l" fontAlgn="b"/>
+                      <a:r>
+                        <a:rPr lang="en-US" sz="1200" u="none" strike="noStrike" dirty="0">
+                          <a:effectLst/>
+                        </a:rPr>
+                        <a:t>Star Wars: Episode VII - The Force Awakens</a:t>
+                      </a:r>
+                      <a:endParaRPr lang="en-US" sz="1200" b="0" i="0" u="none" strike="noStrike" dirty="0">
+                        <a:solidFill>
+                          <a:srgbClr val="000000"/>
+                        </a:solidFill>
+                        <a:effectLst/>
+                        <a:latin typeface="Helvetica Neue" panose="02000503000000020004" pitchFamily="2" charset="0"/>
+                      </a:endParaRPr>
+                    </a:p>
+                  </a:txBody>
+                  <a:tcPr marL="8556" marR="8556" marT="8556" marB="0" anchor="b"/>
+                </a:tc>
+                <a:tc>
+                  <a:txBody>
+                    <a:bodyPr/>
+                    <a:lstStyle/>
+                    <a:p>
+                      <a:pPr algn="r" fontAlgn="b"/>
+                      <a:r>
+                        <a:rPr lang="en-US" sz="1200" u="none" strike="noStrike">
+                          <a:effectLst/>
+                        </a:rPr>
+                        <a:t>$2,068,455,677 </a:t>
+                      </a:r>
+                      <a:endParaRPr lang="en-US" sz="1200" b="0" i="0" u="none" strike="noStrike">
+                        <a:solidFill>
+                          <a:srgbClr val="000000"/>
+                        </a:solidFill>
+                        <a:effectLst/>
+                        <a:latin typeface="Helvetica Neue" panose="02000503000000020004" pitchFamily="2" charset="0"/>
+                      </a:endParaRPr>
+                    </a:p>
+                  </a:txBody>
+                  <a:tcPr marL="8556" marR="8556" marT="8556" marB="0" anchor="b"/>
+                </a:tc>
+                <a:tc>
+                  <a:txBody>
+                    <a:bodyPr/>
+                    <a:lstStyle/>
+                    <a:p>
+                      <a:pPr algn="ctr" fontAlgn="b"/>
+                      <a:r>
+                        <a:rPr lang="en-US" sz="1200" u="none" strike="noStrike">
+                          <a:effectLst/>
+                        </a:rPr>
+                        <a:t>2015</a:t>
+                      </a:r>
+                      <a:endParaRPr lang="en-US" sz="1200" b="0" i="0" u="none" strike="noStrike">
+                        <a:solidFill>
+                          <a:srgbClr val="000000"/>
+                        </a:solidFill>
+                        <a:effectLst/>
+                        <a:latin typeface="Helvetica Neue" panose="02000503000000020004" pitchFamily="2" charset="0"/>
+                      </a:endParaRPr>
+                    </a:p>
+                  </a:txBody>
+                  <a:tcPr marL="8556" marR="8556" marT="8556" marB="0" anchor="b"/>
+                </a:tc>
+                <a:extLst>
+                  <a:ext uri="{0D108BD9-81ED-4DB2-BD59-A6C34878D82A}">
+                    <a16:rowId xmlns:a16="http://schemas.microsoft.com/office/drawing/2014/main" val="289709725"/>
+                  </a:ext>
+                </a:extLst>
+              </a:tr>
+              <a:tr h="267701">
+                <a:tc>
+                  <a:txBody>
+                    <a:bodyPr/>
+                    <a:lstStyle/>
+                    <a:p>
+                      <a:pPr algn="ctr" fontAlgn="b"/>
+                      <a:r>
+                        <a:rPr lang="en-US" sz="1200" u="none" strike="noStrike" dirty="0">
+                          <a:effectLst/>
+                        </a:rPr>
+                        <a:t>5</a:t>
+                      </a:r>
+                      <a:endParaRPr lang="en-US" sz="1200" b="0" i="0" u="none" strike="noStrike" dirty="0">
+                        <a:solidFill>
+                          <a:srgbClr val="000000"/>
+                        </a:solidFill>
+                        <a:effectLst/>
+                        <a:latin typeface="Helvetica Neue" panose="02000503000000020004" pitchFamily="2" charset="0"/>
+                      </a:endParaRPr>
+                    </a:p>
+                  </a:txBody>
+                  <a:tcPr marL="8556" marR="8556" marT="8556" marB="0" anchor="b"/>
+                </a:tc>
+                <a:tc>
+                  <a:txBody>
+                    <a:bodyPr/>
+                    <a:lstStyle/>
+                    <a:p>
+                      <a:pPr algn="l" fontAlgn="b"/>
+                      <a:r>
+                        <a:rPr lang="en-US" sz="1200" u="none" strike="noStrike">
+                          <a:effectLst/>
+                        </a:rPr>
+                        <a:t>Avengers: Infinity War</a:t>
+                      </a:r>
+                      <a:endParaRPr lang="en-US" sz="1200" b="0" i="0" u="none" strike="noStrike">
+                        <a:solidFill>
+                          <a:srgbClr val="000000"/>
+                        </a:solidFill>
+                        <a:effectLst/>
+                        <a:latin typeface="Helvetica Neue" panose="02000503000000020004" pitchFamily="2" charset="0"/>
+                      </a:endParaRPr>
+                    </a:p>
+                  </a:txBody>
+                  <a:tcPr marL="8556" marR="8556" marT="8556" marB="0" anchor="b"/>
+                </a:tc>
+                <a:tc>
+                  <a:txBody>
+                    <a:bodyPr/>
+                    <a:lstStyle/>
+                    <a:p>
+                      <a:pPr algn="r" fontAlgn="b"/>
+                      <a:r>
+                        <a:rPr lang="en-US" sz="1200" u="none" strike="noStrike" dirty="0">
+                          <a:effectLst/>
+                        </a:rPr>
+                        <a:t>$2,048,359,754 </a:t>
+                      </a:r>
+                      <a:endParaRPr lang="en-US" sz="1200" b="0" i="0" u="none" strike="noStrike" dirty="0">
+                        <a:solidFill>
+                          <a:srgbClr val="000000"/>
+                        </a:solidFill>
+                        <a:effectLst/>
+                        <a:latin typeface="Helvetica Neue" panose="02000503000000020004" pitchFamily="2" charset="0"/>
+                      </a:endParaRPr>
+                    </a:p>
+                  </a:txBody>
+                  <a:tcPr marL="8556" marR="8556" marT="8556" marB="0" anchor="b"/>
+                </a:tc>
+                <a:tc>
+                  <a:txBody>
+                    <a:bodyPr/>
+                    <a:lstStyle/>
+                    <a:p>
+                      <a:pPr algn="ctr" fontAlgn="b"/>
+                      <a:r>
+                        <a:rPr lang="en-US" sz="1200" u="none" strike="noStrike">
+                          <a:effectLst/>
+                        </a:rPr>
+                        <a:t>2018</a:t>
+                      </a:r>
+                      <a:endParaRPr lang="en-US" sz="1200" b="0" i="0" u="none" strike="noStrike">
+                        <a:solidFill>
+                          <a:srgbClr val="000000"/>
+                        </a:solidFill>
+                        <a:effectLst/>
+                        <a:latin typeface="Helvetica Neue" panose="02000503000000020004" pitchFamily="2" charset="0"/>
+                      </a:endParaRPr>
+                    </a:p>
+                  </a:txBody>
+                  <a:tcPr marL="8556" marR="8556" marT="8556" marB="0" anchor="b"/>
+                </a:tc>
+                <a:extLst>
+                  <a:ext uri="{0D108BD9-81ED-4DB2-BD59-A6C34878D82A}">
+                    <a16:rowId xmlns:a16="http://schemas.microsoft.com/office/drawing/2014/main" val="3226156816"/>
+                  </a:ext>
+                </a:extLst>
+              </a:tr>
+              <a:tr h="267701">
+                <a:tc>
+                  <a:txBody>
+                    <a:bodyPr/>
+                    <a:lstStyle/>
+                    <a:p>
+                      <a:pPr algn="ctr" fontAlgn="b"/>
+                      <a:r>
+                        <a:rPr lang="en-US" sz="1200" u="none" strike="noStrike" dirty="0">
+                          <a:effectLst/>
+                        </a:rPr>
+                        <a:t>6</a:t>
+                      </a:r>
+                      <a:endParaRPr lang="en-US" sz="1200" b="0" i="0" u="none" strike="noStrike" dirty="0">
+                        <a:solidFill>
+                          <a:srgbClr val="000000"/>
+                        </a:solidFill>
+                        <a:effectLst/>
+                        <a:latin typeface="Helvetica Neue" panose="02000503000000020004" pitchFamily="2" charset="0"/>
+                      </a:endParaRPr>
+                    </a:p>
+                  </a:txBody>
+                  <a:tcPr marL="8556" marR="8556" marT="8556" marB="0" anchor="b"/>
+                </a:tc>
+                <a:tc>
+                  <a:txBody>
+                    <a:bodyPr/>
+                    <a:lstStyle/>
+                    <a:p>
+                      <a:pPr algn="l" fontAlgn="b"/>
+                      <a:r>
+                        <a:rPr lang="en-US" sz="1200" u="none" strike="noStrike" dirty="0">
+                          <a:effectLst/>
+                        </a:rPr>
+                        <a:t>Jurassic World</a:t>
+                      </a:r>
+                      <a:endParaRPr lang="en-US" sz="1200" b="0" i="0" u="none" strike="noStrike" dirty="0">
+                        <a:solidFill>
+                          <a:srgbClr val="000000"/>
+                        </a:solidFill>
+                        <a:effectLst/>
+                        <a:latin typeface="Helvetica Neue" panose="02000503000000020004" pitchFamily="2" charset="0"/>
+                      </a:endParaRPr>
+                    </a:p>
+                  </a:txBody>
+                  <a:tcPr marL="8556" marR="8556" marT="8556" marB="0" anchor="b"/>
+                </a:tc>
+                <a:tc>
+                  <a:txBody>
+                    <a:bodyPr/>
+                    <a:lstStyle/>
+                    <a:p>
+                      <a:pPr algn="r" fontAlgn="b"/>
+                      <a:r>
+                        <a:rPr lang="en-US" sz="1200" u="none" strike="noStrike">
+                          <a:effectLst/>
+                        </a:rPr>
+                        <a:t>$1,670,516,444 </a:t>
+                      </a:r>
+                      <a:endParaRPr lang="en-US" sz="1200" b="0" i="0" u="none" strike="noStrike">
+                        <a:solidFill>
+                          <a:srgbClr val="000000"/>
+                        </a:solidFill>
+                        <a:effectLst/>
+                        <a:latin typeface="Helvetica Neue" panose="02000503000000020004" pitchFamily="2" charset="0"/>
+                      </a:endParaRPr>
+                    </a:p>
+                  </a:txBody>
+                  <a:tcPr marL="8556" marR="8556" marT="8556" marB="0" anchor="b"/>
+                </a:tc>
+                <a:tc>
+                  <a:txBody>
+                    <a:bodyPr/>
+                    <a:lstStyle/>
+                    <a:p>
+                      <a:pPr algn="ctr" fontAlgn="b"/>
+                      <a:r>
+                        <a:rPr lang="en-US" sz="1200" u="none" strike="noStrike">
+                          <a:effectLst/>
+                        </a:rPr>
+                        <a:t>2015</a:t>
+                      </a:r>
+                      <a:endParaRPr lang="en-US" sz="1200" b="0" i="0" u="none" strike="noStrike">
+                        <a:solidFill>
+                          <a:srgbClr val="000000"/>
+                        </a:solidFill>
+                        <a:effectLst/>
+                        <a:latin typeface="Helvetica Neue" panose="02000503000000020004" pitchFamily="2" charset="0"/>
+                      </a:endParaRPr>
+                    </a:p>
+                  </a:txBody>
+                  <a:tcPr marL="8556" marR="8556" marT="8556" marB="0" anchor="b"/>
+                </a:tc>
+                <a:extLst>
+                  <a:ext uri="{0D108BD9-81ED-4DB2-BD59-A6C34878D82A}">
+                    <a16:rowId xmlns:a16="http://schemas.microsoft.com/office/drawing/2014/main" val="1099288487"/>
+                  </a:ext>
+                </a:extLst>
+              </a:tr>
+              <a:tr h="267701">
+                <a:tc>
+                  <a:txBody>
+                    <a:bodyPr/>
+                    <a:lstStyle/>
+                    <a:p>
+                      <a:pPr algn="ctr" fontAlgn="b"/>
+                      <a:r>
+                        <a:rPr lang="en-US" sz="1200" u="none" strike="noStrike">
+                          <a:effectLst/>
+                        </a:rPr>
+                        <a:t>7</a:t>
+                      </a:r>
+                      <a:endParaRPr lang="en-US" sz="1200" b="0" i="0" u="none" strike="noStrike">
+                        <a:solidFill>
+                          <a:srgbClr val="000000"/>
+                        </a:solidFill>
+                        <a:effectLst/>
+                        <a:latin typeface="Helvetica Neue" panose="02000503000000020004" pitchFamily="2" charset="0"/>
+                      </a:endParaRPr>
+                    </a:p>
+                  </a:txBody>
+                  <a:tcPr marL="8556" marR="8556" marT="8556" marB="0" anchor="b"/>
+                </a:tc>
+                <a:tc>
+                  <a:txBody>
+                    <a:bodyPr/>
+                    <a:lstStyle/>
+                    <a:p>
+                      <a:pPr algn="l" fontAlgn="b"/>
+                      <a:r>
+                        <a:rPr lang="en-US" sz="1200" u="none" strike="noStrike">
+                          <a:effectLst/>
+                        </a:rPr>
+                        <a:t>The Lion King</a:t>
+                      </a:r>
+                      <a:endParaRPr lang="en-US" sz="1200" b="0" i="0" u="none" strike="noStrike">
+                        <a:solidFill>
+                          <a:srgbClr val="000000"/>
+                        </a:solidFill>
+                        <a:effectLst/>
+                        <a:latin typeface="Helvetica Neue" panose="02000503000000020004" pitchFamily="2" charset="0"/>
+                      </a:endParaRPr>
+                    </a:p>
+                  </a:txBody>
+                  <a:tcPr marL="8556" marR="8556" marT="8556" marB="0" anchor="b"/>
+                </a:tc>
+                <a:tc>
+                  <a:txBody>
+                    <a:bodyPr/>
+                    <a:lstStyle/>
+                    <a:p>
+                      <a:pPr algn="r" fontAlgn="b"/>
+                      <a:r>
+                        <a:rPr lang="en-US" sz="1200" u="none" strike="noStrike">
+                          <a:effectLst/>
+                        </a:rPr>
+                        <a:t>$1,657,870,986 </a:t>
+                      </a:r>
+                      <a:endParaRPr lang="en-US" sz="1200" b="0" i="0" u="none" strike="noStrike">
+                        <a:solidFill>
+                          <a:srgbClr val="000000"/>
+                        </a:solidFill>
+                        <a:effectLst/>
+                        <a:latin typeface="Helvetica Neue" panose="02000503000000020004" pitchFamily="2" charset="0"/>
+                      </a:endParaRPr>
+                    </a:p>
+                  </a:txBody>
+                  <a:tcPr marL="8556" marR="8556" marT="8556" marB="0" anchor="b"/>
+                </a:tc>
+                <a:tc>
+                  <a:txBody>
+                    <a:bodyPr/>
+                    <a:lstStyle/>
+                    <a:p>
+                      <a:pPr algn="ctr" fontAlgn="b"/>
+                      <a:r>
+                        <a:rPr lang="en-US" sz="1200" u="none" strike="noStrike">
+                          <a:effectLst/>
+                        </a:rPr>
+                        <a:t>2019</a:t>
+                      </a:r>
+                      <a:endParaRPr lang="en-US" sz="1200" b="0" i="0" u="none" strike="noStrike">
+                        <a:solidFill>
+                          <a:srgbClr val="000000"/>
+                        </a:solidFill>
+                        <a:effectLst/>
+                        <a:latin typeface="Helvetica Neue" panose="02000503000000020004" pitchFamily="2" charset="0"/>
+                      </a:endParaRPr>
+                    </a:p>
+                  </a:txBody>
+                  <a:tcPr marL="8556" marR="8556" marT="8556" marB="0" anchor="b"/>
+                </a:tc>
+                <a:extLst>
+                  <a:ext uri="{0D108BD9-81ED-4DB2-BD59-A6C34878D82A}">
+                    <a16:rowId xmlns:a16="http://schemas.microsoft.com/office/drawing/2014/main" val="1846612844"/>
+                  </a:ext>
+                </a:extLst>
+              </a:tr>
+              <a:tr h="267701">
+                <a:tc>
+                  <a:txBody>
+                    <a:bodyPr/>
+                    <a:lstStyle/>
+                    <a:p>
+                      <a:pPr algn="ctr" fontAlgn="b"/>
+                      <a:r>
+                        <a:rPr lang="en-US" sz="1200" u="none" strike="noStrike" dirty="0">
+                          <a:effectLst/>
+                        </a:rPr>
+                        <a:t>8</a:t>
+                      </a:r>
+                      <a:endParaRPr lang="en-US" sz="1200" b="0" i="0" u="none" strike="noStrike" dirty="0">
+                        <a:solidFill>
+                          <a:srgbClr val="000000"/>
+                        </a:solidFill>
+                        <a:effectLst/>
+                        <a:latin typeface="Helvetica Neue" panose="02000503000000020004" pitchFamily="2" charset="0"/>
+                      </a:endParaRPr>
+                    </a:p>
+                  </a:txBody>
+                  <a:tcPr marL="8556" marR="8556" marT="8556" marB="0" anchor="b"/>
+                </a:tc>
+                <a:tc>
+                  <a:txBody>
+                    <a:bodyPr/>
+                    <a:lstStyle/>
+                    <a:p>
+                      <a:pPr algn="l" fontAlgn="b"/>
+                      <a:r>
+                        <a:rPr lang="en-US" sz="1200" u="none" strike="noStrike">
+                          <a:effectLst/>
+                        </a:rPr>
+                        <a:t>The Avengers</a:t>
+                      </a:r>
+                      <a:endParaRPr lang="en-US" sz="1200" b="0" i="0" u="none" strike="noStrike">
+                        <a:solidFill>
+                          <a:srgbClr val="000000"/>
+                        </a:solidFill>
+                        <a:effectLst/>
+                        <a:latin typeface="Helvetica Neue" panose="02000503000000020004" pitchFamily="2" charset="0"/>
+                      </a:endParaRPr>
+                    </a:p>
+                  </a:txBody>
+                  <a:tcPr marL="8556" marR="8556" marT="8556" marB="0" anchor="b"/>
+                </a:tc>
+                <a:tc>
+                  <a:txBody>
+                    <a:bodyPr/>
+                    <a:lstStyle/>
+                    <a:p>
+                      <a:pPr algn="r" fontAlgn="b"/>
+                      <a:r>
+                        <a:rPr lang="en-US" sz="1200" u="none" strike="noStrike">
+                          <a:effectLst/>
+                        </a:rPr>
+                        <a:t>$1,518,815,515 </a:t>
+                      </a:r>
+                      <a:endParaRPr lang="en-US" sz="1200" b="0" i="0" u="none" strike="noStrike">
+                        <a:solidFill>
+                          <a:srgbClr val="000000"/>
+                        </a:solidFill>
+                        <a:effectLst/>
+                        <a:latin typeface="Helvetica Neue" panose="02000503000000020004" pitchFamily="2" charset="0"/>
+                      </a:endParaRPr>
+                    </a:p>
+                  </a:txBody>
+                  <a:tcPr marL="8556" marR="8556" marT="8556" marB="0" anchor="b"/>
+                </a:tc>
+                <a:tc>
+                  <a:txBody>
+                    <a:bodyPr/>
+                    <a:lstStyle/>
+                    <a:p>
+                      <a:pPr algn="ctr" fontAlgn="b"/>
+                      <a:r>
+                        <a:rPr lang="en-US" sz="1200" u="none" strike="noStrike">
+                          <a:effectLst/>
+                        </a:rPr>
+                        <a:t>2012</a:t>
+                      </a:r>
+                      <a:endParaRPr lang="en-US" sz="1200" b="0" i="0" u="none" strike="noStrike">
+                        <a:solidFill>
+                          <a:srgbClr val="000000"/>
+                        </a:solidFill>
+                        <a:effectLst/>
+                        <a:latin typeface="Helvetica Neue" panose="02000503000000020004" pitchFamily="2" charset="0"/>
+                      </a:endParaRPr>
+                    </a:p>
+                  </a:txBody>
+                  <a:tcPr marL="8556" marR="8556" marT="8556" marB="0" anchor="b"/>
+                </a:tc>
+                <a:extLst>
+                  <a:ext uri="{0D108BD9-81ED-4DB2-BD59-A6C34878D82A}">
+                    <a16:rowId xmlns:a16="http://schemas.microsoft.com/office/drawing/2014/main" val="1457279705"/>
+                  </a:ext>
+                </a:extLst>
+              </a:tr>
+              <a:tr h="267701">
+                <a:tc>
+                  <a:txBody>
+                    <a:bodyPr/>
+                    <a:lstStyle/>
+                    <a:p>
+                      <a:pPr algn="ctr" fontAlgn="b"/>
+                      <a:r>
+                        <a:rPr lang="en-US" sz="1200" u="none" strike="noStrike">
+                          <a:effectLst/>
+                        </a:rPr>
+                        <a:t>9</a:t>
+                      </a:r>
+                      <a:endParaRPr lang="en-US" sz="1200" b="0" i="0" u="none" strike="noStrike">
+                        <a:solidFill>
+                          <a:srgbClr val="000000"/>
+                        </a:solidFill>
+                        <a:effectLst/>
+                        <a:latin typeface="Helvetica Neue" panose="02000503000000020004" pitchFamily="2" charset="0"/>
+                      </a:endParaRPr>
+                    </a:p>
+                  </a:txBody>
+                  <a:tcPr marL="8556" marR="8556" marT="8556" marB="0" anchor="b"/>
+                </a:tc>
+                <a:tc>
+                  <a:txBody>
+                    <a:bodyPr/>
+                    <a:lstStyle/>
+                    <a:p>
+                      <a:pPr algn="l" fontAlgn="b"/>
+                      <a:r>
+                        <a:rPr lang="en-US" sz="1200" u="none" strike="noStrike">
+                          <a:effectLst/>
+                        </a:rPr>
+                        <a:t>Furious 7</a:t>
+                      </a:r>
+                      <a:endParaRPr lang="en-US" sz="1200" b="0" i="0" u="none" strike="noStrike">
+                        <a:solidFill>
+                          <a:srgbClr val="000000"/>
+                        </a:solidFill>
+                        <a:effectLst/>
+                        <a:latin typeface="Helvetica Neue" panose="02000503000000020004" pitchFamily="2" charset="0"/>
+                      </a:endParaRPr>
+                    </a:p>
+                  </a:txBody>
+                  <a:tcPr marL="8556" marR="8556" marT="8556" marB="0" anchor="b"/>
+                </a:tc>
+                <a:tc>
+                  <a:txBody>
+                    <a:bodyPr/>
+                    <a:lstStyle/>
+                    <a:p>
+                      <a:pPr algn="r" fontAlgn="b"/>
+                      <a:r>
+                        <a:rPr lang="en-US" sz="1200" u="none" strike="noStrike">
+                          <a:effectLst/>
+                        </a:rPr>
+                        <a:t>$1,515,255,622 </a:t>
+                      </a:r>
+                      <a:endParaRPr lang="en-US" sz="1200" b="0" i="0" u="none" strike="noStrike">
+                        <a:solidFill>
+                          <a:srgbClr val="000000"/>
+                        </a:solidFill>
+                        <a:effectLst/>
+                        <a:latin typeface="Helvetica Neue" panose="02000503000000020004" pitchFamily="2" charset="0"/>
+                      </a:endParaRPr>
+                    </a:p>
+                  </a:txBody>
+                  <a:tcPr marL="8556" marR="8556" marT="8556" marB="0" anchor="b"/>
+                </a:tc>
+                <a:tc>
+                  <a:txBody>
+                    <a:bodyPr/>
+                    <a:lstStyle/>
+                    <a:p>
+                      <a:pPr algn="ctr" fontAlgn="b"/>
+                      <a:r>
+                        <a:rPr lang="en-US" sz="1200" u="none" strike="noStrike">
+                          <a:effectLst/>
+                        </a:rPr>
+                        <a:t>2015</a:t>
+                      </a:r>
+                      <a:endParaRPr lang="en-US" sz="1200" b="0" i="0" u="none" strike="noStrike">
+                        <a:solidFill>
+                          <a:srgbClr val="000000"/>
+                        </a:solidFill>
+                        <a:effectLst/>
+                        <a:latin typeface="Helvetica Neue" panose="02000503000000020004" pitchFamily="2" charset="0"/>
+                      </a:endParaRPr>
+                    </a:p>
+                  </a:txBody>
+                  <a:tcPr marL="8556" marR="8556" marT="8556" marB="0" anchor="b"/>
+                </a:tc>
+                <a:extLst>
+                  <a:ext uri="{0D108BD9-81ED-4DB2-BD59-A6C34878D82A}">
+                    <a16:rowId xmlns:a16="http://schemas.microsoft.com/office/drawing/2014/main" val="1118955633"/>
+                  </a:ext>
+                </a:extLst>
+              </a:tr>
+              <a:tr h="267701">
+                <a:tc>
+                  <a:txBody>
+                    <a:bodyPr/>
+                    <a:lstStyle/>
+                    <a:p>
+                      <a:pPr algn="ctr" fontAlgn="b"/>
+                      <a:r>
+                        <a:rPr lang="en-US" sz="1200" u="none" strike="noStrike" dirty="0">
+                          <a:effectLst/>
+                        </a:rPr>
+                        <a:t>10</a:t>
+                      </a:r>
+                      <a:endParaRPr lang="en-US" sz="1200" b="0" i="0" u="none" strike="noStrike" dirty="0">
+                        <a:solidFill>
+                          <a:srgbClr val="000000"/>
+                        </a:solidFill>
+                        <a:effectLst/>
+                        <a:latin typeface="Helvetica Neue" panose="02000503000000020004" pitchFamily="2" charset="0"/>
+                      </a:endParaRPr>
+                    </a:p>
+                  </a:txBody>
+                  <a:tcPr marL="8556" marR="8556" marT="8556" marB="0" anchor="b"/>
+                </a:tc>
+                <a:tc>
+                  <a:txBody>
+                    <a:bodyPr/>
+                    <a:lstStyle/>
+                    <a:p>
+                      <a:pPr algn="l" fontAlgn="b"/>
+                      <a:r>
+                        <a:rPr lang="en-US" sz="1200" u="none" strike="noStrike">
+                          <a:effectLst/>
+                        </a:rPr>
+                        <a:t>Frozen II</a:t>
+                      </a:r>
+                      <a:endParaRPr lang="en-US" sz="1200" b="0" i="0" u="none" strike="noStrike">
+                        <a:solidFill>
+                          <a:srgbClr val="000000"/>
+                        </a:solidFill>
+                        <a:effectLst/>
+                        <a:latin typeface="Helvetica Neue" panose="02000503000000020004" pitchFamily="2" charset="0"/>
+                      </a:endParaRPr>
+                    </a:p>
+                  </a:txBody>
+                  <a:tcPr marL="8556" marR="8556" marT="8556" marB="0" anchor="b"/>
+                </a:tc>
+                <a:tc>
+                  <a:txBody>
+                    <a:bodyPr/>
+                    <a:lstStyle/>
+                    <a:p>
+                      <a:pPr algn="r" fontAlgn="b"/>
+                      <a:r>
+                        <a:rPr lang="en-US" sz="1200" u="none" strike="noStrike">
+                          <a:effectLst/>
+                        </a:rPr>
+                        <a:t>$1,450,026,933 </a:t>
+                      </a:r>
+                      <a:endParaRPr lang="en-US" sz="1200" b="0" i="0" u="none" strike="noStrike">
+                        <a:solidFill>
+                          <a:srgbClr val="000000"/>
+                        </a:solidFill>
+                        <a:effectLst/>
+                        <a:latin typeface="Helvetica Neue" panose="02000503000000020004" pitchFamily="2" charset="0"/>
+                      </a:endParaRPr>
+                    </a:p>
+                  </a:txBody>
+                  <a:tcPr marL="8556" marR="8556" marT="8556" marB="0" anchor="b"/>
+                </a:tc>
+                <a:tc>
+                  <a:txBody>
+                    <a:bodyPr/>
+                    <a:lstStyle/>
+                    <a:p>
+                      <a:pPr algn="ctr" fontAlgn="b"/>
+                      <a:r>
+                        <a:rPr lang="en-US" sz="1200" u="none" strike="noStrike">
+                          <a:effectLst/>
+                        </a:rPr>
+                        <a:t>2019</a:t>
+                      </a:r>
+                      <a:endParaRPr lang="en-US" sz="1200" b="0" i="0" u="none" strike="noStrike">
+                        <a:solidFill>
+                          <a:srgbClr val="000000"/>
+                        </a:solidFill>
+                        <a:effectLst/>
+                        <a:latin typeface="Helvetica Neue" panose="02000503000000020004" pitchFamily="2" charset="0"/>
+                      </a:endParaRPr>
+                    </a:p>
+                  </a:txBody>
+                  <a:tcPr marL="8556" marR="8556" marT="8556" marB="0" anchor="b"/>
+                </a:tc>
+                <a:extLst>
+                  <a:ext uri="{0D108BD9-81ED-4DB2-BD59-A6C34878D82A}">
+                    <a16:rowId xmlns:a16="http://schemas.microsoft.com/office/drawing/2014/main" val="171256488"/>
+                  </a:ext>
+                </a:extLst>
+              </a:tr>
+              <a:tr h="267701">
+                <a:tc>
+                  <a:txBody>
+                    <a:bodyPr/>
+                    <a:lstStyle/>
+                    <a:p>
+                      <a:pPr algn="ctr" fontAlgn="b"/>
+                      <a:r>
+                        <a:rPr lang="en-US" sz="1200" u="none" strike="noStrike">
+                          <a:effectLst/>
+                        </a:rPr>
+                        <a:t>11</a:t>
+                      </a:r>
+                      <a:endParaRPr lang="en-US" sz="1200" b="0" i="0" u="none" strike="noStrike">
+                        <a:solidFill>
+                          <a:srgbClr val="000000"/>
+                        </a:solidFill>
+                        <a:effectLst/>
+                        <a:latin typeface="Helvetica Neue" panose="02000503000000020004" pitchFamily="2" charset="0"/>
+                      </a:endParaRPr>
+                    </a:p>
+                  </a:txBody>
+                  <a:tcPr marL="8556" marR="8556" marT="8556" marB="0" anchor="b"/>
+                </a:tc>
+                <a:tc>
+                  <a:txBody>
+                    <a:bodyPr/>
+                    <a:lstStyle/>
+                    <a:p>
+                      <a:pPr algn="l" fontAlgn="b"/>
+                      <a:r>
+                        <a:rPr lang="en-US" sz="1200" u="none" strike="noStrike">
+                          <a:effectLst/>
+                        </a:rPr>
+                        <a:t>Avengers: Age of Ultron</a:t>
+                      </a:r>
+                      <a:endParaRPr lang="en-US" sz="1200" b="0" i="0" u="none" strike="noStrike">
+                        <a:solidFill>
+                          <a:srgbClr val="000000"/>
+                        </a:solidFill>
+                        <a:effectLst/>
+                        <a:latin typeface="Helvetica Neue" panose="02000503000000020004" pitchFamily="2" charset="0"/>
+                      </a:endParaRPr>
+                    </a:p>
+                  </a:txBody>
+                  <a:tcPr marL="8556" marR="8556" marT="8556" marB="0" anchor="b"/>
+                </a:tc>
+                <a:tc>
+                  <a:txBody>
+                    <a:bodyPr/>
+                    <a:lstStyle/>
+                    <a:p>
+                      <a:pPr algn="r" fontAlgn="b"/>
+                      <a:r>
+                        <a:rPr lang="en-US" sz="1200" u="none" strike="noStrike">
+                          <a:effectLst/>
+                        </a:rPr>
+                        <a:t>$1,402,809,540 </a:t>
+                      </a:r>
+                      <a:endParaRPr lang="en-US" sz="1200" b="0" i="0" u="none" strike="noStrike">
+                        <a:solidFill>
+                          <a:srgbClr val="000000"/>
+                        </a:solidFill>
+                        <a:effectLst/>
+                        <a:latin typeface="Helvetica Neue" panose="02000503000000020004" pitchFamily="2" charset="0"/>
+                      </a:endParaRPr>
+                    </a:p>
+                  </a:txBody>
+                  <a:tcPr marL="8556" marR="8556" marT="8556" marB="0" anchor="b"/>
+                </a:tc>
+                <a:tc>
+                  <a:txBody>
+                    <a:bodyPr/>
+                    <a:lstStyle/>
+                    <a:p>
+                      <a:pPr algn="ctr" fontAlgn="b"/>
+                      <a:r>
+                        <a:rPr lang="en-US" sz="1200" u="none" strike="noStrike">
+                          <a:effectLst/>
+                        </a:rPr>
+                        <a:t>2015</a:t>
+                      </a:r>
+                      <a:endParaRPr lang="en-US" sz="1200" b="0" i="0" u="none" strike="noStrike">
+                        <a:solidFill>
+                          <a:srgbClr val="000000"/>
+                        </a:solidFill>
+                        <a:effectLst/>
+                        <a:latin typeface="Helvetica Neue" panose="02000503000000020004" pitchFamily="2" charset="0"/>
+                      </a:endParaRPr>
+                    </a:p>
+                  </a:txBody>
+                  <a:tcPr marL="8556" marR="8556" marT="8556" marB="0" anchor="b"/>
+                </a:tc>
+                <a:extLst>
+                  <a:ext uri="{0D108BD9-81ED-4DB2-BD59-A6C34878D82A}">
+                    <a16:rowId xmlns:a16="http://schemas.microsoft.com/office/drawing/2014/main" val="4030241643"/>
+                  </a:ext>
+                </a:extLst>
+              </a:tr>
+              <a:tr h="267701">
+                <a:tc>
+                  <a:txBody>
+                    <a:bodyPr/>
+                    <a:lstStyle/>
+                    <a:p>
+                      <a:pPr algn="ctr" fontAlgn="b"/>
+                      <a:r>
+                        <a:rPr lang="en-US" sz="1200" u="none" strike="noStrike" dirty="0">
+                          <a:effectLst/>
+                        </a:rPr>
+                        <a:t>12</a:t>
+                      </a:r>
+                      <a:endParaRPr lang="en-US" sz="1200" b="0" i="0" u="none" strike="noStrike" dirty="0">
+                        <a:solidFill>
+                          <a:srgbClr val="000000"/>
+                        </a:solidFill>
+                        <a:effectLst/>
+                        <a:latin typeface="Helvetica Neue" panose="02000503000000020004" pitchFamily="2" charset="0"/>
+                      </a:endParaRPr>
+                    </a:p>
+                  </a:txBody>
+                  <a:tcPr marL="8556" marR="8556" marT="8556" marB="0" anchor="b"/>
+                </a:tc>
+                <a:tc>
+                  <a:txBody>
+                    <a:bodyPr/>
+                    <a:lstStyle/>
+                    <a:p>
+                      <a:pPr algn="l" fontAlgn="b"/>
+                      <a:r>
+                        <a:rPr lang="en-US" sz="1200" u="none" strike="noStrike">
+                          <a:effectLst/>
+                        </a:rPr>
+                        <a:t>Black Panther</a:t>
+                      </a:r>
+                      <a:endParaRPr lang="en-US" sz="1200" b="0" i="0" u="none" strike="noStrike">
+                        <a:solidFill>
+                          <a:srgbClr val="000000"/>
+                        </a:solidFill>
+                        <a:effectLst/>
+                        <a:latin typeface="Helvetica Neue" panose="02000503000000020004" pitchFamily="2" charset="0"/>
+                      </a:endParaRPr>
+                    </a:p>
+                  </a:txBody>
+                  <a:tcPr marL="8556" marR="8556" marT="8556" marB="0" anchor="b"/>
+                </a:tc>
+                <a:tc>
+                  <a:txBody>
+                    <a:bodyPr/>
+                    <a:lstStyle/>
+                    <a:p>
+                      <a:pPr algn="r" fontAlgn="b"/>
+                      <a:r>
+                        <a:rPr lang="en-US" sz="1200" u="none" strike="noStrike">
+                          <a:effectLst/>
+                        </a:rPr>
+                        <a:t>$1,347,597,973 </a:t>
+                      </a:r>
+                      <a:endParaRPr lang="en-US" sz="1200" b="0" i="0" u="none" strike="noStrike">
+                        <a:solidFill>
+                          <a:srgbClr val="000000"/>
+                        </a:solidFill>
+                        <a:effectLst/>
+                        <a:latin typeface="Helvetica Neue" panose="02000503000000020004" pitchFamily="2" charset="0"/>
+                      </a:endParaRPr>
+                    </a:p>
+                  </a:txBody>
+                  <a:tcPr marL="8556" marR="8556" marT="8556" marB="0" anchor="b"/>
+                </a:tc>
+                <a:tc>
+                  <a:txBody>
+                    <a:bodyPr/>
+                    <a:lstStyle/>
+                    <a:p>
+                      <a:pPr algn="ctr" fontAlgn="b"/>
+                      <a:r>
+                        <a:rPr lang="en-US" sz="1200" u="none" strike="noStrike">
+                          <a:effectLst/>
+                        </a:rPr>
+                        <a:t>2018</a:t>
+                      </a:r>
+                      <a:endParaRPr lang="en-US" sz="1200" b="0" i="0" u="none" strike="noStrike">
+                        <a:solidFill>
+                          <a:srgbClr val="000000"/>
+                        </a:solidFill>
+                        <a:effectLst/>
+                        <a:latin typeface="Helvetica Neue" panose="02000503000000020004" pitchFamily="2" charset="0"/>
+                      </a:endParaRPr>
+                    </a:p>
+                  </a:txBody>
+                  <a:tcPr marL="8556" marR="8556" marT="8556" marB="0" anchor="b"/>
+                </a:tc>
+                <a:extLst>
+                  <a:ext uri="{0D108BD9-81ED-4DB2-BD59-A6C34878D82A}">
+                    <a16:rowId xmlns:a16="http://schemas.microsoft.com/office/drawing/2014/main" val="385836888"/>
+                  </a:ext>
+                </a:extLst>
+              </a:tr>
+              <a:tr h="232883">
+                <a:tc>
+                  <a:txBody>
+                    <a:bodyPr/>
+                    <a:lstStyle/>
+                    <a:p>
+                      <a:pPr algn="ctr" fontAlgn="b"/>
+                      <a:r>
+                        <a:rPr lang="en-US" sz="1200" u="none" strike="noStrike" dirty="0">
+                          <a:effectLst/>
+                        </a:rPr>
+                        <a:t>13</a:t>
+                      </a:r>
+                      <a:endParaRPr lang="en-US" sz="1200" b="0" i="0" u="none" strike="noStrike" dirty="0">
+                        <a:solidFill>
+                          <a:srgbClr val="000000"/>
+                        </a:solidFill>
+                        <a:effectLst/>
+                        <a:latin typeface="Helvetica Neue" panose="02000503000000020004" pitchFamily="2" charset="0"/>
+                      </a:endParaRPr>
+                    </a:p>
+                  </a:txBody>
+                  <a:tcPr marL="8556" marR="8556" marT="8556" marB="0" anchor="b"/>
+                </a:tc>
+                <a:tc>
+                  <a:txBody>
+                    <a:bodyPr/>
+                    <a:lstStyle/>
+                    <a:p>
+                      <a:pPr algn="l" fontAlgn="b"/>
+                      <a:r>
+                        <a:rPr lang="en-US" sz="1200" u="none" strike="noStrike">
+                          <a:effectLst/>
+                        </a:rPr>
+                        <a:t>Harry Potter and the Deathly Hallows: Part 2</a:t>
+                      </a:r>
+                      <a:endParaRPr lang="en-US" sz="1200" b="0" i="0" u="none" strike="noStrike">
+                        <a:solidFill>
+                          <a:srgbClr val="000000"/>
+                        </a:solidFill>
+                        <a:effectLst/>
+                        <a:latin typeface="Helvetica Neue" panose="02000503000000020004" pitchFamily="2" charset="0"/>
+                      </a:endParaRPr>
+                    </a:p>
+                  </a:txBody>
+                  <a:tcPr marL="8556" marR="8556" marT="8556" marB="0" anchor="b"/>
+                </a:tc>
+                <a:tc>
+                  <a:txBody>
+                    <a:bodyPr/>
+                    <a:lstStyle/>
+                    <a:p>
+                      <a:pPr algn="r" fontAlgn="b"/>
+                      <a:r>
+                        <a:rPr lang="en-US" sz="1200" u="none" strike="noStrike">
+                          <a:effectLst/>
+                        </a:rPr>
+                        <a:t>$1,342,321,665 </a:t>
+                      </a:r>
+                      <a:endParaRPr lang="en-US" sz="1200" b="0" i="0" u="none" strike="noStrike">
+                        <a:solidFill>
+                          <a:srgbClr val="000000"/>
+                        </a:solidFill>
+                        <a:effectLst/>
+                        <a:latin typeface="Helvetica Neue" panose="02000503000000020004" pitchFamily="2" charset="0"/>
+                      </a:endParaRPr>
+                    </a:p>
+                  </a:txBody>
+                  <a:tcPr marL="8556" marR="8556" marT="8556" marB="0" anchor="b"/>
+                </a:tc>
+                <a:tc>
+                  <a:txBody>
+                    <a:bodyPr/>
+                    <a:lstStyle/>
+                    <a:p>
+                      <a:pPr algn="ctr" fontAlgn="b"/>
+                      <a:r>
+                        <a:rPr lang="en-US" sz="1200" u="none" strike="noStrike">
+                          <a:effectLst/>
+                        </a:rPr>
+                        <a:t>2011</a:t>
+                      </a:r>
+                      <a:endParaRPr lang="en-US" sz="1200" b="0" i="0" u="none" strike="noStrike">
+                        <a:solidFill>
+                          <a:srgbClr val="000000"/>
+                        </a:solidFill>
+                        <a:effectLst/>
+                        <a:latin typeface="Helvetica Neue" panose="02000503000000020004" pitchFamily="2" charset="0"/>
+                      </a:endParaRPr>
+                    </a:p>
+                  </a:txBody>
+                  <a:tcPr marL="8556" marR="8556" marT="8556" marB="0" anchor="b"/>
+                </a:tc>
+                <a:extLst>
+                  <a:ext uri="{0D108BD9-81ED-4DB2-BD59-A6C34878D82A}">
+                    <a16:rowId xmlns:a16="http://schemas.microsoft.com/office/drawing/2014/main" val="1537789573"/>
+                  </a:ext>
+                </a:extLst>
+              </a:tr>
+              <a:tr h="267701">
+                <a:tc>
+                  <a:txBody>
+                    <a:bodyPr/>
+                    <a:lstStyle/>
+                    <a:p>
+                      <a:pPr algn="ctr" fontAlgn="b"/>
+                      <a:r>
+                        <a:rPr lang="en-US" sz="1200" u="none" strike="noStrike" dirty="0">
+                          <a:effectLst/>
+                        </a:rPr>
+                        <a:t>14</a:t>
+                      </a:r>
+                      <a:endParaRPr lang="en-US" sz="1200" b="0" i="0" u="none" strike="noStrike" dirty="0">
+                        <a:solidFill>
+                          <a:srgbClr val="000000"/>
+                        </a:solidFill>
+                        <a:effectLst/>
+                        <a:latin typeface="Helvetica Neue" panose="02000503000000020004" pitchFamily="2" charset="0"/>
+                      </a:endParaRPr>
+                    </a:p>
+                  </a:txBody>
+                  <a:tcPr marL="8556" marR="8556" marT="8556" marB="0" anchor="b"/>
+                </a:tc>
+                <a:tc>
+                  <a:txBody>
+                    <a:bodyPr/>
+                    <a:lstStyle/>
+                    <a:p>
+                      <a:pPr algn="l" fontAlgn="b"/>
+                      <a:r>
+                        <a:rPr lang="en-US" sz="1200" u="none" strike="noStrike">
+                          <a:effectLst/>
+                        </a:rPr>
+                        <a:t>Star Wars: Episode VIII - The Last Jedi</a:t>
+                      </a:r>
+                      <a:endParaRPr lang="en-US" sz="1200" b="0" i="0" u="none" strike="noStrike">
+                        <a:solidFill>
+                          <a:srgbClr val="000000"/>
+                        </a:solidFill>
+                        <a:effectLst/>
+                        <a:latin typeface="Helvetica Neue" panose="02000503000000020004" pitchFamily="2" charset="0"/>
+                      </a:endParaRPr>
+                    </a:p>
+                  </a:txBody>
+                  <a:tcPr marL="8556" marR="8556" marT="8556" marB="0" anchor="b"/>
+                </a:tc>
+                <a:tc>
+                  <a:txBody>
+                    <a:bodyPr/>
+                    <a:lstStyle/>
+                    <a:p>
+                      <a:pPr algn="r" fontAlgn="b"/>
+                      <a:r>
+                        <a:rPr lang="en-US" sz="1200" u="none" strike="noStrike">
+                          <a:effectLst/>
+                        </a:rPr>
+                        <a:t>$1,332,698,830 </a:t>
+                      </a:r>
+                      <a:endParaRPr lang="en-US" sz="1200" b="0" i="0" u="none" strike="noStrike">
+                        <a:solidFill>
+                          <a:srgbClr val="000000"/>
+                        </a:solidFill>
+                        <a:effectLst/>
+                        <a:latin typeface="Helvetica Neue" panose="02000503000000020004" pitchFamily="2" charset="0"/>
+                      </a:endParaRPr>
+                    </a:p>
+                  </a:txBody>
+                  <a:tcPr marL="8556" marR="8556" marT="8556" marB="0" anchor="b"/>
+                </a:tc>
+                <a:tc>
+                  <a:txBody>
+                    <a:bodyPr/>
+                    <a:lstStyle/>
+                    <a:p>
+                      <a:pPr algn="ctr" fontAlgn="b"/>
+                      <a:r>
+                        <a:rPr lang="en-US" sz="1200" u="none" strike="noStrike">
+                          <a:effectLst/>
+                        </a:rPr>
+                        <a:t>2017</a:t>
+                      </a:r>
+                      <a:endParaRPr lang="en-US" sz="1200" b="0" i="0" u="none" strike="noStrike">
+                        <a:solidFill>
+                          <a:srgbClr val="000000"/>
+                        </a:solidFill>
+                        <a:effectLst/>
+                        <a:latin typeface="Helvetica Neue" panose="02000503000000020004" pitchFamily="2" charset="0"/>
+                      </a:endParaRPr>
+                    </a:p>
+                  </a:txBody>
+                  <a:tcPr marL="8556" marR="8556" marT="8556" marB="0" anchor="b"/>
+                </a:tc>
+                <a:extLst>
+                  <a:ext uri="{0D108BD9-81ED-4DB2-BD59-A6C34878D82A}">
+                    <a16:rowId xmlns:a16="http://schemas.microsoft.com/office/drawing/2014/main" val="1869198305"/>
+                  </a:ext>
+                </a:extLst>
+              </a:tr>
+              <a:tr h="267701">
+                <a:tc>
+                  <a:txBody>
+                    <a:bodyPr/>
+                    <a:lstStyle/>
+                    <a:p>
+                      <a:pPr algn="ctr" fontAlgn="b"/>
+                      <a:r>
+                        <a:rPr lang="en-US" sz="1200" u="none" strike="noStrike" dirty="0">
+                          <a:effectLst/>
+                        </a:rPr>
+                        <a:t>15</a:t>
+                      </a:r>
+                      <a:endParaRPr lang="en-US" sz="1200" b="0" i="0" u="none" strike="noStrike" dirty="0">
+                        <a:solidFill>
+                          <a:srgbClr val="000000"/>
+                        </a:solidFill>
+                        <a:effectLst/>
+                        <a:latin typeface="Helvetica Neue" panose="02000503000000020004" pitchFamily="2" charset="0"/>
+                      </a:endParaRPr>
+                    </a:p>
+                  </a:txBody>
+                  <a:tcPr marL="8556" marR="8556" marT="8556" marB="0" anchor="b"/>
+                </a:tc>
+                <a:tc>
+                  <a:txBody>
+                    <a:bodyPr/>
+                    <a:lstStyle/>
+                    <a:p>
+                      <a:pPr algn="l" fontAlgn="b"/>
+                      <a:r>
+                        <a:rPr lang="en-US" sz="1200" u="none" strike="noStrike">
+                          <a:effectLst/>
+                        </a:rPr>
+                        <a:t>Jurassic World: Fallen Kingdom</a:t>
+                      </a:r>
+                      <a:endParaRPr lang="en-US" sz="1200" b="0" i="0" u="none" strike="noStrike">
+                        <a:solidFill>
+                          <a:srgbClr val="000000"/>
+                        </a:solidFill>
+                        <a:effectLst/>
+                        <a:latin typeface="Helvetica Neue" panose="02000503000000020004" pitchFamily="2" charset="0"/>
+                      </a:endParaRPr>
+                    </a:p>
+                  </a:txBody>
+                  <a:tcPr marL="8556" marR="8556" marT="8556" marB="0" anchor="b"/>
+                </a:tc>
+                <a:tc>
+                  <a:txBody>
+                    <a:bodyPr/>
+                    <a:lstStyle/>
+                    <a:p>
+                      <a:pPr algn="r" fontAlgn="b"/>
+                      <a:r>
+                        <a:rPr lang="en-US" sz="1200" u="none" strike="noStrike">
+                          <a:effectLst/>
+                        </a:rPr>
+                        <a:t>$1,310,464,680 </a:t>
+                      </a:r>
+                      <a:endParaRPr lang="en-US" sz="1200" b="0" i="0" u="none" strike="noStrike">
+                        <a:solidFill>
+                          <a:srgbClr val="000000"/>
+                        </a:solidFill>
+                        <a:effectLst/>
+                        <a:latin typeface="Helvetica Neue" panose="02000503000000020004" pitchFamily="2" charset="0"/>
+                      </a:endParaRPr>
+                    </a:p>
+                  </a:txBody>
+                  <a:tcPr marL="8556" marR="8556" marT="8556" marB="0" anchor="b"/>
+                </a:tc>
+                <a:tc>
+                  <a:txBody>
+                    <a:bodyPr/>
+                    <a:lstStyle/>
+                    <a:p>
+                      <a:pPr algn="ctr" fontAlgn="b"/>
+                      <a:r>
+                        <a:rPr lang="en-US" sz="1200" u="none" strike="noStrike" dirty="0">
+                          <a:effectLst/>
+                        </a:rPr>
+                        <a:t>2018</a:t>
+                      </a:r>
+                      <a:endParaRPr lang="en-US" sz="1200" b="0" i="0" u="none" strike="noStrike" dirty="0">
+                        <a:solidFill>
+                          <a:srgbClr val="000000"/>
+                        </a:solidFill>
+                        <a:effectLst/>
+                        <a:latin typeface="Helvetica Neue" panose="02000503000000020004" pitchFamily="2" charset="0"/>
+                      </a:endParaRPr>
+                    </a:p>
+                  </a:txBody>
+                  <a:tcPr marL="8556" marR="8556" marT="8556" marB="0" anchor="b"/>
+                </a:tc>
+                <a:extLst>
+                  <a:ext uri="{0D108BD9-81ED-4DB2-BD59-A6C34878D82A}">
+                    <a16:rowId xmlns:a16="http://schemas.microsoft.com/office/drawing/2014/main" val="2390980568"/>
+                  </a:ext>
+                </a:extLst>
+              </a:tr>
+            </a:tbl>
+          </a:graphicData>
+        </a:graphic>
+      </p:graphicFrame>
+      <p:pic>
+        <p:nvPicPr>
+          <p:cNvPr id="6" name="Picture 5" descr="Movie Time Chicken">
+            <a:extLst>
+              <a:ext uri="{FF2B5EF4-FFF2-40B4-BE49-F238E27FC236}">
+                <a16:creationId xmlns:a16="http://schemas.microsoft.com/office/drawing/2014/main" id="{F1BBC535-9620-854B-B999-3F71DCB2F0F5}"/>
+              </a:ext>
+            </a:extLst>
+          </p:cNvPr>
+          <p:cNvPicPr>
+            <a:picLocks noChangeAspect="1"/>
+          </p:cNvPicPr>
+          <p:nvPr/>
+        </p:nvPicPr>
+        <p:blipFill>
+          <a:blip r:embed="rId2"/>
+          <a:stretch>
+            <a:fillRect/>
+          </a:stretch>
+        </p:blipFill>
+        <p:spPr>
+          <a:xfrm>
+            <a:off x="0" y="5942926"/>
+            <a:ext cx="4437826" cy="4437826"/>
+          </a:xfrm>
+          <a:prstGeom prst="rect">
+            <a:avLst/>
+          </a:prstGeom>
+        </p:spPr>
+      </p:pic>
+    </p:spTree>
+    <p:extLst>
+      <p:ext uri="{BB962C8B-B14F-4D97-AF65-F5344CB8AC3E}">
+        <p14:creationId xmlns:p14="http://schemas.microsoft.com/office/powerpoint/2010/main" val="216472359"/>
+      </p:ext>
+    </p:extLst>
+  </p:cSld>
+  <p:clrMapOvr>
+    <a:masterClrMapping/>
+  </p:clrMapOvr>
+  <p:timing>
+    <p:tnLst>
+      <p:par>
+        <p:cTn id="1" dur="indefinite" restart="never" nodeType="tmRoot">
+          <p:childTnLst>
+            <p:seq concurrent="1" nextAc="seek">
+              <p:cTn id="2" dur="indefinite" nodeType="mainSeq">
+                <p:childTnLst>
+                  <p:par>
+                    <p:cTn id="3" fill="hold">
+                      <p:stCondLst>
+                        <p:cond delay="indefinite"/>
+                      </p:stCondLst>
+                      <p:childTnLst>
+                        <p:par>
+                          <p:cTn id="4" fill="hold">
+                            <p:stCondLst>
+                              <p:cond delay="0"/>
+                            </p:stCondLst>
+                            <p:childTnLst>
+                              <p:par>
+                                <p:cTn id="5" presetID="3" presetClass="entr" presetSubtype="10" fill="hold" nodeType="clickEffect">
+                                  <p:stCondLst>
+                                    <p:cond delay="0"/>
+                                  </p:stCondLst>
+                                  <p:childTnLst>
+                                    <p:set>
+                                      <p:cBhvr>
+                                        <p:cTn id="6" dur="1" fill="hold">
+                                          <p:stCondLst>
+                                            <p:cond delay="0"/>
+                                          </p:stCondLst>
+                                        </p:cTn>
+                                        <p:tgtEl>
+                                          <p:spTgt spid="7"/>
+                                        </p:tgtEl>
+                                        <p:attrNameLst>
+                                          <p:attrName>style.visibility</p:attrName>
+                                        </p:attrNameLst>
+                                      </p:cBhvr>
+                                      <p:to>
+                                        <p:strVal val="visible"/>
+                                      </p:to>
+                                    </p:set>
+                                    <p:animEffect transition="in" filter="blinds(horizontal)">
+                                      <p:cBhvr>
+                                        <p:cTn id="7" dur="1000"/>
+                                        <p:tgtEl>
+                                          <p:spTgt spid="7"/>
+                                        </p:tgtEl>
+                                      </p:cBhvr>
+                                    </p:animEffect>
+                                  </p:childTnLst>
+                                </p:cTn>
+                              </p:par>
+                            </p:childTnLst>
+                          </p:cTn>
+                        </p:par>
+                      </p:childTnLst>
+                    </p:cTn>
+                  </p:par>
+                </p:childTnLst>
+              </p:cTn>
+              <p:prevCondLst>
+                <p:cond evt="onPrev" delay="0">
+                  <p:tgtEl>
+                    <p:sldTgt/>
+                  </p:tgtEl>
+                </p:cond>
+              </p:prevCondLst>
+              <p:nextCondLst>
+                <p:cond evt="onNext" delay="0">
+                  <p:tgtEl>
+                    <p:sldTgt/>
+                  </p:tgtEl>
+                </p:cond>
+              </p:nextCondLst>
+            </p:seq>
+          </p:childTnLst>
+        </p:cTn>
+      </p:par>
+    </p:tnLst>
+  </p:timing>
+</p:sld>
+</file>
+
+<file path=ppt/slides/slide11.xml><?xml version="1.0" encoding="utf-8"?>
+<p:sld xmlns:a="http://schemas.openxmlformats.org/drawingml/2006/main" xmlns:r="http://schemas.openxmlformats.org/officeDocument/2006/relationships" xmlns:p="http://schemas.openxmlformats.org/presentationml/2006/main">
+  <p:cSld>
+    <p:spTree>
+      <p:nvGrpSpPr>
+        <p:cNvPr id="1" name=""/>
+        <p:cNvGrpSpPr/>
+        <p:nvPr/>
+      </p:nvGrpSpPr>
+      <p:grpSpPr>
+        <a:xfrm>
+          <a:off x="0" y="0"/>
+          <a:ext cx="0" cy="0"/>
+          <a:chOff x="0" y="0"/>
+          <a:chExt cx="0" cy="0"/>
+        </a:xfrm>
+      </p:grpSpPr>
+      <p:pic>
+        <p:nvPicPr>
+          <p:cNvPr id="1026" name="Picture 2">
+            <a:extLst>
+              <a:ext uri="{FF2B5EF4-FFF2-40B4-BE49-F238E27FC236}">
+                <a16:creationId xmlns:a16="http://schemas.microsoft.com/office/drawing/2014/main" id="{99307C59-9B85-5C47-BB99-6AD71F69DAFA}"/>
+              </a:ext>
+            </a:extLst>
+          </p:cNvPr>
+          <p:cNvPicPr>
+            <a:picLocks noChangeAspect="1" noChangeArrowheads="1"/>
+          </p:cNvPicPr>
+          <p:nvPr/>
+        </p:nvPicPr>
+        <p:blipFill>
+          <a:blip r:embed="rId2">
+            <a:extLst>
+              <a:ext uri="{28A0092B-C50C-407E-A947-70E740481C1C}">
+                <a14:useLocalDpi xmlns:a14="http://schemas.microsoft.com/office/drawing/2010/main" val="0"/>
+              </a:ext>
+            </a:extLst>
+          </a:blip>
+          <a:srcRect/>
+          <a:stretch>
+            <a:fillRect/>
+          </a:stretch>
+        </p:blipFill>
+        <p:spPr bwMode="auto">
+          <a:xfrm>
+            <a:off x="398206" y="2332037"/>
+            <a:ext cx="5776427" cy="3799166"/>
+          </a:xfrm>
+          <a:prstGeom prst="rect">
+            <a:avLst/>
+          </a:prstGeom>
+          <a:noFill/>
+          <a:extLst>
+            <a:ext uri="{909E8E84-426E-40DD-AFC4-6F175D3DCCD1}">
+              <a14:hiddenFill xmlns:a14="http://schemas.microsoft.com/office/drawing/2010/main">
+                <a:solidFill>
+                  <a:srgbClr val="FFFFFF"/>
+                </a:solidFill>
+              </a14:hiddenFill>
+            </a:ext>
+          </a:extLst>
+        </p:spPr>
+      </p:pic>
+      <p:sp>
+        <p:nvSpPr>
+          <p:cNvPr id="5" name="TextBox 4">
+            <a:extLst>
+              <a:ext uri="{FF2B5EF4-FFF2-40B4-BE49-F238E27FC236}">
+                <a16:creationId xmlns:a16="http://schemas.microsoft.com/office/drawing/2014/main" id="{39A6E9A5-94AC-1344-A369-5E14B60C00E2}"/>
+              </a:ext>
+            </a:extLst>
+          </p:cNvPr>
+          <p:cNvSpPr txBox="1"/>
+          <p:nvPr/>
+        </p:nvSpPr>
+        <p:spPr>
+          <a:xfrm>
+            <a:off x="518159" y="782236"/>
+            <a:ext cx="4925574" cy="830997"/>
+          </a:xfrm>
+          <a:prstGeom prst="rect">
+            <a:avLst/>
+          </a:prstGeom>
+          <a:ln>
+            <a:noFill/>
+          </a:ln>
+        </p:spPr>
+        <p:style>
+          <a:lnRef idx="2">
+            <a:schemeClr val="accent1"/>
+          </a:lnRef>
+          <a:fillRef idx="1">
+            <a:schemeClr val="lt1"/>
+          </a:fillRef>
+          <a:effectRef idx="0">
+            <a:schemeClr val="accent1"/>
+          </a:effectRef>
+          <a:fontRef idx="minor">
+            <a:schemeClr val="dk1"/>
+          </a:fontRef>
+        </p:style>
+        <p:txBody>
+          <a:bodyPr wrap="square" rtlCol="0">
+            <a:spAutoFit/>
+          </a:bodyPr>
+          <a:lstStyle/>
+          <a:p>
+            <a:r>
+              <a:rPr lang="en-US" sz="2400" dirty="0">
+                <a:solidFill>
+                  <a:schemeClr val="accent2"/>
+                </a:solidFill>
+              </a:rPr>
+              <a:t>How did the Best Picture compare to the other movies that year.</a:t>
+            </a:r>
+          </a:p>
+        </p:txBody>
+      </p:sp>
+    </p:spTree>
+    <p:extLst>
+      <p:ext uri="{BB962C8B-B14F-4D97-AF65-F5344CB8AC3E}">
+        <p14:creationId xmlns:p14="http://schemas.microsoft.com/office/powerpoint/2010/main" val="2275238661"/>
+      </p:ext>
+    </p:extLst>
+  </p:cSld>
+  <p:clrMapOvr>
+    <a:masterClrMapping/>
+  </p:clrMapOvr>
+</p:sld>
+</file>
+
+<file path=ppt/slides/slide12.xml><?xml version="1.0" encoding="utf-8"?>
+<p:sld xmlns:a="http://schemas.openxmlformats.org/drawingml/2006/main" xmlns:r="http://schemas.openxmlformats.org/officeDocument/2006/relationships" xmlns:p="http://schemas.openxmlformats.org/presentationml/2006/main">
+  <p:cSld>
+    <p:spTree>
+      <p:nvGrpSpPr>
+        <p:cNvPr id="1" name=""/>
+        <p:cNvGrpSpPr/>
+        <p:nvPr/>
+      </p:nvGrpSpPr>
+      <p:grpSpPr>
+        <a:xfrm>
+          <a:off x="0" y="0"/>
+          <a:ext cx="0" cy="0"/>
+          <a:chOff x="0" y="0"/>
+          <a:chExt cx="0" cy="0"/>
+        </a:xfrm>
+      </p:grpSpPr>
+      <p:sp>
+        <p:nvSpPr>
+          <p:cNvPr id="2" name="Text Placeholder 1">
+            <a:extLst>
+              <a:ext uri="{FF2B5EF4-FFF2-40B4-BE49-F238E27FC236}">
+                <a16:creationId xmlns:a16="http://schemas.microsoft.com/office/drawing/2014/main" id="{5E80B8A2-89A7-4B47-B1B6-6AE513CBD0BD}"/>
+              </a:ext>
+            </a:extLst>
+          </p:cNvPr>
+          <p:cNvSpPr>
+            <a:spLocks noGrp="1"/>
+          </p:cNvSpPr>
+          <p:nvPr>
+            <p:ph type="body" sz="quarter" idx="10"/>
+          </p:nvPr>
+        </p:nvSpPr>
+        <p:spPr/>
+        <p:txBody>
+          <a:bodyPr/>
+          <a:lstStyle/>
+          <a:p>
+            <a:r>
+              <a:rPr lang="en-US" dirty="0"/>
+              <a:t>Lorem ipsum dolor sit amet, consectetur adipiscing elit, sed do eiusmod Lorem ipsum dolor sit amet, consectetur adipiscing elit.</a:t>
+            </a:r>
+          </a:p>
+          <a:p>
+            <a:endParaRPr lang="en-US" dirty="0"/>
+          </a:p>
+        </p:txBody>
+      </p:sp>
+      <p:sp>
+        <p:nvSpPr>
+          <p:cNvPr id="3" name="Text Placeholder 2">
+            <a:extLst>
+              <a:ext uri="{FF2B5EF4-FFF2-40B4-BE49-F238E27FC236}">
+                <a16:creationId xmlns:a16="http://schemas.microsoft.com/office/drawing/2014/main" id="{CA92EE40-0AE5-5144-8ABC-CA64A1E04E33}"/>
+              </a:ext>
+            </a:extLst>
+          </p:cNvPr>
+          <p:cNvSpPr>
+            <a:spLocks noGrp="1"/>
+          </p:cNvSpPr>
+          <p:nvPr>
+            <p:ph type="body" sz="quarter" idx="11"/>
+          </p:nvPr>
+        </p:nvSpPr>
+        <p:spPr/>
+        <p:txBody>
+          <a:bodyPr/>
+          <a:lstStyle/>
+          <a:p>
+            <a:r>
+              <a:rPr lang="en-US" dirty="0"/>
+              <a:t>Lorem ipsum dolor sit amet, consectetur adipiscing elit, sed do eiusmod Lorem ipsum dolor sit amet, consectetur adipiscing elit.</a:t>
+            </a:r>
+          </a:p>
+          <a:p>
+            <a:endParaRPr lang="en-US" dirty="0"/>
+          </a:p>
+        </p:txBody>
+      </p:sp>
+      <p:sp>
+        <p:nvSpPr>
+          <p:cNvPr id="4" name="Text Placeholder 3">
+            <a:extLst>
+              <a:ext uri="{FF2B5EF4-FFF2-40B4-BE49-F238E27FC236}">
+                <a16:creationId xmlns:a16="http://schemas.microsoft.com/office/drawing/2014/main" id="{E153B7F6-A072-F440-9744-CF36C6F3AAB9}"/>
+              </a:ext>
+            </a:extLst>
+          </p:cNvPr>
+          <p:cNvSpPr>
+            <a:spLocks noGrp="1"/>
+          </p:cNvSpPr>
+          <p:nvPr>
+            <p:ph type="body" sz="quarter" idx="12"/>
+          </p:nvPr>
+        </p:nvSpPr>
+        <p:spPr/>
+        <p:txBody>
+          <a:bodyPr>
+            <a:normAutofit/>
+          </a:bodyPr>
+          <a:lstStyle/>
+          <a:p>
+            <a:r>
+              <a:rPr lang="en-US" dirty="0"/>
+              <a:t>FEATURE</a:t>
+            </a:r>
+          </a:p>
+        </p:txBody>
+      </p:sp>
+      <p:sp>
+        <p:nvSpPr>
+          <p:cNvPr id="5" name="Text Placeholder 4">
+            <a:extLst>
+              <a:ext uri="{FF2B5EF4-FFF2-40B4-BE49-F238E27FC236}">
+                <a16:creationId xmlns:a16="http://schemas.microsoft.com/office/drawing/2014/main" id="{2D3E033B-7726-4E4E-B48E-79728B115E33}"/>
+              </a:ext>
+            </a:extLst>
+          </p:cNvPr>
+          <p:cNvSpPr>
+            <a:spLocks noGrp="1"/>
+          </p:cNvSpPr>
+          <p:nvPr>
+            <p:ph type="body" sz="quarter" idx="13"/>
+          </p:nvPr>
+        </p:nvSpPr>
+        <p:spPr/>
+        <p:txBody>
+          <a:bodyPr>
+            <a:normAutofit/>
+          </a:bodyPr>
+          <a:lstStyle/>
+          <a:p>
+            <a:r>
+              <a:rPr lang="en-US" dirty="0"/>
+              <a:t>FEATURE</a:t>
+            </a:r>
+          </a:p>
+        </p:txBody>
+      </p:sp>
+      <p:sp>
+        <p:nvSpPr>
+          <p:cNvPr id="6" name="Text Placeholder 5">
+            <a:extLst>
+              <a:ext uri="{FF2B5EF4-FFF2-40B4-BE49-F238E27FC236}">
+                <a16:creationId xmlns:a16="http://schemas.microsoft.com/office/drawing/2014/main" id="{FC50AA9E-8736-7046-B34C-EE91E892ABE6}"/>
+              </a:ext>
+            </a:extLst>
+          </p:cNvPr>
+          <p:cNvSpPr>
+            <a:spLocks noGrp="1"/>
+          </p:cNvSpPr>
+          <p:nvPr>
+            <p:ph type="body" sz="quarter" idx="15"/>
+          </p:nvPr>
+        </p:nvSpPr>
+        <p:spPr/>
+        <p:txBody>
+          <a:bodyPr/>
+          <a:lstStyle/>
+          <a:p>
+            <a:r>
+              <a:rPr lang="en-US" dirty="0"/>
+              <a:t>MOVIES</a:t>
+            </a:r>
+          </a:p>
+        </p:txBody>
+      </p:sp>
+      <p:sp>
+        <p:nvSpPr>
+          <p:cNvPr id="7" name="Text Placeholder 6">
+            <a:extLst>
+              <a:ext uri="{FF2B5EF4-FFF2-40B4-BE49-F238E27FC236}">
+                <a16:creationId xmlns:a16="http://schemas.microsoft.com/office/drawing/2014/main" id="{53DB799C-D020-A24F-84A8-14D813FD91BB}"/>
+              </a:ext>
+            </a:extLst>
+          </p:cNvPr>
+          <p:cNvSpPr>
+            <a:spLocks noGrp="1"/>
+          </p:cNvSpPr>
+          <p:nvPr>
+            <p:ph type="body" sz="quarter" idx="16"/>
+          </p:nvPr>
+        </p:nvSpPr>
+        <p:spPr/>
+        <p:txBody>
+          <a:bodyPr>
+            <a:normAutofit fontScale="85000" lnSpcReduction="10000"/>
+          </a:bodyPr>
+          <a:lstStyle/>
+          <a:p>
+            <a:r>
+              <a:rPr lang="en-US" dirty="0"/>
+              <a:t>JANUARY [YEAR]</a:t>
+            </a:r>
+          </a:p>
+        </p:txBody>
+      </p:sp>
+      <p:sp>
+        <p:nvSpPr>
+          <p:cNvPr id="8" name="Title 7">
+            <a:extLst>
+              <a:ext uri="{FF2B5EF4-FFF2-40B4-BE49-F238E27FC236}">
+                <a16:creationId xmlns:a16="http://schemas.microsoft.com/office/drawing/2014/main" id="{B7361972-9B59-0343-BF16-C27A91621E25}"/>
+              </a:ext>
+            </a:extLst>
+          </p:cNvPr>
+          <p:cNvSpPr>
+            <a:spLocks noGrp="1"/>
+          </p:cNvSpPr>
+          <p:nvPr>
+            <p:ph type="title"/>
+          </p:nvPr>
+        </p:nvSpPr>
+        <p:spPr/>
+        <p:txBody>
+          <a:bodyPr>
+            <a:normAutofit fontScale="90000"/>
+          </a:bodyPr>
+          <a:lstStyle/>
+          <a:p>
+            <a:r>
+              <a:rPr lang="en-US" dirty="0"/>
+              <a:t>Tinseltown</a:t>
+            </a:r>
+          </a:p>
+        </p:txBody>
+      </p:sp>
+    </p:spTree>
+    <p:extLst>
+      <p:ext uri="{BB962C8B-B14F-4D97-AF65-F5344CB8AC3E}">
+        <p14:creationId xmlns:p14="http://schemas.microsoft.com/office/powerpoint/2010/main" val="1629572527"/>
+      </p:ext>
+    </p:extLst>
+  </p:cSld>
+  <p:clrMapOvr>
+    <a:masterClrMapping/>
+  </p:clrMapOvr>
+</p:sld>
+</file>
+
+<file path=ppt/slides/slide13.xml><?xml version="1.0" encoding="utf-8"?>
+<p:sld xmlns:a="http://schemas.openxmlformats.org/drawingml/2006/main" xmlns:r="http://schemas.openxmlformats.org/officeDocument/2006/relationships" xmlns:p="http://schemas.openxmlformats.org/presentationml/2006/main">
+  <p:cSld>
+    <p:spTree>
+      <p:nvGrpSpPr>
+        <p:cNvPr id="1" name=""/>
+        <p:cNvGrpSpPr/>
+        <p:nvPr/>
+      </p:nvGrpSpPr>
+      <p:grpSpPr>
+        <a:xfrm>
+          <a:off x="0" y="0"/>
+          <a:ext cx="0" cy="0"/>
+          <a:chOff x="0" y="0"/>
+          <a:chExt cx="0" cy="0"/>
+        </a:xfrm>
+      </p:grpSpPr>
+      <p:sp>
+        <p:nvSpPr>
+          <p:cNvPr id="2" name="Text Placeholder 1">
+            <a:extLst>
+              <a:ext uri="{FF2B5EF4-FFF2-40B4-BE49-F238E27FC236}">
+                <a16:creationId xmlns:a16="http://schemas.microsoft.com/office/drawing/2014/main" id="{91F66F5D-C043-3647-9565-4AA5F19AE050}"/>
+              </a:ext>
+            </a:extLst>
+          </p:cNvPr>
+          <p:cNvSpPr>
+            <a:spLocks noGrp="1"/>
+          </p:cNvSpPr>
+          <p:nvPr>
+            <p:ph type="body" sz="quarter" idx="10"/>
+          </p:nvPr>
+        </p:nvSpPr>
+        <p:spPr/>
+        <p:txBody>
+          <a:bodyPr/>
+          <a:lstStyle/>
+          <a:p>
+            <a:r>
+              <a:rPr lang="en-US" dirty="0"/>
+              <a:t>Lorem ipsum dolor sit amet, consectetur adipiscing elit, sed do eiusmod Lorem ipsum dolor sit amet, consectetur adipiscing elit.</a:t>
+            </a:r>
+          </a:p>
+          <a:p>
+            <a:endParaRPr lang="en-US" dirty="0"/>
+          </a:p>
+        </p:txBody>
+      </p:sp>
+      <p:sp>
+        <p:nvSpPr>
+          <p:cNvPr id="3" name="Text Placeholder 2">
+            <a:extLst>
+              <a:ext uri="{FF2B5EF4-FFF2-40B4-BE49-F238E27FC236}">
+                <a16:creationId xmlns:a16="http://schemas.microsoft.com/office/drawing/2014/main" id="{66ED0322-6048-4E48-B93F-AD452622DF4A}"/>
+              </a:ext>
+            </a:extLst>
+          </p:cNvPr>
+          <p:cNvSpPr>
+            <a:spLocks noGrp="1"/>
+          </p:cNvSpPr>
+          <p:nvPr>
+            <p:ph type="body" sz="quarter" idx="11"/>
+          </p:nvPr>
+        </p:nvSpPr>
+        <p:spPr/>
+        <p:txBody>
+          <a:bodyPr/>
+          <a:lstStyle/>
+          <a:p>
+            <a:r>
+              <a:rPr lang="en-US" dirty="0"/>
+              <a:t>Lorem ipsum dolor sit amet, consectetur adipiscing elit, sed do eiusmod Lorem ipsum dolor sit amet, consectetur adipiscing elit.</a:t>
+            </a:r>
+          </a:p>
+          <a:p>
+            <a:endParaRPr lang="en-US" dirty="0"/>
+          </a:p>
+        </p:txBody>
+      </p:sp>
+      <p:sp>
+        <p:nvSpPr>
+          <p:cNvPr id="4" name="Text Placeholder 3">
+            <a:extLst>
+              <a:ext uri="{FF2B5EF4-FFF2-40B4-BE49-F238E27FC236}">
+                <a16:creationId xmlns:a16="http://schemas.microsoft.com/office/drawing/2014/main" id="{917B2698-71B5-EA4F-8291-9E422C5E6746}"/>
+              </a:ext>
+            </a:extLst>
+          </p:cNvPr>
+          <p:cNvSpPr>
+            <a:spLocks noGrp="1"/>
+          </p:cNvSpPr>
+          <p:nvPr>
+            <p:ph type="body" sz="quarter" idx="12"/>
+          </p:nvPr>
+        </p:nvSpPr>
+        <p:spPr/>
+        <p:txBody>
+          <a:bodyPr>
+            <a:normAutofit/>
+          </a:bodyPr>
+          <a:lstStyle/>
+          <a:p>
+            <a:r>
+              <a:rPr lang="en-US" dirty="0"/>
+              <a:t>FEATURE TITLE</a:t>
+            </a:r>
+          </a:p>
+        </p:txBody>
+      </p:sp>
+      <p:sp>
+        <p:nvSpPr>
+          <p:cNvPr id="5" name="Text Placeholder 4">
+            <a:extLst>
+              <a:ext uri="{FF2B5EF4-FFF2-40B4-BE49-F238E27FC236}">
+                <a16:creationId xmlns:a16="http://schemas.microsoft.com/office/drawing/2014/main" id="{A4E67D4A-6448-0E48-BC92-ABE4BA250B69}"/>
+              </a:ext>
+            </a:extLst>
+          </p:cNvPr>
+          <p:cNvSpPr>
+            <a:spLocks noGrp="1"/>
+          </p:cNvSpPr>
+          <p:nvPr>
+            <p:ph type="body" sz="quarter" idx="13"/>
+          </p:nvPr>
+        </p:nvSpPr>
+        <p:spPr/>
+        <p:txBody>
+          <a:bodyPr>
+            <a:normAutofit/>
+          </a:bodyPr>
+          <a:lstStyle/>
+          <a:p>
+            <a:r>
+              <a:rPr lang="en-US" dirty="0"/>
+              <a:t>FEATURE TITLE</a:t>
+            </a:r>
+          </a:p>
+        </p:txBody>
+      </p:sp>
+      <p:sp>
+        <p:nvSpPr>
+          <p:cNvPr id="6" name="Text Placeholder 5">
+            <a:extLst>
+              <a:ext uri="{FF2B5EF4-FFF2-40B4-BE49-F238E27FC236}">
+                <a16:creationId xmlns:a16="http://schemas.microsoft.com/office/drawing/2014/main" id="{2E195014-15EA-FA44-A689-47F0DDB88820}"/>
+              </a:ext>
+            </a:extLst>
+          </p:cNvPr>
+          <p:cNvSpPr>
+            <a:spLocks noGrp="1"/>
+          </p:cNvSpPr>
+          <p:nvPr>
+            <p:ph type="body" sz="quarter" idx="15"/>
+          </p:nvPr>
+        </p:nvSpPr>
+        <p:spPr/>
+        <p:txBody>
+          <a:bodyPr/>
+          <a:lstStyle/>
+          <a:p>
+            <a:endParaRPr lang="en-US" dirty="0"/>
+          </a:p>
+        </p:txBody>
+      </p:sp>
+      <p:sp>
+        <p:nvSpPr>
+          <p:cNvPr id="7" name="Text Placeholder 6">
+            <a:extLst>
+              <a:ext uri="{FF2B5EF4-FFF2-40B4-BE49-F238E27FC236}">
+                <a16:creationId xmlns:a16="http://schemas.microsoft.com/office/drawing/2014/main" id="{849FDC09-6F3E-0A44-8BAD-E6FC08CC013F}"/>
+              </a:ext>
+            </a:extLst>
+          </p:cNvPr>
+          <p:cNvSpPr>
+            <a:spLocks noGrp="1"/>
+          </p:cNvSpPr>
+          <p:nvPr>
+            <p:ph type="body" sz="quarter" idx="16"/>
+          </p:nvPr>
+        </p:nvSpPr>
+        <p:spPr/>
+        <p:txBody>
+          <a:bodyPr>
+            <a:normAutofit fontScale="85000" lnSpcReduction="10000"/>
+          </a:bodyPr>
+          <a:lstStyle/>
+          <a:p>
+            <a:r>
+              <a:rPr lang="en-US" dirty="0"/>
+              <a:t>JANUARY [YEAR]</a:t>
+            </a:r>
+          </a:p>
+        </p:txBody>
+      </p:sp>
+      <p:sp>
+        <p:nvSpPr>
+          <p:cNvPr id="8" name="Title 7">
+            <a:extLst>
+              <a:ext uri="{FF2B5EF4-FFF2-40B4-BE49-F238E27FC236}">
+                <a16:creationId xmlns:a16="http://schemas.microsoft.com/office/drawing/2014/main" id="{CC2E676A-0E5D-B946-92F0-D7C96AEB7529}"/>
+              </a:ext>
+            </a:extLst>
+          </p:cNvPr>
+          <p:cNvSpPr>
+            <a:spLocks noGrp="1"/>
+          </p:cNvSpPr>
+          <p:nvPr>
+            <p:ph type="title"/>
+          </p:nvPr>
+        </p:nvSpPr>
+        <p:spPr/>
+        <p:txBody>
+          <a:bodyPr>
+            <a:normAutofit fontScale="90000"/>
+          </a:bodyPr>
+          <a:lstStyle/>
+          <a:p>
+            <a:r>
+              <a:rPr lang="en-US" dirty="0"/>
+              <a:t>CINEMA</a:t>
+            </a:r>
+          </a:p>
+        </p:txBody>
+      </p:sp>
+    </p:spTree>
+    <p:extLst>
+      <p:ext uri="{BB962C8B-B14F-4D97-AF65-F5344CB8AC3E}">
+        <p14:creationId xmlns:p14="http://schemas.microsoft.com/office/powerpoint/2010/main" val="2512527782"/>
+      </p:ext>
+    </p:extLst>
+  </p:cSld>
+  <p:clrMapOvr>
+    <a:masterClrMapping/>
+  </p:clrMapOvr>
+</p:sld>
+</file>
+
+<file path=ppt/slides/slide14.xml><?xml version="1.0" encoding="utf-8"?>
+<p:sld xmlns:a="http://schemas.openxmlformats.org/drawingml/2006/main" xmlns:r="http://schemas.openxmlformats.org/officeDocument/2006/relationships" xmlns:p="http://schemas.openxmlformats.org/presentationml/2006/main">
+  <p:cSld>
+    <p:spTree>
+      <p:nvGrpSpPr>
+        <p:cNvPr id="1" name=""/>
+        <p:cNvGrpSpPr/>
+        <p:nvPr/>
+      </p:nvGrpSpPr>
+      <p:grpSpPr>
+        <a:xfrm>
+          <a:off x="0" y="0"/>
+          <a:ext cx="0" cy="0"/>
+          <a:chOff x="0" y="0"/>
+          <a:chExt cx="0" cy="0"/>
+        </a:xfrm>
+      </p:grpSpPr>
+      <p:sp>
+        <p:nvSpPr>
           <p:cNvPr id="2" name="Text Placeholder 1">
             <a:extLst>
               <a:ext uri="{FF2B5EF4-FFF2-40B4-BE49-F238E27FC236}">
@@ -12856,12 +15566,48 @@
           <a:chExt cx="0" cy="0"/>
         </a:xfrm>
       </p:grpSpPr>
-      <p:sp>
-        <p:nvSpPr>
-          <p:cNvPr id="2" name="Text Placeholder 1">
-            <a:extLst>
-              <a:ext uri="{FF2B5EF4-FFF2-40B4-BE49-F238E27FC236}">
-                <a16:creationId xmlns:a16="http://schemas.microsoft.com/office/drawing/2014/main" id="{5E80B8A2-89A7-4B47-B1B6-6AE513CBD0BD}"/>
+      <p:pic>
+        <p:nvPicPr>
+          <p:cNvPr id="13" name="Graphic 12" descr="Theatre with solid fill">
+            <a:extLst>
+              <a:ext uri="{FF2B5EF4-FFF2-40B4-BE49-F238E27FC236}">
+                <a16:creationId xmlns:a16="http://schemas.microsoft.com/office/drawing/2014/main" id="{A78C5E99-DC33-2543-AC9C-5E578B4EAD55}"/>
+              </a:ext>
+            </a:extLst>
+          </p:cNvPr>
+          <p:cNvPicPr>
+            <a:picLocks noChangeAspect="1"/>
+          </p:cNvPicPr>
+          <p:nvPr/>
+        </p:nvPicPr>
+        <p:blipFill>
+          <a:blip r:embed="rId2">
+            <a:extLst>
+              <a:ext uri="{96DAC541-7B7A-43D3-8B79-37D633B846F1}">
+                <asvg:svgBlip xmlns:asvg="http://schemas.microsoft.com/office/drawing/2016/SVG/main" r:embed="rId3"/>
+              </a:ext>
+            </a:extLst>
+          </a:blip>
+          <a:stretch>
+            <a:fillRect/>
+          </a:stretch>
+        </p:blipFill>
+        <p:spPr>
+          <a:xfrm>
+            <a:off x="0" y="943897"/>
+            <a:ext cx="7647717" cy="7647717"/>
+          </a:xfrm>
+          <a:prstGeom prst="rect">
+            <a:avLst/>
+          </a:prstGeom>
+        </p:spPr>
+      </p:pic>
+      <p:sp>
+        <p:nvSpPr>
+          <p:cNvPr id="2" name="Title 1">
+            <a:extLst>
+              <a:ext uri="{FF2B5EF4-FFF2-40B4-BE49-F238E27FC236}">
+                <a16:creationId xmlns:a16="http://schemas.microsoft.com/office/drawing/2014/main" id="{492CB400-945B-4D3C-8483-95D05C19965D}"/>
               </a:ext>
             </a:extLst>
           </p:cNvPr>
@@ -12869,213 +15615,214 @@
             <a:spLocks noGrp="1"/>
           </p:cNvSpPr>
           <p:nvPr>
-            <p:ph type="body" sz="quarter" idx="10"/>
-          </p:nvPr>
-        </p:nvSpPr>
-        <p:spPr/>
+            <p:ph type="title"/>
+          </p:nvPr>
+        </p:nvSpPr>
+        <p:spPr>
+          <a:xfrm>
+            <a:off x="694157" y="2267537"/>
+            <a:ext cx="6384085" cy="3110164"/>
+          </a:xfrm>
+        </p:spPr>
         <p:txBody>
           <a:bodyPr/>
           <a:lstStyle/>
           <a:p>
             <a:r>
-              <a:rPr lang="en-US" dirty="0"/>
-              <a:t>Lorem ipsum dolor sit amet, consectetur adipiscing elit, sed do eiusmod Lorem ipsum dolor sit amet, consectetur adipiscing elit.</a:t>
-            </a:r>
-          </a:p>
-          <a:p>
-            <a:endParaRPr lang="en-US" dirty="0"/>
-          </a:p>
-        </p:txBody>
-      </p:sp>
-      <p:sp>
-        <p:nvSpPr>
-          <p:cNvPr id="3" name="Text Placeholder 2">
-            <a:extLst>
-              <a:ext uri="{FF2B5EF4-FFF2-40B4-BE49-F238E27FC236}">
-                <a16:creationId xmlns:a16="http://schemas.microsoft.com/office/drawing/2014/main" id="{CA92EE40-0AE5-5144-8ABC-CA64A1E04E33}"/>
-              </a:ext>
-            </a:extLst>
-          </p:cNvPr>
-          <p:cNvSpPr>
-            <a:spLocks noGrp="1"/>
-          </p:cNvSpPr>
-          <p:nvPr>
-            <p:ph type="body" sz="quarter" idx="11"/>
-          </p:nvPr>
-        </p:nvSpPr>
-        <p:spPr/>
-        <p:txBody>
-          <a:bodyPr/>
-          <a:lstStyle/>
-          <a:p>
-            <a:r>
-              <a:rPr lang="en-US" dirty="0"/>
-              <a:t>Lorem ipsum dolor sit amet, consectetur adipiscing elit, sed do eiusmod Lorem ipsum dolor sit amet, consectetur adipiscing elit.</a:t>
-            </a:r>
-          </a:p>
-          <a:p>
-            <a:endParaRPr lang="en-US" dirty="0"/>
-          </a:p>
-        </p:txBody>
-      </p:sp>
-      <p:sp>
-        <p:nvSpPr>
-          <p:cNvPr id="4" name="Text Placeholder 3">
-            <a:extLst>
-              <a:ext uri="{FF2B5EF4-FFF2-40B4-BE49-F238E27FC236}">
-                <a16:creationId xmlns:a16="http://schemas.microsoft.com/office/drawing/2014/main" id="{E153B7F6-A072-F440-9744-CF36C6F3AAB9}"/>
-              </a:ext>
-            </a:extLst>
-          </p:cNvPr>
-          <p:cNvSpPr>
-            <a:spLocks noGrp="1"/>
-          </p:cNvSpPr>
-          <p:nvPr>
-            <p:ph type="body" sz="quarter" idx="12"/>
-          </p:nvPr>
-        </p:nvSpPr>
-        <p:spPr/>
-        <p:txBody>
-          <a:bodyPr>
-            <a:normAutofit/>
-          </a:bodyPr>
-          <a:lstStyle/>
-          <a:p>
-            <a:r>
-              <a:rPr lang="en-US" dirty="0"/>
-              <a:t>FEATURE</a:t>
-            </a:r>
-          </a:p>
-        </p:txBody>
-      </p:sp>
-      <p:sp>
-        <p:nvSpPr>
-          <p:cNvPr id="5" name="Text Placeholder 4">
-            <a:extLst>
-              <a:ext uri="{FF2B5EF4-FFF2-40B4-BE49-F238E27FC236}">
-                <a16:creationId xmlns:a16="http://schemas.microsoft.com/office/drawing/2014/main" id="{2D3E033B-7726-4E4E-B48E-79728B115E33}"/>
-              </a:ext>
-            </a:extLst>
-          </p:cNvPr>
-          <p:cNvSpPr>
-            <a:spLocks noGrp="1"/>
-          </p:cNvSpPr>
-          <p:nvPr>
-            <p:ph type="body" sz="quarter" idx="13"/>
-          </p:nvPr>
-        </p:nvSpPr>
-        <p:spPr/>
-        <p:txBody>
-          <a:bodyPr>
-            <a:normAutofit/>
-          </a:bodyPr>
-          <a:lstStyle/>
-          <a:p>
-            <a:r>
-              <a:rPr lang="en-US" dirty="0"/>
-              <a:t>FEATURE</a:t>
-            </a:r>
-          </a:p>
-        </p:txBody>
-      </p:sp>
-      <p:sp>
-        <p:nvSpPr>
-          <p:cNvPr id="6" name="Text Placeholder 5">
-            <a:extLst>
-              <a:ext uri="{FF2B5EF4-FFF2-40B4-BE49-F238E27FC236}">
-                <a16:creationId xmlns:a16="http://schemas.microsoft.com/office/drawing/2014/main" id="{FC50AA9E-8736-7046-B34C-EE91E892ABE6}"/>
-              </a:ext>
-            </a:extLst>
-          </p:cNvPr>
-          <p:cNvSpPr>
-            <a:spLocks noGrp="1"/>
-          </p:cNvSpPr>
-          <p:nvPr>
-            <p:ph type="body" sz="quarter" idx="15"/>
-          </p:nvPr>
-        </p:nvSpPr>
-        <p:spPr/>
-        <p:txBody>
-          <a:bodyPr/>
-          <a:lstStyle/>
-          <a:p>
-            <a:r>
-              <a:rPr lang="en-US" dirty="0"/>
-              <a:t>MOVIES</a:t>
-            </a:r>
-          </a:p>
-        </p:txBody>
-      </p:sp>
-      <p:sp>
-        <p:nvSpPr>
-          <p:cNvPr id="7" name="Text Placeholder 6">
-            <a:extLst>
-              <a:ext uri="{FF2B5EF4-FFF2-40B4-BE49-F238E27FC236}">
-                <a16:creationId xmlns:a16="http://schemas.microsoft.com/office/drawing/2014/main" id="{53DB799C-D020-A24F-84A8-14D813FD91BB}"/>
-              </a:ext>
-            </a:extLst>
-          </p:cNvPr>
-          <p:cNvSpPr>
-            <a:spLocks noGrp="1"/>
-          </p:cNvSpPr>
-          <p:nvPr>
-            <p:ph type="body" sz="quarter" idx="16"/>
-          </p:nvPr>
-        </p:nvSpPr>
-        <p:spPr/>
-        <p:txBody>
-          <a:bodyPr>
-            <a:normAutofit fontScale="85000" lnSpcReduction="10000"/>
-          </a:bodyPr>
-          <a:lstStyle/>
-          <a:p>
-            <a:r>
-              <a:rPr lang="en-US" dirty="0"/>
-              <a:t>JANUARY [YEAR]</a:t>
-            </a:r>
-          </a:p>
-        </p:txBody>
-      </p:sp>
-      <p:sp>
-        <p:nvSpPr>
-          <p:cNvPr id="8" name="Title 7">
-            <a:extLst>
-              <a:ext uri="{FF2B5EF4-FFF2-40B4-BE49-F238E27FC236}">
-                <a16:creationId xmlns:a16="http://schemas.microsoft.com/office/drawing/2014/main" id="{B7361972-9B59-0343-BF16-C27A91621E25}"/>
-              </a:ext>
-            </a:extLst>
-          </p:cNvPr>
-          <p:cNvSpPr>
-            <a:spLocks noGrp="1"/>
-          </p:cNvSpPr>
-          <p:nvPr>
-            <p:ph type="title"/>
-          </p:nvPr>
-        </p:nvSpPr>
-        <p:spPr/>
-        <p:txBody>
-          <a:bodyPr>
-            <a:normAutofit fontScale="90000"/>
-          </a:bodyPr>
-          <a:lstStyle/>
-          <a:p>
-            <a:r>
-              <a:rPr lang="en-US" dirty="0"/>
-              <a:t>Tinseltown</a:t>
-            </a:r>
-          </a:p>
-        </p:txBody>
-      </p:sp>
+              <a:rPr lang="en-US" dirty="0">
+                <a:solidFill>
+                  <a:srgbClr val="FFFF00"/>
+                </a:solidFill>
+              </a:rPr>
+              <a:t>How well do movies that win the </a:t>
+            </a:r>
+            <a:r>
+              <a:rPr lang="en-US" dirty="0">
+                <a:solidFill>
+                  <a:srgbClr val="00B050"/>
+                </a:solidFill>
+              </a:rPr>
+              <a:t>Best Picture Oscar </a:t>
+            </a:r>
+            <a:r>
+              <a:rPr lang="en-US" dirty="0">
+                <a:solidFill>
+                  <a:srgbClr val="FFFF00"/>
+                </a:solidFill>
+              </a:rPr>
+              <a:t>do at the box office compared to other movies?</a:t>
+            </a:r>
+          </a:p>
+        </p:txBody>
+      </p:sp>
+      <p:pic>
+        <p:nvPicPr>
+          <p:cNvPr id="5" name="Graphic 4" descr="Coins with solid fill">
+            <a:extLst>
+              <a:ext uri="{FF2B5EF4-FFF2-40B4-BE49-F238E27FC236}">
+                <a16:creationId xmlns:a16="http://schemas.microsoft.com/office/drawing/2014/main" id="{5415866A-2B2A-4240-96D2-E75C25B8FC7D}"/>
+              </a:ext>
+            </a:extLst>
+          </p:cNvPr>
+          <p:cNvPicPr>
+            <a:picLocks noChangeAspect="1"/>
+          </p:cNvPicPr>
+          <p:nvPr/>
+        </p:nvPicPr>
+        <p:blipFill>
+          <a:blip r:embed="rId4">
+            <a:extLst>
+              <a:ext uri="{96DAC541-7B7A-43D3-8B79-37D633B846F1}">
+                <asvg:svgBlip xmlns:asvg="http://schemas.microsoft.com/office/drawing/2016/SVG/main" r:embed="rId5"/>
+              </a:ext>
+            </a:extLst>
+          </a:blip>
+          <a:stretch>
+            <a:fillRect/>
+          </a:stretch>
+        </p:blipFill>
+        <p:spPr>
+          <a:xfrm rot="431172">
+            <a:off x="4167154" y="8357006"/>
+            <a:ext cx="914400" cy="914400"/>
+          </a:xfrm>
+          <a:prstGeom prst="rect">
+            <a:avLst/>
+          </a:prstGeom>
+        </p:spPr>
+      </p:pic>
+      <p:pic>
+        <p:nvPicPr>
+          <p:cNvPr id="7" name="Graphic 6" descr="Money outline">
+            <a:extLst>
+              <a:ext uri="{FF2B5EF4-FFF2-40B4-BE49-F238E27FC236}">
+                <a16:creationId xmlns:a16="http://schemas.microsoft.com/office/drawing/2014/main" id="{BC7F0AF1-CF34-694B-80F6-61D45516A432}"/>
+              </a:ext>
+            </a:extLst>
+          </p:cNvPr>
+          <p:cNvPicPr>
+            <a:picLocks noChangeAspect="1"/>
+          </p:cNvPicPr>
+          <p:nvPr/>
+        </p:nvPicPr>
+        <p:blipFill>
+          <a:blip r:embed="rId6">
+            <a:extLst>
+              <a:ext uri="{96DAC541-7B7A-43D3-8B79-37D633B846F1}">
+                <asvg:svgBlip xmlns:asvg="http://schemas.microsoft.com/office/drawing/2016/SVG/main" r:embed="rId7"/>
+              </a:ext>
+            </a:extLst>
+          </a:blip>
+          <a:stretch>
+            <a:fillRect/>
+          </a:stretch>
+        </p:blipFill>
+        <p:spPr>
+          <a:xfrm rot="20244722">
+            <a:off x="740401" y="7650755"/>
+            <a:ext cx="2086897" cy="2086897"/>
+          </a:xfrm>
+          <a:prstGeom prst="rect">
+            <a:avLst/>
+          </a:prstGeom>
+        </p:spPr>
+      </p:pic>
     </p:spTree>
     <p:extLst>
       <p:ext uri="{BB962C8B-B14F-4D97-AF65-F5344CB8AC3E}">
-        <p14:creationId xmlns:p14="http://schemas.microsoft.com/office/powerpoint/2010/main" val="1629572527"/>
+        <p14:creationId xmlns:p14="http://schemas.microsoft.com/office/powerpoint/2010/main" val="2952934350"/>
       </p:ext>
     </p:extLst>
   </p:cSld>
   <p:clrMapOvr>
     <a:masterClrMapping/>
   </p:clrMapOvr>
+  <p:timing>
+    <p:tnLst>
+      <p:par>
+        <p:cTn id="1" dur="indefinite" restart="never" nodeType="tmRoot">
+          <p:childTnLst>
+            <p:seq concurrent="1" nextAc="seek">
+              <p:cTn id="2" dur="indefinite" nodeType="mainSeq">
+                <p:childTnLst>
+                  <p:par>
+                    <p:cTn id="3" fill="hold">
+                      <p:stCondLst>
+                        <p:cond delay="indefinite"/>
+                      </p:stCondLst>
+                      <p:childTnLst>
+                        <p:par>
+                          <p:cTn id="4" fill="hold">
+                            <p:stCondLst>
+                              <p:cond delay="0"/>
+                            </p:stCondLst>
+                            <p:childTnLst>
+                              <p:par>
+                                <p:cTn id="5" presetID="14" presetClass="entr" presetSubtype="10" fill="hold" grpId="0" nodeType="clickEffect">
+                                  <p:stCondLst>
+                                    <p:cond delay="0"/>
+                                  </p:stCondLst>
+                                  <p:childTnLst>
+                                    <p:set>
+                                      <p:cBhvr>
+                                        <p:cTn id="6" dur="1" fill="hold">
+                                          <p:stCondLst>
+                                            <p:cond delay="0"/>
+                                          </p:stCondLst>
+                                        </p:cTn>
+                                        <p:tgtEl>
+                                          <p:spTgt spid="2"/>
+                                        </p:tgtEl>
+                                        <p:attrNameLst>
+                                          <p:attrName>style.visibility</p:attrName>
+                                        </p:attrNameLst>
+                                      </p:cBhvr>
+                                      <p:to>
+                                        <p:strVal val="visible"/>
+                                      </p:to>
+                                    </p:set>
+                                    <p:animEffect transition="in" filter="randombar(horizontal)">
+                                      <p:cBhvr>
+                                        <p:cTn id="7" dur="1000"/>
+                                        <p:tgtEl>
+                                          <p:spTgt spid="2"/>
+                                        </p:tgtEl>
+                                      </p:cBhvr>
+                                    </p:animEffect>
+                                  </p:childTnLst>
+                                </p:cTn>
+                              </p:par>
+                            </p:childTnLst>
+                          </p:cTn>
+                        </p:par>
+                      </p:childTnLst>
+                    </p:cTn>
+                  </p:par>
+                </p:childTnLst>
+              </p:cTn>
+              <p:prevCondLst>
+                <p:cond evt="onPrev" delay="0">
+                  <p:tgtEl>
+                    <p:sldTgt/>
+                  </p:tgtEl>
+                </p:cond>
+              </p:prevCondLst>
+              <p:nextCondLst>
+                <p:cond evt="onNext" delay="0">
+                  <p:tgtEl>
+                    <p:sldTgt/>
+                  </p:tgtEl>
+                </p:cond>
+              </p:nextCondLst>
+            </p:seq>
+          </p:childTnLst>
+        </p:cTn>
+      </p:par>
+    </p:tnLst>
+    <p:bldLst>
+      <p:bldP spid="2" grpId="0"/>
+    </p:bldLst>
+  </p:timing>
 </p:sld>
 </file>
 
@@ -13096,223 +15843,411 @@
           <a:chExt cx="0" cy="0"/>
         </a:xfrm>
       </p:grpSpPr>
-      <p:sp>
-        <p:nvSpPr>
-          <p:cNvPr id="2" name="Text Placeholder 1">
-            <a:extLst>
-              <a:ext uri="{FF2B5EF4-FFF2-40B4-BE49-F238E27FC236}">
-                <a16:creationId xmlns:a16="http://schemas.microsoft.com/office/drawing/2014/main" id="{91F66F5D-C043-3647-9565-4AA5F19AE050}"/>
-              </a:ext>
-            </a:extLst>
-          </p:cNvPr>
-          <p:cNvSpPr>
-            <a:spLocks noGrp="1"/>
+      <p:pic>
+        <p:nvPicPr>
+          <p:cNvPr id="1030" name="Picture 6">
+            <a:extLst>
+              <a:ext uri="{FF2B5EF4-FFF2-40B4-BE49-F238E27FC236}">
+                <a16:creationId xmlns:a16="http://schemas.microsoft.com/office/drawing/2014/main" id="{E54C3BF4-D4C6-0C4D-8A9A-942CE58B46C2}"/>
+              </a:ext>
+            </a:extLst>
+          </p:cNvPr>
+          <p:cNvPicPr>
+            <a:picLocks noChangeAspect="1" noChangeArrowheads="1"/>
+          </p:cNvPicPr>
+          <p:nvPr/>
+        </p:nvPicPr>
+        <p:blipFill>
+          <a:blip r:embed="rId2">
+            <a:extLst>
+              <a:ext uri="{28A0092B-C50C-407E-A947-70E740481C1C}">
+                <a14:useLocalDpi xmlns:a14="http://schemas.microsoft.com/office/drawing/2010/main" val="0"/>
+              </a:ext>
+            </a:extLst>
+          </a:blip>
+          <a:srcRect/>
+          <a:stretch>
+            <a:fillRect/>
+          </a:stretch>
+        </p:blipFill>
+        <p:spPr bwMode="auto">
+          <a:xfrm>
+            <a:off x="214693" y="2078243"/>
+            <a:ext cx="5699023" cy="3673628"/>
+          </a:xfrm>
+          <a:prstGeom prst="rect">
+            <a:avLst/>
+          </a:prstGeom>
+          <a:noFill/>
+          <a:extLst>
+            <a:ext uri="{909E8E84-426E-40DD-AFC4-6F175D3DCCD1}">
+              <a14:hiddenFill xmlns:a14="http://schemas.microsoft.com/office/drawing/2010/main">
+                <a:solidFill>
+                  <a:srgbClr val="FFFFFF"/>
+                </a:solidFill>
+              </a14:hiddenFill>
+            </a:ext>
+          </a:extLst>
+        </p:spPr>
+      </p:pic>
+      <p:sp>
+        <p:nvSpPr>
+          <p:cNvPr id="7" name="Title 1">
+            <a:extLst>
+              <a:ext uri="{FF2B5EF4-FFF2-40B4-BE49-F238E27FC236}">
+                <a16:creationId xmlns:a16="http://schemas.microsoft.com/office/drawing/2014/main" id="{C48EC513-0BAE-9D45-9C8C-FEC83A13B6B5}"/>
+              </a:ext>
+            </a:extLst>
+          </p:cNvPr>
+          <p:cNvSpPr txBox="1">
+            <a:spLocks/>
           </p:cNvSpPr>
-          <p:nvPr>
-            <p:ph type="body" sz="quarter" idx="10"/>
-          </p:nvPr>
-        </p:nvSpPr>
-        <p:spPr/>
-        <p:txBody>
-          <a:bodyPr/>
-          <a:lstStyle/>
-          <a:p>
-            <a:r>
-              <a:rPr lang="en-US" dirty="0"/>
-              <a:t>Lorem ipsum dolor sit amet, consectetur adipiscing elit, sed do eiusmod Lorem ipsum dolor sit amet, consectetur adipiscing elit.</a:t>
-            </a:r>
-          </a:p>
-          <a:p>
-            <a:endParaRPr lang="en-US" dirty="0"/>
-          </a:p>
-        </p:txBody>
-      </p:sp>
-      <p:sp>
-        <p:nvSpPr>
-          <p:cNvPr id="3" name="Text Placeholder 2">
-            <a:extLst>
-              <a:ext uri="{FF2B5EF4-FFF2-40B4-BE49-F238E27FC236}">
-                <a16:creationId xmlns:a16="http://schemas.microsoft.com/office/drawing/2014/main" id="{66ED0322-6048-4E48-B93F-AD452622DF4A}"/>
-              </a:ext>
-            </a:extLst>
-          </p:cNvPr>
-          <p:cNvSpPr>
-            <a:spLocks noGrp="1"/>
-          </p:cNvSpPr>
-          <p:nvPr>
-            <p:ph type="body" sz="quarter" idx="11"/>
-          </p:nvPr>
-        </p:nvSpPr>
-        <p:spPr/>
-        <p:txBody>
-          <a:bodyPr/>
-          <a:lstStyle/>
-          <a:p>
-            <a:r>
-              <a:rPr lang="en-US" dirty="0"/>
-              <a:t>Lorem ipsum dolor sit amet, consectetur adipiscing elit, sed do eiusmod Lorem ipsum dolor sit amet, consectetur adipiscing elit.</a:t>
-            </a:r>
-          </a:p>
-          <a:p>
-            <a:endParaRPr lang="en-US" dirty="0"/>
-          </a:p>
-        </p:txBody>
-      </p:sp>
-      <p:sp>
-        <p:nvSpPr>
-          <p:cNvPr id="4" name="Text Placeholder 3">
-            <a:extLst>
-              <a:ext uri="{FF2B5EF4-FFF2-40B4-BE49-F238E27FC236}">
-                <a16:creationId xmlns:a16="http://schemas.microsoft.com/office/drawing/2014/main" id="{917B2698-71B5-EA4F-8291-9E422C5E6746}"/>
-              </a:ext>
-            </a:extLst>
-          </p:cNvPr>
-          <p:cNvSpPr>
-            <a:spLocks noGrp="1"/>
-          </p:cNvSpPr>
-          <p:nvPr>
-            <p:ph type="body" sz="quarter" idx="12"/>
-          </p:nvPr>
-        </p:nvSpPr>
-        <p:spPr/>
-        <p:txBody>
-          <a:bodyPr>
+          <p:nvPr/>
+        </p:nvSpPr>
+        <p:spPr>
+          <a:xfrm>
+            <a:off x="709888" y="825910"/>
+            <a:ext cx="5395557" cy="988569"/>
+          </a:xfrm>
+          <a:prstGeom prst="rect">
+            <a:avLst/>
+          </a:prstGeom>
+        </p:spPr>
+        <p:txBody>
+          <a:bodyPr vert="horz" lIns="91440" tIns="45720" rIns="91440" bIns="45720" rtlCol="0" anchor="b">
             <a:normAutofit/>
           </a:bodyPr>
-          <a:lstStyle/>
+          <a:lstStyle>
+            <a:lvl1pPr algn="l" defTabSz="388620" rtl="0" eaLnBrk="1" latinLnBrk="0" hangingPunct="1">
+              <a:spcBef>
+                <a:spcPct val="0"/>
+              </a:spcBef>
+              <a:buNone/>
+              <a:defRPr sz="2040" b="0" kern="1200">
+                <a:solidFill>
+                  <a:schemeClr val="accent1"/>
+                </a:solidFill>
+                <a:latin typeface="+mj-lt"/>
+                <a:ea typeface="+mj-ea"/>
+                <a:cs typeface="+mj-cs"/>
+              </a:defRPr>
+            </a:lvl1pPr>
+            <a:lvl2pPr eaLnBrk="1" hangingPunct="1">
+              <a:defRPr>
+                <a:solidFill>
+                  <a:schemeClr val="tx2"/>
+                </a:solidFill>
+              </a:defRPr>
+            </a:lvl2pPr>
+            <a:lvl3pPr eaLnBrk="1" hangingPunct="1">
+              <a:defRPr>
+                <a:solidFill>
+                  <a:schemeClr val="tx2"/>
+                </a:solidFill>
+              </a:defRPr>
+            </a:lvl3pPr>
+            <a:lvl4pPr eaLnBrk="1" hangingPunct="1">
+              <a:defRPr>
+                <a:solidFill>
+                  <a:schemeClr val="tx2"/>
+                </a:solidFill>
+              </a:defRPr>
+            </a:lvl4pPr>
+            <a:lvl5pPr eaLnBrk="1" hangingPunct="1">
+              <a:defRPr>
+                <a:solidFill>
+                  <a:schemeClr val="tx2"/>
+                </a:solidFill>
+              </a:defRPr>
+            </a:lvl5pPr>
+            <a:lvl6pPr eaLnBrk="1" hangingPunct="1">
+              <a:defRPr>
+                <a:solidFill>
+                  <a:schemeClr val="tx2"/>
+                </a:solidFill>
+              </a:defRPr>
+            </a:lvl6pPr>
+            <a:lvl7pPr eaLnBrk="1" hangingPunct="1">
+              <a:defRPr>
+                <a:solidFill>
+                  <a:schemeClr val="tx2"/>
+                </a:solidFill>
+              </a:defRPr>
+            </a:lvl7pPr>
+            <a:lvl8pPr eaLnBrk="1" hangingPunct="1">
+              <a:defRPr>
+                <a:solidFill>
+                  <a:schemeClr val="tx2"/>
+                </a:solidFill>
+              </a:defRPr>
+            </a:lvl8pPr>
+            <a:lvl9pPr eaLnBrk="1" hangingPunct="1">
+              <a:defRPr>
+                <a:solidFill>
+                  <a:schemeClr val="tx2"/>
+                </a:solidFill>
+              </a:defRPr>
+            </a:lvl9pPr>
+          </a:lstStyle>
           <a:p>
             <a:r>
               <a:rPr lang="en-US" dirty="0"/>
-              <a:t>FEATURE TITLE</a:t>
-            </a:r>
-          </a:p>
-        </p:txBody>
-      </p:sp>
-      <p:sp>
-        <p:nvSpPr>
-          <p:cNvPr id="5" name="Text Placeholder 4">
-            <a:extLst>
-              <a:ext uri="{FF2B5EF4-FFF2-40B4-BE49-F238E27FC236}">
-                <a16:creationId xmlns:a16="http://schemas.microsoft.com/office/drawing/2014/main" id="{A4E67D4A-6448-0E48-BC92-ABE4BA250B69}"/>
-              </a:ext>
-            </a:extLst>
-          </p:cNvPr>
-          <p:cNvSpPr>
-            <a:spLocks noGrp="1"/>
-          </p:cNvSpPr>
-          <p:nvPr>
-            <p:ph type="body" sz="quarter" idx="13"/>
-          </p:nvPr>
-        </p:nvSpPr>
-        <p:spPr/>
-        <p:txBody>
-          <a:bodyPr>
-            <a:normAutofit/>
-          </a:bodyPr>
-          <a:lstStyle/>
-          <a:p>
-            <a:r>
-              <a:rPr lang="en-US" dirty="0"/>
-              <a:t>FEATURE TITLE</a:t>
-            </a:r>
-          </a:p>
-        </p:txBody>
-      </p:sp>
-      <p:sp>
-        <p:nvSpPr>
-          <p:cNvPr id="6" name="Text Placeholder 5">
-            <a:extLst>
-              <a:ext uri="{FF2B5EF4-FFF2-40B4-BE49-F238E27FC236}">
-                <a16:creationId xmlns:a16="http://schemas.microsoft.com/office/drawing/2014/main" id="{2E195014-15EA-FA44-A689-47F0DDB88820}"/>
-              </a:ext>
-            </a:extLst>
-          </p:cNvPr>
-          <p:cNvSpPr>
-            <a:spLocks noGrp="1"/>
-          </p:cNvSpPr>
-          <p:nvPr>
-            <p:ph type="body" sz="quarter" idx="15"/>
-          </p:nvPr>
-        </p:nvSpPr>
-        <p:spPr/>
-        <p:txBody>
-          <a:bodyPr/>
-          <a:lstStyle/>
-          <a:p>
-            <a:endParaRPr lang="en-US" dirty="0"/>
-          </a:p>
-        </p:txBody>
-      </p:sp>
-      <p:sp>
-        <p:nvSpPr>
-          <p:cNvPr id="7" name="Text Placeholder 6">
-            <a:extLst>
-              <a:ext uri="{FF2B5EF4-FFF2-40B4-BE49-F238E27FC236}">
-                <a16:creationId xmlns:a16="http://schemas.microsoft.com/office/drawing/2014/main" id="{849FDC09-6F3E-0A44-8BAD-E6FC08CC013F}"/>
-              </a:ext>
-            </a:extLst>
-          </p:cNvPr>
-          <p:cNvSpPr>
-            <a:spLocks noGrp="1"/>
-          </p:cNvSpPr>
-          <p:nvPr>
-            <p:ph type="body" sz="quarter" idx="16"/>
-          </p:nvPr>
-        </p:nvSpPr>
-        <p:spPr/>
-        <p:txBody>
-          <a:bodyPr>
-            <a:normAutofit fontScale="85000" lnSpcReduction="10000"/>
-          </a:bodyPr>
-          <a:lstStyle/>
-          <a:p>
-            <a:r>
-              <a:rPr lang="en-US" dirty="0"/>
-              <a:t>JANUARY [YEAR]</a:t>
-            </a:r>
-          </a:p>
-        </p:txBody>
-      </p:sp>
-      <p:sp>
-        <p:nvSpPr>
-          <p:cNvPr id="8" name="Title 7">
-            <a:extLst>
-              <a:ext uri="{FF2B5EF4-FFF2-40B4-BE49-F238E27FC236}">
-                <a16:creationId xmlns:a16="http://schemas.microsoft.com/office/drawing/2014/main" id="{CC2E676A-0E5D-B946-92F0-D7C96AEB7529}"/>
-              </a:ext>
-            </a:extLst>
-          </p:cNvPr>
-          <p:cNvSpPr>
-            <a:spLocks noGrp="1"/>
-          </p:cNvSpPr>
-          <p:nvPr>
-            <p:ph type="title"/>
-          </p:nvPr>
-        </p:nvSpPr>
-        <p:spPr/>
-        <p:txBody>
-          <a:bodyPr>
-            <a:normAutofit fontScale="90000"/>
-          </a:bodyPr>
-          <a:lstStyle/>
-          <a:p>
-            <a:r>
-              <a:rPr lang="en-US" dirty="0"/>
-              <a:t>CINEMA</a:t>
-            </a:r>
-          </a:p>
-        </p:txBody>
-      </p:sp>
+              <a:t>Box Office Revenue for the winner of Best Picture each year</a:t>
+            </a:r>
+          </a:p>
+        </p:txBody>
+      </p:sp>
+      <p:pic>
+        <p:nvPicPr>
+          <p:cNvPr id="2054" name="Picture 6">
+            <a:extLst>
+              <a:ext uri="{FF2B5EF4-FFF2-40B4-BE49-F238E27FC236}">
+                <a16:creationId xmlns:a16="http://schemas.microsoft.com/office/drawing/2014/main" id="{FB6B6C57-3644-B047-B909-3DB74F2ED619}"/>
+              </a:ext>
+            </a:extLst>
+          </p:cNvPr>
+          <p:cNvPicPr>
+            <a:picLocks noChangeAspect="1" noChangeArrowheads="1"/>
+          </p:cNvPicPr>
+          <p:nvPr/>
+        </p:nvPicPr>
+        <p:blipFill>
+          <a:blip r:embed="rId3">
+            <a:extLst>
+              <a:ext uri="{28A0092B-C50C-407E-A947-70E740481C1C}">
+                <a14:useLocalDpi xmlns:a14="http://schemas.microsoft.com/office/drawing/2010/main" val="0"/>
+              </a:ext>
+            </a:extLst>
+          </a:blip>
+          <a:srcRect/>
+          <a:stretch>
+            <a:fillRect/>
+          </a:stretch>
+        </p:blipFill>
+        <p:spPr bwMode="auto">
+          <a:xfrm>
+            <a:off x="214692" y="5868155"/>
+            <a:ext cx="5890753" cy="3999314"/>
+          </a:xfrm>
+          <a:prstGeom prst="rect">
+            <a:avLst/>
+          </a:prstGeom>
+          <a:noFill/>
+          <a:extLst>
+            <a:ext uri="{909E8E84-426E-40DD-AFC4-6F175D3DCCD1}">
+              <a14:hiddenFill xmlns:a14="http://schemas.microsoft.com/office/drawing/2010/main">
+                <a:solidFill>
+                  <a:srgbClr val="FFFFFF"/>
+                </a:solidFill>
+              </a14:hiddenFill>
+            </a:ext>
+          </a:extLst>
+        </p:spPr>
+      </p:pic>
     </p:spTree>
     <p:extLst>
       <p:ext uri="{BB962C8B-B14F-4D97-AF65-F5344CB8AC3E}">
-        <p14:creationId xmlns:p14="http://schemas.microsoft.com/office/powerpoint/2010/main" val="2512527782"/>
+        <p14:creationId xmlns:p14="http://schemas.microsoft.com/office/powerpoint/2010/main" val="3191447650"/>
       </p:ext>
     </p:extLst>
   </p:cSld>
   <p:clrMapOvr>
     <a:masterClrMapping/>
   </p:clrMapOvr>
+  <p:timing>
+    <p:tnLst>
+      <p:par>
+        <p:cTn id="1" dur="indefinite" restart="never" nodeType="tmRoot">
+          <p:childTnLst>
+            <p:seq concurrent="1" nextAc="seek">
+              <p:cTn id="2" dur="indefinite" nodeType="mainSeq">
+                <p:childTnLst>
+                  <p:par>
+                    <p:cTn id="3" fill="hold">
+                      <p:stCondLst>
+                        <p:cond delay="indefinite"/>
+                      </p:stCondLst>
+                      <p:childTnLst>
+                        <p:par>
+                          <p:cTn id="4" fill="hold">
+                            <p:stCondLst>
+                              <p:cond delay="0"/>
+                            </p:stCondLst>
+                            <p:childTnLst>
+                              <p:par>
+                                <p:cTn id="5" presetID="2" presetClass="entr" presetSubtype="2" decel="50000" fill="hold" nodeType="clickEffect">
+                                  <p:stCondLst>
+                                    <p:cond delay="0"/>
+                                  </p:stCondLst>
+                                  <p:childTnLst>
+                                    <p:set>
+                                      <p:cBhvr>
+                                        <p:cTn id="6" dur="1" fill="hold">
+                                          <p:stCondLst>
+                                            <p:cond delay="0"/>
+                                          </p:stCondLst>
+                                        </p:cTn>
+                                        <p:tgtEl>
+                                          <p:spTgt spid="1030"/>
+                                        </p:tgtEl>
+                                        <p:attrNameLst>
+                                          <p:attrName>style.visibility</p:attrName>
+                                        </p:attrNameLst>
+                                      </p:cBhvr>
+                                      <p:to>
+                                        <p:strVal val="visible"/>
+                                      </p:to>
+                                    </p:set>
+                                    <p:anim calcmode="lin" valueType="num">
+                                      <p:cBhvr additive="base">
+                                        <p:cTn id="7" dur="2000" fill="hold"/>
+                                        <p:tgtEl>
+                                          <p:spTgt spid="1030"/>
+                                        </p:tgtEl>
+                                        <p:attrNameLst>
+                                          <p:attrName>ppt_x</p:attrName>
+                                        </p:attrNameLst>
+                                      </p:cBhvr>
+                                      <p:tavLst>
+                                        <p:tav tm="0">
+                                          <p:val>
+                                            <p:strVal val="1+#ppt_w/2"/>
+                                          </p:val>
+                                        </p:tav>
+                                        <p:tav tm="100000">
+                                          <p:val>
+                                            <p:strVal val="#ppt_x"/>
+                                          </p:val>
+                                        </p:tav>
+                                      </p:tavLst>
+                                    </p:anim>
+                                    <p:anim calcmode="lin" valueType="num">
+                                      <p:cBhvr additive="base">
+                                        <p:cTn id="8" dur="2000" fill="hold"/>
+                                        <p:tgtEl>
+                                          <p:spTgt spid="1030"/>
+                                        </p:tgtEl>
+                                        <p:attrNameLst>
+                                          <p:attrName>ppt_y</p:attrName>
+                                        </p:attrNameLst>
+                                      </p:cBhvr>
+                                      <p:tavLst>
+                                        <p:tav tm="0">
+                                          <p:val>
+                                            <p:strVal val="#ppt_y"/>
+                                          </p:val>
+                                        </p:tav>
+                                        <p:tav tm="100000">
+                                          <p:val>
+                                            <p:strVal val="#ppt_y"/>
+                                          </p:val>
+                                        </p:tav>
+                                      </p:tavLst>
+                                    </p:anim>
+                                  </p:childTnLst>
+                                </p:cTn>
+                              </p:par>
+                              <p:par>
+                                <p:cTn id="9" presetID="2" presetClass="entr" presetSubtype="8" decel="50000" fill="hold" nodeType="withEffect">
+                                  <p:stCondLst>
+                                    <p:cond delay="500"/>
+                                  </p:stCondLst>
+                                  <p:childTnLst>
+                                    <p:set>
+                                      <p:cBhvr>
+                                        <p:cTn id="10" dur="1" fill="hold">
+                                          <p:stCondLst>
+                                            <p:cond delay="0"/>
+                                          </p:stCondLst>
+                                        </p:cTn>
+                                        <p:tgtEl>
+                                          <p:spTgt spid="2054"/>
+                                        </p:tgtEl>
+                                        <p:attrNameLst>
+                                          <p:attrName>style.visibility</p:attrName>
+                                        </p:attrNameLst>
+                                      </p:cBhvr>
+                                      <p:to>
+                                        <p:strVal val="visible"/>
+                                      </p:to>
+                                    </p:set>
+                                    <p:anim calcmode="lin" valueType="num">
+                                      <p:cBhvr additive="base">
+                                        <p:cTn id="11" dur="1000" fill="hold"/>
+                                        <p:tgtEl>
+                                          <p:spTgt spid="2054"/>
+                                        </p:tgtEl>
+                                        <p:attrNameLst>
+                                          <p:attrName>ppt_x</p:attrName>
+                                        </p:attrNameLst>
+                                      </p:cBhvr>
+                                      <p:tavLst>
+                                        <p:tav tm="0">
+                                          <p:val>
+                                            <p:strVal val="0-#ppt_w/2"/>
+                                          </p:val>
+                                        </p:tav>
+                                        <p:tav tm="100000">
+                                          <p:val>
+                                            <p:strVal val="#ppt_x"/>
+                                          </p:val>
+                                        </p:tav>
+                                      </p:tavLst>
+                                    </p:anim>
+                                    <p:anim calcmode="lin" valueType="num">
+                                      <p:cBhvr additive="base">
+                                        <p:cTn id="12" dur="1000" fill="hold"/>
+                                        <p:tgtEl>
+                                          <p:spTgt spid="2054"/>
+                                        </p:tgtEl>
+                                        <p:attrNameLst>
+                                          <p:attrName>ppt_y</p:attrName>
+                                        </p:attrNameLst>
+                                      </p:cBhvr>
+                                      <p:tavLst>
+                                        <p:tav tm="0">
+                                          <p:val>
+                                            <p:strVal val="#ppt_y"/>
+                                          </p:val>
+                                        </p:tav>
+                                        <p:tav tm="100000">
+                                          <p:val>
+                                            <p:strVal val="#ppt_y"/>
+                                          </p:val>
+                                        </p:tav>
+                                      </p:tavLst>
+                                    </p:anim>
+                                  </p:childTnLst>
+                                </p:cTn>
+                              </p:par>
+                            </p:childTnLst>
+                          </p:cTn>
+                        </p:par>
+                      </p:childTnLst>
+                    </p:cTn>
+                  </p:par>
+                </p:childTnLst>
+              </p:cTn>
+              <p:prevCondLst>
+                <p:cond evt="onPrev" delay="0">
+                  <p:tgtEl>
+                    <p:sldTgt/>
+                  </p:tgtEl>
+                </p:cond>
+              </p:prevCondLst>
+              <p:nextCondLst>
+                <p:cond evt="onNext" delay="0">
+                  <p:tgtEl>
+                    <p:sldTgt/>
+                  </p:tgtEl>
+                </p:cond>
+              </p:nextCondLst>
+            </p:seq>
+          </p:childTnLst>
+        </p:cTn>
+      </p:par>
+    </p:tnLst>
+  </p:timing>
 </p:sld>
 </file>
 
@@ -13570,6 +16505,14 @@
 </file>
 
 <file path=customXml/item1.xml><?xml version="1.0" encoding="utf-8"?>
+<p:properties xmlns:p="http://schemas.microsoft.com/office/2006/metadata/properties" xmlns:xsi="http://www.w3.org/2001/XMLSchema-instance" xmlns:pc="http://schemas.microsoft.com/office/infopath/2007/PartnerControls">
+  <documentManagement>
+    <MediaServiceKeyPoints xmlns="ef88797d-310b-4d46-ad9c-0c23fa0c8d45" xsi:nil="true"/>
+  </documentManagement>
+</p:properties>
+</file>
+
+<file path=customXml/item2.xml><?xml version="1.0" encoding="utf-8"?>
 <ct:contentTypeSchema xmlns:ct="http://schemas.microsoft.com/office/2006/metadata/contentType" xmlns:ma="http://schemas.microsoft.com/office/2006/metadata/properties/metaAttributes" ct:_="" ma:_="" ma:contentTypeName="Document" ma:contentTypeID="0x0101005F02E0EF7D44C04B9FA644DBFF45FF6A" ma:contentTypeVersion="13" ma:contentTypeDescription="Create a new document." ma:contentTypeScope="" ma:versionID="206b9469efed5238e3299da57cdc015e">
   <xsd:schema xmlns:xsd="http://www.w3.org/2001/XMLSchema" xmlns:xs="http://www.w3.org/2001/XMLSchema" xmlns:p="http://schemas.microsoft.com/office/2006/metadata/properties" xmlns:ns2="876de33e-aaa5-4507-9b92-b84e676ded0d" xmlns:ns3="ef88797d-310b-4d46-ad9c-0c23fa0c8d45" targetNamespace="http://schemas.microsoft.com/office/2006/metadata/properties" ma:root="true" ma:fieldsID="281ed500249cd3fe925a7af84a8b56c4" ns2:_="" ns3:_="">
     <xsd:import namespace="876de33e-aaa5-4507-9b92-b84e676ded0d"/>
@@ -13792,14 +16735,6 @@
 </ct:contentTypeSchema>
 </file>
 
-<file path=customXml/item2.xml><?xml version="1.0" encoding="utf-8"?>
-<p:properties xmlns:p="http://schemas.microsoft.com/office/2006/metadata/properties" xmlns:xsi="http://www.w3.org/2001/XMLSchema-instance" xmlns:pc="http://schemas.microsoft.com/office/infopath/2007/PartnerControls">
-  <documentManagement>
-    <MediaServiceKeyPoints xmlns="ef88797d-310b-4d46-ad9c-0c23fa0c8d45" xsi:nil="true"/>
-  </documentManagement>
-</p:properties>
-</file>
-
 <file path=customXml/item3.xml><?xml version="1.0" encoding="utf-8"?>
 <?mso-contentType ?>
 <FormTemplates xmlns="http://schemas.microsoft.com/sharepoint/v3/contenttype/forms">
@@ -13810,6 +16745,16 @@
 </file>
 
 <file path=customXml/itemProps1.xml><?xml version="1.0" encoding="utf-8"?>
+<ds:datastoreItem xmlns:ds="http://schemas.openxmlformats.org/officeDocument/2006/customXml" ds:itemID="{52924D36-B4C1-4B06-A9EC-CDCE768B3FD3}">
+  <ds:schemaRefs>
+    <ds:schemaRef ds:uri="http://schemas.microsoft.com/office/2006/metadata/properties"/>
+    <ds:schemaRef ds:uri="http://schemas.microsoft.com/office/infopath/2007/PartnerControls"/>
+    <ds:schemaRef ds:uri="ef88797d-310b-4d46-ad9c-0c23fa0c8d45"/>
+  </ds:schemaRefs>
+</ds:datastoreItem>
+</file>
+
+<file path=customXml/itemProps2.xml><?xml version="1.0" encoding="utf-8"?>
 <ds:datastoreItem xmlns:ds="http://schemas.openxmlformats.org/officeDocument/2006/customXml" ds:itemID="{D4DD53C0-11D2-4509-936F-323E14647893}">
   <ds:schemaRefs>
     <ds:schemaRef ds:uri="http://schemas.microsoft.com/office/2006/metadata/contentType"/>
@@ -13828,16 +16773,6 @@
 </ds:datastoreItem>
 </file>
 
-<file path=customXml/itemProps2.xml><?xml version="1.0" encoding="utf-8"?>
-<ds:datastoreItem xmlns:ds="http://schemas.openxmlformats.org/officeDocument/2006/customXml" ds:itemID="{52924D36-B4C1-4B06-A9EC-CDCE768B3FD3}">
-  <ds:schemaRefs>
-    <ds:schemaRef ds:uri="http://schemas.microsoft.com/office/2006/metadata/properties"/>
-    <ds:schemaRef ds:uri="http://schemas.microsoft.com/office/infopath/2007/PartnerControls"/>
-    <ds:schemaRef ds:uri="ef88797d-310b-4d46-ad9c-0c23fa0c8d45"/>
-  </ds:schemaRefs>
-</ds:datastoreItem>
-</file>
-
 <file path=customXml/itemProps3.xml><?xml version="1.0" encoding="utf-8"?>
 <ds:datastoreItem xmlns:ds="http://schemas.openxmlformats.org/officeDocument/2006/customXml" ds:itemID="{CFB929D3-A7CA-4AB1-8061-FCB8D56D3FEE}">
   <ds:schemaRefs>

--- a/ANALYZING THE OSCARS.pptx
+++ b/ANALYZING THE OSCARS.pptx
@@ -14,6 +14,8 @@
     <p:sldId id="272" r:id="rId11"/>
     <p:sldId id="273" r:id="rId12"/>
     <p:sldId id="274" r:id="rId13"/>
+    <p:sldId id="275" r:id="rId14"/>
+    <p:sldId id="276" r:id="rId15"/>
   </p:sldIdLst>
   <p:sldSz cx="7772400" cy="10058400"/>
   <p:notesSz cx="6858000" cy="9144000"/>
@@ -126,6 +128,8 @@
             <p14:sldId id="272"/>
             <p14:sldId id="273"/>
             <p14:sldId id="274"/>
+            <p14:sldId id="275"/>
+            <p14:sldId id="276"/>
           </p14:sldIdLst>
         </p14:section>
       </p14:sectionLst>
@@ -942,7 +946,7 @@
           <a:p>
             <a:fld id="{5A00D5ED-7015-4264-9BFD-2CE1D41834D8}" type="datetimeFigureOut">
               <a:rPr lang="en-US" smtClean="0"/>
-              <a:t>5/6/2021</a:t>
+              <a:t>5/8/2021</a:t>
             </a:fld>
             <a:endParaRPr lang="en-US"/>
           </a:p>
@@ -1193,7 +1197,7 @@
           <a:p>
             <a:fld id="{5A00D5ED-7015-4264-9BFD-2CE1D41834D8}" type="datetimeFigureOut">
               <a:rPr lang="en-US" smtClean="0"/>
-              <a:t>5/6/2021</a:t>
+              <a:t>5/8/2021</a:t>
             </a:fld>
             <a:endParaRPr lang="en-US"/>
           </a:p>
@@ -1507,7 +1511,7 @@
           <a:p>
             <a:fld id="{5A00D5ED-7015-4264-9BFD-2CE1D41834D8}" type="datetimeFigureOut">
               <a:rPr lang="en-US" smtClean="0"/>
-              <a:t>5/6/2021</a:t>
+              <a:t>5/8/2021</a:t>
             </a:fld>
             <a:endParaRPr lang="en-US"/>
           </a:p>
@@ -1840,7 +1844,7 @@
           <a:p>
             <a:fld id="{5A00D5ED-7015-4264-9BFD-2CE1D41834D8}" type="datetimeFigureOut">
               <a:rPr lang="en-US" smtClean="0"/>
-              <a:t>5/6/2021</a:t>
+              <a:t>5/8/2021</a:t>
             </a:fld>
             <a:endParaRPr lang="en-US"/>
           </a:p>
@@ -2154,7 +2158,7 @@
           <a:p>
             <a:fld id="{5A00D5ED-7015-4264-9BFD-2CE1D41834D8}" type="datetimeFigureOut">
               <a:rPr lang="en-US" smtClean="0"/>
-              <a:t>5/6/2021</a:t>
+              <a:t>5/8/2021</a:t>
             </a:fld>
             <a:endParaRPr lang="en-US"/>
           </a:p>
@@ -2547,7 +2551,7 @@
           <a:p>
             <a:fld id="{5A00D5ED-7015-4264-9BFD-2CE1D41834D8}" type="datetimeFigureOut">
               <a:rPr lang="en-US" smtClean="0"/>
-              <a:t>5/6/2021</a:t>
+              <a:t>5/8/2021</a:t>
             </a:fld>
             <a:endParaRPr lang="en-US"/>
           </a:p>
@@ -2717,7 +2721,7 @@
           <a:p>
             <a:fld id="{5A00D5ED-7015-4264-9BFD-2CE1D41834D8}" type="datetimeFigureOut">
               <a:rPr lang="en-US" smtClean="0"/>
-              <a:t>5/6/2021</a:t>
+              <a:t>5/8/2021</a:t>
             </a:fld>
             <a:endParaRPr lang="en-US"/>
           </a:p>
@@ -2897,7 +2901,7 @@
           <a:p>
             <a:fld id="{5A00D5ED-7015-4264-9BFD-2CE1D41834D8}" type="datetimeFigureOut">
               <a:rPr lang="en-US" smtClean="0"/>
-              <a:t>5/6/2021</a:t>
+              <a:t>5/8/2021</a:t>
             </a:fld>
             <a:endParaRPr lang="en-US"/>
           </a:p>
@@ -5828,7 +5832,7 @@
           <a:p>
             <a:fld id="{5A00D5ED-7015-4264-9BFD-2CE1D41834D8}" type="datetimeFigureOut">
               <a:rPr lang="en-US" smtClean="0"/>
-              <a:t>5/6/2021</a:t>
+              <a:t>5/8/2021</a:t>
             </a:fld>
             <a:endParaRPr lang="en-US"/>
           </a:p>
@@ -7006,7 +7010,7 @@
           <a:p>
             <a:fld id="{5A00D5ED-7015-4264-9BFD-2CE1D41834D8}" type="datetimeFigureOut">
               <a:rPr lang="en-US" smtClean="0"/>
-              <a:t>5/6/2021</a:t>
+              <a:t>5/8/2021</a:t>
             </a:fld>
             <a:endParaRPr lang="en-US"/>
           </a:p>
@@ -7303,7 +7307,7 @@
           <a:p>
             <a:fld id="{5A00D5ED-7015-4264-9BFD-2CE1D41834D8}" type="datetimeFigureOut">
               <a:rPr lang="en-US" smtClean="0"/>
-              <a:t>5/6/2021</a:t>
+              <a:t>5/8/2021</a:t>
             </a:fld>
             <a:endParaRPr lang="en-US"/>
           </a:p>
@@ -7682,7 +7686,7 @@
           <a:p>
             <a:fld id="{5A00D5ED-7015-4264-9BFD-2CE1D41834D8}" type="datetimeFigureOut">
               <a:rPr lang="en-US" smtClean="0"/>
-              <a:t>5/6/2021</a:t>
+              <a:t>5/8/2021</a:t>
             </a:fld>
             <a:endParaRPr lang="en-US"/>
           </a:p>
@@ -7805,7 +7809,7 @@
           <a:p>
             <a:fld id="{5A00D5ED-7015-4264-9BFD-2CE1D41834D8}" type="datetimeFigureOut">
               <a:rPr lang="en-US" smtClean="0"/>
-              <a:t>5/6/2021</a:t>
+              <a:t>5/8/2021</a:t>
             </a:fld>
             <a:endParaRPr lang="en-US"/>
           </a:p>
@@ -7900,7 +7904,7 @@
           <a:p>
             <a:fld id="{5A00D5ED-7015-4264-9BFD-2CE1D41834D8}" type="datetimeFigureOut">
               <a:rPr lang="en-US" smtClean="0"/>
-              <a:t>5/6/2021</a:t>
+              <a:t>5/8/2021</a:t>
             </a:fld>
             <a:endParaRPr lang="en-US"/>
           </a:p>
@@ -8155,7 +8159,7 @@
           <a:p>
             <a:fld id="{5A00D5ED-7015-4264-9BFD-2CE1D41834D8}" type="datetimeFigureOut">
               <a:rPr lang="en-US" smtClean="0"/>
-              <a:t>5/6/2021</a:t>
+              <a:t>5/8/2021</a:t>
             </a:fld>
             <a:endParaRPr lang="en-US"/>
           </a:p>
@@ -8418,7 +8422,7 @@
           <a:p>
             <a:fld id="{5A00D5ED-7015-4264-9BFD-2CE1D41834D8}" type="datetimeFigureOut">
               <a:rPr lang="en-US" smtClean="0"/>
-              <a:t>5/6/2021</a:t>
+              <a:t>5/8/2021</a:t>
             </a:fld>
             <a:endParaRPr lang="en-US"/>
           </a:p>
@@ -9232,7 +9236,7 @@
           <a:p>
             <a:fld id="{5A00D5ED-7015-4264-9BFD-2CE1D41834D8}" type="datetimeFigureOut">
               <a:rPr lang="en-US" smtClean="0"/>
-              <a:t>5/6/2021</a:t>
+              <a:t>5/8/2021</a:t>
             </a:fld>
             <a:endParaRPr lang="en-US"/>
           </a:p>
@@ -10179,10 +10183,7 @@
               <a:rPr lang="en-US" dirty="0" err="1"/>
               <a:t>Gabrysiak</a:t>
             </a:r>
-            <a:r>
-              <a:rPr lang="en-US" dirty="0"/>
-              <a:t>.</a:t>
-            </a:r>
+            <a:endParaRPr lang="en-US" dirty="0"/>
           </a:p>
         </p:txBody>
       </p:sp>
@@ -10419,7 +10420,7 @@
         <p:spPr>
           <a:xfrm>
             <a:off x="1812924" y="4917988"/>
-            <a:ext cx="5008005" cy="2031325"/>
+            <a:ext cx="5008005" cy="2062103"/>
           </a:xfrm>
           <a:prstGeom prst="rect">
             <a:avLst/>
@@ -10454,7 +10455,7 @@
             </a:endParaRPr>
           </a:p>
           <a:p>
-            <a:endParaRPr lang="en-US" sz="1200" dirty="0">
+            <a:endParaRPr lang="en-US" sz="1400" dirty="0">
               <a:solidFill>
                 <a:schemeClr val="bg1"/>
               </a:solidFill>
@@ -11148,6 +11149,618 @@
 </p:sld>
 </file>
 
+<file path=ppt/slides/slide10.xml><?xml version="1.0" encoding="utf-8"?>
+<p:sld xmlns:a="http://schemas.openxmlformats.org/drawingml/2006/main" xmlns:r="http://schemas.openxmlformats.org/officeDocument/2006/relationships" xmlns:p="http://schemas.openxmlformats.org/presentationml/2006/main">
+  <p:cSld>
+    <p:spTree>
+      <p:nvGrpSpPr>
+        <p:cNvPr id="1" name=""/>
+        <p:cNvGrpSpPr/>
+        <p:nvPr/>
+      </p:nvGrpSpPr>
+      <p:grpSpPr>
+        <a:xfrm>
+          <a:off x="0" y="0"/>
+          <a:ext cx="0" cy="0"/>
+          <a:chOff x="0" y="0"/>
+          <a:chExt cx="0" cy="0"/>
+        </a:xfrm>
+      </p:grpSpPr>
+      <p:sp>
+        <p:nvSpPr>
+          <p:cNvPr id="5" name="TextBox 4">
+            <a:extLst>
+              <a:ext uri="{FF2B5EF4-FFF2-40B4-BE49-F238E27FC236}">
+                <a16:creationId xmlns:a16="http://schemas.microsoft.com/office/drawing/2014/main" id="{39A6E9A5-94AC-1344-A369-5E14B60C00E2}"/>
+              </a:ext>
+            </a:extLst>
+          </p:cNvPr>
+          <p:cNvSpPr txBox="1"/>
+          <p:nvPr/>
+        </p:nvSpPr>
+        <p:spPr>
+          <a:xfrm>
+            <a:off x="518159" y="782236"/>
+            <a:ext cx="5656474" cy="830997"/>
+          </a:xfrm>
+          <a:prstGeom prst="rect">
+            <a:avLst/>
+          </a:prstGeom>
+          <a:ln>
+            <a:noFill/>
+          </a:ln>
+        </p:spPr>
+        <p:style>
+          <a:lnRef idx="2">
+            <a:schemeClr val="accent1"/>
+          </a:lnRef>
+          <a:fillRef idx="1">
+            <a:schemeClr val="lt1"/>
+          </a:fillRef>
+          <a:effectRef idx="0">
+            <a:schemeClr val="accent1"/>
+          </a:effectRef>
+          <a:fontRef idx="minor">
+            <a:schemeClr val="dk1"/>
+          </a:fontRef>
+        </p:style>
+        <p:txBody>
+          <a:bodyPr wrap="square" rtlCol="0">
+            <a:spAutoFit/>
+          </a:bodyPr>
+          <a:lstStyle/>
+          <a:p>
+            <a:r>
+              <a:rPr lang="en-US" sz="2400" dirty="0">
+                <a:solidFill>
+                  <a:schemeClr val="accent2"/>
+                </a:solidFill>
+              </a:rPr>
+              <a:t>Are the Oscar winners rated higher by critics than the average viewer?</a:t>
+            </a:r>
+          </a:p>
+        </p:txBody>
+      </p:sp>
+      <p:sp>
+        <p:nvSpPr>
+          <p:cNvPr id="3" name="AutoShape 2">
+            <a:extLst>
+              <a:ext uri="{FF2B5EF4-FFF2-40B4-BE49-F238E27FC236}">
+                <a16:creationId xmlns:a16="http://schemas.microsoft.com/office/drawing/2014/main" id="{CC80BB7D-6F55-4C6B-BCE1-A7EC1BE9891D}"/>
+              </a:ext>
+            </a:extLst>
+          </p:cNvPr>
+          <p:cNvSpPr>
+            <a:spLocks noChangeAspect="1" noChangeArrowheads="1"/>
+          </p:cNvSpPr>
+          <p:nvPr/>
+        </p:nvSpPr>
+        <p:spPr bwMode="auto">
+          <a:xfrm>
+            <a:off x="-447040" y="4876800"/>
+            <a:ext cx="4485640" cy="4485640"/>
+          </a:xfrm>
+          <a:prstGeom prst="rect">
+            <a:avLst/>
+          </a:prstGeom>
+          <a:noFill/>
+          <a:extLst>
+            <a:ext uri="{909E8E84-426E-40DD-AFC4-6F175D3DCCD1}">
+              <a14:hiddenFill xmlns:a14="http://schemas.microsoft.com/office/drawing/2010/main">
+                <a:solidFill>
+                  <a:srgbClr val="FFFFFF"/>
+                </a:solidFill>
+              </a14:hiddenFill>
+            </a:ext>
+          </a:extLst>
+        </p:spPr>
+        <p:txBody>
+          <a:bodyPr vert="horz" wrap="square" lIns="91440" tIns="45720" rIns="91440" bIns="45720" numCol="1" anchor="t" anchorCtr="0" compatLnSpc="1">
+            <a:prstTxWarp prst="textNoShape">
+              <a:avLst/>
+            </a:prstTxWarp>
+          </a:bodyPr>
+          <a:lstStyle/>
+          <a:p>
+            <a:endParaRPr lang="en-US"/>
+          </a:p>
+        </p:txBody>
+      </p:sp>
+      <p:pic>
+        <p:nvPicPr>
+          <p:cNvPr id="9" name="Picture 8" descr="Chart, box and whisker chart&#10;&#10;Description automatically generated">
+            <a:extLst>
+              <a:ext uri="{FF2B5EF4-FFF2-40B4-BE49-F238E27FC236}">
+                <a16:creationId xmlns:a16="http://schemas.microsoft.com/office/drawing/2014/main" id="{0D406DB9-E35F-4E9C-AE4D-5B3490869720}"/>
+              </a:ext>
+            </a:extLst>
+          </p:cNvPr>
+          <p:cNvPicPr>
+            <a:picLocks noChangeAspect="1"/>
+          </p:cNvPicPr>
+          <p:nvPr/>
+        </p:nvPicPr>
+        <p:blipFill rotWithShape="1">
+          <a:blip r:embed="rId2"/>
+          <a:srcRect l="4608" r="48758"/>
+          <a:stretch/>
+        </p:blipFill>
+        <p:spPr>
+          <a:xfrm>
+            <a:off x="1795780" y="1860423"/>
+            <a:ext cx="3624580" cy="3454400"/>
+          </a:xfrm>
+          <a:prstGeom prst="rect">
+            <a:avLst/>
+          </a:prstGeom>
+        </p:spPr>
+      </p:pic>
+      <p:sp>
+        <p:nvSpPr>
+          <p:cNvPr id="14" name="TextBox 13">
+            <a:extLst>
+              <a:ext uri="{FF2B5EF4-FFF2-40B4-BE49-F238E27FC236}">
+                <a16:creationId xmlns:a16="http://schemas.microsoft.com/office/drawing/2014/main" id="{A2B6BB64-CF18-4E1A-AF92-1484BBCA1532}"/>
+              </a:ext>
+            </a:extLst>
+          </p:cNvPr>
+          <p:cNvSpPr txBox="1"/>
+          <p:nvPr/>
+        </p:nvSpPr>
+        <p:spPr>
+          <a:xfrm>
+            <a:off x="601801" y="5449378"/>
+            <a:ext cx="6314153" cy="1384995"/>
+          </a:xfrm>
+          <a:prstGeom prst="rect">
+            <a:avLst/>
+          </a:prstGeom>
+          <a:noFill/>
+        </p:spPr>
+        <p:txBody>
+          <a:bodyPr wrap="square">
+            <a:spAutoFit/>
+          </a:bodyPr>
+          <a:lstStyle/>
+          <a:p>
+            <a:r>
+              <a:rPr lang="en-US" sz="1200" dirty="0"/>
+              <a:t>The lower quartile of IMDB ratings is: 73.0</a:t>
+            </a:r>
+          </a:p>
+          <a:p>
+            <a:r>
+              <a:rPr lang="en-US" sz="1200" dirty="0"/>
+              <a:t>The upper quartile of IMDB ratings is: 80.0</a:t>
+            </a:r>
+          </a:p>
+          <a:p>
+            <a:r>
+              <a:rPr lang="en-US" sz="1200" dirty="0"/>
+              <a:t>The interquartile range of IMDB ratings is: 7.0</a:t>
+            </a:r>
+          </a:p>
+          <a:p>
+            <a:r>
+              <a:rPr lang="en-US" sz="1200" dirty="0"/>
+              <a:t>The median of IMDB ratings is: 76.0 </a:t>
+            </a:r>
+          </a:p>
+          <a:p>
+            <a:r>
+              <a:rPr lang="en-US" sz="1200" dirty="0"/>
+              <a:t>The average IMDB rating is: 75.84</a:t>
+            </a:r>
+          </a:p>
+          <a:p>
+            <a:r>
+              <a:rPr lang="en-US" sz="1200" dirty="0"/>
+              <a:t>Values below 62.5 could be outliers.</a:t>
+            </a:r>
+          </a:p>
+          <a:p>
+            <a:r>
+              <a:rPr lang="en-US" sz="1200" dirty="0"/>
+              <a:t>Values above 90.5 could be outliers.</a:t>
+            </a:r>
+          </a:p>
+        </p:txBody>
+      </p:sp>
+      <p:sp>
+        <p:nvSpPr>
+          <p:cNvPr id="17" name="TextBox 16">
+            <a:extLst>
+              <a:ext uri="{FF2B5EF4-FFF2-40B4-BE49-F238E27FC236}">
+                <a16:creationId xmlns:a16="http://schemas.microsoft.com/office/drawing/2014/main" id="{57568FE6-93D1-4ED1-9828-53874096DCFB}"/>
+              </a:ext>
+            </a:extLst>
+          </p:cNvPr>
+          <p:cNvSpPr txBox="1"/>
+          <p:nvPr/>
+        </p:nvSpPr>
+        <p:spPr>
+          <a:xfrm>
+            <a:off x="601801" y="6946205"/>
+            <a:ext cx="4485639" cy="1384995"/>
+          </a:xfrm>
+          <a:prstGeom prst="rect">
+            <a:avLst/>
+          </a:prstGeom>
+          <a:noFill/>
+        </p:spPr>
+        <p:txBody>
+          <a:bodyPr wrap="square">
+            <a:spAutoFit/>
+          </a:bodyPr>
+          <a:lstStyle/>
+          <a:p>
+            <a:r>
+              <a:rPr lang="en-US" sz="1200" dirty="0"/>
+              <a:t>The lower quartile of </a:t>
+            </a:r>
+            <a:r>
+              <a:rPr lang="en-US" sz="1200" dirty="0" err="1"/>
+              <a:t>MetaScore</a:t>
+            </a:r>
+            <a:r>
+              <a:rPr lang="en-US" sz="1200" dirty="0"/>
+              <a:t> ratings is: 69.0</a:t>
+            </a:r>
+          </a:p>
+          <a:p>
+            <a:r>
+              <a:rPr lang="en-US" sz="1200" dirty="0"/>
+              <a:t>The upper quartile of </a:t>
+            </a:r>
+            <a:r>
+              <a:rPr lang="en-US" sz="1200" dirty="0" err="1"/>
+              <a:t>MetaScore</a:t>
+            </a:r>
+            <a:r>
+              <a:rPr lang="en-US" sz="1200" dirty="0"/>
+              <a:t> ratings is: 87.0</a:t>
+            </a:r>
+          </a:p>
+          <a:p>
+            <a:r>
+              <a:rPr lang="en-US" sz="1200" dirty="0"/>
+              <a:t>The interquartile range of </a:t>
+            </a:r>
+            <a:r>
+              <a:rPr lang="en-US" sz="1200" dirty="0" err="1"/>
+              <a:t>MetaScore</a:t>
+            </a:r>
+            <a:r>
+              <a:rPr lang="en-US" sz="1200" dirty="0"/>
+              <a:t> ratings is: 18.0</a:t>
+            </a:r>
+          </a:p>
+          <a:p>
+            <a:r>
+              <a:rPr lang="en-US" sz="1200" dirty="0"/>
+              <a:t>The median of </a:t>
+            </a:r>
+            <a:r>
+              <a:rPr lang="en-US" sz="1200" dirty="0" err="1"/>
+              <a:t>MetaScore</a:t>
+            </a:r>
+            <a:r>
+              <a:rPr lang="en-US" sz="1200" dirty="0"/>
+              <a:t> ratings is: 78.0 </a:t>
+            </a:r>
+          </a:p>
+          <a:p>
+            <a:r>
+              <a:rPr lang="en-US" sz="1200" dirty="0"/>
+              <a:t>The average </a:t>
+            </a:r>
+            <a:r>
+              <a:rPr lang="en-US" sz="1200" dirty="0" err="1"/>
+              <a:t>MetaScore</a:t>
+            </a:r>
+            <a:r>
+              <a:rPr lang="en-US" sz="1200" dirty="0"/>
+              <a:t> rating is: 75.84</a:t>
+            </a:r>
+          </a:p>
+          <a:p>
+            <a:r>
+              <a:rPr lang="en-US" sz="1200" dirty="0"/>
+              <a:t>Values below 42.0 could be outliers.</a:t>
+            </a:r>
+          </a:p>
+          <a:p>
+            <a:r>
+              <a:rPr lang="en-US" sz="1200" dirty="0"/>
+              <a:t>Values above 114.0 could be outliers.</a:t>
+            </a:r>
+          </a:p>
+        </p:txBody>
+      </p:sp>
+      <p:sp>
+        <p:nvSpPr>
+          <p:cNvPr id="19" name="TextBox 18">
+            <a:extLst>
+              <a:ext uri="{FF2B5EF4-FFF2-40B4-BE49-F238E27FC236}">
+                <a16:creationId xmlns:a16="http://schemas.microsoft.com/office/drawing/2014/main" id="{AB5B9A9A-3C9F-4F97-9DB8-6EA5C6B4F74E}"/>
+              </a:ext>
+            </a:extLst>
+          </p:cNvPr>
+          <p:cNvSpPr txBox="1"/>
+          <p:nvPr/>
+        </p:nvSpPr>
+        <p:spPr>
+          <a:xfrm>
+            <a:off x="601801" y="8443032"/>
+            <a:ext cx="4485639" cy="1384995"/>
+          </a:xfrm>
+          <a:prstGeom prst="rect">
+            <a:avLst/>
+          </a:prstGeom>
+          <a:noFill/>
+        </p:spPr>
+        <p:txBody>
+          <a:bodyPr wrap="square">
+            <a:spAutoFit/>
+          </a:bodyPr>
+          <a:lstStyle/>
+          <a:p>
+            <a:r>
+              <a:rPr lang="en-US" sz="1200" dirty="0"/>
+              <a:t>The lower quartile of </a:t>
+            </a:r>
+            <a:r>
+              <a:rPr lang="en-US" sz="1200" dirty="0" err="1"/>
+              <a:t>RottenTomatoes</a:t>
+            </a:r>
+            <a:r>
+              <a:rPr lang="en-US" sz="1200" dirty="0"/>
+              <a:t> ratings is: 82.0</a:t>
+            </a:r>
+          </a:p>
+          <a:p>
+            <a:r>
+              <a:rPr lang="en-US" sz="1200" dirty="0"/>
+              <a:t>The upper quartile of </a:t>
+            </a:r>
+            <a:r>
+              <a:rPr lang="en-US" sz="1200" dirty="0" err="1"/>
+              <a:t>RottenTomatoes</a:t>
+            </a:r>
+            <a:r>
+              <a:rPr lang="en-US" sz="1200" dirty="0"/>
+              <a:t> ratings is: 95.0</a:t>
+            </a:r>
+          </a:p>
+          <a:p>
+            <a:r>
+              <a:rPr lang="en-US" sz="1200" dirty="0"/>
+              <a:t>The interquartile range of </a:t>
+            </a:r>
+            <a:r>
+              <a:rPr lang="en-US" sz="1200" dirty="0" err="1"/>
+              <a:t>RottenTomatoes</a:t>
+            </a:r>
+            <a:r>
+              <a:rPr lang="en-US" sz="1200" dirty="0"/>
+              <a:t> ratings is: 13.0</a:t>
+            </a:r>
+          </a:p>
+          <a:p>
+            <a:r>
+              <a:rPr lang="en-US" sz="1200" dirty="0"/>
+              <a:t>The median of </a:t>
+            </a:r>
+            <a:r>
+              <a:rPr lang="en-US" sz="1200" dirty="0" err="1"/>
+              <a:t>RottenTomatoes</a:t>
+            </a:r>
+            <a:r>
+              <a:rPr lang="en-US" sz="1200" dirty="0"/>
+              <a:t> ratings is: 90.0 </a:t>
+            </a:r>
+          </a:p>
+          <a:p>
+            <a:r>
+              <a:rPr lang="en-US" sz="1200" dirty="0"/>
+              <a:t>The average </a:t>
+            </a:r>
+            <a:r>
+              <a:rPr lang="en-US" sz="1200" dirty="0" err="1"/>
+              <a:t>RottenTomatoes</a:t>
+            </a:r>
+            <a:r>
+              <a:rPr lang="en-US" sz="1200" dirty="0"/>
+              <a:t> rating is: 75.84</a:t>
+            </a:r>
+          </a:p>
+          <a:p>
+            <a:r>
+              <a:rPr lang="en-US" sz="1200" dirty="0"/>
+              <a:t>Values below 62.5 could be outliers.</a:t>
+            </a:r>
+          </a:p>
+          <a:p>
+            <a:r>
+              <a:rPr lang="en-US" sz="1200" dirty="0"/>
+              <a:t>Values above 114.5 could be outliers.</a:t>
+            </a:r>
+          </a:p>
+        </p:txBody>
+      </p:sp>
+    </p:spTree>
+    <p:extLst>
+      <p:ext uri="{BB962C8B-B14F-4D97-AF65-F5344CB8AC3E}">
+        <p14:creationId xmlns:p14="http://schemas.microsoft.com/office/powerpoint/2010/main" val="3310667530"/>
+      </p:ext>
+    </p:extLst>
+  </p:cSld>
+  <p:clrMapOvr>
+    <a:masterClrMapping/>
+  </p:clrMapOvr>
+</p:sld>
+</file>
+
+<file path=ppt/slides/slide11.xml><?xml version="1.0" encoding="utf-8"?>
+<p:sld xmlns:a="http://schemas.openxmlformats.org/drawingml/2006/main" xmlns:r="http://schemas.openxmlformats.org/officeDocument/2006/relationships" xmlns:p="http://schemas.openxmlformats.org/presentationml/2006/main">
+  <p:cSld>
+    <p:spTree>
+      <p:nvGrpSpPr>
+        <p:cNvPr id="1" name=""/>
+        <p:cNvGrpSpPr/>
+        <p:nvPr/>
+      </p:nvGrpSpPr>
+      <p:grpSpPr>
+        <a:xfrm>
+          <a:off x="0" y="0"/>
+          <a:ext cx="0" cy="0"/>
+          <a:chOff x="0" y="0"/>
+          <a:chExt cx="0" cy="0"/>
+        </a:xfrm>
+      </p:grpSpPr>
+      <p:sp>
+        <p:nvSpPr>
+          <p:cNvPr id="5" name="TextBox 4">
+            <a:extLst>
+              <a:ext uri="{FF2B5EF4-FFF2-40B4-BE49-F238E27FC236}">
+                <a16:creationId xmlns:a16="http://schemas.microsoft.com/office/drawing/2014/main" id="{39A6E9A5-94AC-1344-A369-5E14B60C00E2}"/>
+              </a:ext>
+            </a:extLst>
+          </p:cNvPr>
+          <p:cNvSpPr txBox="1"/>
+          <p:nvPr/>
+        </p:nvSpPr>
+        <p:spPr>
+          <a:xfrm>
+            <a:off x="518159" y="782236"/>
+            <a:ext cx="5656474" cy="830997"/>
+          </a:xfrm>
+          <a:prstGeom prst="rect">
+            <a:avLst/>
+          </a:prstGeom>
+          <a:ln>
+            <a:noFill/>
+          </a:ln>
+        </p:spPr>
+        <p:style>
+          <a:lnRef idx="2">
+            <a:schemeClr val="accent1"/>
+          </a:lnRef>
+          <a:fillRef idx="1">
+            <a:schemeClr val="lt1"/>
+          </a:fillRef>
+          <a:effectRef idx="0">
+            <a:schemeClr val="accent1"/>
+          </a:effectRef>
+          <a:fontRef idx="minor">
+            <a:schemeClr val="dk1"/>
+          </a:fontRef>
+        </p:style>
+        <p:txBody>
+          <a:bodyPr wrap="square" rtlCol="0">
+            <a:spAutoFit/>
+          </a:bodyPr>
+          <a:lstStyle/>
+          <a:p>
+            <a:r>
+              <a:rPr lang="en-US" sz="2400" dirty="0">
+                <a:solidFill>
+                  <a:schemeClr val="accent2"/>
+                </a:solidFill>
+              </a:rPr>
+              <a:t>Are the Oscar winners rated higher by critics than the average viewer?</a:t>
+            </a:r>
+          </a:p>
+        </p:txBody>
+      </p:sp>
+      <p:sp>
+        <p:nvSpPr>
+          <p:cNvPr id="3" name="AutoShape 2">
+            <a:extLst>
+              <a:ext uri="{FF2B5EF4-FFF2-40B4-BE49-F238E27FC236}">
+                <a16:creationId xmlns:a16="http://schemas.microsoft.com/office/drawing/2014/main" id="{CC80BB7D-6F55-4C6B-BCE1-A7EC1BE9891D}"/>
+              </a:ext>
+            </a:extLst>
+          </p:cNvPr>
+          <p:cNvSpPr>
+            <a:spLocks noChangeAspect="1" noChangeArrowheads="1"/>
+          </p:cNvSpPr>
+          <p:nvPr/>
+        </p:nvSpPr>
+        <p:spPr bwMode="auto">
+          <a:xfrm>
+            <a:off x="-447040" y="4876800"/>
+            <a:ext cx="4485640" cy="4485640"/>
+          </a:xfrm>
+          <a:prstGeom prst="rect">
+            <a:avLst/>
+          </a:prstGeom>
+          <a:noFill/>
+          <a:extLst>
+            <a:ext uri="{909E8E84-426E-40DD-AFC4-6F175D3DCCD1}">
+              <a14:hiddenFill xmlns:a14="http://schemas.microsoft.com/office/drawing/2010/main">
+                <a:solidFill>
+                  <a:srgbClr val="FFFFFF"/>
+                </a:solidFill>
+              </a14:hiddenFill>
+            </a:ext>
+          </a:extLst>
+        </p:spPr>
+        <p:txBody>
+          <a:bodyPr vert="horz" wrap="square" lIns="91440" tIns="45720" rIns="91440" bIns="45720" numCol="1" anchor="t" anchorCtr="0" compatLnSpc="1">
+            <a:prstTxWarp prst="textNoShape">
+              <a:avLst/>
+            </a:prstTxWarp>
+          </a:bodyPr>
+          <a:lstStyle/>
+          <a:p>
+            <a:endParaRPr lang="en-US"/>
+          </a:p>
+        </p:txBody>
+      </p:sp>
+      <p:pic>
+        <p:nvPicPr>
+          <p:cNvPr id="4" name="Picture 3" descr="Chart, scatter chart&#10;&#10;Description automatically generated">
+            <a:extLst>
+              <a:ext uri="{FF2B5EF4-FFF2-40B4-BE49-F238E27FC236}">
+                <a16:creationId xmlns:a16="http://schemas.microsoft.com/office/drawing/2014/main" id="{5D646E0F-F961-46EB-95FC-E6EE3B64F707}"/>
+              </a:ext>
+            </a:extLst>
+          </p:cNvPr>
+          <p:cNvPicPr>
+            <a:picLocks noChangeAspect="1"/>
+          </p:cNvPicPr>
+          <p:nvPr/>
+        </p:nvPicPr>
+        <p:blipFill>
+          <a:blip r:embed="rId2"/>
+          <a:stretch>
+            <a:fillRect/>
+          </a:stretch>
+        </p:blipFill>
+        <p:spPr>
+          <a:xfrm>
+            <a:off x="1143343" y="2001748"/>
+            <a:ext cx="5485714" cy="3657143"/>
+          </a:xfrm>
+          <a:prstGeom prst="rect">
+            <a:avLst/>
+          </a:prstGeom>
+        </p:spPr>
+      </p:pic>
+    </p:spTree>
+    <p:extLst>
+      <p:ext uri="{BB962C8B-B14F-4D97-AF65-F5344CB8AC3E}">
+        <p14:creationId xmlns:p14="http://schemas.microsoft.com/office/powerpoint/2010/main" val="2394114690"/>
+      </p:ext>
+    </p:extLst>
+  </p:cSld>
+  <p:clrMapOvr>
+    <a:masterClrMapping/>
+  </p:clrMapOvr>
+</p:sld>
+</file>
+
 <file path=ppt/slides/slide2.xml><?xml version="1.0" encoding="utf-8"?>
 <p:sld xmlns:a="http://schemas.openxmlformats.org/drawingml/2006/main" xmlns:r="http://schemas.openxmlformats.org/officeDocument/2006/relationships" xmlns:p="http://schemas.openxmlformats.org/presentationml/2006/main">
   <p:cSld>
@@ -11582,7 +12195,7 @@
                 <a:effectLst/>
                 <a:latin typeface="Century Gothic" panose="020B0502020202020204" pitchFamily="34" charset="0"/>
               </a:rPr>
-              <a:t>Of the best director Oscars nominees, what are the differences in age and gender of the candidates?</a:t>
+              <a:t>Of the best director Oscars nominees, what are the differences in age and gender of the nominees?</a:t>
             </a:r>
             <a:endParaRPr lang="en-US" dirty="0">
               <a:solidFill>
